--- a/units/4/lessons/12/resources/petascale-lessons-4.12-slides.pptx
+++ b/units/4/lessons/12/resources/petascale-lessons-4.12-slides.pptx
@@ -9,7 +9,7 @@
   </p:notesMasterIdLst>
   <p:sldIdLst>
     <p:sldId id="288" r:id="rId2"/>
-    <p:sldId id="289" r:id="rId3"/>
+    <p:sldId id="290" r:id="rId3"/>
     <p:sldId id="257" r:id="rId4"/>
     <p:sldId id="258" r:id="rId5"/>
     <p:sldId id="267" r:id="rId6"/>
@@ -221,7 +221,7 @@
           <a:p>
             <a:fld id="{14AAF11C-9062-4279-A97D-72E6267FC803}" type="datetimeFigureOut">
               <a:rPr lang="en-US" smtClean="0"/>
-              <a:t>9/12/20</a:t>
+              <a:t>10/11/20</a:t>
             </a:fld>
             <a:endParaRPr lang="en-US"/>
           </a:p>
@@ -1342,7 +1342,7 @@
           <p:cNvPr id="2" name="Title 1">
             <a:extLst>
               <a:ext uri="{FF2B5EF4-FFF2-40B4-BE49-F238E27FC236}">
-                <a16:creationId xmlns:a16="http://schemas.microsoft.com/office/drawing/2014/main" xmlns="" id="{70396A43-5056-43F7-AB91-9684228F01C5}"/>
+                <a16:creationId xmlns="" xmlns:a16="http://schemas.microsoft.com/office/drawing/2014/main" id="{70396A43-5056-43F7-AB91-9684228F01C5}"/>
               </a:ext>
             </a:extLst>
           </p:cNvPr>
@@ -1379,7 +1379,7 @@
           <p:cNvPr id="3" name="Subtitle 2">
             <a:extLst>
               <a:ext uri="{FF2B5EF4-FFF2-40B4-BE49-F238E27FC236}">
-                <a16:creationId xmlns:a16="http://schemas.microsoft.com/office/drawing/2014/main" xmlns="" id="{9F83F82D-F087-49D6-BB37-B85F29C80756}"/>
+                <a16:creationId xmlns="" xmlns:a16="http://schemas.microsoft.com/office/drawing/2014/main" id="{9F83F82D-F087-49D6-BB37-B85F29C80756}"/>
               </a:ext>
             </a:extLst>
           </p:cNvPr>
@@ -1449,7 +1449,7 @@
           <p:cNvPr id="4" name="Date Placeholder 3">
             <a:extLst>
               <a:ext uri="{FF2B5EF4-FFF2-40B4-BE49-F238E27FC236}">
-                <a16:creationId xmlns:a16="http://schemas.microsoft.com/office/drawing/2014/main" xmlns="" id="{A1D522B2-3376-4163-9608-7A792408CC31}"/>
+                <a16:creationId xmlns="" xmlns:a16="http://schemas.microsoft.com/office/drawing/2014/main" id="{A1D522B2-3376-4163-9608-7A792408CC31}"/>
               </a:ext>
             </a:extLst>
           </p:cNvPr>
@@ -1467,7 +1467,7 @@
           <a:p>
             <a:fld id="{40B22C09-651A-45AC-A882-395177D3758C}" type="datetimeFigureOut">
               <a:rPr lang="en-US" smtClean="0"/>
-              <a:t>9/12/20</a:t>
+              <a:t>10/11/20</a:t>
             </a:fld>
             <a:endParaRPr lang="en-US"/>
           </a:p>
@@ -1478,7 +1478,7 @@
           <p:cNvPr id="5" name="Footer Placeholder 4">
             <a:extLst>
               <a:ext uri="{FF2B5EF4-FFF2-40B4-BE49-F238E27FC236}">
-                <a16:creationId xmlns:a16="http://schemas.microsoft.com/office/drawing/2014/main" xmlns="" id="{9F265BE5-9C9D-49BE-98F4-33A6FEE2289A}"/>
+                <a16:creationId xmlns="" xmlns:a16="http://schemas.microsoft.com/office/drawing/2014/main" id="{9F265BE5-9C9D-49BE-98F4-33A6FEE2289A}"/>
               </a:ext>
             </a:extLst>
           </p:cNvPr>
@@ -1503,7 +1503,7 @@
           <p:cNvPr id="6" name="Slide Number Placeholder 5">
             <a:extLst>
               <a:ext uri="{FF2B5EF4-FFF2-40B4-BE49-F238E27FC236}">
-                <a16:creationId xmlns:a16="http://schemas.microsoft.com/office/drawing/2014/main" xmlns="" id="{43EB6E53-FC0C-4D0D-BC1F-3DE1D49FA3AD}"/>
+                <a16:creationId xmlns="" xmlns:a16="http://schemas.microsoft.com/office/drawing/2014/main" id="{43EB6E53-FC0C-4D0D-BC1F-3DE1D49FA3AD}"/>
               </a:ext>
             </a:extLst>
           </p:cNvPr>
@@ -1562,7 +1562,7 @@
           <p:cNvPr id="2" name="Title 1">
             <a:extLst>
               <a:ext uri="{FF2B5EF4-FFF2-40B4-BE49-F238E27FC236}">
-                <a16:creationId xmlns:a16="http://schemas.microsoft.com/office/drawing/2014/main" xmlns="" id="{4740CE3F-B436-406E-81A6-85B809C72CE2}"/>
+                <a16:creationId xmlns="" xmlns:a16="http://schemas.microsoft.com/office/drawing/2014/main" id="{4740CE3F-B436-406E-81A6-85B809C72CE2}"/>
               </a:ext>
             </a:extLst>
           </p:cNvPr>
@@ -1590,7 +1590,7 @@
           <p:cNvPr id="3" name="Vertical Text Placeholder 2">
             <a:extLst>
               <a:ext uri="{FF2B5EF4-FFF2-40B4-BE49-F238E27FC236}">
-                <a16:creationId xmlns:a16="http://schemas.microsoft.com/office/drawing/2014/main" xmlns="" id="{66E0D32E-221E-4B8E-B047-A45F8F1AD4BE}"/>
+                <a16:creationId xmlns="" xmlns:a16="http://schemas.microsoft.com/office/drawing/2014/main" id="{66E0D32E-221E-4B8E-B047-A45F8F1AD4BE}"/>
               </a:ext>
             </a:extLst>
           </p:cNvPr>
@@ -1647,7 +1647,7 @@
           <p:cNvPr id="4" name="Date Placeholder 3">
             <a:extLst>
               <a:ext uri="{FF2B5EF4-FFF2-40B4-BE49-F238E27FC236}">
-                <a16:creationId xmlns:a16="http://schemas.microsoft.com/office/drawing/2014/main" xmlns="" id="{6FB6FE21-73DA-4AD3-A94D-5443F61E6740}"/>
+                <a16:creationId xmlns="" xmlns:a16="http://schemas.microsoft.com/office/drawing/2014/main" id="{6FB6FE21-73DA-4AD3-A94D-5443F61E6740}"/>
               </a:ext>
             </a:extLst>
           </p:cNvPr>
@@ -1665,7 +1665,7 @@
           <a:p>
             <a:fld id="{40B22C09-651A-45AC-A882-395177D3758C}" type="datetimeFigureOut">
               <a:rPr lang="en-US" smtClean="0"/>
-              <a:t>9/12/20</a:t>
+              <a:t>10/11/20</a:t>
             </a:fld>
             <a:endParaRPr lang="en-US"/>
           </a:p>
@@ -1676,7 +1676,7 @@
           <p:cNvPr id="5" name="Footer Placeholder 4">
             <a:extLst>
               <a:ext uri="{FF2B5EF4-FFF2-40B4-BE49-F238E27FC236}">
-                <a16:creationId xmlns:a16="http://schemas.microsoft.com/office/drawing/2014/main" xmlns="" id="{A44A6517-FF91-432F-B518-FA127C14FD8F}"/>
+                <a16:creationId xmlns="" xmlns:a16="http://schemas.microsoft.com/office/drawing/2014/main" id="{A44A6517-FF91-432F-B518-FA127C14FD8F}"/>
               </a:ext>
             </a:extLst>
           </p:cNvPr>
@@ -1701,7 +1701,7 @@
           <p:cNvPr id="6" name="Slide Number Placeholder 5">
             <a:extLst>
               <a:ext uri="{FF2B5EF4-FFF2-40B4-BE49-F238E27FC236}">
-                <a16:creationId xmlns:a16="http://schemas.microsoft.com/office/drawing/2014/main" xmlns="" id="{A195C9CA-305E-4FEE-B8ED-F53507C58A90}"/>
+                <a16:creationId xmlns="" xmlns:a16="http://schemas.microsoft.com/office/drawing/2014/main" id="{A195C9CA-305E-4FEE-B8ED-F53507C58A90}"/>
               </a:ext>
             </a:extLst>
           </p:cNvPr>
@@ -1760,7 +1760,7 @@
           <p:cNvPr id="2" name="Vertical Title 1">
             <a:extLst>
               <a:ext uri="{FF2B5EF4-FFF2-40B4-BE49-F238E27FC236}">
-                <a16:creationId xmlns:a16="http://schemas.microsoft.com/office/drawing/2014/main" xmlns="" id="{AC7CC68D-0929-46D0-89AC-8296275049E2}"/>
+                <a16:creationId xmlns="" xmlns:a16="http://schemas.microsoft.com/office/drawing/2014/main" id="{AC7CC68D-0929-46D0-89AC-8296275049E2}"/>
               </a:ext>
             </a:extLst>
           </p:cNvPr>
@@ -1793,7 +1793,7 @@
           <p:cNvPr id="3" name="Vertical Text Placeholder 2">
             <a:extLst>
               <a:ext uri="{FF2B5EF4-FFF2-40B4-BE49-F238E27FC236}">
-                <a16:creationId xmlns:a16="http://schemas.microsoft.com/office/drawing/2014/main" xmlns="" id="{E39E6D3B-31AA-4A89-8082-F2946484645F}"/>
+                <a16:creationId xmlns="" xmlns:a16="http://schemas.microsoft.com/office/drawing/2014/main" id="{E39E6D3B-31AA-4A89-8082-F2946484645F}"/>
               </a:ext>
             </a:extLst>
           </p:cNvPr>
@@ -1855,7 +1855,7 @@
           <p:cNvPr id="4" name="Date Placeholder 3">
             <a:extLst>
               <a:ext uri="{FF2B5EF4-FFF2-40B4-BE49-F238E27FC236}">
-                <a16:creationId xmlns:a16="http://schemas.microsoft.com/office/drawing/2014/main" xmlns="" id="{3DB0DCC6-4560-4C6B-9D5F-A6B8CF8A93FA}"/>
+                <a16:creationId xmlns="" xmlns:a16="http://schemas.microsoft.com/office/drawing/2014/main" id="{3DB0DCC6-4560-4C6B-9D5F-A6B8CF8A93FA}"/>
               </a:ext>
             </a:extLst>
           </p:cNvPr>
@@ -1873,7 +1873,7 @@
           <a:p>
             <a:fld id="{40B22C09-651A-45AC-A882-395177D3758C}" type="datetimeFigureOut">
               <a:rPr lang="en-US" smtClean="0"/>
-              <a:t>9/12/20</a:t>
+              <a:t>10/11/20</a:t>
             </a:fld>
             <a:endParaRPr lang="en-US"/>
           </a:p>
@@ -1884,7 +1884,7 @@
           <p:cNvPr id="5" name="Footer Placeholder 4">
             <a:extLst>
               <a:ext uri="{FF2B5EF4-FFF2-40B4-BE49-F238E27FC236}">
-                <a16:creationId xmlns:a16="http://schemas.microsoft.com/office/drawing/2014/main" xmlns="" id="{4469131A-68B7-4A3C-94EB-A6BBBAAA7D98}"/>
+                <a16:creationId xmlns="" xmlns:a16="http://schemas.microsoft.com/office/drawing/2014/main" id="{4469131A-68B7-4A3C-94EB-A6BBBAAA7D98}"/>
               </a:ext>
             </a:extLst>
           </p:cNvPr>
@@ -1909,7 +1909,7 @@
           <p:cNvPr id="6" name="Slide Number Placeholder 5">
             <a:extLst>
               <a:ext uri="{FF2B5EF4-FFF2-40B4-BE49-F238E27FC236}">
-                <a16:creationId xmlns:a16="http://schemas.microsoft.com/office/drawing/2014/main" xmlns="" id="{72018C26-E8D1-4FE8-81D1-08D51D520B24}"/>
+                <a16:creationId xmlns="" xmlns:a16="http://schemas.microsoft.com/office/drawing/2014/main" id="{72018C26-E8D1-4FE8-81D1-08D51D520B24}"/>
               </a:ext>
             </a:extLst>
           </p:cNvPr>
@@ -1968,7 +1968,7 @@
           <p:cNvPr id="2" name="Title 1">
             <a:extLst>
               <a:ext uri="{FF2B5EF4-FFF2-40B4-BE49-F238E27FC236}">
-                <a16:creationId xmlns:a16="http://schemas.microsoft.com/office/drawing/2014/main" xmlns="" id="{50F594B8-1E18-400A-9E0A-A7168DF3F964}"/>
+                <a16:creationId xmlns="" xmlns:a16="http://schemas.microsoft.com/office/drawing/2014/main" id="{50F594B8-1E18-400A-9E0A-A7168DF3F964}"/>
               </a:ext>
             </a:extLst>
           </p:cNvPr>
@@ -1996,7 +1996,7 @@
           <p:cNvPr id="3" name="Content Placeholder 2">
             <a:extLst>
               <a:ext uri="{FF2B5EF4-FFF2-40B4-BE49-F238E27FC236}">
-                <a16:creationId xmlns:a16="http://schemas.microsoft.com/office/drawing/2014/main" xmlns="" id="{A71C3F75-C85E-4E85-963A-DA4D20A847FF}"/>
+                <a16:creationId xmlns="" xmlns:a16="http://schemas.microsoft.com/office/drawing/2014/main" id="{A71C3F75-C85E-4E85-963A-DA4D20A847FF}"/>
               </a:ext>
             </a:extLst>
           </p:cNvPr>
@@ -2053,7 +2053,7 @@
           <p:cNvPr id="4" name="Date Placeholder 3">
             <a:extLst>
               <a:ext uri="{FF2B5EF4-FFF2-40B4-BE49-F238E27FC236}">
-                <a16:creationId xmlns:a16="http://schemas.microsoft.com/office/drawing/2014/main" xmlns="" id="{A4777D6C-38C1-4A45-913E-F5D8423E4B26}"/>
+                <a16:creationId xmlns="" xmlns:a16="http://schemas.microsoft.com/office/drawing/2014/main" id="{A4777D6C-38C1-4A45-913E-F5D8423E4B26}"/>
               </a:ext>
             </a:extLst>
           </p:cNvPr>
@@ -2071,7 +2071,7 @@
           <a:p>
             <a:fld id="{40B22C09-651A-45AC-A882-395177D3758C}" type="datetimeFigureOut">
               <a:rPr lang="en-US" smtClean="0"/>
-              <a:t>9/12/20</a:t>
+              <a:t>10/11/20</a:t>
             </a:fld>
             <a:endParaRPr lang="en-US"/>
           </a:p>
@@ -2082,7 +2082,7 @@
           <p:cNvPr id="5" name="Footer Placeholder 4">
             <a:extLst>
               <a:ext uri="{FF2B5EF4-FFF2-40B4-BE49-F238E27FC236}">
-                <a16:creationId xmlns:a16="http://schemas.microsoft.com/office/drawing/2014/main" xmlns="" id="{EABB5C84-C73A-4BDF-AE84-E50EFA838C18}"/>
+                <a16:creationId xmlns="" xmlns:a16="http://schemas.microsoft.com/office/drawing/2014/main" id="{EABB5C84-C73A-4BDF-AE84-E50EFA838C18}"/>
               </a:ext>
             </a:extLst>
           </p:cNvPr>
@@ -2107,7 +2107,7 @@
           <p:cNvPr id="6" name="Slide Number Placeholder 5">
             <a:extLst>
               <a:ext uri="{FF2B5EF4-FFF2-40B4-BE49-F238E27FC236}">
-                <a16:creationId xmlns:a16="http://schemas.microsoft.com/office/drawing/2014/main" xmlns="" id="{6780E398-AACC-4B64-A1FC-AB80BF097C63}"/>
+                <a16:creationId xmlns="" xmlns:a16="http://schemas.microsoft.com/office/drawing/2014/main" id="{6780E398-AACC-4B64-A1FC-AB80BF097C63}"/>
               </a:ext>
             </a:extLst>
           </p:cNvPr>
@@ -2166,7 +2166,7 @@
           <p:cNvPr id="2" name="Title 1">
             <a:extLst>
               <a:ext uri="{FF2B5EF4-FFF2-40B4-BE49-F238E27FC236}">
-                <a16:creationId xmlns:a16="http://schemas.microsoft.com/office/drawing/2014/main" xmlns="" id="{5B68F61B-1862-4D4B-82DC-AF0BF1662610}"/>
+                <a16:creationId xmlns="" xmlns:a16="http://schemas.microsoft.com/office/drawing/2014/main" id="{5B68F61B-1862-4D4B-82DC-AF0BF1662610}"/>
               </a:ext>
             </a:extLst>
           </p:cNvPr>
@@ -2203,7 +2203,7 @@
           <p:cNvPr id="3" name="Text Placeholder 2">
             <a:extLst>
               <a:ext uri="{FF2B5EF4-FFF2-40B4-BE49-F238E27FC236}">
-                <a16:creationId xmlns:a16="http://schemas.microsoft.com/office/drawing/2014/main" xmlns="" id="{E9BF1F45-24BC-4C84-80E9-C78CB16E7A13}"/>
+                <a16:creationId xmlns="" xmlns:a16="http://schemas.microsoft.com/office/drawing/2014/main" id="{E9BF1F45-24BC-4C84-80E9-C78CB16E7A13}"/>
               </a:ext>
             </a:extLst>
           </p:cNvPr>
@@ -2328,7 +2328,7 @@
           <p:cNvPr id="4" name="Date Placeholder 3">
             <a:extLst>
               <a:ext uri="{FF2B5EF4-FFF2-40B4-BE49-F238E27FC236}">
-                <a16:creationId xmlns:a16="http://schemas.microsoft.com/office/drawing/2014/main" xmlns="" id="{93CC494E-232E-43FA-9A3F-6DBA3A232B78}"/>
+                <a16:creationId xmlns="" xmlns:a16="http://schemas.microsoft.com/office/drawing/2014/main" id="{93CC494E-232E-43FA-9A3F-6DBA3A232B78}"/>
               </a:ext>
             </a:extLst>
           </p:cNvPr>
@@ -2346,7 +2346,7 @@
           <a:p>
             <a:fld id="{40B22C09-651A-45AC-A882-395177D3758C}" type="datetimeFigureOut">
               <a:rPr lang="en-US" smtClean="0"/>
-              <a:t>9/12/20</a:t>
+              <a:t>10/11/20</a:t>
             </a:fld>
             <a:endParaRPr lang="en-US"/>
           </a:p>
@@ -2357,7 +2357,7 @@
           <p:cNvPr id="5" name="Footer Placeholder 4">
             <a:extLst>
               <a:ext uri="{FF2B5EF4-FFF2-40B4-BE49-F238E27FC236}">
-                <a16:creationId xmlns:a16="http://schemas.microsoft.com/office/drawing/2014/main" xmlns="" id="{55EC3B8B-D0BB-4948-8AEC-B48DCF671E76}"/>
+                <a16:creationId xmlns="" xmlns:a16="http://schemas.microsoft.com/office/drawing/2014/main" id="{55EC3B8B-D0BB-4948-8AEC-B48DCF671E76}"/>
               </a:ext>
             </a:extLst>
           </p:cNvPr>
@@ -2382,7 +2382,7 @@
           <p:cNvPr id="6" name="Slide Number Placeholder 5">
             <a:extLst>
               <a:ext uri="{FF2B5EF4-FFF2-40B4-BE49-F238E27FC236}">
-                <a16:creationId xmlns:a16="http://schemas.microsoft.com/office/drawing/2014/main" xmlns="" id="{B5E3113B-2B3E-4C52-8F8D-A9317FA28741}"/>
+                <a16:creationId xmlns="" xmlns:a16="http://schemas.microsoft.com/office/drawing/2014/main" id="{B5E3113B-2B3E-4C52-8F8D-A9317FA28741}"/>
               </a:ext>
             </a:extLst>
           </p:cNvPr>
@@ -2441,7 +2441,7 @@
           <p:cNvPr id="2" name="Title 1">
             <a:extLst>
               <a:ext uri="{FF2B5EF4-FFF2-40B4-BE49-F238E27FC236}">
-                <a16:creationId xmlns:a16="http://schemas.microsoft.com/office/drawing/2014/main" xmlns="" id="{CBDAF8D1-76CF-4AAF-B011-FA0E590905A0}"/>
+                <a16:creationId xmlns="" xmlns:a16="http://schemas.microsoft.com/office/drawing/2014/main" id="{CBDAF8D1-76CF-4AAF-B011-FA0E590905A0}"/>
               </a:ext>
             </a:extLst>
           </p:cNvPr>
@@ -2469,7 +2469,7 @@
           <p:cNvPr id="3" name="Content Placeholder 2">
             <a:extLst>
               <a:ext uri="{FF2B5EF4-FFF2-40B4-BE49-F238E27FC236}">
-                <a16:creationId xmlns:a16="http://schemas.microsoft.com/office/drawing/2014/main" xmlns="" id="{F82EDCDC-368A-47DD-AAF3-D8B85BACE3BC}"/>
+                <a16:creationId xmlns="" xmlns:a16="http://schemas.microsoft.com/office/drawing/2014/main" id="{F82EDCDC-368A-47DD-AAF3-D8B85BACE3BC}"/>
               </a:ext>
             </a:extLst>
           </p:cNvPr>
@@ -2531,7 +2531,7 @@
           <p:cNvPr id="4" name="Content Placeholder 3">
             <a:extLst>
               <a:ext uri="{FF2B5EF4-FFF2-40B4-BE49-F238E27FC236}">
-                <a16:creationId xmlns:a16="http://schemas.microsoft.com/office/drawing/2014/main" xmlns="" id="{675DBC3B-C496-4436-9320-3F55AFE004A3}"/>
+                <a16:creationId xmlns="" xmlns:a16="http://schemas.microsoft.com/office/drawing/2014/main" id="{675DBC3B-C496-4436-9320-3F55AFE004A3}"/>
               </a:ext>
             </a:extLst>
           </p:cNvPr>
@@ -2593,7 +2593,7 @@
           <p:cNvPr id="5" name="Date Placeholder 4">
             <a:extLst>
               <a:ext uri="{FF2B5EF4-FFF2-40B4-BE49-F238E27FC236}">
-                <a16:creationId xmlns:a16="http://schemas.microsoft.com/office/drawing/2014/main" xmlns="" id="{056BDB01-07E0-455F-A9A9-15F46C068B22}"/>
+                <a16:creationId xmlns="" xmlns:a16="http://schemas.microsoft.com/office/drawing/2014/main" id="{056BDB01-07E0-455F-A9A9-15F46C068B22}"/>
               </a:ext>
             </a:extLst>
           </p:cNvPr>
@@ -2611,7 +2611,7 @@
           <a:p>
             <a:fld id="{40B22C09-651A-45AC-A882-395177D3758C}" type="datetimeFigureOut">
               <a:rPr lang="en-US" smtClean="0"/>
-              <a:t>9/12/20</a:t>
+              <a:t>10/11/20</a:t>
             </a:fld>
             <a:endParaRPr lang="en-US"/>
           </a:p>
@@ -2622,7 +2622,7 @@
           <p:cNvPr id="6" name="Footer Placeholder 5">
             <a:extLst>
               <a:ext uri="{FF2B5EF4-FFF2-40B4-BE49-F238E27FC236}">
-                <a16:creationId xmlns:a16="http://schemas.microsoft.com/office/drawing/2014/main" xmlns="" id="{7072D23C-2A1B-4305-9D10-E551041571CD}"/>
+                <a16:creationId xmlns="" xmlns:a16="http://schemas.microsoft.com/office/drawing/2014/main" id="{7072D23C-2A1B-4305-9D10-E551041571CD}"/>
               </a:ext>
             </a:extLst>
           </p:cNvPr>
@@ -2647,7 +2647,7 @@
           <p:cNvPr id="7" name="Slide Number Placeholder 6">
             <a:extLst>
               <a:ext uri="{FF2B5EF4-FFF2-40B4-BE49-F238E27FC236}">
-                <a16:creationId xmlns:a16="http://schemas.microsoft.com/office/drawing/2014/main" xmlns="" id="{81276F88-60CB-4E9C-B6C0-E1B08BBB61B7}"/>
+                <a16:creationId xmlns="" xmlns:a16="http://schemas.microsoft.com/office/drawing/2014/main" id="{81276F88-60CB-4E9C-B6C0-E1B08BBB61B7}"/>
               </a:ext>
             </a:extLst>
           </p:cNvPr>
@@ -2706,7 +2706,7 @@
           <p:cNvPr id="2" name="Title 1">
             <a:extLst>
               <a:ext uri="{FF2B5EF4-FFF2-40B4-BE49-F238E27FC236}">
-                <a16:creationId xmlns:a16="http://schemas.microsoft.com/office/drawing/2014/main" xmlns="" id="{641FF6EA-3FDC-405D-9848-4806EDA76D19}"/>
+                <a16:creationId xmlns="" xmlns:a16="http://schemas.microsoft.com/office/drawing/2014/main" id="{641FF6EA-3FDC-405D-9848-4806EDA76D19}"/>
               </a:ext>
             </a:extLst>
           </p:cNvPr>
@@ -2739,7 +2739,7 @@
           <p:cNvPr id="3" name="Text Placeholder 2">
             <a:extLst>
               <a:ext uri="{FF2B5EF4-FFF2-40B4-BE49-F238E27FC236}">
-                <a16:creationId xmlns:a16="http://schemas.microsoft.com/office/drawing/2014/main" xmlns="" id="{A496EBF7-06FB-4C8E-A351-E23A7A1AFCFE}"/>
+                <a16:creationId xmlns="" xmlns:a16="http://schemas.microsoft.com/office/drawing/2014/main" id="{A496EBF7-06FB-4C8E-A351-E23A7A1AFCFE}"/>
               </a:ext>
             </a:extLst>
           </p:cNvPr>
@@ -2810,7 +2810,7 @@
           <p:cNvPr id="4" name="Content Placeholder 3">
             <a:extLst>
               <a:ext uri="{FF2B5EF4-FFF2-40B4-BE49-F238E27FC236}">
-                <a16:creationId xmlns:a16="http://schemas.microsoft.com/office/drawing/2014/main" xmlns="" id="{54005719-06E4-4EE9-BB31-73076F2B5F4B}"/>
+                <a16:creationId xmlns="" xmlns:a16="http://schemas.microsoft.com/office/drawing/2014/main" id="{54005719-06E4-4EE9-BB31-73076F2B5F4B}"/>
               </a:ext>
             </a:extLst>
           </p:cNvPr>
@@ -2872,7 +2872,7 @@
           <p:cNvPr id="5" name="Text Placeholder 4">
             <a:extLst>
               <a:ext uri="{FF2B5EF4-FFF2-40B4-BE49-F238E27FC236}">
-                <a16:creationId xmlns:a16="http://schemas.microsoft.com/office/drawing/2014/main" xmlns="" id="{F5A11E9E-1EB0-4A7D-8FBC-0123F742E0B3}"/>
+                <a16:creationId xmlns="" xmlns:a16="http://schemas.microsoft.com/office/drawing/2014/main" id="{F5A11E9E-1EB0-4A7D-8FBC-0123F742E0B3}"/>
               </a:ext>
             </a:extLst>
           </p:cNvPr>
@@ -2943,7 +2943,7 @@
           <p:cNvPr id="6" name="Content Placeholder 5">
             <a:extLst>
               <a:ext uri="{FF2B5EF4-FFF2-40B4-BE49-F238E27FC236}">
-                <a16:creationId xmlns:a16="http://schemas.microsoft.com/office/drawing/2014/main" xmlns="" id="{1E87BC82-D47C-4F7A-987C-7EEDC9B53C83}"/>
+                <a16:creationId xmlns="" xmlns:a16="http://schemas.microsoft.com/office/drawing/2014/main" id="{1E87BC82-D47C-4F7A-987C-7EEDC9B53C83}"/>
               </a:ext>
             </a:extLst>
           </p:cNvPr>
@@ -3005,7 +3005,7 @@
           <p:cNvPr id="7" name="Date Placeholder 6">
             <a:extLst>
               <a:ext uri="{FF2B5EF4-FFF2-40B4-BE49-F238E27FC236}">
-                <a16:creationId xmlns:a16="http://schemas.microsoft.com/office/drawing/2014/main" xmlns="" id="{8511EAE8-CEDA-4085-8423-14FA4B020357}"/>
+                <a16:creationId xmlns="" xmlns:a16="http://schemas.microsoft.com/office/drawing/2014/main" id="{8511EAE8-CEDA-4085-8423-14FA4B020357}"/>
               </a:ext>
             </a:extLst>
           </p:cNvPr>
@@ -3023,7 +3023,7 @@
           <a:p>
             <a:fld id="{40B22C09-651A-45AC-A882-395177D3758C}" type="datetimeFigureOut">
               <a:rPr lang="en-US" smtClean="0"/>
-              <a:t>9/12/20</a:t>
+              <a:t>10/11/20</a:t>
             </a:fld>
             <a:endParaRPr lang="en-US"/>
           </a:p>
@@ -3034,7 +3034,7 @@
           <p:cNvPr id="8" name="Footer Placeholder 7">
             <a:extLst>
               <a:ext uri="{FF2B5EF4-FFF2-40B4-BE49-F238E27FC236}">
-                <a16:creationId xmlns:a16="http://schemas.microsoft.com/office/drawing/2014/main" xmlns="" id="{11DE501E-B1D4-47F2-812B-306ECD3934FC}"/>
+                <a16:creationId xmlns="" xmlns:a16="http://schemas.microsoft.com/office/drawing/2014/main" id="{11DE501E-B1D4-47F2-812B-306ECD3934FC}"/>
               </a:ext>
             </a:extLst>
           </p:cNvPr>
@@ -3059,7 +3059,7 @@
           <p:cNvPr id="9" name="Slide Number Placeholder 8">
             <a:extLst>
               <a:ext uri="{FF2B5EF4-FFF2-40B4-BE49-F238E27FC236}">
-                <a16:creationId xmlns:a16="http://schemas.microsoft.com/office/drawing/2014/main" xmlns="" id="{D1BC3A90-4464-41F9-B5AD-CF914ECECF8D}"/>
+                <a16:creationId xmlns="" xmlns:a16="http://schemas.microsoft.com/office/drawing/2014/main" id="{D1BC3A90-4464-41F9-B5AD-CF914ECECF8D}"/>
               </a:ext>
             </a:extLst>
           </p:cNvPr>
@@ -3118,7 +3118,7 @@
           <p:cNvPr id="2" name="Title 1">
             <a:extLst>
               <a:ext uri="{FF2B5EF4-FFF2-40B4-BE49-F238E27FC236}">
-                <a16:creationId xmlns:a16="http://schemas.microsoft.com/office/drawing/2014/main" xmlns="" id="{635AB128-F04A-497B-AC20-83EA38F9ECCF}"/>
+                <a16:creationId xmlns="" xmlns:a16="http://schemas.microsoft.com/office/drawing/2014/main" id="{635AB128-F04A-497B-AC20-83EA38F9ECCF}"/>
               </a:ext>
             </a:extLst>
           </p:cNvPr>
@@ -3146,7 +3146,7 @@
           <p:cNvPr id="3" name="Date Placeholder 2">
             <a:extLst>
               <a:ext uri="{FF2B5EF4-FFF2-40B4-BE49-F238E27FC236}">
-                <a16:creationId xmlns:a16="http://schemas.microsoft.com/office/drawing/2014/main" xmlns="" id="{6D95322D-E9AA-4AE0-B167-7DFBFF42D1ED}"/>
+                <a16:creationId xmlns="" xmlns:a16="http://schemas.microsoft.com/office/drawing/2014/main" id="{6D95322D-E9AA-4AE0-B167-7DFBFF42D1ED}"/>
               </a:ext>
             </a:extLst>
           </p:cNvPr>
@@ -3164,7 +3164,7 @@
           <a:p>
             <a:fld id="{40B22C09-651A-45AC-A882-395177D3758C}" type="datetimeFigureOut">
               <a:rPr lang="en-US" smtClean="0"/>
-              <a:t>9/12/20</a:t>
+              <a:t>10/11/20</a:t>
             </a:fld>
             <a:endParaRPr lang="en-US"/>
           </a:p>
@@ -3175,7 +3175,7 @@
           <p:cNvPr id="4" name="Footer Placeholder 3">
             <a:extLst>
               <a:ext uri="{FF2B5EF4-FFF2-40B4-BE49-F238E27FC236}">
-                <a16:creationId xmlns:a16="http://schemas.microsoft.com/office/drawing/2014/main" xmlns="" id="{D21F6DDD-A06C-407A-8601-08191F6A9F2B}"/>
+                <a16:creationId xmlns="" xmlns:a16="http://schemas.microsoft.com/office/drawing/2014/main" id="{D21F6DDD-A06C-407A-8601-08191F6A9F2B}"/>
               </a:ext>
             </a:extLst>
           </p:cNvPr>
@@ -3200,7 +3200,7 @@
           <p:cNvPr id="5" name="Slide Number Placeholder 4">
             <a:extLst>
               <a:ext uri="{FF2B5EF4-FFF2-40B4-BE49-F238E27FC236}">
-                <a16:creationId xmlns:a16="http://schemas.microsoft.com/office/drawing/2014/main" xmlns="" id="{A58E20FE-D7D0-4ACD-A627-D1ED2D93F2DC}"/>
+                <a16:creationId xmlns="" xmlns:a16="http://schemas.microsoft.com/office/drawing/2014/main" id="{A58E20FE-D7D0-4ACD-A627-D1ED2D93F2DC}"/>
               </a:ext>
             </a:extLst>
           </p:cNvPr>
@@ -3259,7 +3259,7 @@
           <p:cNvPr id="2" name="Date Placeholder 1">
             <a:extLst>
               <a:ext uri="{FF2B5EF4-FFF2-40B4-BE49-F238E27FC236}">
-                <a16:creationId xmlns:a16="http://schemas.microsoft.com/office/drawing/2014/main" xmlns="" id="{C24D523C-E3E0-4141-9795-F8C0D77A80F6}"/>
+                <a16:creationId xmlns="" xmlns:a16="http://schemas.microsoft.com/office/drawing/2014/main" id="{C24D523C-E3E0-4141-9795-F8C0D77A80F6}"/>
               </a:ext>
             </a:extLst>
           </p:cNvPr>
@@ -3277,7 +3277,7 @@
           <a:p>
             <a:fld id="{40B22C09-651A-45AC-A882-395177D3758C}" type="datetimeFigureOut">
               <a:rPr lang="en-US" smtClean="0"/>
-              <a:t>9/12/20</a:t>
+              <a:t>10/11/20</a:t>
             </a:fld>
             <a:endParaRPr lang="en-US"/>
           </a:p>
@@ -3288,7 +3288,7 @@
           <p:cNvPr id="3" name="Footer Placeholder 2">
             <a:extLst>
               <a:ext uri="{FF2B5EF4-FFF2-40B4-BE49-F238E27FC236}">
-                <a16:creationId xmlns:a16="http://schemas.microsoft.com/office/drawing/2014/main" xmlns="" id="{8D4FEA45-9058-4C9F-9D3D-C127B0DFB433}"/>
+                <a16:creationId xmlns="" xmlns:a16="http://schemas.microsoft.com/office/drawing/2014/main" id="{8D4FEA45-9058-4C9F-9D3D-C127B0DFB433}"/>
               </a:ext>
             </a:extLst>
           </p:cNvPr>
@@ -3313,7 +3313,7 @@
           <p:cNvPr id="4" name="Slide Number Placeholder 3">
             <a:extLst>
               <a:ext uri="{FF2B5EF4-FFF2-40B4-BE49-F238E27FC236}">
-                <a16:creationId xmlns:a16="http://schemas.microsoft.com/office/drawing/2014/main" xmlns="" id="{7F1A55E5-F9A5-43CD-84D3-6E7CBA23D1ED}"/>
+                <a16:creationId xmlns="" xmlns:a16="http://schemas.microsoft.com/office/drawing/2014/main" id="{7F1A55E5-F9A5-43CD-84D3-6E7CBA23D1ED}"/>
               </a:ext>
             </a:extLst>
           </p:cNvPr>
@@ -3372,7 +3372,7 @@
           <p:cNvPr id="2" name="Title 1">
             <a:extLst>
               <a:ext uri="{FF2B5EF4-FFF2-40B4-BE49-F238E27FC236}">
-                <a16:creationId xmlns:a16="http://schemas.microsoft.com/office/drawing/2014/main" xmlns="" id="{00A8BE5C-3E50-437E-A3C4-4F56D3E763EA}"/>
+                <a16:creationId xmlns="" xmlns:a16="http://schemas.microsoft.com/office/drawing/2014/main" id="{00A8BE5C-3E50-437E-A3C4-4F56D3E763EA}"/>
               </a:ext>
             </a:extLst>
           </p:cNvPr>
@@ -3409,7 +3409,7 @@
           <p:cNvPr id="3" name="Content Placeholder 2">
             <a:extLst>
               <a:ext uri="{FF2B5EF4-FFF2-40B4-BE49-F238E27FC236}">
-                <a16:creationId xmlns:a16="http://schemas.microsoft.com/office/drawing/2014/main" xmlns="" id="{F393E5FE-3559-4978-A9F8-6A32745467A9}"/>
+                <a16:creationId xmlns="" xmlns:a16="http://schemas.microsoft.com/office/drawing/2014/main" id="{F393E5FE-3559-4978-A9F8-6A32745467A9}"/>
               </a:ext>
             </a:extLst>
           </p:cNvPr>
@@ -3499,7 +3499,7 @@
           <p:cNvPr id="4" name="Text Placeholder 3">
             <a:extLst>
               <a:ext uri="{FF2B5EF4-FFF2-40B4-BE49-F238E27FC236}">
-                <a16:creationId xmlns:a16="http://schemas.microsoft.com/office/drawing/2014/main" xmlns="" id="{B47F072C-274D-47CF-B87D-C5E9DED359AE}"/>
+                <a16:creationId xmlns="" xmlns:a16="http://schemas.microsoft.com/office/drawing/2014/main" id="{B47F072C-274D-47CF-B87D-C5E9DED359AE}"/>
               </a:ext>
             </a:extLst>
           </p:cNvPr>
@@ -3570,7 +3570,7 @@
           <p:cNvPr id="5" name="Date Placeholder 4">
             <a:extLst>
               <a:ext uri="{FF2B5EF4-FFF2-40B4-BE49-F238E27FC236}">
-                <a16:creationId xmlns:a16="http://schemas.microsoft.com/office/drawing/2014/main" xmlns="" id="{6ED82F0D-A5A4-46FB-A009-A7C0B6AE49A4}"/>
+                <a16:creationId xmlns="" xmlns:a16="http://schemas.microsoft.com/office/drawing/2014/main" id="{6ED82F0D-A5A4-46FB-A009-A7C0B6AE49A4}"/>
               </a:ext>
             </a:extLst>
           </p:cNvPr>
@@ -3588,7 +3588,7 @@
           <a:p>
             <a:fld id="{40B22C09-651A-45AC-A882-395177D3758C}" type="datetimeFigureOut">
               <a:rPr lang="en-US" smtClean="0"/>
-              <a:t>9/12/20</a:t>
+              <a:t>10/11/20</a:t>
             </a:fld>
             <a:endParaRPr lang="en-US"/>
           </a:p>
@@ -3599,7 +3599,7 @@
           <p:cNvPr id="6" name="Footer Placeholder 5">
             <a:extLst>
               <a:ext uri="{FF2B5EF4-FFF2-40B4-BE49-F238E27FC236}">
-                <a16:creationId xmlns:a16="http://schemas.microsoft.com/office/drawing/2014/main" xmlns="" id="{EFC96E5C-5F5D-4A20-90E6-38D2BB3F640F}"/>
+                <a16:creationId xmlns="" xmlns:a16="http://schemas.microsoft.com/office/drawing/2014/main" id="{EFC96E5C-5F5D-4A20-90E6-38D2BB3F640F}"/>
               </a:ext>
             </a:extLst>
           </p:cNvPr>
@@ -3624,7 +3624,7 @@
           <p:cNvPr id="7" name="Slide Number Placeholder 6">
             <a:extLst>
               <a:ext uri="{FF2B5EF4-FFF2-40B4-BE49-F238E27FC236}">
-                <a16:creationId xmlns:a16="http://schemas.microsoft.com/office/drawing/2014/main" xmlns="" id="{F88EE239-54CE-4B68-8115-45D329924434}"/>
+                <a16:creationId xmlns="" xmlns:a16="http://schemas.microsoft.com/office/drawing/2014/main" id="{F88EE239-54CE-4B68-8115-45D329924434}"/>
               </a:ext>
             </a:extLst>
           </p:cNvPr>
@@ -3683,7 +3683,7 @@
           <p:cNvPr id="2" name="Title 1">
             <a:extLst>
               <a:ext uri="{FF2B5EF4-FFF2-40B4-BE49-F238E27FC236}">
-                <a16:creationId xmlns:a16="http://schemas.microsoft.com/office/drawing/2014/main" xmlns="" id="{3FA8A8F1-2917-499C-AF6B-F6F8BE79E5A0}"/>
+                <a16:creationId xmlns="" xmlns:a16="http://schemas.microsoft.com/office/drawing/2014/main" id="{3FA8A8F1-2917-499C-AF6B-F6F8BE79E5A0}"/>
               </a:ext>
             </a:extLst>
           </p:cNvPr>
@@ -3720,7 +3720,7 @@
           <p:cNvPr id="3" name="Picture Placeholder 2">
             <a:extLst>
               <a:ext uri="{FF2B5EF4-FFF2-40B4-BE49-F238E27FC236}">
-                <a16:creationId xmlns:a16="http://schemas.microsoft.com/office/drawing/2014/main" xmlns="" id="{8400F5B9-2E85-4F69-9892-32F0AC237ED1}"/>
+                <a16:creationId xmlns="" xmlns:a16="http://schemas.microsoft.com/office/drawing/2014/main" id="{8400F5B9-2E85-4F69-9892-32F0AC237ED1}"/>
               </a:ext>
             </a:extLst>
           </p:cNvPr>
@@ -3787,7 +3787,7 @@
           <p:cNvPr id="4" name="Text Placeholder 3">
             <a:extLst>
               <a:ext uri="{FF2B5EF4-FFF2-40B4-BE49-F238E27FC236}">
-                <a16:creationId xmlns:a16="http://schemas.microsoft.com/office/drawing/2014/main" xmlns="" id="{BBD42F88-A155-4AFC-B4EB-30265EDE7E3B}"/>
+                <a16:creationId xmlns="" xmlns:a16="http://schemas.microsoft.com/office/drawing/2014/main" id="{BBD42F88-A155-4AFC-B4EB-30265EDE7E3B}"/>
               </a:ext>
             </a:extLst>
           </p:cNvPr>
@@ -3858,7 +3858,7 @@
           <p:cNvPr id="5" name="Date Placeholder 4">
             <a:extLst>
               <a:ext uri="{FF2B5EF4-FFF2-40B4-BE49-F238E27FC236}">
-                <a16:creationId xmlns:a16="http://schemas.microsoft.com/office/drawing/2014/main" xmlns="" id="{BEA28A34-FBC0-4869-BA21-8843EA9B9021}"/>
+                <a16:creationId xmlns="" xmlns:a16="http://schemas.microsoft.com/office/drawing/2014/main" id="{BEA28A34-FBC0-4869-BA21-8843EA9B9021}"/>
               </a:ext>
             </a:extLst>
           </p:cNvPr>
@@ -3876,7 +3876,7 @@
           <a:p>
             <a:fld id="{40B22C09-651A-45AC-A882-395177D3758C}" type="datetimeFigureOut">
               <a:rPr lang="en-US" smtClean="0"/>
-              <a:t>9/12/20</a:t>
+              <a:t>10/11/20</a:t>
             </a:fld>
             <a:endParaRPr lang="en-US"/>
           </a:p>
@@ -3887,7 +3887,7 @@
           <p:cNvPr id="6" name="Footer Placeholder 5">
             <a:extLst>
               <a:ext uri="{FF2B5EF4-FFF2-40B4-BE49-F238E27FC236}">
-                <a16:creationId xmlns:a16="http://schemas.microsoft.com/office/drawing/2014/main" xmlns="" id="{D3DE6C40-03CA-40A7-8DB5-C75F4666BC72}"/>
+                <a16:creationId xmlns="" xmlns:a16="http://schemas.microsoft.com/office/drawing/2014/main" id="{D3DE6C40-03CA-40A7-8DB5-C75F4666BC72}"/>
               </a:ext>
             </a:extLst>
           </p:cNvPr>
@@ -3912,7 +3912,7 @@
           <p:cNvPr id="7" name="Slide Number Placeholder 6">
             <a:extLst>
               <a:ext uri="{FF2B5EF4-FFF2-40B4-BE49-F238E27FC236}">
-                <a16:creationId xmlns:a16="http://schemas.microsoft.com/office/drawing/2014/main" xmlns="" id="{1F090C83-D7CC-489B-9C42-B1AA224F2304}"/>
+                <a16:creationId xmlns="" xmlns:a16="http://schemas.microsoft.com/office/drawing/2014/main" id="{1F090C83-D7CC-489B-9C42-B1AA224F2304}"/>
               </a:ext>
             </a:extLst>
           </p:cNvPr>
@@ -3976,7 +3976,7 @@
           <p:cNvPr id="2" name="Title Placeholder 1">
             <a:extLst>
               <a:ext uri="{FF2B5EF4-FFF2-40B4-BE49-F238E27FC236}">
-                <a16:creationId xmlns:a16="http://schemas.microsoft.com/office/drawing/2014/main" xmlns="" id="{74743776-C17D-4001-AA05-A86149057DEF}"/>
+                <a16:creationId xmlns="" xmlns:a16="http://schemas.microsoft.com/office/drawing/2014/main" id="{74743776-C17D-4001-AA05-A86149057DEF}"/>
               </a:ext>
             </a:extLst>
           </p:cNvPr>
@@ -4014,7 +4014,7 @@
           <p:cNvPr id="3" name="Text Placeholder 2">
             <a:extLst>
               <a:ext uri="{FF2B5EF4-FFF2-40B4-BE49-F238E27FC236}">
-                <a16:creationId xmlns:a16="http://schemas.microsoft.com/office/drawing/2014/main" xmlns="" id="{15FE75D1-AEB6-4CA4-8BF4-00B27753C552}"/>
+                <a16:creationId xmlns="" xmlns:a16="http://schemas.microsoft.com/office/drawing/2014/main" id="{15FE75D1-AEB6-4CA4-8BF4-00B27753C552}"/>
               </a:ext>
             </a:extLst>
           </p:cNvPr>
@@ -4081,7 +4081,7 @@
           <p:cNvPr id="4" name="Date Placeholder 3">
             <a:extLst>
               <a:ext uri="{FF2B5EF4-FFF2-40B4-BE49-F238E27FC236}">
-                <a16:creationId xmlns:a16="http://schemas.microsoft.com/office/drawing/2014/main" xmlns="" id="{BBACC103-5583-4E53-8324-1C02468BD623}"/>
+                <a16:creationId xmlns="" xmlns:a16="http://schemas.microsoft.com/office/drawing/2014/main" id="{BBACC103-5583-4E53-8324-1C02468BD623}"/>
               </a:ext>
             </a:extLst>
           </p:cNvPr>
@@ -4117,7 +4117,7 @@
           <a:p>
             <a:fld id="{40B22C09-651A-45AC-A882-395177D3758C}" type="datetimeFigureOut">
               <a:rPr lang="en-US" smtClean="0"/>
-              <a:t>9/12/20</a:t>
+              <a:t>10/11/20</a:t>
             </a:fld>
             <a:endParaRPr lang="en-US"/>
           </a:p>
@@ -4128,7 +4128,7 @@
           <p:cNvPr id="5" name="Footer Placeholder 4">
             <a:extLst>
               <a:ext uri="{FF2B5EF4-FFF2-40B4-BE49-F238E27FC236}">
-                <a16:creationId xmlns:a16="http://schemas.microsoft.com/office/drawing/2014/main" xmlns="" id="{F3F6A0F5-21CF-433C-96B7-3A22B847B0AB}"/>
+                <a16:creationId xmlns="" xmlns:a16="http://schemas.microsoft.com/office/drawing/2014/main" id="{F3F6A0F5-21CF-433C-96B7-3A22B847B0AB}"/>
               </a:ext>
             </a:extLst>
           </p:cNvPr>
@@ -4171,7 +4171,7 @@
           <p:cNvPr id="6" name="Slide Number Placeholder 5">
             <a:extLst>
               <a:ext uri="{FF2B5EF4-FFF2-40B4-BE49-F238E27FC236}">
-                <a16:creationId xmlns:a16="http://schemas.microsoft.com/office/drawing/2014/main" xmlns="" id="{6413A8FB-0F08-4E68-B0F2-0C1A8E54C6A3}"/>
+                <a16:creationId xmlns="" xmlns:a16="http://schemas.microsoft.com/office/drawing/2014/main" id="{6413A8FB-0F08-4E68-B0F2-0C1A8E54C6A3}"/>
               </a:ext>
             </a:extLst>
           </p:cNvPr>
@@ -4670,14 +4670,6 @@
               </a:rPr>
               <a:t>by Cameron Foss</a:t>
             </a:r>
-            <a:r>
-              <a:rPr lang="en-US" sz="3600" i="1" dirty="0">
-                <a:latin typeface="Times New Roman" charset="0"/>
-                <a:ea typeface="Times New Roman" charset="0"/>
-                <a:cs typeface="Times New Roman" charset="0"/>
-              </a:rPr>
-              <a:t/>
-            </a:r>
             <a:br>
               <a:rPr lang="en-US" sz="3600" i="1" dirty="0">
                 <a:latin typeface="Times New Roman" charset="0"/>
@@ -4693,11 +4685,6 @@
               </a:rPr>
               <a:t>for the Shodor Education Foundation, Inc.</a:t>
             </a:r>
-            <a:endParaRPr lang="en-US" sz="3600" i="1" dirty="0">
-              <a:latin typeface="Times New Roman" charset="0"/>
-              <a:ea typeface="Times New Roman" charset="0"/>
-              <a:cs typeface="Times New Roman" charset="0"/>
-            </a:endParaRPr>
           </a:p>
         </p:txBody>
       </p:sp>
@@ -4743,7 +4730,7 @@
           <p:cNvPr id="2" name="Title 1">
             <a:extLst>
               <a:ext uri="{FF2B5EF4-FFF2-40B4-BE49-F238E27FC236}">
-                <a16:creationId xmlns:a16="http://schemas.microsoft.com/office/drawing/2014/main" xmlns="" id="{9587F033-EB6C-4161-860B-ADB7863381BA}"/>
+                <a16:creationId xmlns="" xmlns:a16="http://schemas.microsoft.com/office/drawing/2014/main" id="{9587F033-EB6C-4161-860B-ADB7863381BA}"/>
               </a:ext>
             </a:extLst>
           </p:cNvPr>
@@ -4771,7 +4758,7 @@
           <p:cNvPr id="3" name="Content Placeholder 2">
             <a:extLst>
               <a:ext uri="{FF2B5EF4-FFF2-40B4-BE49-F238E27FC236}">
-                <a16:creationId xmlns:a16="http://schemas.microsoft.com/office/drawing/2014/main" xmlns="" id="{4D06B9CA-080A-467D-BE4F-84D19D2FF991}"/>
+                <a16:creationId xmlns="" xmlns:a16="http://schemas.microsoft.com/office/drawing/2014/main" id="{4D06B9CA-080A-467D-BE4F-84D19D2FF991}"/>
               </a:ext>
             </a:extLst>
           </p:cNvPr>
@@ -4821,7 +4808,7 @@
           <p:cNvPr id="7" name="Picture 2" descr="Free Pics Of Cartoon Racing Cars, Download Free Clip Art, Free ...">
             <a:extLst>
               <a:ext uri="{FF2B5EF4-FFF2-40B4-BE49-F238E27FC236}">
-                <a16:creationId xmlns:a16="http://schemas.microsoft.com/office/drawing/2014/main" xmlns="" id="{814601D9-CCED-475D-AA71-EF3073B0A244}"/>
+                <a16:creationId xmlns="" xmlns:a16="http://schemas.microsoft.com/office/drawing/2014/main" id="{814601D9-CCED-475D-AA71-EF3073B0A244}"/>
               </a:ext>
             </a:extLst>
           </p:cNvPr>
@@ -4868,7 +4855,7 @@
           <p:cNvPr id="4" name="TextBox 3">
             <a:extLst>
               <a:ext uri="{FF2B5EF4-FFF2-40B4-BE49-F238E27FC236}">
-                <a16:creationId xmlns:a16="http://schemas.microsoft.com/office/drawing/2014/main" xmlns="" id="{F9923786-7DDE-4CE7-86D5-6CF59C634F03}"/>
+                <a16:creationId xmlns="" xmlns:a16="http://schemas.microsoft.com/office/drawing/2014/main" id="{F9923786-7DDE-4CE7-86D5-6CF59C634F03}"/>
               </a:ext>
             </a:extLst>
           </p:cNvPr>
@@ -4941,7 +4928,7 @@
           <p:cNvPr id="2" name="Title 1">
             <a:extLst>
               <a:ext uri="{FF2B5EF4-FFF2-40B4-BE49-F238E27FC236}">
-                <a16:creationId xmlns:a16="http://schemas.microsoft.com/office/drawing/2014/main" xmlns="" id="{592CAA44-620F-424E-B63A-73F4980FED4A}"/>
+                <a16:creationId xmlns="" xmlns:a16="http://schemas.microsoft.com/office/drawing/2014/main" id="{592CAA44-620F-424E-B63A-73F4980FED4A}"/>
               </a:ext>
             </a:extLst>
           </p:cNvPr>
@@ -4969,7 +4956,7 @@
           <p:cNvPr id="3" name="Content Placeholder 2">
             <a:extLst>
               <a:ext uri="{FF2B5EF4-FFF2-40B4-BE49-F238E27FC236}">
-                <a16:creationId xmlns:a16="http://schemas.microsoft.com/office/drawing/2014/main" xmlns="" id="{DC16C8B1-6F35-4708-A480-D156E72C2059}"/>
+                <a16:creationId xmlns="" xmlns:a16="http://schemas.microsoft.com/office/drawing/2014/main" id="{DC16C8B1-6F35-4708-A480-D156E72C2059}"/>
               </a:ext>
             </a:extLst>
           </p:cNvPr>
@@ -5312,7 +5299,7 @@
           <p:cNvPr id="2050" name="Picture 2" descr="Free Pics Of Cartoon Racing Cars, Download Free Clip Art, Free ...">
             <a:extLst>
               <a:ext uri="{FF2B5EF4-FFF2-40B4-BE49-F238E27FC236}">
-                <a16:creationId xmlns:a16="http://schemas.microsoft.com/office/drawing/2014/main" xmlns="" id="{F35F1C1F-23C7-4284-A91C-0BE27E7B585F}"/>
+                <a16:creationId xmlns="" xmlns:a16="http://schemas.microsoft.com/office/drawing/2014/main" id="{F35F1C1F-23C7-4284-A91C-0BE27E7B585F}"/>
               </a:ext>
             </a:extLst>
           </p:cNvPr>
@@ -5359,7 +5346,7 @@
           <p:cNvPr id="4" name="TextBox 3">
             <a:extLst>
               <a:ext uri="{FF2B5EF4-FFF2-40B4-BE49-F238E27FC236}">
-                <a16:creationId xmlns:a16="http://schemas.microsoft.com/office/drawing/2014/main" xmlns="" id="{A2C363BF-3FB4-49B3-9B36-BBB95CB5765B}"/>
+                <a16:creationId xmlns="" xmlns:a16="http://schemas.microsoft.com/office/drawing/2014/main" id="{A2C363BF-3FB4-49B3-9B36-BBB95CB5765B}"/>
               </a:ext>
             </a:extLst>
           </p:cNvPr>
@@ -5397,7 +5384,7 @@
           <p:cNvPr id="5" name="TextBox 4">
             <a:extLst>
               <a:ext uri="{FF2B5EF4-FFF2-40B4-BE49-F238E27FC236}">
-                <a16:creationId xmlns:a16="http://schemas.microsoft.com/office/drawing/2014/main" xmlns="" id="{A6CCC6C5-33DE-4EB5-992D-08F5067F781E}"/>
+                <a16:creationId xmlns="" xmlns:a16="http://schemas.microsoft.com/office/drawing/2014/main" id="{A6CCC6C5-33DE-4EB5-992D-08F5067F781E}"/>
               </a:ext>
             </a:extLst>
           </p:cNvPr>
@@ -5440,7 +5427,7 @@
           <p:cNvPr id="7" name="TextBox 6">
             <a:extLst>
               <a:ext uri="{FF2B5EF4-FFF2-40B4-BE49-F238E27FC236}">
-                <a16:creationId xmlns:a16="http://schemas.microsoft.com/office/drawing/2014/main" xmlns="" id="{CE26BAA1-DAA0-4890-8103-FABFE4A40C60}"/>
+                <a16:creationId xmlns="" xmlns:a16="http://schemas.microsoft.com/office/drawing/2014/main" id="{CE26BAA1-DAA0-4890-8103-FABFE4A40C60}"/>
               </a:ext>
             </a:extLst>
           </p:cNvPr>
@@ -5656,7 +5643,7 @@
           <p:cNvPr id="2" name="Title 1">
             <a:extLst>
               <a:ext uri="{FF2B5EF4-FFF2-40B4-BE49-F238E27FC236}">
-                <a16:creationId xmlns:a16="http://schemas.microsoft.com/office/drawing/2014/main" xmlns="" id="{592CAA44-620F-424E-B63A-73F4980FED4A}"/>
+                <a16:creationId xmlns="" xmlns:a16="http://schemas.microsoft.com/office/drawing/2014/main" id="{592CAA44-620F-424E-B63A-73F4980FED4A}"/>
               </a:ext>
             </a:extLst>
           </p:cNvPr>
@@ -5684,7 +5671,7 @@
           <p:cNvPr id="3" name="Content Placeholder 2">
             <a:extLst>
               <a:ext uri="{FF2B5EF4-FFF2-40B4-BE49-F238E27FC236}">
-                <a16:creationId xmlns:a16="http://schemas.microsoft.com/office/drawing/2014/main" xmlns="" id="{DC16C8B1-6F35-4708-A480-D156E72C2059}"/>
+                <a16:creationId xmlns="" xmlns:a16="http://schemas.microsoft.com/office/drawing/2014/main" id="{DC16C8B1-6F35-4708-A480-D156E72C2059}"/>
               </a:ext>
             </a:extLst>
           </p:cNvPr>
@@ -6125,7 +6112,7 @@
           <p:cNvPr id="2050" name="Picture 2" descr="Free Pics Of Cartoon Racing Cars, Download Free Clip Art, Free ...">
             <a:extLst>
               <a:ext uri="{FF2B5EF4-FFF2-40B4-BE49-F238E27FC236}">
-                <a16:creationId xmlns:a16="http://schemas.microsoft.com/office/drawing/2014/main" xmlns="" id="{F35F1C1F-23C7-4284-A91C-0BE27E7B585F}"/>
+                <a16:creationId xmlns="" xmlns:a16="http://schemas.microsoft.com/office/drawing/2014/main" id="{F35F1C1F-23C7-4284-A91C-0BE27E7B585F}"/>
               </a:ext>
             </a:extLst>
           </p:cNvPr>
@@ -6172,7 +6159,7 @@
           <p:cNvPr id="5" name="TextBox 4">
             <a:extLst>
               <a:ext uri="{FF2B5EF4-FFF2-40B4-BE49-F238E27FC236}">
-                <a16:creationId xmlns:a16="http://schemas.microsoft.com/office/drawing/2014/main" xmlns="" id="{BF659AE1-2F91-45D2-9056-A631381AB783}"/>
+                <a16:creationId xmlns="" xmlns:a16="http://schemas.microsoft.com/office/drawing/2014/main" id="{BF659AE1-2F91-45D2-9056-A631381AB783}"/>
               </a:ext>
             </a:extLst>
           </p:cNvPr>
@@ -6210,7 +6197,7 @@
           <p:cNvPr id="4" name="TextBox 3">
             <a:extLst>
               <a:ext uri="{FF2B5EF4-FFF2-40B4-BE49-F238E27FC236}">
-                <a16:creationId xmlns:a16="http://schemas.microsoft.com/office/drawing/2014/main" xmlns="" id="{EDFF2F7A-14A5-4F4D-95CD-39E2615F2DB8}"/>
+                <a16:creationId xmlns="" xmlns:a16="http://schemas.microsoft.com/office/drawing/2014/main" id="{EDFF2F7A-14A5-4F4D-95CD-39E2615F2DB8}"/>
               </a:ext>
             </a:extLst>
           </p:cNvPr>
@@ -6341,7 +6328,7 @@
           <p:cNvPr id="8" name="TextBox 7">
             <a:extLst>
               <a:ext uri="{FF2B5EF4-FFF2-40B4-BE49-F238E27FC236}">
-                <a16:creationId xmlns:a16="http://schemas.microsoft.com/office/drawing/2014/main" xmlns="" id="{1BDC7152-FE73-4E74-B53B-4CFE452F845A}"/>
+                <a16:creationId xmlns="" xmlns:a16="http://schemas.microsoft.com/office/drawing/2014/main" id="{1BDC7152-FE73-4E74-B53B-4CFE452F845A}"/>
               </a:ext>
             </a:extLst>
           </p:cNvPr>
@@ -6492,7 +6479,7 @@
           <p:cNvPr id="2" name="Title 1">
             <a:extLst>
               <a:ext uri="{FF2B5EF4-FFF2-40B4-BE49-F238E27FC236}">
-                <a16:creationId xmlns:a16="http://schemas.microsoft.com/office/drawing/2014/main" xmlns="" id="{592CAA44-620F-424E-B63A-73F4980FED4A}"/>
+                <a16:creationId xmlns="" xmlns:a16="http://schemas.microsoft.com/office/drawing/2014/main" id="{592CAA44-620F-424E-B63A-73F4980FED4A}"/>
               </a:ext>
             </a:extLst>
           </p:cNvPr>
@@ -6520,7 +6507,7 @@
           <p:cNvPr id="3" name="Content Placeholder 2">
             <a:extLst>
               <a:ext uri="{FF2B5EF4-FFF2-40B4-BE49-F238E27FC236}">
-                <a16:creationId xmlns:a16="http://schemas.microsoft.com/office/drawing/2014/main" xmlns="" id="{DC16C8B1-6F35-4708-A480-D156E72C2059}"/>
+                <a16:creationId xmlns="" xmlns:a16="http://schemas.microsoft.com/office/drawing/2014/main" id="{DC16C8B1-6F35-4708-A480-D156E72C2059}"/>
               </a:ext>
             </a:extLst>
           </p:cNvPr>
@@ -7053,7 +7040,7 @@
           <p:cNvPr id="2050" name="Picture 2" descr="Free Pics Of Cartoon Racing Cars, Download Free Clip Art, Free ...">
             <a:extLst>
               <a:ext uri="{FF2B5EF4-FFF2-40B4-BE49-F238E27FC236}">
-                <a16:creationId xmlns:a16="http://schemas.microsoft.com/office/drawing/2014/main" xmlns="" id="{F35F1C1F-23C7-4284-A91C-0BE27E7B585F}"/>
+                <a16:creationId xmlns="" xmlns:a16="http://schemas.microsoft.com/office/drawing/2014/main" id="{F35F1C1F-23C7-4284-A91C-0BE27E7B585F}"/>
               </a:ext>
             </a:extLst>
           </p:cNvPr>
@@ -7100,7 +7087,7 @@
           <p:cNvPr id="8" name="TextBox 7">
             <a:extLst>
               <a:ext uri="{FF2B5EF4-FFF2-40B4-BE49-F238E27FC236}">
-                <a16:creationId xmlns:a16="http://schemas.microsoft.com/office/drawing/2014/main" xmlns="" id="{1BDC7152-FE73-4E74-B53B-4CFE452F845A}"/>
+                <a16:creationId xmlns="" xmlns:a16="http://schemas.microsoft.com/office/drawing/2014/main" id="{1BDC7152-FE73-4E74-B53B-4CFE452F845A}"/>
               </a:ext>
             </a:extLst>
           </p:cNvPr>
@@ -7143,7 +7130,7 @@
           <p:cNvPr id="11" name="TextBox 10">
             <a:extLst>
               <a:ext uri="{FF2B5EF4-FFF2-40B4-BE49-F238E27FC236}">
-                <a16:creationId xmlns:a16="http://schemas.microsoft.com/office/drawing/2014/main" xmlns="" id="{6E3ECCBA-B136-497A-B7BA-488E068633A6}"/>
+                <a16:creationId xmlns="" xmlns:a16="http://schemas.microsoft.com/office/drawing/2014/main" id="{6E3ECCBA-B136-497A-B7BA-488E068633A6}"/>
               </a:ext>
             </a:extLst>
           </p:cNvPr>
@@ -7181,7 +7168,7 @@
           <p:cNvPr id="12" name="TextBox 11">
             <a:extLst>
               <a:ext uri="{FF2B5EF4-FFF2-40B4-BE49-F238E27FC236}">
-                <a16:creationId xmlns:a16="http://schemas.microsoft.com/office/drawing/2014/main" xmlns="" id="{CBDC9A83-BEC9-40A1-BD9F-5B816901310B}"/>
+                <a16:creationId xmlns="" xmlns:a16="http://schemas.microsoft.com/office/drawing/2014/main" id="{CBDC9A83-BEC9-40A1-BD9F-5B816901310B}"/>
               </a:ext>
             </a:extLst>
           </p:cNvPr>
@@ -7312,7 +7299,7 @@
           <p:cNvPr id="6" name="TextBox 5">
             <a:extLst>
               <a:ext uri="{FF2B5EF4-FFF2-40B4-BE49-F238E27FC236}">
-                <a16:creationId xmlns:a16="http://schemas.microsoft.com/office/drawing/2014/main" xmlns="" id="{07EBE70C-D5B6-43DE-B0F6-9800C5538EAA}"/>
+                <a16:creationId xmlns="" xmlns:a16="http://schemas.microsoft.com/office/drawing/2014/main" id="{07EBE70C-D5B6-43DE-B0F6-9800C5538EAA}"/>
               </a:ext>
             </a:extLst>
           </p:cNvPr>
@@ -7519,7 +7506,7 @@
           <p:cNvPr id="2" name="Title 1">
             <a:extLst>
               <a:ext uri="{FF2B5EF4-FFF2-40B4-BE49-F238E27FC236}">
-                <a16:creationId xmlns:a16="http://schemas.microsoft.com/office/drawing/2014/main" xmlns="" id="{592CAA44-620F-424E-B63A-73F4980FED4A}"/>
+                <a16:creationId xmlns="" xmlns:a16="http://schemas.microsoft.com/office/drawing/2014/main" id="{592CAA44-620F-424E-B63A-73F4980FED4A}"/>
               </a:ext>
             </a:extLst>
           </p:cNvPr>
@@ -7547,7 +7534,7 @@
           <p:cNvPr id="3" name="Content Placeholder 2">
             <a:extLst>
               <a:ext uri="{FF2B5EF4-FFF2-40B4-BE49-F238E27FC236}">
-                <a16:creationId xmlns:a16="http://schemas.microsoft.com/office/drawing/2014/main" xmlns="" id="{DC16C8B1-6F35-4708-A480-D156E72C2059}"/>
+                <a16:creationId xmlns="" xmlns:a16="http://schemas.microsoft.com/office/drawing/2014/main" id="{DC16C8B1-6F35-4708-A480-D156E72C2059}"/>
               </a:ext>
             </a:extLst>
           </p:cNvPr>
@@ -8199,7 +8186,7 @@
           <p:cNvPr id="2050" name="Picture 2" descr="Free Pics Of Cartoon Racing Cars, Download Free Clip Art, Free ...">
             <a:extLst>
               <a:ext uri="{FF2B5EF4-FFF2-40B4-BE49-F238E27FC236}">
-                <a16:creationId xmlns:a16="http://schemas.microsoft.com/office/drawing/2014/main" xmlns="" id="{F35F1C1F-23C7-4284-A91C-0BE27E7B585F}"/>
+                <a16:creationId xmlns="" xmlns:a16="http://schemas.microsoft.com/office/drawing/2014/main" id="{F35F1C1F-23C7-4284-A91C-0BE27E7B585F}"/>
               </a:ext>
             </a:extLst>
           </p:cNvPr>
@@ -8246,7 +8233,7 @@
           <p:cNvPr id="8" name="TextBox 7">
             <a:extLst>
               <a:ext uri="{FF2B5EF4-FFF2-40B4-BE49-F238E27FC236}">
-                <a16:creationId xmlns:a16="http://schemas.microsoft.com/office/drawing/2014/main" xmlns="" id="{1BDC7152-FE73-4E74-B53B-4CFE452F845A}"/>
+                <a16:creationId xmlns="" xmlns:a16="http://schemas.microsoft.com/office/drawing/2014/main" id="{1BDC7152-FE73-4E74-B53B-4CFE452F845A}"/>
               </a:ext>
             </a:extLst>
           </p:cNvPr>
@@ -8289,7 +8276,7 @@
           <p:cNvPr id="12" name="TextBox 11">
             <a:extLst>
               <a:ext uri="{FF2B5EF4-FFF2-40B4-BE49-F238E27FC236}">
-                <a16:creationId xmlns:a16="http://schemas.microsoft.com/office/drawing/2014/main" xmlns="" id="{1E374C69-9F93-419E-8E45-1D1F95BA5D6C}"/>
+                <a16:creationId xmlns="" xmlns:a16="http://schemas.microsoft.com/office/drawing/2014/main" id="{1E374C69-9F93-419E-8E45-1D1F95BA5D6C}"/>
               </a:ext>
             </a:extLst>
           </p:cNvPr>
@@ -8443,7 +8430,7 @@
           <p:cNvPr id="4" name="TextBox 3">
             <a:extLst>
               <a:ext uri="{FF2B5EF4-FFF2-40B4-BE49-F238E27FC236}">
-                <a16:creationId xmlns:a16="http://schemas.microsoft.com/office/drawing/2014/main" xmlns="" id="{B64FBF32-BF22-4B55-B363-162950505515}"/>
+                <a16:creationId xmlns="" xmlns:a16="http://schemas.microsoft.com/office/drawing/2014/main" id="{B64FBF32-BF22-4B55-B363-162950505515}"/>
               </a:ext>
             </a:extLst>
           </p:cNvPr>
@@ -8481,7 +8468,7 @@
           <p:cNvPr id="5" name="TextBox 4">
             <a:extLst>
               <a:ext uri="{FF2B5EF4-FFF2-40B4-BE49-F238E27FC236}">
-                <a16:creationId xmlns:a16="http://schemas.microsoft.com/office/drawing/2014/main" xmlns="" id="{0BA9569A-3E7B-43DE-B5C6-26141F1D69C1}"/>
+                <a16:creationId xmlns="" xmlns:a16="http://schemas.microsoft.com/office/drawing/2014/main" id="{0BA9569A-3E7B-43DE-B5C6-26141F1D69C1}"/>
               </a:ext>
             </a:extLst>
           </p:cNvPr>
@@ -8516,7 +8503,7 @@
           <p:cNvPr id="15" name="TextBox 14">
             <a:extLst>
               <a:ext uri="{FF2B5EF4-FFF2-40B4-BE49-F238E27FC236}">
-                <a16:creationId xmlns:a16="http://schemas.microsoft.com/office/drawing/2014/main" xmlns="" id="{ED155C06-B0F6-4DD1-AD7B-A8D982AB0325}"/>
+                <a16:creationId xmlns="" xmlns:a16="http://schemas.microsoft.com/office/drawing/2014/main" id="{ED155C06-B0F6-4DD1-AD7B-A8D982AB0325}"/>
               </a:ext>
             </a:extLst>
           </p:cNvPr>
@@ -8742,7 +8729,7 @@
           <p:cNvPr id="5" name="Content Placeholder 2">
             <a:extLst>
               <a:ext uri="{FF2B5EF4-FFF2-40B4-BE49-F238E27FC236}">
-                <a16:creationId xmlns:a16="http://schemas.microsoft.com/office/drawing/2014/main" xmlns="" id="{BCC7E1DA-E73F-43E9-9CDD-B9DFF50DEEE5}"/>
+                <a16:creationId xmlns="" xmlns:a16="http://schemas.microsoft.com/office/drawing/2014/main" id="{BCC7E1DA-E73F-43E9-9CDD-B9DFF50DEEE5}"/>
               </a:ext>
             </a:extLst>
           </p:cNvPr>
@@ -8964,7 +8951,7 @@
           <p:cNvPr id="2" name="Title 1">
             <a:extLst>
               <a:ext uri="{FF2B5EF4-FFF2-40B4-BE49-F238E27FC236}">
-                <a16:creationId xmlns:a16="http://schemas.microsoft.com/office/drawing/2014/main" xmlns="" id="{70904815-F1A0-4F4F-A5B8-C2DE4818FF57}"/>
+                <a16:creationId xmlns="" xmlns:a16="http://schemas.microsoft.com/office/drawing/2014/main" id="{70904815-F1A0-4F4F-A5B8-C2DE4818FF57}"/>
               </a:ext>
             </a:extLst>
           </p:cNvPr>
@@ -8992,7 +8979,7 @@
           <p:cNvPr id="3" name="Content Placeholder 2">
             <a:extLst>
               <a:ext uri="{FF2B5EF4-FFF2-40B4-BE49-F238E27FC236}">
-                <a16:creationId xmlns:a16="http://schemas.microsoft.com/office/drawing/2014/main" xmlns="" id="{3D4C9766-C2C4-4751-83D9-84500638ED88}"/>
+                <a16:creationId xmlns="" xmlns:a16="http://schemas.microsoft.com/office/drawing/2014/main" id="{3D4C9766-C2C4-4751-83D9-84500638ED88}"/>
               </a:ext>
             </a:extLst>
           </p:cNvPr>
@@ -9094,7 +9081,7 @@
           <p:cNvPr id="7" name="TextBox 6">
             <a:extLst>
               <a:ext uri="{FF2B5EF4-FFF2-40B4-BE49-F238E27FC236}">
-                <a16:creationId xmlns:a16="http://schemas.microsoft.com/office/drawing/2014/main" xmlns="" id="{45D3E1A1-3CD4-467B-9ACA-EDBC121A7A10}"/>
+                <a16:creationId xmlns="" xmlns:a16="http://schemas.microsoft.com/office/drawing/2014/main" id="{45D3E1A1-3CD4-467B-9ACA-EDBC121A7A10}"/>
               </a:ext>
             </a:extLst>
           </p:cNvPr>
@@ -9245,7 +9232,7 @@
           <p:cNvPr id="2" name="Title 1">
             <a:extLst>
               <a:ext uri="{FF2B5EF4-FFF2-40B4-BE49-F238E27FC236}">
-                <a16:creationId xmlns:a16="http://schemas.microsoft.com/office/drawing/2014/main" xmlns="" id="{592CAA44-620F-424E-B63A-73F4980FED4A}"/>
+                <a16:creationId xmlns="" xmlns:a16="http://schemas.microsoft.com/office/drawing/2014/main" id="{592CAA44-620F-424E-B63A-73F4980FED4A}"/>
               </a:ext>
             </a:extLst>
           </p:cNvPr>
@@ -9273,7 +9260,7 @@
           <p:cNvPr id="3" name="Content Placeholder 2">
             <a:extLst>
               <a:ext uri="{FF2B5EF4-FFF2-40B4-BE49-F238E27FC236}">
-                <a16:creationId xmlns:a16="http://schemas.microsoft.com/office/drawing/2014/main" xmlns="" id="{DC16C8B1-6F35-4708-A480-D156E72C2059}"/>
+                <a16:creationId xmlns="" xmlns:a16="http://schemas.microsoft.com/office/drawing/2014/main" id="{DC16C8B1-6F35-4708-A480-D156E72C2059}"/>
               </a:ext>
             </a:extLst>
           </p:cNvPr>
@@ -9978,7 +9965,7 @@
           <p:cNvPr id="2050" name="Picture 2" descr="Free Pics Of Cartoon Racing Cars, Download Free Clip Art, Free ...">
             <a:extLst>
               <a:ext uri="{FF2B5EF4-FFF2-40B4-BE49-F238E27FC236}">
-                <a16:creationId xmlns:a16="http://schemas.microsoft.com/office/drawing/2014/main" xmlns="" id="{F35F1C1F-23C7-4284-A91C-0BE27E7B585F}"/>
+                <a16:creationId xmlns="" xmlns:a16="http://schemas.microsoft.com/office/drawing/2014/main" id="{F35F1C1F-23C7-4284-A91C-0BE27E7B585F}"/>
               </a:ext>
             </a:extLst>
           </p:cNvPr>
@@ -10025,7 +10012,7 @@
           <p:cNvPr id="8" name="TextBox 7">
             <a:extLst>
               <a:ext uri="{FF2B5EF4-FFF2-40B4-BE49-F238E27FC236}">
-                <a16:creationId xmlns:a16="http://schemas.microsoft.com/office/drawing/2014/main" xmlns="" id="{1BDC7152-FE73-4E74-B53B-4CFE452F845A}"/>
+                <a16:creationId xmlns="" xmlns:a16="http://schemas.microsoft.com/office/drawing/2014/main" id="{1BDC7152-FE73-4E74-B53B-4CFE452F845A}"/>
               </a:ext>
             </a:extLst>
           </p:cNvPr>
@@ -10068,7 +10055,7 @@
           <p:cNvPr id="12" name="TextBox 11">
             <a:extLst>
               <a:ext uri="{FF2B5EF4-FFF2-40B4-BE49-F238E27FC236}">
-                <a16:creationId xmlns:a16="http://schemas.microsoft.com/office/drawing/2014/main" xmlns="" id="{1E374C69-9F93-419E-8E45-1D1F95BA5D6C}"/>
+                <a16:creationId xmlns="" xmlns:a16="http://schemas.microsoft.com/office/drawing/2014/main" id="{1E374C69-9F93-419E-8E45-1D1F95BA5D6C}"/>
               </a:ext>
             </a:extLst>
           </p:cNvPr>
@@ -10234,7 +10221,7 @@
           <p:cNvPr id="4" name="TextBox 3">
             <a:extLst>
               <a:ext uri="{FF2B5EF4-FFF2-40B4-BE49-F238E27FC236}">
-                <a16:creationId xmlns:a16="http://schemas.microsoft.com/office/drawing/2014/main" xmlns="" id="{B64FBF32-BF22-4B55-B363-162950505515}"/>
+                <a16:creationId xmlns="" xmlns:a16="http://schemas.microsoft.com/office/drawing/2014/main" id="{B64FBF32-BF22-4B55-B363-162950505515}"/>
               </a:ext>
             </a:extLst>
           </p:cNvPr>
@@ -10380,7 +10367,7 @@
           <p:cNvPr id="2" name="Title 1">
             <a:extLst>
               <a:ext uri="{FF2B5EF4-FFF2-40B4-BE49-F238E27FC236}">
-                <a16:creationId xmlns:a16="http://schemas.microsoft.com/office/drawing/2014/main" xmlns="" id="{592CAA44-620F-424E-B63A-73F4980FED4A}"/>
+                <a16:creationId xmlns="" xmlns:a16="http://schemas.microsoft.com/office/drawing/2014/main" id="{592CAA44-620F-424E-B63A-73F4980FED4A}"/>
               </a:ext>
             </a:extLst>
           </p:cNvPr>
@@ -10408,7 +10395,7 @@
           <p:cNvPr id="3" name="Content Placeholder 2">
             <a:extLst>
               <a:ext uri="{FF2B5EF4-FFF2-40B4-BE49-F238E27FC236}">
-                <a16:creationId xmlns:a16="http://schemas.microsoft.com/office/drawing/2014/main" xmlns="" id="{DC16C8B1-6F35-4708-A480-D156E72C2059}"/>
+                <a16:creationId xmlns="" xmlns:a16="http://schemas.microsoft.com/office/drawing/2014/main" id="{DC16C8B1-6F35-4708-A480-D156E72C2059}"/>
               </a:ext>
             </a:extLst>
           </p:cNvPr>
@@ -11143,7 +11130,7 @@
           <p:cNvPr id="2050" name="Picture 2" descr="Free Pics Of Cartoon Racing Cars, Download Free Clip Art, Free ...">
             <a:extLst>
               <a:ext uri="{FF2B5EF4-FFF2-40B4-BE49-F238E27FC236}">
-                <a16:creationId xmlns:a16="http://schemas.microsoft.com/office/drawing/2014/main" xmlns="" id="{F35F1C1F-23C7-4284-A91C-0BE27E7B585F}"/>
+                <a16:creationId xmlns="" xmlns:a16="http://schemas.microsoft.com/office/drawing/2014/main" id="{F35F1C1F-23C7-4284-A91C-0BE27E7B585F}"/>
               </a:ext>
             </a:extLst>
           </p:cNvPr>
@@ -11190,7 +11177,7 @@
           <p:cNvPr id="8" name="TextBox 7">
             <a:extLst>
               <a:ext uri="{FF2B5EF4-FFF2-40B4-BE49-F238E27FC236}">
-                <a16:creationId xmlns:a16="http://schemas.microsoft.com/office/drawing/2014/main" xmlns="" id="{1BDC7152-FE73-4E74-B53B-4CFE452F845A}"/>
+                <a16:creationId xmlns="" xmlns:a16="http://schemas.microsoft.com/office/drawing/2014/main" id="{1BDC7152-FE73-4E74-B53B-4CFE452F845A}"/>
               </a:ext>
             </a:extLst>
           </p:cNvPr>
@@ -11233,7 +11220,7 @@
           <p:cNvPr id="7" name="TextBox 6">
             <a:extLst>
               <a:ext uri="{FF2B5EF4-FFF2-40B4-BE49-F238E27FC236}">
-                <a16:creationId xmlns:a16="http://schemas.microsoft.com/office/drawing/2014/main" xmlns="" id="{DDBC14CF-2F49-4230-9A87-F1E1C767A0BF}"/>
+                <a16:creationId xmlns="" xmlns:a16="http://schemas.microsoft.com/office/drawing/2014/main" id="{DDBC14CF-2F49-4230-9A87-F1E1C767A0BF}"/>
               </a:ext>
             </a:extLst>
           </p:cNvPr>
@@ -11268,7 +11255,7 @@
           <p:cNvPr id="10" name="TextBox 9">
             <a:extLst>
               <a:ext uri="{FF2B5EF4-FFF2-40B4-BE49-F238E27FC236}">
-                <a16:creationId xmlns:a16="http://schemas.microsoft.com/office/drawing/2014/main" xmlns="" id="{D9691FDC-BCD1-4CA2-804A-31942D4042C9}"/>
+                <a16:creationId xmlns="" xmlns:a16="http://schemas.microsoft.com/office/drawing/2014/main" id="{D9691FDC-BCD1-4CA2-804A-31942D4042C9}"/>
               </a:ext>
             </a:extLst>
           </p:cNvPr>
@@ -11303,7 +11290,7 @@
           <p:cNvPr id="11" name="TextBox 10">
             <a:extLst>
               <a:ext uri="{FF2B5EF4-FFF2-40B4-BE49-F238E27FC236}">
-                <a16:creationId xmlns:a16="http://schemas.microsoft.com/office/drawing/2014/main" xmlns="" id="{0B9F28CB-A435-4995-94BD-C757EF19FA6D}"/>
+                <a16:creationId xmlns="" xmlns:a16="http://schemas.microsoft.com/office/drawing/2014/main" id="{0B9F28CB-A435-4995-94BD-C757EF19FA6D}"/>
               </a:ext>
             </a:extLst>
           </p:cNvPr>
@@ -11342,7 +11329,7 @@
           <p:cNvPr id="16" name="Straight Arrow Connector 15">
             <a:extLst>
               <a:ext uri="{FF2B5EF4-FFF2-40B4-BE49-F238E27FC236}">
-                <a16:creationId xmlns:a16="http://schemas.microsoft.com/office/drawing/2014/main" xmlns="" id="{78B0DB36-647F-42CC-A223-82910B6D71D2}"/>
+                <a16:creationId xmlns="" xmlns:a16="http://schemas.microsoft.com/office/drawing/2014/main" id="{78B0DB36-647F-42CC-A223-82910B6D71D2}"/>
               </a:ext>
             </a:extLst>
           </p:cNvPr>
@@ -11384,7 +11371,7 @@
           <p:cNvPr id="17" name="Straight Arrow Connector 16">
             <a:extLst>
               <a:ext uri="{FF2B5EF4-FFF2-40B4-BE49-F238E27FC236}">
-                <a16:creationId xmlns:a16="http://schemas.microsoft.com/office/drawing/2014/main" xmlns="" id="{5B7D6275-693C-4A0A-8EAF-B93D224E15D3}"/>
+                <a16:creationId xmlns="" xmlns:a16="http://schemas.microsoft.com/office/drawing/2014/main" id="{5B7D6275-693C-4A0A-8EAF-B93D224E15D3}"/>
               </a:ext>
             </a:extLst>
           </p:cNvPr>
@@ -11426,7 +11413,7 @@
           <p:cNvPr id="2051" name="Straight Arrow Connector 2050">
             <a:extLst>
               <a:ext uri="{FF2B5EF4-FFF2-40B4-BE49-F238E27FC236}">
-                <a16:creationId xmlns:a16="http://schemas.microsoft.com/office/drawing/2014/main" xmlns="" id="{F1CD4E36-A319-4EC5-89D1-71952883CECA}"/>
+                <a16:creationId xmlns="" xmlns:a16="http://schemas.microsoft.com/office/drawing/2014/main" id="{F1CD4E36-A319-4EC5-89D1-71952883CECA}"/>
               </a:ext>
             </a:extLst>
           </p:cNvPr>
@@ -11749,7 +11736,7 @@
           <p:cNvPr id="2" name="Title 1">
             <a:extLst>
               <a:ext uri="{FF2B5EF4-FFF2-40B4-BE49-F238E27FC236}">
-                <a16:creationId xmlns:a16="http://schemas.microsoft.com/office/drawing/2014/main" xmlns="" id="{592CAA44-620F-424E-B63A-73F4980FED4A}"/>
+                <a16:creationId xmlns="" xmlns:a16="http://schemas.microsoft.com/office/drawing/2014/main" id="{592CAA44-620F-424E-B63A-73F4980FED4A}"/>
               </a:ext>
             </a:extLst>
           </p:cNvPr>
@@ -11777,7 +11764,7 @@
           <p:cNvPr id="3" name="Content Placeholder 2">
             <a:extLst>
               <a:ext uri="{FF2B5EF4-FFF2-40B4-BE49-F238E27FC236}">
-                <a16:creationId xmlns:a16="http://schemas.microsoft.com/office/drawing/2014/main" xmlns="" id="{DC16C8B1-6F35-4708-A480-D156E72C2059}"/>
+                <a16:creationId xmlns="" xmlns:a16="http://schemas.microsoft.com/office/drawing/2014/main" id="{DC16C8B1-6F35-4708-A480-D156E72C2059}"/>
               </a:ext>
             </a:extLst>
           </p:cNvPr>
@@ -12512,7 +12499,7 @@
           <p:cNvPr id="2050" name="Picture 2" descr="Free Pics Of Cartoon Racing Cars, Download Free Clip Art, Free ...">
             <a:extLst>
               <a:ext uri="{FF2B5EF4-FFF2-40B4-BE49-F238E27FC236}">
-                <a16:creationId xmlns:a16="http://schemas.microsoft.com/office/drawing/2014/main" xmlns="" id="{F35F1C1F-23C7-4284-A91C-0BE27E7B585F}"/>
+                <a16:creationId xmlns="" xmlns:a16="http://schemas.microsoft.com/office/drawing/2014/main" id="{F35F1C1F-23C7-4284-A91C-0BE27E7B585F}"/>
               </a:ext>
             </a:extLst>
           </p:cNvPr>
@@ -12559,7 +12546,7 @@
           <p:cNvPr id="8" name="TextBox 7">
             <a:extLst>
               <a:ext uri="{FF2B5EF4-FFF2-40B4-BE49-F238E27FC236}">
-                <a16:creationId xmlns:a16="http://schemas.microsoft.com/office/drawing/2014/main" xmlns="" id="{1BDC7152-FE73-4E74-B53B-4CFE452F845A}"/>
+                <a16:creationId xmlns="" xmlns:a16="http://schemas.microsoft.com/office/drawing/2014/main" id="{1BDC7152-FE73-4E74-B53B-4CFE452F845A}"/>
               </a:ext>
             </a:extLst>
           </p:cNvPr>
@@ -12602,7 +12589,7 @@
           <p:cNvPr id="12" name="TextBox 11">
             <a:extLst>
               <a:ext uri="{FF2B5EF4-FFF2-40B4-BE49-F238E27FC236}">
-                <a16:creationId xmlns:a16="http://schemas.microsoft.com/office/drawing/2014/main" xmlns="" id="{1E374C69-9F93-419E-8E45-1D1F95BA5D6C}"/>
+                <a16:creationId xmlns="" xmlns:a16="http://schemas.microsoft.com/office/drawing/2014/main" id="{1E374C69-9F93-419E-8E45-1D1F95BA5D6C}"/>
               </a:ext>
             </a:extLst>
           </p:cNvPr>
@@ -12768,7 +12755,7 @@
           <p:cNvPr id="4" name="TextBox 3">
             <a:extLst>
               <a:ext uri="{FF2B5EF4-FFF2-40B4-BE49-F238E27FC236}">
-                <a16:creationId xmlns:a16="http://schemas.microsoft.com/office/drawing/2014/main" xmlns="" id="{B64FBF32-BF22-4B55-B363-162950505515}"/>
+                <a16:creationId xmlns="" xmlns:a16="http://schemas.microsoft.com/office/drawing/2014/main" id="{B64FBF32-BF22-4B55-B363-162950505515}"/>
               </a:ext>
             </a:extLst>
           </p:cNvPr>
@@ -12914,7 +12901,7 @@
           <p:cNvPr id="2" name="Title 1">
             <a:extLst>
               <a:ext uri="{FF2B5EF4-FFF2-40B4-BE49-F238E27FC236}">
-                <a16:creationId xmlns:a16="http://schemas.microsoft.com/office/drawing/2014/main" xmlns="" id="{70904815-F1A0-4F4F-A5B8-C2DE4818FF57}"/>
+                <a16:creationId xmlns="" xmlns:a16="http://schemas.microsoft.com/office/drawing/2014/main" id="{70904815-F1A0-4F4F-A5B8-C2DE4818FF57}"/>
               </a:ext>
             </a:extLst>
           </p:cNvPr>
@@ -12942,7 +12929,7 @@
           <p:cNvPr id="7" name="TextBox 6">
             <a:extLst>
               <a:ext uri="{FF2B5EF4-FFF2-40B4-BE49-F238E27FC236}">
-                <a16:creationId xmlns:a16="http://schemas.microsoft.com/office/drawing/2014/main" xmlns="" id="{45D3E1A1-3CD4-467B-9ACA-EDBC121A7A10}"/>
+                <a16:creationId xmlns="" xmlns:a16="http://schemas.microsoft.com/office/drawing/2014/main" id="{45D3E1A1-3CD4-467B-9ACA-EDBC121A7A10}"/>
               </a:ext>
             </a:extLst>
           </p:cNvPr>
@@ -12985,7 +12972,7 @@
           <p:cNvPr id="6" name="Content Placeholder 2">
             <a:extLst>
               <a:ext uri="{FF2B5EF4-FFF2-40B4-BE49-F238E27FC236}">
-                <a16:creationId xmlns:a16="http://schemas.microsoft.com/office/drawing/2014/main" xmlns="" id="{9329644F-6E88-4B41-9FBD-57A25A5C1E41}"/>
+                <a16:creationId xmlns="" xmlns:a16="http://schemas.microsoft.com/office/drawing/2014/main" id="{9329644F-6E88-4B41-9FBD-57A25A5C1E41}"/>
               </a:ext>
             </a:extLst>
           </p:cNvPr>
@@ -13257,7 +13244,7 @@
           <p:cNvPr id="3" name="Content Placeholder 2">
             <a:extLst>
               <a:ext uri="{FF2B5EF4-FFF2-40B4-BE49-F238E27FC236}">
-                <a16:creationId xmlns:a16="http://schemas.microsoft.com/office/drawing/2014/main" xmlns="" id="{3D4C9766-C2C4-4751-83D9-84500638ED88}"/>
+                <a16:creationId xmlns="" xmlns:a16="http://schemas.microsoft.com/office/drawing/2014/main" id="{3D4C9766-C2C4-4751-83D9-84500638ED88}"/>
               </a:ext>
             </a:extLst>
           </p:cNvPr>
@@ -13488,7 +13475,7 @@
         </p:nvSpPr>
         <p:spPr>
           <a:xfrm>
-            <a:off x="754745" y="0"/>
+            <a:off x="754743" y="0"/>
             <a:ext cx="10682515" cy="6858000"/>
           </a:xfrm>
         </p:spPr>
@@ -13535,7 +13522,23 @@
                 <a:ea typeface="Times New Roman" charset="0"/>
                 <a:cs typeface="Times New Roman" charset="0"/>
               </a:rPr>
-              <a:t>CC BY-NC 4.0. To view a copy of this license, visit </a:t>
+              <a:t>CC </a:t>
+            </a:r>
+            <a:r>
+              <a:rPr lang="en-US" sz="2800" dirty="0">
+                <a:latin typeface="Times New Roman" charset="0"/>
+                <a:ea typeface="Times New Roman" charset="0"/>
+                <a:cs typeface="Times New Roman" charset="0"/>
+              </a:rPr>
+              <a:t>BY-SA </a:t>
+            </a:r>
+            <a:r>
+              <a:rPr lang="en-US" sz="2800" dirty="0">
+                <a:latin typeface="Times New Roman" charset="0"/>
+                <a:ea typeface="Times New Roman" charset="0"/>
+                <a:cs typeface="Times New Roman" charset="0"/>
+              </a:rPr>
+              <a:t>4.0. To view a copy of this license, visit </a:t>
             </a:r>
             <a:r>
               <a:rPr lang="en-US" sz="2800" dirty="0">
@@ -13544,7 +13547,16 @@
                 <a:cs typeface="Times New Roman" charset="0"/>
                 <a:hlinkClick r:id="rId2"/>
               </a:rPr>
-              <a:t>https://creativecommons.org/licenses/by-nc/4.0</a:t>
+              <a:t>https://</a:t>
+            </a:r>
+            <a:r>
+              <a:rPr lang="en-US" sz="2800" dirty="0">
+                <a:latin typeface="Times New Roman" charset="0"/>
+                <a:ea typeface="Times New Roman" charset="0"/>
+                <a:cs typeface="Times New Roman" charset="0"/>
+                <a:hlinkClick r:id="rId2"/>
+              </a:rPr>
+              <a:t>creativecommons.org/licenses/by-sa/4.0</a:t>
             </a:r>
             <a:r>
               <a:rPr lang="en-US" sz="2800" dirty="0">
@@ -13698,20 +13710,13 @@
     </p:spTree>
     <p:extLst>
       <p:ext uri="{BB962C8B-B14F-4D97-AF65-F5344CB8AC3E}">
-        <p14:creationId xmlns:p14="http://schemas.microsoft.com/office/powerpoint/2010/main" val="1645456251"/>
+        <p14:creationId xmlns:p14="http://schemas.microsoft.com/office/powerpoint/2010/main" val="1273265282"/>
       </p:ext>
     </p:extLst>
   </p:cSld>
   <p:clrMapOvr>
     <a:masterClrMapping/>
   </p:clrMapOvr>
-  <p:timing>
-    <p:tnLst>
-      <p:par>
-        <p:cTn id="1" dur="indefinite" restart="never" nodeType="tmRoot"/>
-      </p:par>
-    </p:tnLst>
-  </p:timing>
 </p:sld>
 </file>
 
@@ -13737,7 +13742,7 @@
           <p:cNvPr id="2" name="Title 1">
             <a:extLst>
               <a:ext uri="{FF2B5EF4-FFF2-40B4-BE49-F238E27FC236}">
-                <a16:creationId xmlns:a16="http://schemas.microsoft.com/office/drawing/2014/main" xmlns="" id="{93B28380-1F17-439D-AF38-4B364D7FF482}"/>
+                <a16:creationId xmlns="" xmlns:a16="http://schemas.microsoft.com/office/drawing/2014/main" id="{93B28380-1F17-439D-AF38-4B364D7FF482}"/>
               </a:ext>
             </a:extLst>
           </p:cNvPr>
@@ -13765,7 +13770,7 @@
           <p:cNvPr id="3" name="Content Placeholder 2">
             <a:extLst>
               <a:ext uri="{FF2B5EF4-FFF2-40B4-BE49-F238E27FC236}">
-                <a16:creationId xmlns:a16="http://schemas.microsoft.com/office/drawing/2014/main" xmlns="" id="{8B15E247-A381-4B87-B5E3-58228EC599A4}"/>
+                <a16:creationId xmlns="" xmlns:a16="http://schemas.microsoft.com/office/drawing/2014/main" id="{8B15E247-A381-4B87-B5E3-58228EC599A4}"/>
               </a:ext>
             </a:extLst>
           </p:cNvPr>
@@ -14029,7 +14034,7 @@
           <p:cNvPr id="2" name="Title 1">
             <a:extLst>
               <a:ext uri="{FF2B5EF4-FFF2-40B4-BE49-F238E27FC236}">
-                <a16:creationId xmlns:a16="http://schemas.microsoft.com/office/drawing/2014/main" xmlns="" id="{BA333CC6-00FB-4C6E-8ABE-7476617E5D17}"/>
+                <a16:creationId xmlns="" xmlns:a16="http://schemas.microsoft.com/office/drawing/2014/main" id="{BA333CC6-00FB-4C6E-8ABE-7476617E5D17}"/>
               </a:ext>
             </a:extLst>
           </p:cNvPr>
@@ -14057,7 +14062,7 @@
           <p:cNvPr id="3" name="Content Placeholder 2">
             <a:extLst>
               <a:ext uri="{FF2B5EF4-FFF2-40B4-BE49-F238E27FC236}">
-                <a16:creationId xmlns:a16="http://schemas.microsoft.com/office/drawing/2014/main" xmlns="" id="{2C64C208-604D-44AD-9A1F-1798FD824BDB}"/>
+                <a16:creationId xmlns="" xmlns:a16="http://schemas.microsoft.com/office/drawing/2014/main" id="{2C64C208-604D-44AD-9A1F-1798FD824BDB}"/>
               </a:ext>
             </a:extLst>
           </p:cNvPr>
@@ -14117,7 +14122,7 @@
           <p:cNvPr id="5" name="Picture 4">
             <a:extLst>
               <a:ext uri="{FF2B5EF4-FFF2-40B4-BE49-F238E27FC236}">
-                <a16:creationId xmlns:a16="http://schemas.microsoft.com/office/drawing/2014/main" xmlns="" id="{124673EA-998A-4B43-A246-E1F20D3E6F1D}"/>
+                <a16:creationId xmlns="" xmlns:a16="http://schemas.microsoft.com/office/drawing/2014/main" id="{124673EA-998A-4B43-A246-E1F20D3E6F1D}"/>
               </a:ext>
             </a:extLst>
           </p:cNvPr>
@@ -14147,7 +14152,7 @@
           <p:cNvPr id="7" name="TextBox 6">
             <a:extLst>
               <a:ext uri="{FF2B5EF4-FFF2-40B4-BE49-F238E27FC236}">
-                <a16:creationId xmlns:a16="http://schemas.microsoft.com/office/drawing/2014/main" xmlns="" id="{244AF764-1785-43B4-8831-862BF106562B}"/>
+                <a16:creationId xmlns="" xmlns:a16="http://schemas.microsoft.com/office/drawing/2014/main" id="{244AF764-1785-43B4-8831-862BF106562B}"/>
               </a:ext>
             </a:extLst>
           </p:cNvPr>
@@ -14223,7 +14228,7 @@
           <p:cNvPr id="9" name="TextBox 8">
             <a:extLst>
               <a:ext uri="{FF2B5EF4-FFF2-40B4-BE49-F238E27FC236}">
-                <a16:creationId xmlns:a16="http://schemas.microsoft.com/office/drawing/2014/main" xmlns="" id="{3823660B-6369-4260-9CDF-F92DD8574EC6}"/>
+                <a16:creationId xmlns="" xmlns:a16="http://schemas.microsoft.com/office/drawing/2014/main" id="{3823660B-6369-4260-9CDF-F92DD8574EC6}"/>
               </a:ext>
             </a:extLst>
           </p:cNvPr>
@@ -14261,7 +14266,7 @@
           <p:cNvPr id="11" name="TextBox 10">
             <a:extLst>
               <a:ext uri="{FF2B5EF4-FFF2-40B4-BE49-F238E27FC236}">
-                <a16:creationId xmlns:a16="http://schemas.microsoft.com/office/drawing/2014/main" xmlns="" id="{1C15675B-E7CC-420B-9A3B-A729634048E2}"/>
+                <a16:creationId xmlns="" xmlns:a16="http://schemas.microsoft.com/office/drawing/2014/main" id="{1C15675B-E7CC-420B-9A3B-A729634048E2}"/>
               </a:ext>
             </a:extLst>
           </p:cNvPr>
@@ -14497,7 +14502,7 @@
           <p:cNvPr id="16" name="Group 15">
             <a:extLst>
               <a:ext uri="{FF2B5EF4-FFF2-40B4-BE49-F238E27FC236}">
-                <a16:creationId xmlns:a16="http://schemas.microsoft.com/office/drawing/2014/main" xmlns="" id="{EFAF59DE-0BE8-4237-B5C4-58E0B21906E8}"/>
+                <a16:creationId xmlns="" xmlns:a16="http://schemas.microsoft.com/office/drawing/2014/main" id="{EFAF59DE-0BE8-4237-B5C4-58E0B21906E8}"/>
               </a:ext>
             </a:extLst>
           </p:cNvPr>
@@ -14519,7 +14524,7 @@
                 <p:cNvPr id="13" name="TextBox 12">
                   <a:extLst>
                     <a:ext uri="{FF2B5EF4-FFF2-40B4-BE49-F238E27FC236}">
-                      <a16:creationId xmlns:a16="http://schemas.microsoft.com/office/drawing/2014/main" xmlns="" id="{F91E7FE0-E2C4-489A-8965-44D8C7D33FE7}"/>
+                      <a16:creationId xmlns="" xmlns:a16="http://schemas.microsoft.com/office/drawing/2014/main" id="{F91E7FE0-E2C4-489A-8965-44D8C7D33FE7}"/>
                     </a:ext>
                   </a:extLst>
                 </p:cNvPr>
@@ -14715,7 +14720,7 @@
                 <p:cNvPr id="15" name="TextBox 14">
                   <a:extLst>
                     <a:ext uri="{FF2B5EF4-FFF2-40B4-BE49-F238E27FC236}">
-                      <a16:creationId xmlns:a16="http://schemas.microsoft.com/office/drawing/2014/main" xmlns="" id="{ED24963B-05BF-4B51-A316-1E3544C8B528}"/>
+                      <a16:creationId xmlns="" xmlns:a16="http://schemas.microsoft.com/office/drawing/2014/main" id="{ED24963B-05BF-4B51-A316-1E3544C8B528}"/>
                     </a:ext>
                   </a:extLst>
                 </p:cNvPr>
@@ -14861,7 +14866,7 @@
           <p:cNvPr id="2" name="Title 1">
             <a:extLst>
               <a:ext uri="{FF2B5EF4-FFF2-40B4-BE49-F238E27FC236}">
-                <a16:creationId xmlns:a16="http://schemas.microsoft.com/office/drawing/2014/main" xmlns="" id="{5875D87E-3CB5-4623-B7C1-6E2AA7AB073D}"/>
+                <a16:creationId xmlns="" xmlns:a16="http://schemas.microsoft.com/office/drawing/2014/main" id="{5875D87E-3CB5-4623-B7C1-6E2AA7AB073D}"/>
               </a:ext>
             </a:extLst>
           </p:cNvPr>
@@ -14889,7 +14894,7 @@
           <p:cNvPr id="3" name="Content Placeholder 2">
             <a:extLst>
               <a:ext uri="{FF2B5EF4-FFF2-40B4-BE49-F238E27FC236}">
-                <a16:creationId xmlns:a16="http://schemas.microsoft.com/office/drawing/2014/main" xmlns="" id="{62EF5840-D24D-4648-8DCE-253793B85F67}"/>
+                <a16:creationId xmlns="" xmlns:a16="http://schemas.microsoft.com/office/drawing/2014/main" id="{62EF5840-D24D-4648-8DCE-253793B85F67}"/>
               </a:ext>
             </a:extLst>
           </p:cNvPr>
@@ -15788,7 +15793,7 @@
           <p:cNvPr id="2" name="Title 1">
             <a:extLst>
               <a:ext uri="{FF2B5EF4-FFF2-40B4-BE49-F238E27FC236}">
-                <a16:creationId xmlns:a16="http://schemas.microsoft.com/office/drawing/2014/main" xmlns="" id="{22BE2165-4AAD-4C68-9EFF-572560183C3B}"/>
+                <a16:creationId xmlns="" xmlns:a16="http://schemas.microsoft.com/office/drawing/2014/main" id="{22BE2165-4AAD-4C68-9EFF-572560183C3B}"/>
               </a:ext>
             </a:extLst>
           </p:cNvPr>
@@ -15816,7 +15821,7 @@
           <p:cNvPr id="3" name="Content Placeholder 2">
             <a:extLst>
               <a:ext uri="{FF2B5EF4-FFF2-40B4-BE49-F238E27FC236}">
-                <a16:creationId xmlns:a16="http://schemas.microsoft.com/office/drawing/2014/main" xmlns="" id="{C9A6E81F-5A0B-4893-9836-DEFD0BF77FCD}"/>
+                <a16:creationId xmlns="" xmlns:a16="http://schemas.microsoft.com/office/drawing/2014/main" id="{C9A6E81F-5A0B-4893-9836-DEFD0BF77FCD}"/>
               </a:ext>
             </a:extLst>
           </p:cNvPr>
@@ -16788,7 +16793,7 @@
           <p:cNvPr id="2" name="Title 1">
             <a:extLst>
               <a:ext uri="{FF2B5EF4-FFF2-40B4-BE49-F238E27FC236}">
-                <a16:creationId xmlns:a16="http://schemas.microsoft.com/office/drawing/2014/main" xmlns="" id="{B1FEBA2E-3D38-4F8F-83CA-CC8EC4CF3FF2}"/>
+                <a16:creationId xmlns="" xmlns:a16="http://schemas.microsoft.com/office/drawing/2014/main" id="{B1FEBA2E-3D38-4F8F-83CA-CC8EC4CF3FF2}"/>
               </a:ext>
             </a:extLst>
           </p:cNvPr>
@@ -16818,7 +16823,7 @@
               <p:cNvPr id="60" name="TextBox 59">
                 <a:extLst>
                   <a:ext uri="{FF2B5EF4-FFF2-40B4-BE49-F238E27FC236}">
-                    <a16:creationId xmlns:a16="http://schemas.microsoft.com/office/drawing/2014/main" xmlns="" id="{9B649F61-024B-4871-A501-DAB5F379083E}"/>
+                    <a16:creationId xmlns="" xmlns:a16="http://schemas.microsoft.com/office/drawing/2014/main" id="{9B649F61-024B-4871-A501-DAB5F379083E}"/>
                   </a:ext>
                 </a:extLst>
               </p:cNvPr>
@@ -17200,7 +17205,7 @@
           <p:cNvPr id="132" name="Group 131">
             <a:extLst>
               <a:ext uri="{FF2B5EF4-FFF2-40B4-BE49-F238E27FC236}">
-                <a16:creationId xmlns:a16="http://schemas.microsoft.com/office/drawing/2014/main" xmlns="" id="{21342704-971B-4C73-A0BC-30236C833EEB}"/>
+                <a16:creationId xmlns="" xmlns:a16="http://schemas.microsoft.com/office/drawing/2014/main" id="{21342704-971B-4C73-A0BC-30236C833EEB}"/>
               </a:ext>
             </a:extLst>
           </p:cNvPr>
@@ -17222,7 +17227,7 @@
             <p:cNvPr id="133" name="Group 132">
               <a:extLst>
                 <a:ext uri="{FF2B5EF4-FFF2-40B4-BE49-F238E27FC236}">
-                  <a16:creationId xmlns:a16="http://schemas.microsoft.com/office/drawing/2014/main" xmlns="" id="{4EA0E803-2FB0-4DA0-809F-3DA8DAB79A43}"/>
+                  <a16:creationId xmlns="" xmlns:a16="http://schemas.microsoft.com/office/drawing/2014/main" id="{4EA0E803-2FB0-4DA0-809F-3DA8DAB79A43}"/>
                 </a:ext>
               </a:extLst>
             </p:cNvPr>
@@ -17244,7 +17249,7 @@
               <p:cNvPr id="139" name="Straight Arrow Connector 138">
                 <a:extLst>
                   <a:ext uri="{FF2B5EF4-FFF2-40B4-BE49-F238E27FC236}">
-                    <a16:creationId xmlns:a16="http://schemas.microsoft.com/office/drawing/2014/main" xmlns="" id="{5397082D-4EDA-44D9-BF55-A8543EEF6E6B}"/>
+                    <a16:creationId xmlns="" xmlns:a16="http://schemas.microsoft.com/office/drawing/2014/main" id="{5397082D-4EDA-44D9-BF55-A8543EEF6E6B}"/>
                   </a:ext>
                 </a:extLst>
               </p:cNvPr>
@@ -17289,7 +17294,7 @@
               <p:cNvPr id="136" name="Group 135">
                 <a:extLst>
                   <a:ext uri="{FF2B5EF4-FFF2-40B4-BE49-F238E27FC236}">
-                    <a16:creationId xmlns:a16="http://schemas.microsoft.com/office/drawing/2014/main" xmlns="" id="{CBD7485C-D61F-4E4B-A5D4-A3AC73BBBD9E}"/>
+                    <a16:creationId xmlns="" xmlns:a16="http://schemas.microsoft.com/office/drawing/2014/main" id="{CBD7485C-D61F-4E4B-A5D4-A3AC73BBBD9E}"/>
                   </a:ext>
                 </a:extLst>
               </p:cNvPr>
@@ -17311,7 +17316,7 @@
                 <p:cNvPr id="146" name="Partial Circle 145">
                   <a:extLst>
                     <a:ext uri="{FF2B5EF4-FFF2-40B4-BE49-F238E27FC236}">
-                      <a16:creationId xmlns:a16="http://schemas.microsoft.com/office/drawing/2014/main" xmlns="" id="{49F24904-AD78-4074-9847-C54CCBA7B3A7}"/>
+                      <a16:creationId xmlns="" xmlns:a16="http://schemas.microsoft.com/office/drawing/2014/main" id="{49F24904-AD78-4074-9847-C54CCBA7B3A7}"/>
                     </a:ext>
                   </a:extLst>
                 </p:cNvPr>
@@ -17370,7 +17375,7 @@
                 <p:cNvPr id="147" name="Rectangle 146">
                   <a:extLst>
                     <a:ext uri="{FF2B5EF4-FFF2-40B4-BE49-F238E27FC236}">
-                      <a16:creationId xmlns:a16="http://schemas.microsoft.com/office/drawing/2014/main" xmlns="" id="{2A039066-4D53-4C01-AF48-1001A2A778AA}"/>
+                      <a16:creationId xmlns="" xmlns:a16="http://schemas.microsoft.com/office/drawing/2014/main" id="{2A039066-4D53-4C01-AF48-1001A2A778AA}"/>
                     </a:ext>
                   </a:extLst>
                 </p:cNvPr>
@@ -17422,7 +17427,7 @@
                 <p:cNvPr id="148" name="Rectangle 147">
                   <a:extLst>
                     <a:ext uri="{FF2B5EF4-FFF2-40B4-BE49-F238E27FC236}">
-                      <a16:creationId xmlns:a16="http://schemas.microsoft.com/office/drawing/2014/main" xmlns="" id="{410530A6-AFC7-4E5D-9F21-531F8968D00F}"/>
+                      <a16:creationId xmlns="" xmlns:a16="http://schemas.microsoft.com/office/drawing/2014/main" id="{410530A6-AFC7-4E5D-9F21-531F8968D00F}"/>
                     </a:ext>
                   </a:extLst>
                 </p:cNvPr>
@@ -17474,7 +17479,7 @@
                 <p:cNvPr id="149" name="Rectangle 148">
                   <a:extLst>
                     <a:ext uri="{FF2B5EF4-FFF2-40B4-BE49-F238E27FC236}">
-                      <a16:creationId xmlns:a16="http://schemas.microsoft.com/office/drawing/2014/main" xmlns="" id="{9DCA666D-8F7F-442A-A808-846508B1F1BD}"/>
+                      <a16:creationId xmlns="" xmlns:a16="http://schemas.microsoft.com/office/drawing/2014/main" id="{9DCA666D-8F7F-442A-A808-846508B1F1BD}"/>
                     </a:ext>
                   </a:extLst>
                 </p:cNvPr>
@@ -17526,7 +17531,7 @@
                 <p:cNvPr id="150" name="Rectangle 149">
                   <a:extLst>
                     <a:ext uri="{FF2B5EF4-FFF2-40B4-BE49-F238E27FC236}">
-                      <a16:creationId xmlns:a16="http://schemas.microsoft.com/office/drawing/2014/main" xmlns="" id="{C7964545-7BB7-4484-A48E-BA8D0AE30043}"/>
+                      <a16:creationId xmlns="" xmlns:a16="http://schemas.microsoft.com/office/drawing/2014/main" id="{C7964545-7BB7-4484-A48E-BA8D0AE30043}"/>
                     </a:ext>
                   </a:extLst>
                 </p:cNvPr>
@@ -17578,7 +17583,7 @@
                 <p:cNvPr id="151" name="Rectangle 150">
                   <a:extLst>
                     <a:ext uri="{FF2B5EF4-FFF2-40B4-BE49-F238E27FC236}">
-                      <a16:creationId xmlns:a16="http://schemas.microsoft.com/office/drawing/2014/main" xmlns="" id="{68D692AF-7047-4178-B135-60296F033A06}"/>
+                      <a16:creationId xmlns="" xmlns:a16="http://schemas.microsoft.com/office/drawing/2014/main" id="{68D692AF-7047-4178-B135-60296F033A06}"/>
                     </a:ext>
                   </a:extLst>
                 </p:cNvPr>
@@ -17630,7 +17635,7 @@
                 <p:cNvPr id="152" name="Rectangle 151">
                   <a:extLst>
                     <a:ext uri="{FF2B5EF4-FFF2-40B4-BE49-F238E27FC236}">
-                      <a16:creationId xmlns:a16="http://schemas.microsoft.com/office/drawing/2014/main" xmlns="" id="{62CBF62C-D348-4516-85E7-C1B9515F3B62}"/>
+                      <a16:creationId xmlns="" xmlns:a16="http://schemas.microsoft.com/office/drawing/2014/main" id="{62CBF62C-D348-4516-85E7-C1B9515F3B62}"/>
                     </a:ext>
                   </a:extLst>
                 </p:cNvPr>
@@ -17682,7 +17687,7 @@
                 <p:cNvPr id="153" name="Rectangle 152">
                   <a:extLst>
                     <a:ext uri="{FF2B5EF4-FFF2-40B4-BE49-F238E27FC236}">
-                      <a16:creationId xmlns:a16="http://schemas.microsoft.com/office/drawing/2014/main" xmlns="" id="{82A49D32-F82F-4910-BD59-53E0E27641DD}"/>
+                      <a16:creationId xmlns="" xmlns:a16="http://schemas.microsoft.com/office/drawing/2014/main" id="{82A49D32-F82F-4910-BD59-53E0E27641DD}"/>
                     </a:ext>
                   </a:extLst>
                 </p:cNvPr>
@@ -17734,7 +17739,7 @@
                 <p:cNvPr id="154" name="Rectangle 153">
                   <a:extLst>
                     <a:ext uri="{FF2B5EF4-FFF2-40B4-BE49-F238E27FC236}">
-                      <a16:creationId xmlns:a16="http://schemas.microsoft.com/office/drawing/2014/main" xmlns="" id="{5B3837CD-9070-4843-A6E2-0617D11981C6}"/>
+                      <a16:creationId xmlns="" xmlns:a16="http://schemas.microsoft.com/office/drawing/2014/main" id="{5B3837CD-9070-4843-A6E2-0617D11981C6}"/>
                     </a:ext>
                   </a:extLst>
                 </p:cNvPr>
@@ -17786,7 +17791,7 @@
                 <p:cNvPr id="155" name="Rectangle 154">
                   <a:extLst>
                     <a:ext uri="{FF2B5EF4-FFF2-40B4-BE49-F238E27FC236}">
-                      <a16:creationId xmlns:a16="http://schemas.microsoft.com/office/drawing/2014/main" xmlns="" id="{25E70BE8-0B33-4735-9B76-CFA7A24084DB}"/>
+                      <a16:creationId xmlns="" xmlns:a16="http://schemas.microsoft.com/office/drawing/2014/main" id="{25E70BE8-0B33-4735-9B76-CFA7A24084DB}"/>
                     </a:ext>
                   </a:extLst>
                 </p:cNvPr>
@@ -17838,7 +17843,7 @@
                 <p:cNvPr id="156" name="Rectangle 155">
                   <a:extLst>
                     <a:ext uri="{FF2B5EF4-FFF2-40B4-BE49-F238E27FC236}">
-                      <a16:creationId xmlns:a16="http://schemas.microsoft.com/office/drawing/2014/main" xmlns="" id="{8A895C3F-BF1C-45EF-B133-37E10C6E8D37}"/>
+                      <a16:creationId xmlns="" xmlns:a16="http://schemas.microsoft.com/office/drawing/2014/main" id="{8A895C3F-BF1C-45EF-B133-37E10C6E8D37}"/>
                     </a:ext>
                   </a:extLst>
                 </p:cNvPr>
@@ -17890,7 +17895,7 @@
                 <p:cNvPr id="157" name="Rectangle 156">
                   <a:extLst>
                     <a:ext uri="{FF2B5EF4-FFF2-40B4-BE49-F238E27FC236}">
-                      <a16:creationId xmlns:a16="http://schemas.microsoft.com/office/drawing/2014/main" xmlns="" id="{77F81C30-5F37-4131-B678-284AB3A79184}"/>
+                      <a16:creationId xmlns="" xmlns:a16="http://schemas.microsoft.com/office/drawing/2014/main" id="{77F81C30-5F37-4131-B678-284AB3A79184}"/>
                     </a:ext>
                   </a:extLst>
                 </p:cNvPr>
@@ -17942,7 +17947,7 @@
                 <p:cNvPr id="158" name="Rectangle 157">
                   <a:extLst>
                     <a:ext uri="{FF2B5EF4-FFF2-40B4-BE49-F238E27FC236}">
-                      <a16:creationId xmlns:a16="http://schemas.microsoft.com/office/drawing/2014/main" xmlns="" id="{E8025CBF-C562-4D4C-BB65-0036737E9B4A}"/>
+                      <a16:creationId xmlns="" xmlns:a16="http://schemas.microsoft.com/office/drawing/2014/main" id="{E8025CBF-C562-4D4C-BB65-0036737E9B4A}"/>
                     </a:ext>
                   </a:extLst>
                 </p:cNvPr>
@@ -17994,7 +17999,7 @@
                 <p:cNvPr id="159" name="Rectangle 158">
                   <a:extLst>
                     <a:ext uri="{FF2B5EF4-FFF2-40B4-BE49-F238E27FC236}">
-                      <a16:creationId xmlns:a16="http://schemas.microsoft.com/office/drawing/2014/main" xmlns="" id="{2387B4B1-2D29-45B0-A314-FA66E8ED088C}"/>
+                      <a16:creationId xmlns="" xmlns:a16="http://schemas.microsoft.com/office/drawing/2014/main" id="{2387B4B1-2D29-45B0-A314-FA66E8ED088C}"/>
                     </a:ext>
                   </a:extLst>
                 </p:cNvPr>
@@ -18046,7 +18051,7 @@
                 <p:cNvPr id="160" name="TextBox 159">
                   <a:extLst>
                     <a:ext uri="{FF2B5EF4-FFF2-40B4-BE49-F238E27FC236}">
-                      <a16:creationId xmlns:a16="http://schemas.microsoft.com/office/drawing/2014/main" xmlns="" id="{744160F2-D2E9-4AC3-AE72-ADE180FA3C93}"/>
+                      <a16:creationId xmlns="" xmlns:a16="http://schemas.microsoft.com/office/drawing/2014/main" id="{744160F2-D2E9-4AC3-AE72-ADE180FA3C93}"/>
                     </a:ext>
                   </a:extLst>
                 </p:cNvPr>
@@ -18082,7 +18087,7 @@
               <p:cNvPr id="137" name="Straight Arrow Connector 136">
                 <a:extLst>
                   <a:ext uri="{FF2B5EF4-FFF2-40B4-BE49-F238E27FC236}">
-                    <a16:creationId xmlns:a16="http://schemas.microsoft.com/office/drawing/2014/main" xmlns="" id="{3D3CAC38-A3C0-459D-8A93-54A7DEF5F1F0}"/>
+                    <a16:creationId xmlns="" xmlns:a16="http://schemas.microsoft.com/office/drawing/2014/main" id="{3D3CAC38-A3C0-459D-8A93-54A7DEF5F1F0}"/>
                   </a:ext>
                 </a:extLst>
               </p:cNvPr>
@@ -18128,7 +18133,7 @@
                   <p:cNvPr id="138" name="TextBox 137">
                     <a:extLst>
                       <a:ext uri="{FF2B5EF4-FFF2-40B4-BE49-F238E27FC236}">
-                        <a16:creationId xmlns:a16="http://schemas.microsoft.com/office/drawing/2014/main" xmlns="" id="{C8868152-91DF-4A16-9431-81C1A6F0CD9B}"/>
+                        <a16:creationId xmlns="" xmlns:a16="http://schemas.microsoft.com/office/drawing/2014/main" id="{C8868152-91DF-4A16-9431-81C1A6F0CD9B}"/>
                       </a:ext>
                     </a:extLst>
                   </p:cNvPr>
@@ -18222,7 +18227,7 @@
               <p:cNvPr id="140" name="Straight Connector 139">
                 <a:extLst>
                   <a:ext uri="{FF2B5EF4-FFF2-40B4-BE49-F238E27FC236}">
-                    <a16:creationId xmlns:a16="http://schemas.microsoft.com/office/drawing/2014/main" xmlns="" id="{DB2350A5-E91A-470F-870D-54FBF28548BB}"/>
+                    <a16:creationId xmlns="" xmlns:a16="http://schemas.microsoft.com/office/drawing/2014/main" id="{DB2350A5-E91A-470F-870D-54FBF28548BB}"/>
                   </a:ext>
                 </a:extLst>
               </p:cNvPr>
@@ -18266,7 +18271,7 @@
               <p:cNvPr id="141" name="Straight Connector 140">
                 <a:extLst>
                   <a:ext uri="{FF2B5EF4-FFF2-40B4-BE49-F238E27FC236}">
-                    <a16:creationId xmlns:a16="http://schemas.microsoft.com/office/drawing/2014/main" xmlns="" id="{4DE5995D-AB70-4451-B5F4-EB97FAA11A6A}"/>
+                    <a16:creationId xmlns="" xmlns:a16="http://schemas.microsoft.com/office/drawing/2014/main" id="{4DE5995D-AB70-4451-B5F4-EB97FAA11A6A}"/>
                   </a:ext>
                 </a:extLst>
               </p:cNvPr>
@@ -18310,7 +18315,7 @@
               <p:cNvPr id="142" name="Straight Arrow Connector 141">
                 <a:extLst>
                   <a:ext uri="{FF2B5EF4-FFF2-40B4-BE49-F238E27FC236}">
-                    <a16:creationId xmlns:a16="http://schemas.microsoft.com/office/drawing/2014/main" xmlns="" id="{CDFDEED5-5718-4A27-A9FD-98A2895FDD5F}"/>
+                    <a16:creationId xmlns="" xmlns:a16="http://schemas.microsoft.com/office/drawing/2014/main" id="{CDFDEED5-5718-4A27-A9FD-98A2895FDD5F}"/>
                   </a:ext>
                 </a:extLst>
               </p:cNvPr>
@@ -18357,7 +18362,7 @@
                   <p:cNvPr id="143" name="TextBox 142">
                     <a:extLst>
                       <a:ext uri="{FF2B5EF4-FFF2-40B4-BE49-F238E27FC236}">
-                        <a16:creationId xmlns:a16="http://schemas.microsoft.com/office/drawing/2014/main" xmlns="" id="{0182D87F-9FEC-4BD9-9A97-38A6A2DCAEA8}"/>
+                        <a16:creationId xmlns="" xmlns:a16="http://schemas.microsoft.com/office/drawing/2014/main" id="{0182D87F-9FEC-4BD9-9A97-38A6A2DCAEA8}"/>
                       </a:ext>
                     </a:extLst>
                   </p:cNvPr>
@@ -18453,7 +18458,7 @@
                   <p:cNvPr id="144" name="TextBox 143">
                     <a:extLst>
                       <a:ext uri="{FF2B5EF4-FFF2-40B4-BE49-F238E27FC236}">
-                        <a16:creationId xmlns:a16="http://schemas.microsoft.com/office/drawing/2014/main" xmlns="" id="{2D9A96D4-3F54-499E-853E-37A135DE5315}"/>
+                        <a16:creationId xmlns="" xmlns:a16="http://schemas.microsoft.com/office/drawing/2014/main" id="{2D9A96D4-3F54-499E-853E-37A135DE5315}"/>
                       </a:ext>
                     </a:extLst>
                   </p:cNvPr>
@@ -18549,7 +18554,7 @@
                   <p:cNvPr id="145" name="TextBox 144">
                     <a:extLst>
                       <a:ext uri="{FF2B5EF4-FFF2-40B4-BE49-F238E27FC236}">
-                        <a16:creationId xmlns:a16="http://schemas.microsoft.com/office/drawing/2014/main" xmlns="" id="{D106E80B-7841-4BD5-B20C-BEDB0E51C61F}"/>
+                        <a16:creationId xmlns="" xmlns:a16="http://schemas.microsoft.com/office/drawing/2014/main" id="{D106E80B-7841-4BD5-B20C-BEDB0E51C61F}"/>
                       </a:ext>
                     </a:extLst>
                   </p:cNvPr>
@@ -18644,7 +18649,7 @@
             <p:cNvPr id="134" name="Straight Connector 133">
               <a:extLst>
                 <a:ext uri="{FF2B5EF4-FFF2-40B4-BE49-F238E27FC236}">
-                  <a16:creationId xmlns:a16="http://schemas.microsoft.com/office/drawing/2014/main" xmlns="" id="{4A09BAE5-060A-48F3-9DD8-A6880C2DC9EE}"/>
+                  <a16:creationId xmlns="" xmlns:a16="http://schemas.microsoft.com/office/drawing/2014/main" id="{4A09BAE5-060A-48F3-9DD8-A6880C2DC9EE}"/>
                 </a:ext>
               </a:extLst>
             </p:cNvPr>
@@ -18688,7 +18693,7 @@
             <p:cNvPr id="135" name="Straight Connector 134">
               <a:extLst>
                 <a:ext uri="{FF2B5EF4-FFF2-40B4-BE49-F238E27FC236}">
-                  <a16:creationId xmlns:a16="http://schemas.microsoft.com/office/drawing/2014/main" xmlns="" id="{DEE8E417-5D64-4E71-87C3-B24FA76847AF}"/>
+                  <a16:creationId xmlns="" xmlns:a16="http://schemas.microsoft.com/office/drawing/2014/main" id="{DEE8E417-5D64-4E71-87C3-B24FA76847AF}"/>
                 </a:ext>
               </a:extLst>
             </p:cNvPr>
@@ -18733,7 +18738,7 @@
           <p:cNvPr id="3" name="TextBox 2">
             <a:extLst>
               <a:ext uri="{FF2B5EF4-FFF2-40B4-BE49-F238E27FC236}">
-                <a16:creationId xmlns:a16="http://schemas.microsoft.com/office/drawing/2014/main" xmlns="" id="{D3E029B0-1BA1-4109-8315-DE68BBEB44BD}"/>
+                <a16:creationId xmlns="" xmlns:a16="http://schemas.microsoft.com/office/drawing/2014/main" id="{D3E029B0-1BA1-4109-8315-DE68BBEB44BD}"/>
               </a:ext>
             </a:extLst>
           </p:cNvPr>
@@ -18867,7 +18872,7 @@
           <p:cNvPr id="2" name="Title 1">
             <a:extLst>
               <a:ext uri="{FF2B5EF4-FFF2-40B4-BE49-F238E27FC236}">
-                <a16:creationId xmlns:a16="http://schemas.microsoft.com/office/drawing/2014/main" xmlns="" id="{15D9C5E1-EB0A-496D-9C1C-E098D5A754DE}"/>
+                <a16:creationId xmlns="" xmlns:a16="http://schemas.microsoft.com/office/drawing/2014/main" id="{15D9C5E1-EB0A-496D-9C1C-E098D5A754DE}"/>
               </a:ext>
             </a:extLst>
           </p:cNvPr>
@@ -18895,7 +18900,7 @@
           <p:cNvPr id="3" name="Content Placeholder 2">
             <a:extLst>
               <a:ext uri="{FF2B5EF4-FFF2-40B4-BE49-F238E27FC236}">
-                <a16:creationId xmlns:a16="http://schemas.microsoft.com/office/drawing/2014/main" xmlns="" id="{ED6062B3-9AAB-47FD-B6C8-E8B5698B1E7D}"/>
+                <a16:creationId xmlns="" xmlns:a16="http://schemas.microsoft.com/office/drawing/2014/main" id="{ED6062B3-9AAB-47FD-B6C8-E8B5698B1E7D}"/>
               </a:ext>
             </a:extLst>
           </p:cNvPr>
@@ -19197,7 +19202,7 @@
           <p:cNvPr id="2" name="Title 1">
             <a:extLst>
               <a:ext uri="{FF2B5EF4-FFF2-40B4-BE49-F238E27FC236}">
-                <a16:creationId xmlns:a16="http://schemas.microsoft.com/office/drawing/2014/main" xmlns="" id="{D22786FC-9AA5-45F6-970C-E4F06DD30E85}"/>
+                <a16:creationId xmlns="" xmlns:a16="http://schemas.microsoft.com/office/drawing/2014/main" id="{D22786FC-9AA5-45F6-970C-E4F06DD30E85}"/>
               </a:ext>
             </a:extLst>
           </p:cNvPr>
@@ -19227,7 +19232,7 @@
               <p:cNvPr id="3" name="Content Placeholder 2">
                 <a:extLst>
                   <a:ext uri="{FF2B5EF4-FFF2-40B4-BE49-F238E27FC236}">
-                    <a16:creationId xmlns:a16="http://schemas.microsoft.com/office/drawing/2014/main" xmlns="" id="{BD951C70-4CCB-4130-BDC9-6596C6A2D1B1}"/>
+                    <a16:creationId xmlns="" xmlns:a16="http://schemas.microsoft.com/office/drawing/2014/main" id="{BD951C70-4CCB-4130-BDC9-6596C6A2D1B1}"/>
                   </a:ext>
                 </a:extLst>
               </p:cNvPr>
@@ -19470,7 +19475,7 @@
           <p:cNvPr id="123" name="Group 122">
             <a:extLst>
               <a:ext uri="{FF2B5EF4-FFF2-40B4-BE49-F238E27FC236}">
-                <a16:creationId xmlns:a16="http://schemas.microsoft.com/office/drawing/2014/main" xmlns="" id="{79008BFF-E31E-4D10-8DA7-CF3CA248EF89}"/>
+                <a16:creationId xmlns="" xmlns:a16="http://schemas.microsoft.com/office/drawing/2014/main" id="{79008BFF-E31E-4D10-8DA7-CF3CA248EF89}"/>
               </a:ext>
             </a:extLst>
           </p:cNvPr>
@@ -19492,7 +19497,7 @@
             <p:cNvPr id="124" name="Group 123">
               <a:extLst>
                 <a:ext uri="{FF2B5EF4-FFF2-40B4-BE49-F238E27FC236}">
-                  <a16:creationId xmlns:a16="http://schemas.microsoft.com/office/drawing/2014/main" xmlns="" id="{10B3B45B-9400-4F9C-A52C-6A780A52028E}"/>
+                  <a16:creationId xmlns="" xmlns:a16="http://schemas.microsoft.com/office/drawing/2014/main" id="{10B3B45B-9400-4F9C-A52C-6A780A52028E}"/>
                 </a:ext>
               </a:extLst>
             </p:cNvPr>
@@ -19514,7 +19519,7 @@
               <p:cNvPr id="127" name="Straight Arrow Connector 126">
                 <a:extLst>
                   <a:ext uri="{FF2B5EF4-FFF2-40B4-BE49-F238E27FC236}">
-                    <a16:creationId xmlns:a16="http://schemas.microsoft.com/office/drawing/2014/main" xmlns="" id="{CF02B5C5-F5A2-431B-A75C-6B4749434D85}"/>
+                    <a16:creationId xmlns="" xmlns:a16="http://schemas.microsoft.com/office/drawing/2014/main" id="{CF02B5C5-F5A2-431B-A75C-6B4749434D85}"/>
                   </a:ext>
                 </a:extLst>
               </p:cNvPr>
@@ -19559,7 +19564,7 @@
               <p:cNvPr id="128" name="Group 127">
                 <a:extLst>
                   <a:ext uri="{FF2B5EF4-FFF2-40B4-BE49-F238E27FC236}">
-                    <a16:creationId xmlns:a16="http://schemas.microsoft.com/office/drawing/2014/main" xmlns="" id="{C56EAE16-522F-4D27-8B12-83F4EBEC8019}"/>
+                    <a16:creationId xmlns="" xmlns:a16="http://schemas.microsoft.com/office/drawing/2014/main" id="{C56EAE16-522F-4D27-8B12-83F4EBEC8019}"/>
                   </a:ext>
                 </a:extLst>
               </p:cNvPr>
@@ -19581,7 +19586,7 @@
                 <p:cNvPr id="137" name="Partial Circle 136">
                   <a:extLst>
                     <a:ext uri="{FF2B5EF4-FFF2-40B4-BE49-F238E27FC236}">
-                      <a16:creationId xmlns:a16="http://schemas.microsoft.com/office/drawing/2014/main" xmlns="" id="{3ACE63D4-06A6-4B01-BB0F-872620D544C3}"/>
+                      <a16:creationId xmlns="" xmlns:a16="http://schemas.microsoft.com/office/drawing/2014/main" id="{3ACE63D4-06A6-4B01-BB0F-872620D544C3}"/>
                     </a:ext>
                   </a:extLst>
                 </p:cNvPr>
@@ -19640,7 +19645,7 @@
                 <p:cNvPr id="138" name="Rectangle 137">
                   <a:extLst>
                     <a:ext uri="{FF2B5EF4-FFF2-40B4-BE49-F238E27FC236}">
-                      <a16:creationId xmlns:a16="http://schemas.microsoft.com/office/drawing/2014/main" xmlns="" id="{A2773AE0-7C71-4051-B922-7FE5AD166504}"/>
+                      <a16:creationId xmlns="" xmlns:a16="http://schemas.microsoft.com/office/drawing/2014/main" id="{A2773AE0-7C71-4051-B922-7FE5AD166504}"/>
                     </a:ext>
                   </a:extLst>
                 </p:cNvPr>
@@ -19692,7 +19697,7 @@
                 <p:cNvPr id="139" name="Rectangle 138">
                   <a:extLst>
                     <a:ext uri="{FF2B5EF4-FFF2-40B4-BE49-F238E27FC236}">
-                      <a16:creationId xmlns:a16="http://schemas.microsoft.com/office/drawing/2014/main" xmlns="" id="{79895834-EC3A-4045-A073-0D12CC42BDED}"/>
+                      <a16:creationId xmlns="" xmlns:a16="http://schemas.microsoft.com/office/drawing/2014/main" id="{79895834-EC3A-4045-A073-0D12CC42BDED}"/>
                     </a:ext>
                   </a:extLst>
                 </p:cNvPr>
@@ -19744,7 +19749,7 @@
                 <p:cNvPr id="140" name="Rectangle 139">
                   <a:extLst>
                     <a:ext uri="{FF2B5EF4-FFF2-40B4-BE49-F238E27FC236}">
-                      <a16:creationId xmlns:a16="http://schemas.microsoft.com/office/drawing/2014/main" xmlns="" id="{B3F54DB8-0409-4D6E-AA69-E1FB517C9143}"/>
+                      <a16:creationId xmlns="" xmlns:a16="http://schemas.microsoft.com/office/drawing/2014/main" id="{B3F54DB8-0409-4D6E-AA69-E1FB517C9143}"/>
                     </a:ext>
                   </a:extLst>
                 </p:cNvPr>
@@ -19796,7 +19801,7 @@
                 <p:cNvPr id="141" name="Rectangle 140">
                   <a:extLst>
                     <a:ext uri="{FF2B5EF4-FFF2-40B4-BE49-F238E27FC236}">
-                      <a16:creationId xmlns:a16="http://schemas.microsoft.com/office/drawing/2014/main" xmlns="" id="{6B326416-EC48-4DB8-B52D-005991F04D35}"/>
+                      <a16:creationId xmlns="" xmlns:a16="http://schemas.microsoft.com/office/drawing/2014/main" id="{6B326416-EC48-4DB8-B52D-005991F04D35}"/>
                     </a:ext>
                   </a:extLst>
                 </p:cNvPr>
@@ -19848,7 +19853,7 @@
                 <p:cNvPr id="142" name="Rectangle 141">
                   <a:extLst>
                     <a:ext uri="{FF2B5EF4-FFF2-40B4-BE49-F238E27FC236}">
-                      <a16:creationId xmlns:a16="http://schemas.microsoft.com/office/drawing/2014/main" xmlns="" id="{6DC7147D-7FDD-4F90-BEE7-1E1FE167BC45}"/>
+                      <a16:creationId xmlns="" xmlns:a16="http://schemas.microsoft.com/office/drawing/2014/main" id="{6DC7147D-7FDD-4F90-BEE7-1E1FE167BC45}"/>
                     </a:ext>
                   </a:extLst>
                 </p:cNvPr>
@@ -19900,7 +19905,7 @@
                 <p:cNvPr id="143" name="Rectangle 142">
                   <a:extLst>
                     <a:ext uri="{FF2B5EF4-FFF2-40B4-BE49-F238E27FC236}">
-                      <a16:creationId xmlns:a16="http://schemas.microsoft.com/office/drawing/2014/main" xmlns="" id="{58C749EB-E380-4771-803D-1B46B3C9FB29}"/>
+                      <a16:creationId xmlns="" xmlns:a16="http://schemas.microsoft.com/office/drawing/2014/main" id="{58C749EB-E380-4771-803D-1B46B3C9FB29}"/>
                     </a:ext>
                   </a:extLst>
                 </p:cNvPr>
@@ -19952,7 +19957,7 @@
                 <p:cNvPr id="144" name="Rectangle 143">
                   <a:extLst>
                     <a:ext uri="{FF2B5EF4-FFF2-40B4-BE49-F238E27FC236}">
-                      <a16:creationId xmlns:a16="http://schemas.microsoft.com/office/drawing/2014/main" xmlns="" id="{F6D9E936-19E1-4593-9292-07F1174A795A}"/>
+                      <a16:creationId xmlns="" xmlns:a16="http://schemas.microsoft.com/office/drawing/2014/main" id="{F6D9E936-19E1-4593-9292-07F1174A795A}"/>
                     </a:ext>
                   </a:extLst>
                 </p:cNvPr>
@@ -20004,7 +20009,7 @@
                 <p:cNvPr id="145" name="Rectangle 144">
                   <a:extLst>
                     <a:ext uri="{FF2B5EF4-FFF2-40B4-BE49-F238E27FC236}">
-                      <a16:creationId xmlns:a16="http://schemas.microsoft.com/office/drawing/2014/main" xmlns="" id="{2B2128A6-0E9C-4125-B146-C787D12423EE}"/>
+                      <a16:creationId xmlns="" xmlns:a16="http://schemas.microsoft.com/office/drawing/2014/main" id="{2B2128A6-0E9C-4125-B146-C787D12423EE}"/>
                     </a:ext>
                   </a:extLst>
                 </p:cNvPr>
@@ -20056,7 +20061,7 @@
                 <p:cNvPr id="146" name="Rectangle 145">
                   <a:extLst>
                     <a:ext uri="{FF2B5EF4-FFF2-40B4-BE49-F238E27FC236}">
-                      <a16:creationId xmlns:a16="http://schemas.microsoft.com/office/drawing/2014/main" xmlns="" id="{6C626036-7D1E-4C6F-9E90-6E4967BE0921}"/>
+                      <a16:creationId xmlns="" xmlns:a16="http://schemas.microsoft.com/office/drawing/2014/main" id="{6C626036-7D1E-4C6F-9E90-6E4967BE0921}"/>
                     </a:ext>
                   </a:extLst>
                 </p:cNvPr>
@@ -20108,7 +20113,7 @@
                 <p:cNvPr id="147" name="Rectangle 146">
                   <a:extLst>
                     <a:ext uri="{FF2B5EF4-FFF2-40B4-BE49-F238E27FC236}">
-                      <a16:creationId xmlns:a16="http://schemas.microsoft.com/office/drawing/2014/main" xmlns="" id="{53BD216C-62BB-4589-A47A-042DACBA113D}"/>
+                      <a16:creationId xmlns="" xmlns:a16="http://schemas.microsoft.com/office/drawing/2014/main" id="{53BD216C-62BB-4589-A47A-042DACBA113D}"/>
                     </a:ext>
                   </a:extLst>
                 </p:cNvPr>
@@ -20160,7 +20165,7 @@
                 <p:cNvPr id="148" name="Rectangle 147">
                   <a:extLst>
                     <a:ext uri="{FF2B5EF4-FFF2-40B4-BE49-F238E27FC236}">
-                      <a16:creationId xmlns:a16="http://schemas.microsoft.com/office/drawing/2014/main" xmlns="" id="{257A27BD-9B91-43C3-BD21-AF4C094B27A1}"/>
+                      <a16:creationId xmlns="" xmlns:a16="http://schemas.microsoft.com/office/drawing/2014/main" id="{257A27BD-9B91-43C3-BD21-AF4C094B27A1}"/>
                     </a:ext>
                   </a:extLst>
                 </p:cNvPr>
@@ -20212,7 +20217,7 @@
                 <p:cNvPr id="149" name="Rectangle 148">
                   <a:extLst>
                     <a:ext uri="{FF2B5EF4-FFF2-40B4-BE49-F238E27FC236}">
-                      <a16:creationId xmlns:a16="http://schemas.microsoft.com/office/drawing/2014/main" xmlns="" id="{C0A2964C-49E7-427A-91BA-72D2A5AA2765}"/>
+                      <a16:creationId xmlns="" xmlns:a16="http://schemas.microsoft.com/office/drawing/2014/main" id="{C0A2964C-49E7-427A-91BA-72D2A5AA2765}"/>
                     </a:ext>
                   </a:extLst>
                 </p:cNvPr>
@@ -20264,7 +20269,7 @@
                 <p:cNvPr id="150" name="Rectangle 149">
                   <a:extLst>
                     <a:ext uri="{FF2B5EF4-FFF2-40B4-BE49-F238E27FC236}">
-                      <a16:creationId xmlns:a16="http://schemas.microsoft.com/office/drawing/2014/main" xmlns="" id="{4B582360-4996-42BA-ACB2-81FC441B7AF3}"/>
+                      <a16:creationId xmlns="" xmlns:a16="http://schemas.microsoft.com/office/drawing/2014/main" id="{4B582360-4996-42BA-ACB2-81FC441B7AF3}"/>
                     </a:ext>
                   </a:extLst>
                 </p:cNvPr>
@@ -20316,7 +20321,7 @@
                 <p:cNvPr id="151" name="TextBox 150">
                   <a:extLst>
                     <a:ext uri="{FF2B5EF4-FFF2-40B4-BE49-F238E27FC236}">
-                      <a16:creationId xmlns:a16="http://schemas.microsoft.com/office/drawing/2014/main" xmlns="" id="{3EE25D54-2966-47E9-A323-C91EB6191F26}"/>
+                      <a16:creationId xmlns="" xmlns:a16="http://schemas.microsoft.com/office/drawing/2014/main" id="{3EE25D54-2966-47E9-A323-C91EB6191F26}"/>
                     </a:ext>
                   </a:extLst>
                 </p:cNvPr>
@@ -20352,7 +20357,7 @@
               <p:cNvPr id="129" name="Straight Arrow Connector 128">
                 <a:extLst>
                   <a:ext uri="{FF2B5EF4-FFF2-40B4-BE49-F238E27FC236}">
-                    <a16:creationId xmlns:a16="http://schemas.microsoft.com/office/drawing/2014/main" xmlns="" id="{D6190FC8-6790-4B4D-805D-68D6A766235C}"/>
+                    <a16:creationId xmlns="" xmlns:a16="http://schemas.microsoft.com/office/drawing/2014/main" id="{D6190FC8-6790-4B4D-805D-68D6A766235C}"/>
                   </a:ext>
                 </a:extLst>
               </p:cNvPr>
@@ -20398,7 +20403,7 @@
                   <p:cNvPr id="130" name="TextBox 129">
                     <a:extLst>
                       <a:ext uri="{FF2B5EF4-FFF2-40B4-BE49-F238E27FC236}">
-                        <a16:creationId xmlns:a16="http://schemas.microsoft.com/office/drawing/2014/main" xmlns="" id="{E3A24EDF-4158-4D22-8B6D-D05CCEEF19E3}"/>
+                        <a16:creationId xmlns="" xmlns:a16="http://schemas.microsoft.com/office/drawing/2014/main" id="{E3A24EDF-4158-4D22-8B6D-D05CCEEF19E3}"/>
                       </a:ext>
                     </a:extLst>
                   </p:cNvPr>
@@ -20492,7 +20497,7 @@
               <p:cNvPr id="131" name="Straight Connector 130">
                 <a:extLst>
                   <a:ext uri="{FF2B5EF4-FFF2-40B4-BE49-F238E27FC236}">
-                    <a16:creationId xmlns:a16="http://schemas.microsoft.com/office/drawing/2014/main" xmlns="" id="{4452524C-C1CD-4E69-8AF3-78066DEC4222}"/>
+                    <a16:creationId xmlns="" xmlns:a16="http://schemas.microsoft.com/office/drawing/2014/main" id="{4452524C-C1CD-4E69-8AF3-78066DEC4222}"/>
                   </a:ext>
                 </a:extLst>
               </p:cNvPr>
@@ -20536,7 +20541,7 @@
               <p:cNvPr id="132" name="Straight Connector 131">
                 <a:extLst>
                   <a:ext uri="{FF2B5EF4-FFF2-40B4-BE49-F238E27FC236}">
-                    <a16:creationId xmlns:a16="http://schemas.microsoft.com/office/drawing/2014/main" xmlns="" id="{246EB1EF-1080-44B7-AE0D-C7335723CF39}"/>
+                    <a16:creationId xmlns="" xmlns:a16="http://schemas.microsoft.com/office/drawing/2014/main" id="{246EB1EF-1080-44B7-AE0D-C7335723CF39}"/>
                   </a:ext>
                 </a:extLst>
               </p:cNvPr>
@@ -20580,7 +20585,7 @@
               <p:cNvPr id="133" name="Straight Arrow Connector 132">
                 <a:extLst>
                   <a:ext uri="{FF2B5EF4-FFF2-40B4-BE49-F238E27FC236}">
-                    <a16:creationId xmlns:a16="http://schemas.microsoft.com/office/drawing/2014/main" xmlns="" id="{B746C042-29C2-483C-8997-598A5EDD73BE}"/>
+                    <a16:creationId xmlns="" xmlns:a16="http://schemas.microsoft.com/office/drawing/2014/main" id="{B746C042-29C2-483C-8997-598A5EDD73BE}"/>
                   </a:ext>
                 </a:extLst>
               </p:cNvPr>
@@ -20627,7 +20632,7 @@
                   <p:cNvPr id="134" name="TextBox 133">
                     <a:extLst>
                       <a:ext uri="{FF2B5EF4-FFF2-40B4-BE49-F238E27FC236}">
-                        <a16:creationId xmlns:a16="http://schemas.microsoft.com/office/drawing/2014/main" xmlns="" id="{545D3309-C506-41D6-A263-571B373935B2}"/>
+                        <a16:creationId xmlns="" xmlns:a16="http://schemas.microsoft.com/office/drawing/2014/main" id="{545D3309-C506-41D6-A263-571B373935B2}"/>
                       </a:ext>
                     </a:extLst>
                   </p:cNvPr>
@@ -20723,7 +20728,7 @@
                   <p:cNvPr id="135" name="TextBox 134">
                     <a:extLst>
                       <a:ext uri="{FF2B5EF4-FFF2-40B4-BE49-F238E27FC236}">
-                        <a16:creationId xmlns:a16="http://schemas.microsoft.com/office/drawing/2014/main" xmlns="" id="{2780A7F5-55D4-4B5D-A893-F0438EA3FDBC}"/>
+                        <a16:creationId xmlns="" xmlns:a16="http://schemas.microsoft.com/office/drawing/2014/main" id="{2780A7F5-55D4-4B5D-A893-F0438EA3FDBC}"/>
                       </a:ext>
                     </a:extLst>
                   </p:cNvPr>
@@ -20819,7 +20824,7 @@
                   <p:cNvPr id="136" name="TextBox 135">
                     <a:extLst>
                       <a:ext uri="{FF2B5EF4-FFF2-40B4-BE49-F238E27FC236}">
-                        <a16:creationId xmlns:a16="http://schemas.microsoft.com/office/drawing/2014/main" xmlns="" id="{AC494038-939E-400E-9C81-AF89CB1F711A}"/>
+                        <a16:creationId xmlns="" xmlns:a16="http://schemas.microsoft.com/office/drawing/2014/main" id="{AC494038-939E-400E-9C81-AF89CB1F711A}"/>
                       </a:ext>
                     </a:extLst>
                   </p:cNvPr>
@@ -20914,7 +20919,7 @@
             <p:cNvPr id="125" name="Straight Connector 124">
               <a:extLst>
                 <a:ext uri="{FF2B5EF4-FFF2-40B4-BE49-F238E27FC236}">
-                  <a16:creationId xmlns:a16="http://schemas.microsoft.com/office/drawing/2014/main" xmlns="" id="{2561F1F9-A97F-47EF-90B4-6E0301F55185}"/>
+                  <a16:creationId xmlns="" xmlns:a16="http://schemas.microsoft.com/office/drawing/2014/main" id="{2561F1F9-A97F-47EF-90B4-6E0301F55185}"/>
                 </a:ext>
               </a:extLst>
             </p:cNvPr>
@@ -20958,7 +20963,7 @@
             <p:cNvPr id="126" name="Straight Connector 125">
               <a:extLst>
                 <a:ext uri="{FF2B5EF4-FFF2-40B4-BE49-F238E27FC236}">
-                  <a16:creationId xmlns:a16="http://schemas.microsoft.com/office/drawing/2014/main" xmlns="" id="{FEC56812-4B54-4B48-B731-ABC4BAB67405}"/>
+                  <a16:creationId xmlns="" xmlns:a16="http://schemas.microsoft.com/office/drawing/2014/main" id="{FEC56812-4B54-4B48-B731-ABC4BAB67405}"/>
                 </a:ext>
               </a:extLst>
             </p:cNvPr>
@@ -21003,7 +21008,7 @@
           <p:cNvPr id="152" name="Picture 151">
             <a:extLst>
               <a:ext uri="{FF2B5EF4-FFF2-40B4-BE49-F238E27FC236}">
-                <a16:creationId xmlns:a16="http://schemas.microsoft.com/office/drawing/2014/main" xmlns="" id="{5D7B643D-EA4D-4FE3-8970-CCFC7473BAC8}"/>
+                <a16:creationId xmlns="" xmlns:a16="http://schemas.microsoft.com/office/drawing/2014/main" id="{5D7B643D-EA4D-4FE3-8970-CCFC7473BAC8}"/>
               </a:ext>
             </a:extLst>
           </p:cNvPr>
@@ -21033,7 +21038,7 @@
           <p:cNvPr id="154" name="Picture 153">
             <a:extLst>
               <a:ext uri="{FF2B5EF4-FFF2-40B4-BE49-F238E27FC236}">
-                <a16:creationId xmlns:a16="http://schemas.microsoft.com/office/drawing/2014/main" xmlns="" id="{9C9C439A-AED2-45DB-BD79-C400F3F525ED}"/>
+                <a16:creationId xmlns="" xmlns:a16="http://schemas.microsoft.com/office/drawing/2014/main" id="{9C9C439A-AED2-45DB-BD79-C400F3F525ED}"/>
               </a:ext>
             </a:extLst>
           </p:cNvPr>
@@ -21093,7 +21098,7 @@
           <p:cNvPr id="2" name="Title 1">
             <a:extLst>
               <a:ext uri="{FF2B5EF4-FFF2-40B4-BE49-F238E27FC236}">
-                <a16:creationId xmlns:a16="http://schemas.microsoft.com/office/drawing/2014/main" xmlns="" id="{8118DB13-B5C2-46E8-9E14-5EA119DAA40B}"/>
+                <a16:creationId xmlns="" xmlns:a16="http://schemas.microsoft.com/office/drawing/2014/main" id="{8118DB13-B5C2-46E8-9E14-5EA119DAA40B}"/>
               </a:ext>
             </a:extLst>
           </p:cNvPr>
@@ -21121,7 +21126,7 @@
           <p:cNvPr id="32" name="TextBox 31">
             <a:extLst>
               <a:ext uri="{FF2B5EF4-FFF2-40B4-BE49-F238E27FC236}">
-                <a16:creationId xmlns:a16="http://schemas.microsoft.com/office/drawing/2014/main" xmlns="" id="{31B8073B-B5C4-47D1-B578-3D7F57D9CA95}"/>
+                <a16:creationId xmlns="" xmlns:a16="http://schemas.microsoft.com/office/drawing/2014/main" id="{31B8073B-B5C4-47D1-B578-3D7F57D9CA95}"/>
               </a:ext>
             </a:extLst>
           </p:cNvPr>
@@ -21164,7 +21169,7 @@
           <p:cNvPr id="70" name="TextBox 69">
             <a:extLst>
               <a:ext uri="{FF2B5EF4-FFF2-40B4-BE49-F238E27FC236}">
-                <a16:creationId xmlns:a16="http://schemas.microsoft.com/office/drawing/2014/main" xmlns="" id="{DAD027C8-0DBF-4ADF-B3DA-CDB577C97985}"/>
+                <a16:creationId xmlns="" xmlns:a16="http://schemas.microsoft.com/office/drawing/2014/main" id="{DAD027C8-0DBF-4ADF-B3DA-CDB577C97985}"/>
               </a:ext>
             </a:extLst>
           </p:cNvPr>
@@ -21314,7 +21319,7 @@
           <p:cNvPr id="74" name="Group 73">
             <a:extLst>
               <a:ext uri="{FF2B5EF4-FFF2-40B4-BE49-F238E27FC236}">
-                <a16:creationId xmlns:a16="http://schemas.microsoft.com/office/drawing/2014/main" xmlns="" id="{B0248E27-C652-4FA2-BA9B-3EEF784DEC30}"/>
+                <a16:creationId xmlns="" xmlns:a16="http://schemas.microsoft.com/office/drawing/2014/main" id="{B0248E27-C652-4FA2-BA9B-3EEF784DEC30}"/>
               </a:ext>
             </a:extLst>
           </p:cNvPr>
@@ -21334,7 +21339,7 @@
             <p:cNvPr id="73" name="Group 72">
               <a:extLst>
                 <a:ext uri="{FF2B5EF4-FFF2-40B4-BE49-F238E27FC236}">
-                  <a16:creationId xmlns:a16="http://schemas.microsoft.com/office/drawing/2014/main" xmlns="" id="{734C8A18-35C7-4E6D-B4D4-30AB881E4FCE}"/>
+                  <a16:creationId xmlns="" xmlns:a16="http://schemas.microsoft.com/office/drawing/2014/main" id="{734C8A18-35C7-4E6D-B4D4-30AB881E4FCE}"/>
                 </a:ext>
               </a:extLst>
             </p:cNvPr>
@@ -21354,7 +21359,7 @@
               <p:cNvPr id="47" name="Group 46">
                 <a:extLst>
                   <a:ext uri="{FF2B5EF4-FFF2-40B4-BE49-F238E27FC236}">
-                    <a16:creationId xmlns:a16="http://schemas.microsoft.com/office/drawing/2014/main" xmlns="" id="{803B207F-9227-4C7D-B6CA-2592196A9D47}"/>
+                    <a16:creationId xmlns="" xmlns:a16="http://schemas.microsoft.com/office/drawing/2014/main" id="{803B207F-9227-4C7D-B6CA-2592196A9D47}"/>
                   </a:ext>
                 </a:extLst>
               </p:cNvPr>
@@ -21374,7 +21379,7 @@
                 <p:cNvPr id="4" name="Oval 3">
                   <a:extLst>
                     <a:ext uri="{FF2B5EF4-FFF2-40B4-BE49-F238E27FC236}">
-                      <a16:creationId xmlns:a16="http://schemas.microsoft.com/office/drawing/2014/main" xmlns="" id="{D3E7D312-B432-4692-ACCB-133AC4962466}"/>
+                      <a16:creationId xmlns="" xmlns:a16="http://schemas.microsoft.com/office/drawing/2014/main" id="{D3E7D312-B432-4692-ACCB-133AC4962466}"/>
                     </a:ext>
                   </a:extLst>
                 </p:cNvPr>
@@ -21440,7 +21445,7 @@
                 <p:cNvPr id="5" name="Oval 4">
                   <a:extLst>
                     <a:ext uri="{FF2B5EF4-FFF2-40B4-BE49-F238E27FC236}">
-                      <a16:creationId xmlns:a16="http://schemas.microsoft.com/office/drawing/2014/main" xmlns="" id="{95E68356-0692-4AB2-A78E-DBA0CFA1798B}"/>
+                      <a16:creationId xmlns="" xmlns:a16="http://schemas.microsoft.com/office/drawing/2014/main" id="{95E68356-0692-4AB2-A78E-DBA0CFA1798B}"/>
                     </a:ext>
                   </a:extLst>
                 </p:cNvPr>
@@ -21506,7 +21511,7 @@
                 <p:cNvPr id="6" name="Oval 5">
                   <a:extLst>
                     <a:ext uri="{FF2B5EF4-FFF2-40B4-BE49-F238E27FC236}">
-                      <a16:creationId xmlns:a16="http://schemas.microsoft.com/office/drawing/2014/main" xmlns="" id="{759302E7-B665-428F-B9BE-C1BFEE54D443}"/>
+                      <a16:creationId xmlns="" xmlns:a16="http://schemas.microsoft.com/office/drawing/2014/main" id="{759302E7-B665-428F-B9BE-C1BFEE54D443}"/>
                     </a:ext>
                   </a:extLst>
                 </p:cNvPr>
@@ -21572,7 +21577,7 @@
                 <p:cNvPr id="7" name="Oval 6">
                   <a:extLst>
                     <a:ext uri="{FF2B5EF4-FFF2-40B4-BE49-F238E27FC236}">
-                      <a16:creationId xmlns:a16="http://schemas.microsoft.com/office/drawing/2014/main" xmlns="" id="{4BD0AE82-2937-409B-91C8-048C1253D5E6}"/>
+                      <a16:creationId xmlns="" xmlns:a16="http://schemas.microsoft.com/office/drawing/2014/main" id="{4BD0AE82-2937-409B-91C8-048C1253D5E6}"/>
                     </a:ext>
                   </a:extLst>
                 </p:cNvPr>
@@ -21638,7 +21643,7 @@
                 <p:cNvPr id="8" name="Oval 7">
                   <a:extLst>
                     <a:ext uri="{FF2B5EF4-FFF2-40B4-BE49-F238E27FC236}">
-                      <a16:creationId xmlns:a16="http://schemas.microsoft.com/office/drawing/2014/main" xmlns="" id="{65E572A7-A8BE-4FE9-AC49-0927195BF166}"/>
+                      <a16:creationId xmlns="" xmlns:a16="http://schemas.microsoft.com/office/drawing/2014/main" id="{65E572A7-A8BE-4FE9-AC49-0927195BF166}"/>
                     </a:ext>
                   </a:extLst>
                 </p:cNvPr>
@@ -21704,7 +21709,7 @@
                 <p:cNvPr id="9" name="Group 8">
                   <a:extLst>
                     <a:ext uri="{FF2B5EF4-FFF2-40B4-BE49-F238E27FC236}">
-                      <a16:creationId xmlns:a16="http://schemas.microsoft.com/office/drawing/2014/main" xmlns="" id="{C8C114CA-F1CD-4EF2-A7AF-8C8E3EAED852}"/>
+                      <a16:creationId xmlns="" xmlns:a16="http://schemas.microsoft.com/office/drawing/2014/main" id="{C8C114CA-F1CD-4EF2-A7AF-8C8E3EAED852}"/>
                     </a:ext>
                   </a:extLst>
                 </p:cNvPr>
@@ -21724,7 +21729,7 @@
                   <p:cNvPr id="10" name="Thought Bubble: Cloud 9">
                     <a:extLst>
                       <a:ext uri="{FF2B5EF4-FFF2-40B4-BE49-F238E27FC236}">
-                        <a16:creationId xmlns:a16="http://schemas.microsoft.com/office/drawing/2014/main" xmlns="" id="{C86190B0-352B-418E-8F75-E131579278F9}"/>
+                        <a16:creationId xmlns="" xmlns:a16="http://schemas.microsoft.com/office/drawing/2014/main" id="{C86190B0-352B-418E-8F75-E131579278F9}"/>
                       </a:ext>
                     </a:extLst>
                   </p:cNvPr>
@@ -21786,7 +21791,7 @@
                   <p:cNvPr id="11" name="Rectangle 10">
                     <a:extLst>
                       <a:ext uri="{FF2B5EF4-FFF2-40B4-BE49-F238E27FC236}">
-                        <a16:creationId xmlns:a16="http://schemas.microsoft.com/office/drawing/2014/main" xmlns="" id="{32DEDBE5-284D-43AE-9E05-0DE7BB5C6939}"/>
+                        <a16:creationId xmlns="" xmlns:a16="http://schemas.microsoft.com/office/drawing/2014/main" id="{32DEDBE5-284D-43AE-9E05-0DE7BB5C6939}"/>
                       </a:ext>
                     </a:extLst>
                   </p:cNvPr>
@@ -21841,7 +21846,7 @@
                 <p:cNvPr id="12" name="Oval 11">
                   <a:extLst>
                     <a:ext uri="{FF2B5EF4-FFF2-40B4-BE49-F238E27FC236}">
-                      <a16:creationId xmlns:a16="http://schemas.microsoft.com/office/drawing/2014/main" xmlns="" id="{AA44B671-A656-4018-A85D-813B637437B7}"/>
+                      <a16:creationId xmlns="" xmlns:a16="http://schemas.microsoft.com/office/drawing/2014/main" id="{AA44B671-A656-4018-A85D-813B637437B7}"/>
                     </a:ext>
                   </a:extLst>
                 </p:cNvPr>
@@ -21887,7 +21892,7 @@
                 <p:cNvPr id="14" name="Oval 13">
                   <a:extLst>
                     <a:ext uri="{FF2B5EF4-FFF2-40B4-BE49-F238E27FC236}">
-                      <a16:creationId xmlns:a16="http://schemas.microsoft.com/office/drawing/2014/main" xmlns="" id="{E97AA307-8738-41A0-A762-E736829F60AB}"/>
+                      <a16:creationId xmlns="" xmlns:a16="http://schemas.microsoft.com/office/drawing/2014/main" id="{E97AA307-8738-41A0-A762-E736829F60AB}"/>
                     </a:ext>
                   </a:extLst>
                 </p:cNvPr>
@@ -21933,7 +21938,7 @@
                 <p:cNvPr id="16" name="Oval 15">
                   <a:extLst>
                     <a:ext uri="{FF2B5EF4-FFF2-40B4-BE49-F238E27FC236}">
-                      <a16:creationId xmlns:a16="http://schemas.microsoft.com/office/drawing/2014/main" xmlns="" id="{F5C404E6-EC1B-493D-A9A0-755AE1E82367}"/>
+                      <a16:creationId xmlns="" xmlns:a16="http://schemas.microsoft.com/office/drawing/2014/main" id="{F5C404E6-EC1B-493D-A9A0-755AE1E82367}"/>
                     </a:ext>
                   </a:extLst>
                 </p:cNvPr>
@@ -21979,7 +21984,7 @@
                 <p:cNvPr id="18" name="Oval 17">
                   <a:extLst>
                     <a:ext uri="{FF2B5EF4-FFF2-40B4-BE49-F238E27FC236}">
-                      <a16:creationId xmlns:a16="http://schemas.microsoft.com/office/drawing/2014/main" xmlns="" id="{F3336DF1-236D-41AF-B9A6-78488F11FDCC}"/>
+                      <a16:creationId xmlns="" xmlns:a16="http://schemas.microsoft.com/office/drawing/2014/main" id="{F3336DF1-236D-41AF-B9A6-78488F11FDCC}"/>
                     </a:ext>
                   </a:extLst>
                 </p:cNvPr>
@@ -22025,7 +22030,7 @@
                 <p:cNvPr id="20" name="Oval 19">
                   <a:extLst>
                     <a:ext uri="{FF2B5EF4-FFF2-40B4-BE49-F238E27FC236}">
-                      <a16:creationId xmlns:a16="http://schemas.microsoft.com/office/drawing/2014/main" xmlns="" id="{258879CB-6852-4C97-95DB-0B1485955E99}"/>
+                      <a16:creationId xmlns="" xmlns:a16="http://schemas.microsoft.com/office/drawing/2014/main" id="{258879CB-6852-4C97-95DB-0B1485955E99}"/>
                     </a:ext>
                   </a:extLst>
                 </p:cNvPr>
@@ -22071,7 +22076,7 @@
                 <p:cNvPr id="22" name="Oval 21">
                   <a:extLst>
                     <a:ext uri="{FF2B5EF4-FFF2-40B4-BE49-F238E27FC236}">
-                      <a16:creationId xmlns:a16="http://schemas.microsoft.com/office/drawing/2014/main" xmlns="" id="{4068F9CC-E36B-418A-B024-4C8AC161F8E8}"/>
+                      <a16:creationId xmlns="" xmlns:a16="http://schemas.microsoft.com/office/drawing/2014/main" id="{4068F9CC-E36B-418A-B024-4C8AC161F8E8}"/>
                     </a:ext>
                   </a:extLst>
                 </p:cNvPr>
@@ -22117,7 +22122,7 @@
                 <p:cNvPr id="24" name="Oval 23">
                   <a:extLst>
                     <a:ext uri="{FF2B5EF4-FFF2-40B4-BE49-F238E27FC236}">
-                      <a16:creationId xmlns:a16="http://schemas.microsoft.com/office/drawing/2014/main" xmlns="" id="{22A530D3-AB08-4E88-808C-8ED42DB76C06}"/>
+                      <a16:creationId xmlns="" xmlns:a16="http://schemas.microsoft.com/office/drawing/2014/main" id="{22A530D3-AB08-4E88-808C-8ED42DB76C06}"/>
                     </a:ext>
                   </a:extLst>
                 </p:cNvPr>
@@ -22163,7 +22168,7 @@
                 <p:cNvPr id="26" name="Oval 25">
                   <a:extLst>
                     <a:ext uri="{FF2B5EF4-FFF2-40B4-BE49-F238E27FC236}">
-                      <a16:creationId xmlns:a16="http://schemas.microsoft.com/office/drawing/2014/main" xmlns="" id="{688168A2-486A-4695-9228-816D80B75555}"/>
+                      <a16:creationId xmlns="" xmlns:a16="http://schemas.microsoft.com/office/drawing/2014/main" id="{688168A2-486A-4695-9228-816D80B75555}"/>
                     </a:ext>
                   </a:extLst>
                 </p:cNvPr>
@@ -22209,7 +22214,7 @@
                 <p:cNvPr id="28" name="Oval 27">
                   <a:extLst>
                     <a:ext uri="{FF2B5EF4-FFF2-40B4-BE49-F238E27FC236}">
-                      <a16:creationId xmlns:a16="http://schemas.microsoft.com/office/drawing/2014/main" xmlns="" id="{EFB68FAA-0026-44B9-AB82-88AC7871B020}"/>
+                      <a16:creationId xmlns="" xmlns:a16="http://schemas.microsoft.com/office/drawing/2014/main" id="{EFB68FAA-0026-44B9-AB82-88AC7871B020}"/>
                     </a:ext>
                   </a:extLst>
                 </p:cNvPr>
@@ -22255,7 +22260,7 @@
                 <p:cNvPr id="30" name="Oval 29">
                   <a:extLst>
                     <a:ext uri="{FF2B5EF4-FFF2-40B4-BE49-F238E27FC236}">
-                      <a16:creationId xmlns:a16="http://schemas.microsoft.com/office/drawing/2014/main" xmlns="" id="{7CDD712D-10B2-4C49-9666-369A73CE4E7C}"/>
+                      <a16:creationId xmlns="" xmlns:a16="http://schemas.microsoft.com/office/drawing/2014/main" id="{7CDD712D-10B2-4C49-9666-369A73CE4E7C}"/>
                     </a:ext>
                   </a:extLst>
                 </p:cNvPr>
@@ -22301,7 +22306,7 @@
                 <p:cNvPr id="33" name="Arrow: Right 32">
                   <a:extLst>
                     <a:ext uri="{FF2B5EF4-FFF2-40B4-BE49-F238E27FC236}">
-                      <a16:creationId xmlns:a16="http://schemas.microsoft.com/office/drawing/2014/main" xmlns="" id="{4A50923E-7BCF-4540-9DB0-2450BDA5C65D}"/>
+                      <a16:creationId xmlns="" xmlns:a16="http://schemas.microsoft.com/office/drawing/2014/main" id="{4A50923E-7BCF-4540-9DB0-2450BDA5C65D}"/>
                     </a:ext>
                   </a:extLst>
                 </p:cNvPr>
@@ -22358,7 +22363,7 @@
                 <p:cNvPr id="36" name="Arrow: Left-Right 35">
                   <a:extLst>
                     <a:ext uri="{FF2B5EF4-FFF2-40B4-BE49-F238E27FC236}">
-                      <a16:creationId xmlns:a16="http://schemas.microsoft.com/office/drawing/2014/main" xmlns="" id="{E1E63A5A-C227-4B35-B36C-A23366DD684A}"/>
+                      <a16:creationId xmlns="" xmlns:a16="http://schemas.microsoft.com/office/drawing/2014/main" id="{E1E63A5A-C227-4B35-B36C-A23366DD684A}"/>
                     </a:ext>
                   </a:extLst>
                 </p:cNvPr>
@@ -22415,7 +22420,7 @@
                 <p:cNvPr id="40" name="Arrow: Left-Right 39">
                   <a:extLst>
                     <a:ext uri="{FF2B5EF4-FFF2-40B4-BE49-F238E27FC236}">
-                      <a16:creationId xmlns:a16="http://schemas.microsoft.com/office/drawing/2014/main" xmlns="" id="{AB821C92-1877-4CA4-9535-6E41527E5CC6}"/>
+                      <a16:creationId xmlns="" xmlns:a16="http://schemas.microsoft.com/office/drawing/2014/main" id="{AB821C92-1877-4CA4-9535-6E41527E5CC6}"/>
                     </a:ext>
                   </a:extLst>
                 </p:cNvPr>
@@ -22472,7 +22477,7 @@
                 <p:cNvPr id="42" name="Arrow: Left-Right 41">
                   <a:extLst>
                     <a:ext uri="{FF2B5EF4-FFF2-40B4-BE49-F238E27FC236}">
-                      <a16:creationId xmlns:a16="http://schemas.microsoft.com/office/drawing/2014/main" xmlns="" id="{D484D3FB-7258-4D80-ABE9-94F83AFC30E1}"/>
+                      <a16:creationId xmlns="" xmlns:a16="http://schemas.microsoft.com/office/drawing/2014/main" id="{D484D3FB-7258-4D80-ABE9-94F83AFC30E1}"/>
                     </a:ext>
                   </a:extLst>
                 </p:cNvPr>
@@ -22529,7 +22534,7 @@
                 <p:cNvPr id="44" name="Arrow: Left-Right 43">
                   <a:extLst>
                     <a:ext uri="{FF2B5EF4-FFF2-40B4-BE49-F238E27FC236}">
-                      <a16:creationId xmlns:a16="http://schemas.microsoft.com/office/drawing/2014/main" xmlns="" id="{07A05D89-80A8-47C1-B52B-0B987B0E0F28}"/>
+                      <a16:creationId xmlns="" xmlns:a16="http://schemas.microsoft.com/office/drawing/2014/main" id="{07A05D89-80A8-47C1-B52B-0B987B0E0F28}"/>
                     </a:ext>
                   </a:extLst>
                 </p:cNvPr>
@@ -22586,7 +22591,7 @@
                 <p:cNvPr id="46" name="TextBox 45">
                   <a:extLst>
                     <a:ext uri="{FF2B5EF4-FFF2-40B4-BE49-F238E27FC236}">
-                      <a16:creationId xmlns:a16="http://schemas.microsoft.com/office/drawing/2014/main" xmlns="" id="{57A2A43D-758D-4FA8-B3D3-E40337C23868}"/>
+                      <a16:creationId xmlns="" xmlns:a16="http://schemas.microsoft.com/office/drawing/2014/main" id="{57A2A43D-758D-4FA8-B3D3-E40337C23868}"/>
                     </a:ext>
                   </a:extLst>
                 </p:cNvPr>
@@ -22622,7 +22627,7 @@
               <p:cNvPr id="50" name="TextBox 49">
                 <a:extLst>
                   <a:ext uri="{FF2B5EF4-FFF2-40B4-BE49-F238E27FC236}">
-                    <a16:creationId xmlns:a16="http://schemas.microsoft.com/office/drawing/2014/main" xmlns="" id="{AB899BD3-9827-4720-A88F-A50F78FDD5AD}"/>
+                    <a16:creationId xmlns="" xmlns:a16="http://schemas.microsoft.com/office/drawing/2014/main" id="{AB899BD3-9827-4720-A88F-A50F78FDD5AD}"/>
                   </a:ext>
                 </a:extLst>
               </p:cNvPr>
@@ -22663,7 +22668,7 @@
               <p:cNvPr id="52" name="TextBox 51">
                 <a:extLst>
                   <a:ext uri="{FF2B5EF4-FFF2-40B4-BE49-F238E27FC236}">
-                    <a16:creationId xmlns:a16="http://schemas.microsoft.com/office/drawing/2014/main" xmlns="" id="{B9AE7EDD-B5C8-4827-A10F-DE7CA0BFB5DF}"/>
+                    <a16:creationId xmlns="" xmlns:a16="http://schemas.microsoft.com/office/drawing/2014/main" id="{B9AE7EDD-B5C8-4827-A10F-DE7CA0BFB5DF}"/>
                   </a:ext>
                 </a:extLst>
               </p:cNvPr>
@@ -22698,7 +22703,7 @@
               <p:cNvPr id="54" name="Straight Connector 53">
                 <a:extLst>
                   <a:ext uri="{FF2B5EF4-FFF2-40B4-BE49-F238E27FC236}">
-                    <a16:creationId xmlns:a16="http://schemas.microsoft.com/office/drawing/2014/main" xmlns="" id="{25F8EA4A-8921-4FA5-A613-2345E78D567C}"/>
+                    <a16:creationId xmlns="" xmlns:a16="http://schemas.microsoft.com/office/drawing/2014/main" id="{25F8EA4A-8921-4FA5-A613-2345E78D567C}"/>
                   </a:ext>
                 </a:extLst>
               </p:cNvPr>
@@ -22741,7 +22746,7 @@
               <p:cNvPr id="57" name="Straight Connector 56">
                 <a:extLst>
                   <a:ext uri="{FF2B5EF4-FFF2-40B4-BE49-F238E27FC236}">
-                    <a16:creationId xmlns:a16="http://schemas.microsoft.com/office/drawing/2014/main" xmlns="" id="{88863101-6562-4949-BC02-44CF87529655}"/>
+                    <a16:creationId xmlns="" xmlns:a16="http://schemas.microsoft.com/office/drawing/2014/main" id="{88863101-6562-4949-BC02-44CF87529655}"/>
                   </a:ext>
                 </a:extLst>
               </p:cNvPr>
@@ -22784,7 +22789,7 @@
               <p:cNvPr id="63" name="Straight Connector 62">
                 <a:extLst>
                   <a:ext uri="{FF2B5EF4-FFF2-40B4-BE49-F238E27FC236}">
-                    <a16:creationId xmlns:a16="http://schemas.microsoft.com/office/drawing/2014/main" xmlns="" id="{F292D9F9-D093-415A-AA5B-13C3D08F2A0A}"/>
+                    <a16:creationId xmlns="" xmlns:a16="http://schemas.microsoft.com/office/drawing/2014/main" id="{F292D9F9-D093-415A-AA5B-13C3D08F2A0A}"/>
                   </a:ext>
                 </a:extLst>
               </p:cNvPr>
@@ -22827,7 +22832,7 @@
               <p:cNvPr id="67" name="TextBox 66">
                 <a:extLst>
                   <a:ext uri="{FF2B5EF4-FFF2-40B4-BE49-F238E27FC236}">
-                    <a16:creationId xmlns:a16="http://schemas.microsoft.com/office/drawing/2014/main" xmlns="" id="{4A65F50F-C61E-46B1-AD64-C72D6C3068D9}"/>
+                    <a16:creationId xmlns="" xmlns:a16="http://schemas.microsoft.com/office/drawing/2014/main" id="{4A65F50F-C61E-46B1-AD64-C72D6C3068D9}"/>
                   </a:ext>
                 </a:extLst>
               </p:cNvPr>
@@ -22863,7 +22868,7 @@
             <p:cNvPr id="72" name="TextBox 71">
               <a:extLst>
                 <a:ext uri="{FF2B5EF4-FFF2-40B4-BE49-F238E27FC236}">
-                  <a16:creationId xmlns:a16="http://schemas.microsoft.com/office/drawing/2014/main" xmlns="" id="{8A7B4442-4664-4822-981A-C3EF36B0A164}"/>
+                  <a16:creationId xmlns="" xmlns:a16="http://schemas.microsoft.com/office/drawing/2014/main" id="{8A7B4442-4664-4822-981A-C3EF36B0A164}"/>
                 </a:ext>
               </a:extLst>
             </p:cNvPr>
@@ -22929,7 +22934,7 @@
           <p:cNvPr id="2" name="Title 1">
             <a:extLst>
               <a:ext uri="{FF2B5EF4-FFF2-40B4-BE49-F238E27FC236}">
-                <a16:creationId xmlns:a16="http://schemas.microsoft.com/office/drawing/2014/main" xmlns="" id="{D3A7EA56-32C9-43EF-9DB6-F553FD6690DC}"/>
+                <a16:creationId xmlns="" xmlns:a16="http://schemas.microsoft.com/office/drawing/2014/main" id="{D3A7EA56-32C9-43EF-9DB6-F553FD6690DC}"/>
               </a:ext>
             </a:extLst>
           </p:cNvPr>
@@ -22957,7 +22962,7 @@
           <p:cNvPr id="5" name="Picture 4">
             <a:extLst>
               <a:ext uri="{FF2B5EF4-FFF2-40B4-BE49-F238E27FC236}">
-                <a16:creationId xmlns:a16="http://schemas.microsoft.com/office/drawing/2014/main" xmlns="" id="{E6977823-47CA-4045-AED7-49481F31C128}"/>
+                <a16:creationId xmlns="" xmlns:a16="http://schemas.microsoft.com/office/drawing/2014/main" id="{E6977823-47CA-4045-AED7-49481F31C128}"/>
               </a:ext>
             </a:extLst>
           </p:cNvPr>
@@ -22987,7 +22992,7 @@
           <p:cNvPr id="9" name="TextBox 8">
             <a:extLst>
               <a:ext uri="{FF2B5EF4-FFF2-40B4-BE49-F238E27FC236}">
-                <a16:creationId xmlns:a16="http://schemas.microsoft.com/office/drawing/2014/main" xmlns="" id="{A7E3692B-A3CC-4E2D-87CC-597D6D25B12A}"/>
+                <a16:creationId xmlns="" xmlns:a16="http://schemas.microsoft.com/office/drawing/2014/main" id="{A7E3692B-A3CC-4E2D-87CC-597D6D25B12A}"/>
               </a:ext>
             </a:extLst>
           </p:cNvPr>
@@ -23043,7 +23048,7 @@
           <p:cNvPr id="8" name="TextBox 7">
             <a:extLst>
               <a:ext uri="{FF2B5EF4-FFF2-40B4-BE49-F238E27FC236}">
-                <a16:creationId xmlns:a16="http://schemas.microsoft.com/office/drawing/2014/main" xmlns="" id="{B11EB525-0EC1-4CB6-87F3-C4309BD251EF}"/>
+                <a16:creationId xmlns="" xmlns:a16="http://schemas.microsoft.com/office/drawing/2014/main" id="{B11EB525-0EC1-4CB6-87F3-C4309BD251EF}"/>
               </a:ext>
             </a:extLst>
           </p:cNvPr>
@@ -23105,7 +23110,7 @@
           <p:cNvPr id="11" name="TextBox 10">
             <a:extLst>
               <a:ext uri="{FF2B5EF4-FFF2-40B4-BE49-F238E27FC236}">
-                <a16:creationId xmlns:a16="http://schemas.microsoft.com/office/drawing/2014/main" xmlns="" id="{9A2157B7-E7E8-47A0-8F37-6C567EF77237}"/>
+                <a16:creationId xmlns="" xmlns:a16="http://schemas.microsoft.com/office/drawing/2014/main" id="{9A2157B7-E7E8-47A0-8F37-6C567EF77237}"/>
               </a:ext>
             </a:extLst>
           </p:cNvPr>
@@ -23173,7 +23178,7 @@
           <p:cNvPr id="13" name="Rectangle 12">
             <a:extLst>
               <a:ext uri="{FF2B5EF4-FFF2-40B4-BE49-F238E27FC236}">
-                <a16:creationId xmlns:a16="http://schemas.microsoft.com/office/drawing/2014/main" xmlns="" id="{9CA4E2B0-1993-4B16-8D80-9AEBF2B71CA9}"/>
+                <a16:creationId xmlns="" xmlns:a16="http://schemas.microsoft.com/office/drawing/2014/main" id="{9CA4E2B0-1993-4B16-8D80-9AEBF2B71CA9}"/>
               </a:ext>
             </a:extLst>
           </p:cNvPr>
@@ -23256,7 +23261,7 @@
           <p:cNvPr id="2" name="Title 1">
             <a:extLst>
               <a:ext uri="{FF2B5EF4-FFF2-40B4-BE49-F238E27FC236}">
-                <a16:creationId xmlns:a16="http://schemas.microsoft.com/office/drawing/2014/main" xmlns="" id="{0F76E18E-4E8C-4EDB-ADD6-DB66A8666968}"/>
+                <a16:creationId xmlns="" xmlns:a16="http://schemas.microsoft.com/office/drawing/2014/main" id="{0F76E18E-4E8C-4EDB-ADD6-DB66A8666968}"/>
               </a:ext>
             </a:extLst>
           </p:cNvPr>
@@ -23284,7 +23289,7 @@
           <p:cNvPr id="3" name="Content Placeholder 2">
             <a:extLst>
               <a:ext uri="{FF2B5EF4-FFF2-40B4-BE49-F238E27FC236}">
-                <a16:creationId xmlns:a16="http://schemas.microsoft.com/office/drawing/2014/main" xmlns="" id="{BA9B5572-9A24-4E04-826D-C1E499125FEE}"/>
+                <a16:creationId xmlns="" xmlns:a16="http://schemas.microsoft.com/office/drawing/2014/main" id="{BA9B5572-9A24-4E04-826D-C1E499125FEE}"/>
               </a:ext>
             </a:extLst>
           </p:cNvPr>
@@ -23404,7 +23409,7 @@
           <p:cNvPr id="2" name="Title 1">
             <a:extLst>
               <a:ext uri="{FF2B5EF4-FFF2-40B4-BE49-F238E27FC236}">
-                <a16:creationId xmlns:a16="http://schemas.microsoft.com/office/drawing/2014/main" xmlns="" id="{03CEB496-78CB-4BD5-9B77-82C68C2B80BA}"/>
+                <a16:creationId xmlns="" xmlns:a16="http://schemas.microsoft.com/office/drawing/2014/main" id="{03CEB496-78CB-4BD5-9B77-82C68C2B80BA}"/>
               </a:ext>
             </a:extLst>
           </p:cNvPr>
@@ -23432,7 +23437,7 @@
           <p:cNvPr id="3" name="Content Placeholder 2">
             <a:extLst>
               <a:ext uri="{FF2B5EF4-FFF2-40B4-BE49-F238E27FC236}">
-                <a16:creationId xmlns:a16="http://schemas.microsoft.com/office/drawing/2014/main" xmlns="" id="{BF23DAF3-3FFD-4836-ABC8-286E2B87A313}"/>
+                <a16:creationId xmlns="" xmlns:a16="http://schemas.microsoft.com/office/drawing/2014/main" id="{BF23DAF3-3FFD-4836-ABC8-286E2B87A313}"/>
               </a:ext>
             </a:extLst>
           </p:cNvPr>
@@ -23560,7 +23565,7 @@
           <p:cNvPr id="5" name="TextBox 4">
             <a:extLst>
               <a:ext uri="{FF2B5EF4-FFF2-40B4-BE49-F238E27FC236}">
-                <a16:creationId xmlns:a16="http://schemas.microsoft.com/office/drawing/2014/main" xmlns="" id="{8A1F2693-211D-4499-BD27-534857167DA4}"/>
+                <a16:creationId xmlns="" xmlns:a16="http://schemas.microsoft.com/office/drawing/2014/main" id="{8A1F2693-211D-4499-BD27-534857167DA4}"/>
               </a:ext>
             </a:extLst>
           </p:cNvPr>
@@ -23628,7 +23633,7 @@
           <p:cNvPr id="2" name="Title 1">
             <a:extLst>
               <a:ext uri="{FF2B5EF4-FFF2-40B4-BE49-F238E27FC236}">
-                <a16:creationId xmlns:a16="http://schemas.microsoft.com/office/drawing/2014/main" xmlns="" id="{7181D34F-44FC-48DD-A910-7C21DA3ED0C6}"/>
+                <a16:creationId xmlns="" xmlns:a16="http://schemas.microsoft.com/office/drawing/2014/main" id="{7181D34F-44FC-48DD-A910-7C21DA3ED0C6}"/>
               </a:ext>
             </a:extLst>
           </p:cNvPr>
@@ -23656,7 +23661,7 @@
           <p:cNvPr id="3" name="Content Placeholder 2">
             <a:extLst>
               <a:ext uri="{FF2B5EF4-FFF2-40B4-BE49-F238E27FC236}">
-                <a16:creationId xmlns:a16="http://schemas.microsoft.com/office/drawing/2014/main" xmlns="" id="{586076D6-3B9C-4D27-A11B-14984490997D}"/>
+                <a16:creationId xmlns="" xmlns:a16="http://schemas.microsoft.com/office/drawing/2014/main" id="{586076D6-3B9C-4D27-A11B-14984490997D}"/>
               </a:ext>
             </a:extLst>
           </p:cNvPr>
@@ -23755,7 +23760,7 @@
           <p:cNvPr id="7" name="TextBox 6">
             <a:extLst>
               <a:ext uri="{FF2B5EF4-FFF2-40B4-BE49-F238E27FC236}">
-                <a16:creationId xmlns:a16="http://schemas.microsoft.com/office/drawing/2014/main" xmlns="" id="{ED59FCA5-F888-410C-8125-244F05ABF6C3}"/>
+                <a16:creationId xmlns="" xmlns:a16="http://schemas.microsoft.com/office/drawing/2014/main" id="{ED59FCA5-F888-410C-8125-244F05ABF6C3}"/>
               </a:ext>
             </a:extLst>
           </p:cNvPr>
@@ -23899,7 +23904,7 @@
           <p:cNvPr id="2" name="Title 1">
             <a:extLst>
               <a:ext uri="{FF2B5EF4-FFF2-40B4-BE49-F238E27FC236}">
-                <a16:creationId xmlns:a16="http://schemas.microsoft.com/office/drawing/2014/main" xmlns="" id="{A92BD87F-D52D-4C96-B43A-0E0B3BFEA521}"/>
+                <a16:creationId xmlns="" xmlns:a16="http://schemas.microsoft.com/office/drawing/2014/main" id="{A92BD87F-D52D-4C96-B43A-0E0B3BFEA521}"/>
               </a:ext>
             </a:extLst>
           </p:cNvPr>
@@ -23927,7 +23932,7 @@
           <p:cNvPr id="3" name="Content Placeholder 2">
             <a:extLst>
               <a:ext uri="{FF2B5EF4-FFF2-40B4-BE49-F238E27FC236}">
-                <a16:creationId xmlns:a16="http://schemas.microsoft.com/office/drawing/2014/main" xmlns="" id="{C628EA94-82E0-4930-9F27-D7A7FBAFA050}"/>
+                <a16:creationId xmlns="" xmlns:a16="http://schemas.microsoft.com/office/drawing/2014/main" id="{C628EA94-82E0-4930-9F27-D7A7FBAFA050}"/>
               </a:ext>
             </a:extLst>
           </p:cNvPr>
@@ -23980,7 +23985,7 @@
           <p:cNvPr id="5" name="TextBox 4">
             <a:extLst>
               <a:ext uri="{FF2B5EF4-FFF2-40B4-BE49-F238E27FC236}">
-                <a16:creationId xmlns:a16="http://schemas.microsoft.com/office/drawing/2014/main" xmlns="" id="{055ADDF3-FA0C-4B31-8C25-788B16515B14}"/>
+                <a16:creationId xmlns="" xmlns:a16="http://schemas.microsoft.com/office/drawing/2014/main" id="{055ADDF3-FA0C-4B31-8C25-788B16515B14}"/>
               </a:ext>
             </a:extLst>
           </p:cNvPr>
@@ -24094,7 +24099,7 @@
           <p:cNvPr id="7" name="TextBox 6">
             <a:extLst>
               <a:ext uri="{FF2B5EF4-FFF2-40B4-BE49-F238E27FC236}">
-                <a16:creationId xmlns:a16="http://schemas.microsoft.com/office/drawing/2014/main" xmlns="" id="{C4944946-6B63-47A9-BC0C-03BA26242CE1}"/>
+                <a16:creationId xmlns="" xmlns:a16="http://schemas.microsoft.com/office/drawing/2014/main" id="{C4944946-6B63-47A9-BC0C-03BA26242CE1}"/>
               </a:ext>
             </a:extLst>
           </p:cNvPr>
@@ -24312,7 +24317,7 @@
           <p:cNvPr id="9" name="TextBox 8">
             <a:extLst>
               <a:ext uri="{FF2B5EF4-FFF2-40B4-BE49-F238E27FC236}">
-                <a16:creationId xmlns:a16="http://schemas.microsoft.com/office/drawing/2014/main" xmlns="" id="{8910F1C5-F5B4-44C7-BBDA-C58F4292D3CB}"/>
+                <a16:creationId xmlns="" xmlns:a16="http://schemas.microsoft.com/office/drawing/2014/main" id="{8910F1C5-F5B4-44C7-BBDA-C58F4292D3CB}"/>
               </a:ext>
             </a:extLst>
           </p:cNvPr>
@@ -24350,7 +24355,7 @@
           <p:cNvPr id="10" name="TextBox 9">
             <a:extLst>
               <a:ext uri="{FF2B5EF4-FFF2-40B4-BE49-F238E27FC236}">
-                <a16:creationId xmlns:a16="http://schemas.microsoft.com/office/drawing/2014/main" xmlns="" id="{9D807C29-645E-433F-8289-2C5E5E9DFE26}"/>
+                <a16:creationId xmlns="" xmlns:a16="http://schemas.microsoft.com/office/drawing/2014/main" id="{9D807C29-645E-433F-8289-2C5E5E9DFE26}"/>
               </a:ext>
             </a:extLst>
           </p:cNvPr>
@@ -24390,7 +24395,7 @@
           <p:cNvPr id="12" name="TextBox 11">
             <a:extLst>
               <a:ext uri="{FF2B5EF4-FFF2-40B4-BE49-F238E27FC236}">
-                <a16:creationId xmlns:a16="http://schemas.microsoft.com/office/drawing/2014/main" xmlns="" id="{65C9A42A-9879-46A0-90D5-731F9FB6971E}"/>
+                <a16:creationId xmlns="" xmlns:a16="http://schemas.microsoft.com/office/drawing/2014/main" id="{65C9A42A-9879-46A0-90D5-731F9FB6971E}"/>
               </a:ext>
             </a:extLst>
           </p:cNvPr>
@@ -24440,7 +24445,7 @@
           <p:cNvPr id="14" name="TextBox 13">
             <a:extLst>
               <a:ext uri="{FF2B5EF4-FFF2-40B4-BE49-F238E27FC236}">
-                <a16:creationId xmlns:a16="http://schemas.microsoft.com/office/drawing/2014/main" xmlns="" id="{8E1EE531-94B8-4A7D-B439-9BAC086298BB}"/>
+                <a16:creationId xmlns="" xmlns:a16="http://schemas.microsoft.com/office/drawing/2014/main" id="{8E1EE531-94B8-4A7D-B439-9BAC086298BB}"/>
               </a:ext>
             </a:extLst>
           </p:cNvPr>
@@ -24480,7 +24485,7 @@
           <p:cNvPr id="16" name="TextBox 15">
             <a:extLst>
               <a:ext uri="{FF2B5EF4-FFF2-40B4-BE49-F238E27FC236}">
-                <a16:creationId xmlns:a16="http://schemas.microsoft.com/office/drawing/2014/main" xmlns="" id="{CC4B2F9B-95B1-437D-A229-B6385735C3DA}"/>
+                <a16:creationId xmlns="" xmlns:a16="http://schemas.microsoft.com/office/drawing/2014/main" id="{CC4B2F9B-95B1-437D-A229-B6385735C3DA}"/>
               </a:ext>
             </a:extLst>
           </p:cNvPr>
@@ -24520,7 +24525,7 @@
           <p:cNvPr id="18" name="Straight Arrow Connector 17">
             <a:extLst>
               <a:ext uri="{FF2B5EF4-FFF2-40B4-BE49-F238E27FC236}">
-                <a16:creationId xmlns:a16="http://schemas.microsoft.com/office/drawing/2014/main" xmlns="" id="{DDF8212A-11F3-4191-84E7-47F384527255}"/>
+                <a16:creationId xmlns="" xmlns:a16="http://schemas.microsoft.com/office/drawing/2014/main" id="{DDF8212A-11F3-4191-84E7-47F384527255}"/>
               </a:ext>
             </a:extLst>
           </p:cNvPr>
@@ -24561,7 +24566,7 @@
           <p:cNvPr id="21" name="Straight Arrow Connector 20">
             <a:extLst>
               <a:ext uri="{FF2B5EF4-FFF2-40B4-BE49-F238E27FC236}">
-                <a16:creationId xmlns:a16="http://schemas.microsoft.com/office/drawing/2014/main" xmlns="" id="{E837500F-62C8-48D3-8DF6-A0AA841AC9D9}"/>
+                <a16:creationId xmlns="" xmlns:a16="http://schemas.microsoft.com/office/drawing/2014/main" id="{E837500F-62C8-48D3-8DF6-A0AA841AC9D9}"/>
               </a:ext>
             </a:extLst>
           </p:cNvPr>
@@ -24602,7 +24607,7 @@
           <p:cNvPr id="24" name="Straight Arrow Connector 23">
             <a:extLst>
               <a:ext uri="{FF2B5EF4-FFF2-40B4-BE49-F238E27FC236}">
-                <a16:creationId xmlns:a16="http://schemas.microsoft.com/office/drawing/2014/main" xmlns="" id="{F3481570-CF28-48FA-A37B-FF7301B51A03}"/>
+                <a16:creationId xmlns="" xmlns:a16="http://schemas.microsoft.com/office/drawing/2014/main" id="{F3481570-CF28-48FA-A37B-FF7301B51A03}"/>
               </a:ext>
             </a:extLst>
           </p:cNvPr>
@@ -24644,7 +24649,7 @@
           <p:cNvPr id="27" name="Straight Arrow Connector 26">
             <a:extLst>
               <a:ext uri="{FF2B5EF4-FFF2-40B4-BE49-F238E27FC236}">
-                <a16:creationId xmlns:a16="http://schemas.microsoft.com/office/drawing/2014/main" xmlns="" id="{166B959A-3A7B-4599-A457-7A7BC6E8CC59}"/>
+                <a16:creationId xmlns="" xmlns:a16="http://schemas.microsoft.com/office/drawing/2014/main" id="{166B959A-3A7B-4599-A457-7A7BC6E8CC59}"/>
               </a:ext>
             </a:extLst>
           </p:cNvPr>
@@ -24685,7 +24690,7 @@
           <p:cNvPr id="29" name="Right Brace 28">
             <a:extLst>
               <a:ext uri="{FF2B5EF4-FFF2-40B4-BE49-F238E27FC236}">
-                <a16:creationId xmlns:a16="http://schemas.microsoft.com/office/drawing/2014/main" xmlns="" id="{B52FB727-2B3C-40D2-B877-0DB28589F1AE}"/>
+                <a16:creationId xmlns="" xmlns:a16="http://schemas.microsoft.com/office/drawing/2014/main" id="{B52FB727-2B3C-40D2-B877-0DB28589F1AE}"/>
               </a:ext>
             </a:extLst>
           </p:cNvPr>

--- a/units/4/lessons/12/resources/petascale-lessons-4.12-slides.pptx
+++ b/units/4/lessons/12/resources/petascale-lessons-4.12-slides.pptx
@@ -139,6 +139,43 @@
 </p:presentation>
 </file>
 
+<file path=ppt/revisionInfo.xml><?xml version="1.0" encoding="utf-8"?>
+<p1510:revInfo xmlns:a="http://schemas.openxmlformats.org/drawingml/2006/main" xmlns:r="http://schemas.openxmlformats.org/officeDocument/2006/relationships" xmlns:p1510="http://schemas.microsoft.com/office/powerpoint/2015/10/main">
+  <p1510:revLst>
+    <p1510:client id="{20FAD662-CC15-4E75-92EE-AAD18011D0FD}" v="1" dt="2020-12-01T16:08:32.270"/>
+  </p1510:revLst>
+</p1510:revInfo>
+</file>
+
+<file path=ppt/changesInfos/changesInfo1.xml><?xml version="1.0" encoding="utf-8"?>
+<pc:chgInfo xmlns:a="http://schemas.openxmlformats.org/drawingml/2006/main" xmlns:r="http://schemas.openxmlformats.org/officeDocument/2006/relationships" xmlns:ac="http://schemas.microsoft.com/office/drawing/2013/main/command" xmlns:pc="http://schemas.microsoft.com/office/powerpoint/2013/main/command">
+  <pc:docChgLst>
+    <pc:chgData name="Magik Home" userId="68ebee5321e2cff8" providerId="LiveId" clId="{20FAD662-CC15-4E75-92EE-AAD18011D0FD}"/>
+    <pc:docChg chg="modSld">
+      <pc:chgData name="Magik Home" userId="68ebee5321e2cff8" providerId="LiveId" clId="{20FAD662-CC15-4E75-92EE-AAD18011D0FD}" dt="2020-12-01T16:08:43.966" v="3" actId="14100"/>
+      <pc:docMkLst>
+        <pc:docMk/>
+      </pc:docMkLst>
+      <pc:sldChg chg="addSp modSp mod">
+        <pc:chgData name="Magik Home" userId="68ebee5321e2cff8" providerId="LiveId" clId="{20FAD662-CC15-4E75-92EE-AAD18011D0FD}" dt="2020-12-01T16:08:43.966" v="3" actId="14100"/>
+        <pc:sldMkLst>
+          <pc:docMk/>
+          <pc:sldMk cId="3140622173" sldId="257"/>
+        </pc:sldMkLst>
+        <pc:picChg chg="add mod">
+          <ac:chgData name="Magik Home" userId="68ebee5321e2cff8" providerId="LiveId" clId="{20FAD662-CC15-4E75-92EE-AAD18011D0FD}" dt="2020-12-01T16:08:43.966" v="3" actId="14100"/>
+          <ac:picMkLst>
+            <pc:docMk/>
+            <pc:sldMk cId="3140622173" sldId="257"/>
+            <ac:picMk id="4" creationId="{8B0127F7-7152-48B4-905D-AFCE1C0E2DAE}"/>
+          </ac:picMkLst>
+        </pc:picChg>
+      </pc:sldChg>
+    </pc:docChg>
+  </pc:docChgLst>
+</pc:chgInfo>
+</file>
+
 <file path=ppt/notesMasters/notesMaster1.xml><?xml version="1.0" encoding="utf-8"?>
 <p:notesMaster xmlns:a="http://schemas.openxmlformats.org/drawingml/2006/main" xmlns:r="http://schemas.openxmlformats.org/officeDocument/2006/relationships" xmlns:p="http://schemas.openxmlformats.org/presentationml/2006/main">
   <p:cSld>
@@ -221,7 +258,7 @@
           <a:p>
             <a:fld id="{14AAF11C-9062-4279-A97D-72E6267FC803}" type="datetimeFigureOut">
               <a:rPr lang="en-US" smtClean="0"/>
-              <a:t>10/11/20</a:t>
+              <a:t>12/1/2020</a:t>
             </a:fld>
             <a:endParaRPr lang="en-US"/>
           </a:p>
@@ -1342,7 +1379,7 @@
           <p:cNvPr id="2" name="Title 1">
             <a:extLst>
               <a:ext uri="{FF2B5EF4-FFF2-40B4-BE49-F238E27FC236}">
-                <a16:creationId xmlns="" xmlns:a16="http://schemas.microsoft.com/office/drawing/2014/main" id="{70396A43-5056-43F7-AB91-9684228F01C5}"/>
+                <a16:creationId xmlns:a16="http://schemas.microsoft.com/office/drawing/2014/main" id="{70396A43-5056-43F7-AB91-9684228F01C5}"/>
               </a:ext>
             </a:extLst>
           </p:cNvPr>
@@ -1379,7 +1416,7 @@
           <p:cNvPr id="3" name="Subtitle 2">
             <a:extLst>
               <a:ext uri="{FF2B5EF4-FFF2-40B4-BE49-F238E27FC236}">
-                <a16:creationId xmlns="" xmlns:a16="http://schemas.microsoft.com/office/drawing/2014/main" id="{9F83F82D-F087-49D6-BB37-B85F29C80756}"/>
+                <a16:creationId xmlns:a16="http://schemas.microsoft.com/office/drawing/2014/main" id="{9F83F82D-F087-49D6-BB37-B85F29C80756}"/>
               </a:ext>
             </a:extLst>
           </p:cNvPr>
@@ -1449,7 +1486,7 @@
           <p:cNvPr id="4" name="Date Placeholder 3">
             <a:extLst>
               <a:ext uri="{FF2B5EF4-FFF2-40B4-BE49-F238E27FC236}">
-                <a16:creationId xmlns="" xmlns:a16="http://schemas.microsoft.com/office/drawing/2014/main" id="{A1D522B2-3376-4163-9608-7A792408CC31}"/>
+                <a16:creationId xmlns:a16="http://schemas.microsoft.com/office/drawing/2014/main" id="{A1D522B2-3376-4163-9608-7A792408CC31}"/>
               </a:ext>
             </a:extLst>
           </p:cNvPr>
@@ -1467,7 +1504,7 @@
           <a:p>
             <a:fld id="{40B22C09-651A-45AC-A882-395177D3758C}" type="datetimeFigureOut">
               <a:rPr lang="en-US" smtClean="0"/>
-              <a:t>10/11/20</a:t>
+              <a:t>12/1/2020</a:t>
             </a:fld>
             <a:endParaRPr lang="en-US"/>
           </a:p>
@@ -1478,7 +1515,7 @@
           <p:cNvPr id="5" name="Footer Placeholder 4">
             <a:extLst>
               <a:ext uri="{FF2B5EF4-FFF2-40B4-BE49-F238E27FC236}">
-                <a16:creationId xmlns="" xmlns:a16="http://schemas.microsoft.com/office/drawing/2014/main" id="{9F265BE5-9C9D-49BE-98F4-33A6FEE2289A}"/>
+                <a16:creationId xmlns:a16="http://schemas.microsoft.com/office/drawing/2014/main" id="{9F265BE5-9C9D-49BE-98F4-33A6FEE2289A}"/>
               </a:ext>
             </a:extLst>
           </p:cNvPr>
@@ -1503,7 +1540,7 @@
           <p:cNvPr id="6" name="Slide Number Placeholder 5">
             <a:extLst>
               <a:ext uri="{FF2B5EF4-FFF2-40B4-BE49-F238E27FC236}">
-                <a16:creationId xmlns="" xmlns:a16="http://schemas.microsoft.com/office/drawing/2014/main" id="{43EB6E53-FC0C-4D0D-BC1F-3DE1D49FA3AD}"/>
+                <a16:creationId xmlns:a16="http://schemas.microsoft.com/office/drawing/2014/main" id="{43EB6E53-FC0C-4D0D-BC1F-3DE1D49FA3AD}"/>
               </a:ext>
             </a:extLst>
           </p:cNvPr>
@@ -1562,7 +1599,7 @@
           <p:cNvPr id="2" name="Title 1">
             <a:extLst>
               <a:ext uri="{FF2B5EF4-FFF2-40B4-BE49-F238E27FC236}">
-                <a16:creationId xmlns="" xmlns:a16="http://schemas.microsoft.com/office/drawing/2014/main" id="{4740CE3F-B436-406E-81A6-85B809C72CE2}"/>
+                <a16:creationId xmlns:a16="http://schemas.microsoft.com/office/drawing/2014/main" id="{4740CE3F-B436-406E-81A6-85B809C72CE2}"/>
               </a:ext>
             </a:extLst>
           </p:cNvPr>
@@ -1590,7 +1627,7 @@
           <p:cNvPr id="3" name="Vertical Text Placeholder 2">
             <a:extLst>
               <a:ext uri="{FF2B5EF4-FFF2-40B4-BE49-F238E27FC236}">
-                <a16:creationId xmlns="" xmlns:a16="http://schemas.microsoft.com/office/drawing/2014/main" id="{66E0D32E-221E-4B8E-B047-A45F8F1AD4BE}"/>
+                <a16:creationId xmlns:a16="http://schemas.microsoft.com/office/drawing/2014/main" id="{66E0D32E-221E-4B8E-B047-A45F8F1AD4BE}"/>
               </a:ext>
             </a:extLst>
           </p:cNvPr>
@@ -1647,7 +1684,7 @@
           <p:cNvPr id="4" name="Date Placeholder 3">
             <a:extLst>
               <a:ext uri="{FF2B5EF4-FFF2-40B4-BE49-F238E27FC236}">
-                <a16:creationId xmlns="" xmlns:a16="http://schemas.microsoft.com/office/drawing/2014/main" id="{6FB6FE21-73DA-4AD3-A94D-5443F61E6740}"/>
+                <a16:creationId xmlns:a16="http://schemas.microsoft.com/office/drawing/2014/main" id="{6FB6FE21-73DA-4AD3-A94D-5443F61E6740}"/>
               </a:ext>
             </a:extLst>
           </p:cNvPr>
@@ -1665,7 +1702,7 @@
           <a:p>
             <a:fld id="{40B22C09-651A-45AC-A882-395177D3758C}" type="datetimeFigureOut">
               <a:rPr lang="en-US" smtClean="0"/>
-              <a:t>10/11/20</a:t>
+              <a:t>12/1/2020</a:t>
             </a:fld>
             <a:endParaRPr lang="en-US"/>
           </a:p>
@@ -1676,7 +1713,7 @@
           <p:cNvPr id="5" name="Footer Placeholder 4">
             <a:extLst>
               <a:ext uri="{FF2B5EF4-FFF2-40B4-BE49-F238E27FC236}">
-                <a16:creationId xmlns="" xmlns:a16="http://schemas.microsoft.com/office/drawing/2014/main" id="{A44A6517-FF91-432F-B518-FA127C14FD8F}"/>
+                <a16:creationId xmlns:a16="http://schemas.microsoft.com/office/drawing/2014/main" id="{A44A6517-FF91-432F-B518-FA127C14FD8F}"/>
               </a:ext>
             </a:extLst>
           </p:cNvPr>
@@ -1701,7 +1738,7 @@
           <p:cNvPr id="6" name="Slide Number Placeholder 5">
             <a:extLst>
               <a:ext uri="{FF2B5EF4-FFF2-40B4-BE49-F238E27FC236}">
-                <a16:creationId xmlns="" xmlns:a16="http://schemas.microsoft.com/office/drawing/2014/main" id="{A195C9CA-305E-4FEE-B8ED-F53507C58A90}"/>
+                <a16:creationId xmlns:a16="http://schemas.microsoft.com/office/drawing/2014/main" id="{A195C9CA-305E-4FEE-B8ED-F53507C58A90}"/>
               </a:ext>
             </a:extLst>
           </p:cNvPr>
@@ -1760,7 +1797,7 @@
           <p:cNvPr id="2" name="Vertical Title 1">
             <a:extLst>
               <a:ext uri="{FF2B5EF4-FFF2-40B4-BE49-F238E27FC236}">
-                <a16:creationId xmlns="" xmlns:a16="http://schemas.microsoft.com/office/drawing/2014/main" id="{AC7CC68D-0929-46D0-89AC-8296275049E2}"/>
+                <a16:creationId xmlns:a16="http://schemas.microsoft.com/office/drawing/2014/main" id="{AC7CC68D-0929-46D0-89AC-8296275049E2}"/>
               </a:ext>
             </a:extLst>
           </p:cNvPr>
@@ -1793,7 +1830,7 @@
           <p:cNvPr id="3" name="Vertical Text Placeholder 2">
             <a:extLst>
               <a:ext uri="{FF2B5EF4-FFF2-40B4-BE49-F238E27FC236}">
-                <a16:creationId xmlns="" xmlns:a16="http://schemas.microsoft.com/office/drawing/2014/main" id="{E39E6D3B-31AA-4A89-8082-F2946484645F}"/>
+                <a16:creationId xmlns:a16="http://schemas.microsoft.com/office/drawing/2014/main" id="{E39E6D3B-31AA-4A89-8082-F2946484645F}"/>
               </a:ext>
             </a:extLst>
           </p:cNvPr>
@@ -1855,7 +1892,7 @@
           <p:cNvPr id="4" name="Date Placeholder 3">
             <a:extLst>
               <a:ext uri="{FF2B5EF4-FFF2-40B4-BE49-F238E27FC236}">
-                <a16:creationId xmlns="" xmlns:a16="http://schemas.microsoft.com/office/drawing/2014/main" id="{3DB0DCC6-4560-4C6B-9D5F-A6B8CF8A93FA}"/>
+                <a16:creationId xmlns:a16="http://schemas.microsoft.com/office/drawing/2014/main" id="{3DB0DCC6-4560-4C6B-9D5F-A6B8CF8A93FA}"/>
               </a:ext>
             </a:extLst>
           </p:cNvPr>
@@ -1873,7 +1910,7 @@
           <a:p>
             <a:fld id="{40B22C09-651A-45AC-A882-395177D3758C}" type="datetimeFigureOut">
               <a:rPr lang="en-US" smtClean="0"/>
-              <a:t>10/11/20</a:t>
+              <a:t>12/1/2020</a:t>
             </a:fld>
             <a:endParaRPr lang="en-US"/>
           </a:p>
@@ -1884,7 +1921,7 @@
           <p:cNvPr id="5" name="Footer Placeholder 4">
             <a:extLst>
               <a:ext uri="{FF2B5EF4-FFF2-40B4-BE49-F238E27FC236}">
-                <a16:creationId xmlns="" xmlns:a16="http://schemas.microsoft.com/office/drawing/2014/main" id="{4469131A-68B7-4A3C-94EB-A6BBBAAA7D98}"/>
+                <a16:creationId xmlns:a16="http://schemas.microsoft.com/office/drawing/2014/main" id="{4469131A-68B7-4A3C-94EB-A6BBBAAA7D98}"/>
               </a:ext>
             </a:extLst>
           </p:cNvPr>
@@ -1909,7 +1946,7 @@
           <p:cNvPr id="6" name="Slide Number Placeholder 5">
             <a:extLst>
               <a:ext uri="{FF2B5EF4-FFF2-40B4-BE49-F238E27FC236}">
-                <a16:creationId xmlns="" xmlns:a16="http://schemas.microsoft.com/office/drawing/2014/main" id="{72018C26-E8D1-4FE8-81D1-08D51D520B24}"/>
+                <a16:creationId xmlns:a16="http://schemas.microsoft.com/office/drawing/2014/main" id="{72018C26-E8D1-4FE8-81D1-08D51D520B24}"/>
               </a:ext>
             </a:extLst>
           </p:cNvPr>
@@ -1968,7 +2005,7 @@
           <p:cNvPr id="2" name="Title 1">
             <a:extLst>
               <a:ext uri="{FF2B5EF4-FFF2-40B4-BE49-F238E27FC236}">
-                <a16:creationId xmlns="" xmlns:a16="http://schemas.microsoft.com/office/drawing/2014/main" id="{50F594B8-1E18-400A-9E0A-A7168DF3F964}"/>
+                <a16:creationId xmlns:a16="http://schemas.microsoft.com/office/drawing/2014/main" id="{50F594B8-1E18-400A-9E0A-A7168DF3F964}"/>
               </a:ext>
             </a:extLst>
           </p:cNvPr>
@@ -1996,7 +2033,7 @@
           <p:cNvPr id="3" name="Content Placeholder 2">
             <a:extLst>
               <a:ext uri="{FF2B5EF4-FFF2-40B4-BE49-F238E27FC236}">
-                <a16:creationId xmlns="" xmlns:a16="http://schemas.microsoft.com/office/drawing/2014/main" id="{A71C3F75-C85E-4E85-963A-DA4D20A847FF}"/>
+                <a16:creationId xmlns:a16="http://schemas.microsoft.com/office/drawing/2014/main" id="{A71C3F75-C85E-4E85-963A-DA4D20A847FF}"/>
               </a:ext>
             </a:extLst>
           </p:cNvPr>
@@ -2053,7 +2090,7 @@
           <p:cNvPr id="4" name="Date Placeholder 3">
             <a:extLst>
               <a:ext uri="{FF2B5EF4-FFF2-40B4-BE49-F238E27FC236}">
-                <a16:creationId xmlns="" xmlns:a16="http://schemas.microsoft.com/office/drawing/2014/main" id="{A4777D6C-38C1-4A45-913E-F5D8423E4B26}"/>
+                <a16:creationId xmlns:a16="http://schemas.microsoft.com/office/drawing/2014/main" id="{A4777D6C-38C1-4A45-913E-F5D8423E4B26}"/>
               </a:ext>
             </a:extLst>
           </p:cNvPr>
@@ -2071,7 +2108,7 @@
           <a:p>
             <a:fld id="{40B22C09-651A-45AC-A882-395177D3758C}" type="datetimeFigureOut">
               <a:rPr lang="en-US" smtClean="0"/>
-              <a:t>10/11/20</a:t>
+              <a:t>12/1/2020</a:t>
             </a:fld>
             <a:endParaRPr lang="en-US"/>
           </a:p>
@@ -2082,7 +2119,7 @@
           <p:cNvPr id="5" name="Footer Placeholder 4">
             <a:extLst>
               <a:ext uri="{FF2B5EF4-FFF2-40B4-BE49-F238E27FC236}">
-                <a16:creationId xmlns="" xmlns:a16="http://schemas.microsoft.com/office/drawing/2014/main" id="{EABB5C84-C73A-4BDF-AE84-E50EFA838C18}"/>
+                <a16:creationId xmlns:a16="http://schemas.microsoft.com/office/drawing/2014/main" id="{EABB5C84-C73A-4BDF-AE84-E50EFA838C18}"/>
               </a:ext>
             </a:extLst>
           </p:cNvPr>
@@ -2107,7 +2144,7 @@
           <p:cNvPr id="6" name="Slide Number Placeholder 5">
             <a:extLst>
               <a:ext uri="{FF2B5EF4-FFF2-40B4-BE49-F238E27FC236}">
-                <a16:creationId xmlns="" xmlns:a16="http://schemas.microsoft.com/office/drawing/2014/main" id="{6780E398-AACC-4B64-A1FC-AB80BF097C63}"/>
+                <a16:creationId xmlns:a16="http://schemas.microsoft.com/office/drawing/2014/main" id="{6780E398-AACC-4B64-A1FC-AB80BF097C63}"/>
               </a:ext>
             </a:extLst>
           </p:cNvPr>
@@ -2166,7 +2203,7 @@
           <p:cNvPr id="2" name="Title 1">
             <a:extLst>
               <a:ext uri="{FF2B5EF4-FFF2-40B4-BE49-F238E27FC236}">
-                <a16:creationId xmlns="" xmlns:a16="http://schemas.microsoft.com/office/drawing/2014/main" id="{5B68F61B-1862-4D4B-82DC-AF0BF1662610}"/>
+                <a16:creationId xmlns:a16="http://schemas.microsoft.com/office/drawing/2014/main" id="{5B68F61B-1862-4D4B-82DC-AF0BF1662610}"/>
               </a:ext>
             </a:extLst>
           </p:cNvPr>
@@ -2203,7 +2240,7 @@
           <p:cNvPr id="3" name="Text Placeholder 2">
             <a:extLst>
               <a:ext uri="{FF2B5EF4-FFF2-40B4-BE49-F238E27FC236}">
-                <a16:creationId xmlns="" xmlns:a16="http://schemas.microsoft.com/office/drawing/2014/main" id="{E9BF1F45-24BC-4C84-80E9-C78CB16E7A13}"/>
+                <a16:creationId xmlns:a16="http://schemas.microsoft.com/office/drawing/2014/main" id="{E9BF1F45-24BC-4C84-80E9-C78CB16E7A13}"/>
               </a:ext>
             </a:extLst>
           </p:cNvPr>
@@ -2328,7 +2365,7 @@
           <p:cNvPr id="4" name="Date Placeholder 3">
             <a:extLst>
               <a:ext uri="{FF2B5EF4-FFF2-40B4-BE49-F238E27FC236}">
-                <a16:creationId xmlns="" xmlns:a16="http://schemas.microsoft.com/office/drawing/2014/main" id="{93CC494E-232E-43FA-9A3F-6DBA3A232B78}"/>
+                <a16:creationId xmlns:a16="http://schemas.microsoft.com/office/drawing/2014/main" id="{93CC494E-232E-43FA-9A3F-6DBA3A232B78}"/>
               </a:ext>
             </a:extLst>
           </p:cNvPr>
@@ -2346,7 +2383,7 @@
           <a:p>
             <a:fld id="{40B22C09-651A-45AC-A882-395177D3758C}" type="datetimeFigureOut">
               <a:rPr lang="en-US" smtClean="0"/>
-              <a:t>10/11/20</a:t>
+              <a:t>12/1/2020</a:t>
             </a:fld>
             <a:endParaRPr lang="en-US"/>
           </a:p>
@@ -2357,7 +2394,7 @@
           <p:cNvPr id="5" name="Footer Placeholder 4">
             <a:extLst>
               <a:ext uri="{FF2B5EF4-FFF2-40B4-BE49-F238E27FC236}">
-                <a16:creationId xmlns="" xmlns:a16="http://schemas.microsoft.com/office/drawing/2014/main" id="{55EC3B8B-D0BB-4948-8AEC-B48DCF671E76}"/>
+                <a16:creationId xmlns:a16="http://schemas.microsoft.com/office/drawing/2014/main" id="{55EC3B8B-D0BB-4948-8AEC-B48DCF671E76}"/>
               </a:ext>
             </a:extLst>
           </p:cNvPr>
@@ -2382,7 +2419,7 @@
           <p:cNvPr id="6" name="Slide Number Placeholder 5">
             <a:extLst>
               <a:ext uri="{FF2B5EF4-FFF2-40B4-BE49-F238E27FC236}">
-                <a16:creationId xmlns="" xmlns:a16="http://schemas.microsoft.com/office/drawing/2014/main" id="{B5E3113B-2B3E-4C52-8F8D-A9317FA28741}"/>
+                <a16:creationId xmlns:a16="http://schemas.microsoft.com/office/drawing/2014/main" id="{B5E3113B-2B3E-4C52-8F8D-A9317FA28741}"/>
               </a:ext>
             </a:extLst>
           </p:cNvPr>
@@ -2441,7 +2478,7 @@
           <p:cNvPr id="2" name="Title 1">
             <a:extLst>
               <a:ext uri="{FF2B5EF4-FFF2-40B4-BE49-F238E27FC236}">
-                <a16:creationId xmlns="" xmlns:a16="http://schemas.microsoft.com/office/drawing/2014/main" id="{CBDAF8D1-76CF-4AAF-B011-FA0E590905A0}"/>
+                <a16:creationId xmlns:a16="http://schemas.microsoft.com/office/drawing/2014/main" id="{CBDAF8D1-76CF-4AAF-B011-FA0E590905A0}"/>
               </a:ext>
             </a:extLst>
           </p:cNvPr>
@@ -2469,7 +2506,7 @@
           <p:cNvPr id="3" name="Content Placeholder 2">
             <a:extLst>
               <a:ext uri="{FF2B5EF4-FFF2-40B4-BE49-F238E27FC236}">
-                <a16:creationId xmlns="" xmlns:a16="http://schemas.microsoft.com/office/drawing/2014/main" id="{F82EDCDC-368A-47DD-AAF3-D8B85BACE3BC}"/>
+                <a16:creationId xmlns:a16="http://schemas.microsoft.com/office/drawing/2014/main" id="{F82EDCDC-368A-47DD-AAF3-D8B85BACE3BC}"/>
               </a:ext>
             </a:extLst>
           </p:cNvPr>
@@ -2531,7 +2568,7 @@
           <p:cNvPr id="4" name="Content Placeholder 3">
             <a:extLst>
               <a:ext uri="{FF2B5EF4-FFF2-40B4-BE49-F238E27FC236}">
-                <a16:creationId xmlns="" xmlns:a16="http://schemas.microsoft.com/office/drawing/2014/main" id="{675DBC3B-C496-4436-9320-3F55AFE004A3}"/>
+                <a16:creationId xmlns:a16="http://schemas.microsoft.com/office/drawing/2014/main" id="{675DBC3B-C496-4436-9320-3F55AFE004A3}"/>
               </a:ext>
             </a:extLst>
           </p:cNvPr>
@@ -2593,7 +2630,7 @@
           <p:cNvPr id="5" name="Date Placeholder 4">
             <a:extLst>
               <a:ext uri="{FF2B5EF4-FFF2-40B4-BE49-F238E27FC236}">
-                <a16:creationId xmlns="" xmlns:a16="http://schemas.microsoft.com/office/drawing/2014/main" id="{056BDB01-07E0-455F-A9A9-15F46C068B22}"/>
+                <a16:creationId xmlns:a16="http://schemas.microsoft.com/office/drawing/2014/main" id="{056BDB01-07E0-455F-A9A9-15F46C068B22}"/>
               </a:ext>
             </a:extLst>
           </p:cNvPr>
@@ -2611,7 +2648,7 @@
           <a:p>
             <a:fld id="{40B22C09-651A-45AC-A882-395177D3758C}" type="datetimeFigureOut">
               <a:rPr lang="en-US" smtClean="0"/>
-              <a:t>10/11/20</a:t>
+              <a:t>12/1/2020</a:t>
             </a:fld>
             <a:endParaRPr lang="en-US"/>
           </a:p>
@@ -2622,7 +2659,7 @@
           <p:cNvPr id="6" name="Footer Placeholder 5">
             <a:extLst>
               <a:ext uri="{FF2B5EF4-FFF2-40B4-BE49-F238E27FC236}">
-                <a16:creationId xmlns="" xmlns:a16="http://schemas.microsoft.com/office/drawing/2014/main" id="{7072D23C-2A1B-4305-9D10-E551041571CD}"/>
+                <a16:creationId xmlns:a16="http://schemas.microsoft.com/office/drawing/2014/main" id="{7072D23C-2A1B-4305-9D10-E551041571CD}"/>
               </a:ext>
             </a:extLst>
           </p:cNvPr>
@@ -2647,7 +2684,7 @@
           <p:cNvPr id="7" name="Slide Number Placeholder 6">
             <a:extLst>
               <a:ext uri="{FF2B5EF4-FFF2-40B4-BE49-F238E27FC236}">
-                <a16:creationId xmlns="" xmlns:a16="http://schemas.microsoft.com/office/drawing/2014/main" id="{81276F88-60CB-4E9C-B6C0-E1B08BBB61B7}"/>
+                <a16:creationId xmlns:a16="http://schemas.microsoft.com/office/drawing/2014/main" id="{81276F88-60CB-4E9C-B6C0-E1B08BBB61B7}"/>
               </a:ext>
             </a:extLst>
           </p:cNvPr>
@@ -2706,7 +2743,7 @@
           <p:cNvPr id="2" name="Title 1">
             <a:extLst>
               <a:ext uri="{FF2B5EF4-FFF2-40B4-BE49-F238E27FC236}">
-                <a16:creationId xmlns="" xmlns:a16="http://schemas.microsoft.com/office/drawing/2014/main" id="{641FF6EA-3FDC-405D-9848-4806EDA76D19}"/>
+                <a16:creationId xmlns:a16="http://schemas.microsoft.com/office/drawing/2014/main" id="{641FF6EA-3FDC-405D-9848-4806EDA76D19}"/>
               </a:ext>
             </a:extLst>
           </p:cNvPr>
@@ -2739,7 +2776,7 @@
           <p:cNvPr id="3" name="Text Placeholder 2">
             <a:extLst>
               <a:ext uri="{FF2B5EF4-FFF2-40B4-BE49-F238E27FC236}">
-                <a16:creationId xmlns="" xmlns:a16="http://schemas.microsoft.com/office/drawing/2014/main" id="{A496EBF7-06FB-4C8E-A351-E23A7A1AFCFE}"/>
+                <a16:creationId xmlns:a16="http://schemas.microsoft.com/office/drawing/2014/main" id="{A496EBF7-06FB-4C8E-A351-E23A7A1AFCFE}"/>
               </a:ext>
             </a:extLst>
           </p:cNvPr>
@@ -2810,7 +2847,7 @@
           <p:cNvPr id="4" name="Content Placeholder 3">
             <a:extLst>
               <a:ext uri="{FF2B5EF4-FFF2-40B4-BE49-F238E27FC236}">
-                <a16:creationId xmlns="" xmlns:a16="http://schemas.microsoft.com/office/drawing/2014/main" id="{54005719-06E4-4EE9-BB31-73076F2B5F4B}"/>
+                <a16:creationId xmlns:a16="http://schemas.microsoft.com/office/drawing/2014/main" id="{54005719-06E4-4EE9-BB31-73076F2B5F4B}"/>
               </a:ext>
             </a:extLst>
           </p:cNvPr>
@@ -2872,7 +2909,7 @@
           <p:cNvPr id="5" name="Text Placeholder 4">
             <a:extLst>
               <a:ext uri="{FF2B5EF4-FFF2-40B4-BE49-F238E27FC236}">
-                <a16:creationId xmlns="" xmlns:a16="http://schemas.microsoft.com/office/drawing/2014/main" id="{F5A11E9E-1EB0-4A7D-8FBC-0123F742E0B3}"/>
+                <a16:creationId xmlns:a16="http://schemas.microsoft.com/office/drawing/2014/main" id="{F5A11E9E-1EB0-4A7D-8FBC-0123F742E0B3}"/>
               </a:ext>
             </a:extLst>
           </p:cNvPr>
@@ -2943,7 +2980,7 @@
           <p:cNvPr id="6" name="Content Placeholder 5">
             <a:extLst>
               <a:ext uri="{FF2B5EF4-FFF2-40B4-BE49-F238E27FC236}">
-                <a16:creationId xmlns="" xmlns:a16="http://schemas.microsoft.com/office/drawing/2014/main" id="{1E87BC82-D47C-4F7A-987C-7EEDC9B53C83}"/>
+                <a16:creationId xmlns:a16="http://schemas.microsoft.com/office/drawing/2014/main" id="{1E87BC82-D47C-4F7A-987C-7EEDC9B53C83}"/>
               </a:ext>
             </a:extLst>
           </p:cNvPr>
@@ -3005,7 +3042,7 @@
           <p:cNvPr id="7" name="Date Placeholder 6">
             <a:extLst>
               <a:ext uri="{FF2B5EF4-FFF2-40B4-BE49-F238E27FC236}">
-                <a16:creationId xmlns="" xmlns:a16="http://schemas.microsoft.com/office/drawing/2014/main" id="{8511EAE8-CEDA-4085-8423-14FA4B020357}"/>
+                <a16:creationId xmlns:a16="http://schemas.microsoft.com/office/drawing/2014/main" id="{8511EAE8-CEDA-4085-8423-14FA4B020357}"/>
               </a:ext>
             </a:extLst>
           </p:cNvPr>
@@ -3023,7 +3060,7 @@
           <a:p>
             <a:fld id="{40B22C09-651A-45AC-A882-395177D3758C}" type="datetimeFigureOut">
               <a:rPr lang="en-US" smtClean="0"/>
-              <a:t>10/11/20</a:t>
+              <a:t>12/1/2020</a:t>
             </a:fld>
             <a:endParaRPr lang="en-US"/>
           </a:p>
@@ -3034,7 +3071,7 @@
           <p:cNvPr id="8" name="Footer Placeholder 7">
             <a:extLst>
               <a:ext uri="{FF2B5EF4-FFF2-40B4-BE49-F238E27FC236}">
-                <a16:creationId xmlns="" xmlns:a16="http://schemas.microsoft.com/office/drawing/2014/main" id="{11DE501E-B1D4-47F2-812B-306ECD3934FC}"/>
+                <a16:creationId xmlns:a16="http://schemas.microsoft.com/office/drawing/2014/main" id="{11DE501E-B1D4-47F2-812B-306ECD3934FC}"/>
               </a:ext>
             </a:extLst>
           </p:cNvPr>
@@ -3059,7 +3096,7 @@
           <p:cNvPr id="9" name="Slide Number Placeholder 8">
             <a:extLst>
               <a:ext uri="{FF2B5EF4-FFF2-40B4-BE49-F238E27FC236}">
-                <a16:creationId xmlns="" xmlns:a16="http://schemas.microsoft.com/office/drawing/2014/main" id="{D1BC3A90-4464-41F9-B5AD-CF914ECECF8D}"/>
+                <a16:creationId xmlns:a16="http://schemas.microsoft.com/office/drawing/2014/main" id="{D1BC3A90-4464-41F9-B5AD-CF914ECECF8D}"/>
               </a:ext>
             </a:extLst>
           </p:cNvPr>
@@ -3118,7 +3155,7 @@
           <p:cNvPr id="2" name="Title 1">
             <a:extLst>
               <a:ext uri="{FF2B5EF4-FFF2-40B4-BE49-F238E27FC236}">
-                <a16:creationId xmlns="" xmlns:a16="http://schemas.microsoft.com/office/drawing/2014/main" id="{635AB128-F04A-497B-AC20-83EA38F9ECCF}"/>
+                <a16:creationId xmlns:a16="http://schemas.microsoft.com/office/drawing/2014/main" id="{635AB128-F04A-497B-AC20-83EA38F9ECCF}"/>
               </a:ext>
             </a:extLst>
           </p:cNvPr>
@@ -3146,7 +3183,7 @@
           <p:cNvPr id="3" name="Date Placeholder 2">
             <a:extLst>
               <a:ext uri="{FF2B5EF4-FFF2-40B4-BE49-F238E27FC236}">
-                <a16:creationId xmlns="" xmlns:a16="http://schemas.microsoft.com/office/drawing/2014/main" id="{6D95322D-E9AA-4AE0-B167-7DFBFF42D1ED}"/>
+                <a16:creationId xmlns:a16="http://schemas.microsoft.com/office/drawing/2014/main" id="{6D95322D-E9AA-4AE0-B167-7DFBFF42D1ED}"/>
               </a:ext>
             </a:extLst>
           </p:cNvPr>
@@ -3164,7 +3201,7 @@
           <a:p>
             <a:fld id="{40B22C09-651A-45AC-A882-395177D3758C}" type="datetimeFigureOut">
               <a:rPr lang="en-US" smtClean="0"/>
-              <a:t>10/11/20</a:t>
+              <a:t>12/1/2020</a:t>
             </a:fld>
             <a:endParaRPr lang="en-US"/>
           </a:p>
@@ -3175,7 +3212,7 @@
           <p:cNvPr id="4" name="Footer Placeholder 3">
             <a:extLst>
               <a:ext uri="{FF2B5EF4-FFF2-40B4-BE49-F238E27FC236}">
-                <a16:creationId xmlns="" xmlns:a16="http://schemas.microsoft.com/office/drawing/2014/main" id="{D21F6DDD-A06C-407A-8601-08191F6A9F2B}"/>
+                <a16:creationId xmlns:a16="http://schemas.microsoft.com/office/drawing/2014/main" id="{D21F6DDD-A06C-407A-8601-08191F6A9F2B}"/>
               </a:ext>
             </a:extLst>
           </p:cNvPr>
@@ -3200,7 +3237,7 @@
           <p:cNvPr id="5" name="Slide Number Placeholder 4">
             <a:extLst>
               <a:ext uri="{FF2B5EF4-FFF2-40B4-BE49-F238E27FC236}">
-                <a16:creationId xmlns="" xmlns:a16="http://schemas.microsoft.com/office/drawing/2014/main" id="{A58E20FE-D7D0-4ACD-A627-D1ED2D93F2DC}"/>
+                <a16:creationId xmlns:a16="http://schemas.microsoft.com/office/drawing/2014/main" id="{A58E20FE-D7D0-4ACD-A627-D1ED2D93F2DC}"/>
               </a:ext>
             </a:extLst>
           </p:cNvPr>
@@ -3259,7 +3296,7 @@
           <p:cNvPr id="2" name="Date Placeholder 1">
             <a:extLst>
               <a:ext uri="{FF2B5EF4-FFF2-40B4-BE49-F238E27FC236}">
-                <a16:creationId xmlns="" xmlns:a16="http://schemas.microsoft.com/office/drawing/2014/main" id="{C24D523C-E3E0-4141-9795-F8C0D77A80F6}"/>
+                <a16:creationId xmlns:a16="http://schemas.microsoft.com/office/drawing/2014/main" id="{C24D523C-E3E0-4141-9795-F8C0D77A80F6}"/>
               </a:ext>
             </a:extLst>
           </p:cNvPr>
@@ -3277,7 +3314,7 @@
           <a:p>
             <a:fld id="{40B22C09-651A-45AC-A882-395177D3758C}" type="datetimeFigureOut">
               <a:rPr lang="en-US" smtClean="0"/>
-              <a:t>10/11/20</a:t>
+              <a:t>12/1/2020</a:t>
             </a:fld>
             <a:endParaRPr lang="en-US"/>
           </a:p>
@@ -3288,7 +3325,7 @@
           <p:cNvPr id="3" name="Footer Placeholder 2">
             <a:extLst>
               <a:ext uri="{FF2B5EF4-FFF2-40B4-BE49-F238E27FC236}">
-                <a16:creationId xmlns="" xmlns:a16="http://schemas.microsoft.com/office/drawing/2014/main" id="{8D4FEA45-9058-4C9F-9D3D-C127B0DFB433}"/>
+                <a16:creationId xmlns:a16="http://schemas.microsoft.com/office/drawing/2014/main" id="{8D4FEA45-9058-4C9F-9D3D-C127B0DFB433}"/>
               </a:ext>
             </a:extLst>
           </p:cNvPr>
@@ -3313,7 +3350,7 @@
           <p:cNvPr id="4" name="Slide Number Placeholder 3">
             <a:extLst>
               <a:ext uri="{FF2B5EF4-FFF2-40B4-BE49-F238E27FC236}">
-                <a16:creationId xmlns="" xmlns:a16="http://schemas.microsoft.com/office/drawing/2014/main" id="{7F1A55E5-F9A5-43CD-84D3-6E7CBA23D1ED}"/>
+                <a16:creationId xmlns:a16="http://schemas.microsoft.com/office/drawing/2014/main" id="{7F1A55E5-F9A5-43CD-84D3-6E7CBA23D1ED}"/>
               </a:ext>
             </a:extLst>
           </p:cNvPr>
@@ -3372,7 +3409,7 @@
           <p:cNvPr id="2" name="Title 1">
             <a:extLst>
               <a:ext uri="{FF2B5EF4-FFF2-40B4-BE49-F238E27FC236}">
-                <a16:creationId xmlns="" xmlns:a16="http://schemas.microsoft.com/office/drawing/2014/main" id="{00A8BE5C-3E50-437E-A3C4-4F56D3E763EA}"/>
+                <a16:creationId xmlns:a16="http://schemas.microsoft.com/office/drawing/2014/main" id="{00A8BE5C-3E50-437E-A3C4-4F56D3E763EA}"/>
               </a:ext>
             </a:extLst>
           </p:cNvPr>
@@ -3409,7 +3446,7 @@
           <p:cNvPr id="3" name="Content Placeholder 2">
             <a:extLst>
               <a:ext uri="{FF2B5EF4-FFF2-40B4-BE49-F238E27FC236}">
-                <a16:creationId xmlns="" xmlns:a16="http://schemas.microsoft.com/office/drawing/2014/main" id="{F393E5FE-3559-4978-A9F8-6A32745467A9}"/>
+                <a16:creationId xmlns:a16="http://schemas.microsoft.com/office/drawing/2014/main" id="{F393E5FE-3559-4978-A9F8-6A32745467A9}"/>
               </a:ext>
             </a:extLst>
           </p:cNvPr>
@@ -3499,7 +3536,7 @@
           <p:cNvPr id="4" name="Text Placeholder 3">
             <a:extLst>
               <a:ext uri="{FF2B5EF4-FFF2-40B4-BE49-F238E27FC236}">
-                <a16:creationId xmlns="" xmlns:a16="http://schemas.microsoft.com/office/drawing/2014/main" id="{B47F072C-274D-47CF-B87D-C5E9DED359AE}"/>
+                <a16:creationId xmlns:a16="http://schemas.microsoft.com/office/drawing/2014/main" id="{B47F072C-274D-47CF-B87D-C5E9DED359AE}"/>
               </a:ext>
             </a:extLst>
           </p:cNvPr>
@@ -3570,7 +3607,7 @@
           <p:cNvPr id="5" name="Date Placeholder 4">
             <a:extLst>
               <a:ext uri="{FF2B5EF4-FFF2-40B4-BE49-F238E27FC236}">
-                <a16:creationId xmlns="" xmlns:a16="http://schemas.microsoft.com/office/drawing/2014/main" id="{6ED82F0D-A5A4-46FB-A009-A7C0B6AE49A4}"/>
+                <a16:creationId xmlns:a16="http://schemas.microsoft.com/office/drawing/2014/main" id="{6ED82F0D-A5A4-46FB-A009-A7C0B6AE49A4}"/>
               </a:ext>
             </a:extLst>
           </p:cNvPr>
@@ -3588,7 +3625,7 @@
           <a:p>
             <a:fld id="{40B22C09-651A-45AC-A882-395177D3758C}" type="datetimeFigureOut">
               <a:rPr lang="en-US" smtClean="0"/>
-              <a:t>10/11/20</a:t>
+              <a:t>12/1/2020</a:t>
             </a:fld>
             <a:endParaRPr lang="en-US"/>
           </a:p>
@@ -3599,7 +3636,7 @@
           <p:cNvPr id="6" name="Footer Placeholder 5">
             <a:extLst>
               <a:ext uri="{FF2B5EF4-FFF2-40B4-BE49-F238E27FC236}">
-                <a16:creationId xmlns="" xmlns:a16="http://schemas.microsoft.com/office/drawing/2014/main" id="{EFC96E5C-5F5D-4A20-90E6-38D2BB3F640F}"/>
+                <a16:creationId xmlns:a16="http://schemas.microsoft.com/office/drawing/2014/main" id="{EFC96E5C-5F5D-4A20-90E6-38D2BB3F640F}"/>
               </a:ext>
             </a:extLst>
           </p:cNvPr>
@@ -3624,7 +3661,7 @@
           <p:cNvPr id="7" name="Slide Number Placeholder 6">
             <a:extLst>
               <a:ext uri="{FF2B5EF4-FFF2-40B4-BE49-F238E27FC236}">
-                <a16:creationId xmlns="" xmlns:a16="http://schemas.microsoft.com/office/drawing/2014/main" id="{F88EE239-54CE-4B68-8115-45D329924434}"/>
+                <a16:creationId xmlns:a16="http://schemas.microsoft.com/office/drawing/2014/main" id="{F88EE239-54CE-4B68-8115-45D329924434}"/>
               </a:ext>
             </a:extLst>
           </p:cNvPr>
@@ -3683,7 +3720,7 @@
           <p:cNvPr id="2" name="Title 1">
             <a:extLst>
               <a:ext uri="{FF2B5EF4-FFF2-40B4-BE49-F238E27FC236}">
-                <a16:creationId xmlns="" xmlns:a16="http://schemas.microsoft.com/office/drawing/2014/main" id="{3FA8A8F1-2917-499C-AF6B-F6F8BE79E5A0}"/>
+                <a16:creationId xmlns:a16="http://schemas.microsoft.com/office/drawing/2014/main" id="{3FA8A8F1-2917-499C-AF6B-F6F8BE79E5A0}"/>
               </a:ext>
             </a:extLst>
           </p:cNvPr>
@@ -3720,7 +3757,7 @@
           <p:cNvPr id="3" name="Picture Placeholder 2">
             <a:extLst>
               <a:ext uri="{FF2B5EF4-FFF2-40B4-BE49-F238E27FC236}">
-                <a16:creationId xmlns="" xmlns:a16="http://schemas.microsoft.com/office/drawing/2014/main" id="{8400F5B9-2E85-4F69-9892-32F0AC237ED1}"/>
+                <a16:creationId xmlns:a16="http://schemas.microsoft.com/office/drawing/2014/main" id="{8400F5B9-2E85-4F69-9892-32F0AC237ED1}"/>
               </a:ext>
             </a:extLst>
           </p:cNvPr>
@@ -3787,7 +3824,7 @@
           <p:cNvPr id="4" name="Text Placeholder 3">
             <a:extLst>
               <a:ext uri="{FF2B5EF4-FFF2-40B4-BE49-F238E27FC236}">
-                <a16:creationId xmlns="" xmlns:a16="http://schemas.microsoft.com/office/drawing/2014/main" id="{BBD42F88-A155-4AFC-B4EB-30265EDE7E3B}"/>
+                <a16:creationId xmlns:a16="http://schemas.microsoft.com/office/drawing/2014/main" id="{BBD42F88-A155-4AFC-B4EB-30265EDE7E3B}"/>
               </a:ext>
             </a:extLst>
           </p:cNvPr>
@@ -3858,7 +3895,7 @@
           <p:cNvPr id="5" name="Date Placeholder 4">
             <a:extLst>
               <a:ext uri="{FF2B5EF4-FFF2-40B4-BE49-F238E27FC236}">
-                <a16:creationId xmlns="" xmlns:a16="http://schemas.microsoft.com/office/drawing/2014/main" id="{BEA28A34-FBC0-4869-BA21-8843EA9B9021}"/>
+                <a16:creationId xmlns:a16="http://schemas.microsoft.com/office/drawing/2014/main" id="{BEA28A34-FBC0-4869-BA21-8843EA9B9021}"/>
               </a:ext>
             </a:extLst>
           </p:cNvPr>
@@ -3876,7 +3913,7 @@
           <a:p>
             <a:fld id="{40B22C09-651A-45AC-A882-395177D3758C}" type="datetimeFigureOut">
               <a:rPr lang="en-US" smtClean="0"/>
-              <a:t>10/11/20</a:t>
+              <a:t>12/1/2020</a:t>
             </a:fld>
             <a:endParaRPr lang="en-US"/>
           </a:p>
@@ -3887,7 +3924,7 @@
           <p:cNvPr id="6" name="Footer Placeholder 5">
             <a:extLst>
               <a:ext uri="{FF2B5EF4-FFF2-40B4-BE49-F238E27FC236}">
-                <a16:creationId xmlns="" xmlns:a16="http://schemas.microsoft.com/office/drawing/2014/main" id="{D3DE6C40-03CA-40A7-8DB5-C75F4666BC72}"/>
+                <a16:creationId xmlns:a16="http://schemas.microsoft.com/office/drawing/2014/main" id="{D3DE6C40-03CA-40A7-8DB5-C75F4666BC72}"/>
               </a:ext>
             </a:extLst>
           </p:cNvPr>
@@ -3912,7 +3949,7 @@
           <p:cNvPr id="7" name="Slide Number Placeholder 6">
             <a:extLst>
               <a:ext uri="{FF2B5EF4-FFF2-40B4-BE49-F238E27FC236}">
-                <a16:creationId xmlns="" xmlns:a16="http://schemas.microsoft.com/office/drawing/2014/main" id="{1F090C83-D7CC-489B-9C42-B1AA224F2304}"/>
+                <a16:creationId xmlns:a16="http://schemas.microsoft.com/office/drawing/2014/main" id="{1F090C83-D7CC-489B-9C42-B1AA224F2304}"/>
               </a:ext>
             </a:extLst>
           </p:cNvPr>
@@ -3976,7 +4013,7 @@
           <p:cNvPr id="2" name="Title Placeholder 1">
             <a:extLst>
               <a:ext uri="{FF2B5EF4-FFF2-40B4-BE49-F238E27FC236}">
-                <a16:creationId xmlns="" xmlns:a16="http://schemas.microsoft.com/office/drawing/2014/main" id="{74743776-C17D-4001-AA05-A86149057DEF}"/>
+                <a16:creationId xmlns:a16="http://schemas.microsoft.com/office/drawing/2014/main" id="{74743776-C17D-4001-AA05-A86149057DEF}"/>
               </a:ext>
             </a:extLst>
           </p:cNvPr>
@@ -4014,7 +4051,7 @@
           <p:cNvPr id="3" name="Text Placeholder 2">
             <a:extLst>
               <a:ext uri="{FF2B5EF4-FFF2-40B4-BE49-F238E27FC236}">
-                <a16:creationId xmlns="" xmlns:a16="http://schemas.microsoft.com/office/drawing/2014/main" id="{15FE75D1-AEB6-4CA4-8BF4-00B27753C552}"/>
+                <a16:creationId xmlns:a16="http://schemas.microsoft.com/office/drawing/2014/main" id="{15FE75D1-AEB6-4CA4-8BF4-00B27753C552}"/>
               </a:ext>
             </a:extLst>
           </p:cNvPr>
@@ -4081,7 +4118,7 @@
           <p:cNvPr id="4" name="Date Placeholder 3">
             <a:extLst>
               <a:ext uri="{FF2B5EF4-FFF2-40B4-BE49-F238E27FC236}">
-                <a16:creationId xmlns="" xmlns:a16="http://schemas.microsoft.com/office/drawing/2014/main" id="{BBACC103-5583-4E53-8324-1C02468BD623}"/>
+                <a16:creationId xmlns:a16="http://schemas.microsoft.com/office/drawing/2014/main" id="{BBACC103-5583-4E53-8324-1C02468BD623}"/>
               </a:ext>
             </a:extLst>
           </p:cNvPr>
@@ -4117,7 +4154,7 @@
           <a:p>
             <a:fld id="{40B22C09-651A-45AC-A882-395177D3758C}" type="datetimeFigureOut">
               <a:rPr lang="en-US" smtClean="0"/>
-              <a:t>10/11/20</a:t>
+              <a:t>12/1/2020</a:t>
             </a:fld>
             <a:endParaRPr lang="en-US"/>
           </a:p>
@@ -4128,7 +4165,7 @@
           <p:cNvPr id="5" name="Footer Placeholder 4">
             <a:extLst>
               <a:ext uri="{FF2B5EF4-FFF2-40B4-BE49-F238E27FC236}">
-                <a16:creationId xmlns="" xmlns:a16="http://schemas.microsoft.com/office/drawing/2014/main" id="{F3F6A0F5-21CF-433C-96B7-3A22B847B0AB}"/>
+                <a16:creationId xmlns:a16="http://schemas.microsoft.com/office/drawing/2014/main" id="{F3F6A0F5-21CF-433C-96B7-3A22B847B0AB}"/>
               </a:ext>
             </a:extLst>
           </p:cNvPr>
@@ -4171,7 +4208,7 @@
           <p:cNvPr id="6" name="Slide Number Placeholder 5">
             <a:extLst>
               <a:ext uri="{FF2B5EF4-FFF2-40B4-BE49-F238E27FC236}">
-                <a16:creationId xmlns="" xmlns:a16="http://schemas.microsoft.com/office/drawing/2014/main" id="{6413A8FB-0F08-4E68-B0F2-0C1A8E54C6A3}"/>
+                <a16:creationId xmlns:a16="http://schemas.microsoft.com/office/drawing/2014/main" id="{6413A8FB-0F08-4E68-B0F2-0C1A8E54C6A3}"/>
               </a:ext>
             </a:extLst>
           </p:cNvPr>
@@ -4569,14 +4606,6 @@
               </a:rPr>
               <a:t>Blue Waters Petascale Semester Curriculum v1.0</a:t>
             </a:r>
-            <a:r>
-              <a:rPr lang="en-US" sz="3600" dirty="0">
-                <a:latin typeface="Times New Roman" charset="0"/>
-                <a:ea typeface="Times New Roman" charset="0"/>
-                <a:cs typeface="Times New Roman" charset="0"/>
-              </a:rPr>
-              <a:t/>
-            </a:r>
             <a:br>
               <a:rPr lang="en-US" sz="3600" dirty="0">
                 <a:latin typeface="Times New Roman" charset="0"/>
@@ -4600,14 +4629,6 @@
               </a:rPr>
               <a:t>OpenMP</a:t>
             </a:r>
-            <a:r>
-              <a:rPr lang="en-US" sz="3600" dirty="0">
-                <a:latin typeface="Times New Roman" charset="0"/>
-                <a:ea typeface="Times New Roman" charset="0"/>
-                <a:cs typeface="Times New Roman" charset="0"/>
-              </a:rPr>
-              <a:t/>
-            </a:r>
             <a:br>
               <a:rPr lang="en-US" sz="3600" dirty="0">
                 <a:latin typeface="Times New Roman" charset="0"/>
@@ -4639,36 +4660,20 @@
               </a:rPr>
               <a:t> Tasks</a:t>
             </a:r>
-            <a:r>
-              <a:rPr lang="en-US" sz="3600" b="1" dirty="0" smtClean="0">
+            <a:br>
+              <a:rPr lang="en-US" sz="3600" b="1" dirty="0">
                 <a:latin typeface="Times New Roman" charset="0"/>
                 <a:ea typeface="Times New Roman" charset="0"/>
                 <a:cs typeface="Times New Roman" charset="0"/>
               </a:rPr>
-              <a:t/>
-            </a:r>
-            <a:br>
-              <a:rPr lang="en-US" sz="3600" b="1" dirty="0" smtClean="0">
-                <a:latin typeface="Times New Roman" charset="0"/>
-                <a:ea typeface="Times New Roman" charset="0"/>
-                <a:cs typeface="Times New Roman" charset="0"/>
-              </a:rPr>
             </a:br>
-            <a:r>
-              <a:rPr lang="en-US" sz="3600" i="1" dirty="0" smtClean="0">
-                <a:latin typeface="Times New Roman" charset="0"/>
-                <a:ea typeface="Times New Roman" charset="0"/>
-                <a:cs typeface="Times New Roman" charset="0"/>
-              </a:rPr>
-              <a:t>Developed </a:t>
-            </a:r>
             <a:r>
               <a:rPr lang="en-US" sz="3600" i="1" dirty="0">
                 <a:latin typeface="Times New Roman" charset="0"/>
                 <a:ea typeface="Times New Roman" charset="0"/>
                 <a:cs typeface="Times New Roman" charset="0"/>
               </a:rPr>
-              <a:t>by Cameron Foss</a:t>
+              <a:t>Developed by Cameron Foss</a:t>
             </a:r>
             <a:br>
               <a:rPr lang="en-US" sz="3600" i="1" dirty="0">
@@ -4698,13 +4703,6 @@
   <p:clrMapOvr>
     <a:masterClrMapping/>
   </p:clrMapOvr>
-  <p:timing>
-    <p:tnLst>
-      <p:par>
-        <p:cTn id="1" dur="indefinite" restart="never" nodeType="tmRoot"/>
-      </p:par>
-    </p:tnLst>
-  </p:timing>
 </p:sld>
 </file>
 
@@ -4730,7 +4728,7 @@
           <p:cNvPr id="2" name="Title 1">
             <a:extLst>
               <a:ext uri="{FF2B5EF4-FFF2-40B4-BE49-F238E27FC236}">
-                <a16:creationId xmlns="" xmlns:a16="http://schemas.microsoft.com/office/drawing/2014/main" id="{9587F033-EB6C-4161-860B-ADB7863381BA}"/>
+                <a16:creationId xmlns:a16="http://schemas.microsoft.com/office/drawing/2014/main" id="{9587F033-EB6C-4161-860B-ADB7863381BA}"/>
               </a:ext>
             </a:extLst>
           </p:cNvPr>
@@ -4758,7 +4756,7 @@
           <p:cNvPr id="3" name="Content Placeholder 2">
             <a:extLst>
               <a:ext uri="{FF2B5EF4-FFF2-40B4-BE49-F238E27FC236}">
-                <a16:creationId xmlns="" xmlns:a16="http://schemas.microsoft.com/office/drawing/2014/main" id="{4D06B9CA-080A-467D-BE4F-84D19D2FF991}"/>
+                <a16:creationId xmlns:a16="http://schemas.microsoft.com/office/drawing/2014/main" id="{4D06B9CA-080A-467D-BE4F-84D19D2FF991}"/>
               </a:ext>
             </a:extLst>
           </p:cNvPr>
@@ -4808,7 +4806,7 @@
           <p:cNvPr id="7" name="Picture 2" descr="Free Pics Of Cartoon Racing Cars, Download Free Clip Art, Free ...">
             <a:extLst>
               <a:ext uri="{FF2B5EF4-FFF2-40B4-BE49-F238E27FC236}">
-                <a16:creationId xmlns="" xmlns:a16="http://schemas.microsoft.com/office/drawing/2014/main" id="{814601D9-CCED-475D-AA71-EF3073B0A244}"/>
+                <a16:creationId xmlns:a16="http://schemas.microsoft.com/office/drawing/2014/main" id="{814601D9-CCED-475D-AA71-EF3073B0A244}"/>
               </a:ext>
             </a:extLst>
           </p:cNvPr>
@@ -4855,7 +4853,7 @@
           <p:cNvPr id="4" name="TextBox 3">
             <a:extLst>
               <a:ext uri="{FF2B5EF4-FFF2-40B4-BE49-F238E27FC236}">
-                <a16:creationId xmlns="" xmlns:a16="http://schemas.microsoft.com/office/drawing/2014/main" id="{F9923786-7DDE-4CE7-86D5-6CF59C634F03}"/>
+                <a16:creationId xmlns:a16="http://schemas.microsoft.com/office/drawing/2014/main" id="{F9923786-7DDE-4CE7-86D5-6CF59C634F03}"/>
               </a:ext>
             </a:extLst>
           </p:cNvPr>
@@ -4928,7 +4926,7 @@
           <p:cNvPr id="2" name="Title 1">
             <a:extLst>
               <a:ext uri="{FF2B5EF4-FFF2-40B4-BE49-F238E27FC236}">
-                <a16:creationId xmlns="" xmlns:a16="http://schemas.microsoft.com/office/drawing/2014/main" id="{592CAA44-620F-424E-B63A-73F4980FED4A}"/>
+                <a16:creationId xmlns:a16="http://schemas.microsoft.com/office/drawing/2014/main" id="{592CAA44-620F-424E-B63A-73F4980FED4A}"/>
               </a:ext>
             </a:extLst>
           </p:cNvPr>
@@ -4956,7 +4954,7 @@
           <p:cNvPr id="3" name="Content Placeholder 2">
             <a:extLst>
               <a:ext uri="{FF2B5EF4-FFF2-40B4-BE49-F238E27FC236}">
-                <a16:creationId xmlns="" xmlns:a16="http://schemas.microsoft.com/office/drawing/2014/main" id="{DC16C8B1-6F35-4708-A480-D156E72C2059}"/>
+                <a16:creationId xmlns:a16="http://schemas.microsoft.com/office/drawing/2014/main" id="{DC16C8B1-6F35-4708-A480-D156E72C2059}"/>
               </a:ext>
             </a:extLst>
           </p:cNvPr>
@@ -5299,7 +5297,7 @@
           <p:cNvPr id="2050" name="Picture 2" descr="Free Pics Of Cartoon Racing Cars, Download Free Clip Art, Free ...">
             <a:extLst>
               <a:ext uri="{FF2B5EF4-FFF2-40B4-BE49-F238E27FC236}">
-                <a16:creationId xmlns="" xmlns:a16="http://schemas.microsoft.com/office/drawing/2014/main" id="{F35F1C1F-23C7-4284-A91C-0BE27E7B585F}"/>
+                <a16:creationId xmlns:a16="http://schemas.microsoft.com/office/drawing/2014/main" id="{F35F1C1F-23C7-4284-A91C-0BE27E7B585F}"/>
               </a:ext>
             </a:extLst>
           </p:cNvPr>
@@ -5346,7 +5344,7 @@
           <p:cNvPr id="4" name="TextBox 3">
             <a:extLst>
               <a:ext uri="{FF2B5EF4-FFF2-40B4-BE49-F238E27FC236}">
-                <a16:creationId xmlns="" xmlns:a16="http://schemas.microsoft.com/office/drawing/2014/main" id="{A2C363BF-3FB4-49B3-9B36-BBB95CB5765B}"/>
+                <a16:creationId xmlns:a16="http://schemas.microsoft.com/office/drawing/2014/main" id="{A2C363BF-3FB4-49B3-9B36-BBB95CB5765B}"/>
               </a:ext>
             </a:extLst>
           </p:cNvPr>
@@ -5384,7 +5382,7 @@
           <p:cNvPr id="5" name="TextBox 4">
             <a:extLst>
               <a:ext uri="{FF2B5EF4-FFF2-40B4-BE49-F238E27FC236}">
-                <a16:creationId xmlns="" xmlns:a16="http://schemas.microsoft.com/office/drawing/2014/main" id="{A6CCC6C5-33DE-4EB5-992D-08F5067F781E}"/>
+                <a16:creationId xmlns:a16="http://schemas.microsoft.com/office/drawing/2014/main" id="{A6CCC6C5-33DE-4EB5-992D-08F5067F781E}"/>
               </a:ext>
             </a:extLst>
           </p:cNvPr>
@@ -5427,7 +5425,7 @@
           <p:cNvPr id="7" name="TextBox 6">
             <a:extLst>
               <a:ext uri="{FF2B5EF4-FFF2-40B4-BE49-F238E27FC236}">
-                <a16:creationId xmlns="" xmlns:a16="http://schemas.microsoft.com/office/drawing/2014/main" id="{CE26BAA1-DAA0-4890-8103-FABFE4A40C60}"/>
+                <a16:creationId xmlns:a16="http://schemas.microsoft.com/office/drawing/2014/main" id="{CE26BAA1-DAA0-4890-8103-FABFE4A40C60}"/>
               </a:ext>
             </a:extLst>
           </p:cNvPr>
@@ -5643,7 +5641,7 @@
           <p:cNvPr id="2" name="Title 1">
             <a:extLst>
               <a:ext uri="{FF2B5EF4-FFF2-40B4-BE49-F238E27FC236}">
-                <a16:creationId xmlns="" xmlns:a16="http://schemas.microsoft.com/office/drawing/2014/main" id="{592CAA44-620F-424E-B63A-73F4980FED4A}"/>
+                <a16:creationId xmlns:a16="http://schemas.microsoft.com/office/drawing/2014/main" id="{592CAA44-620F-424E-B63A-73F4980FED4A}"/>
               </a:ext>
             </a:extLst>
           </p:cNvPr>
@@ -5671,7 +5669,7 @@
           <p:cNvPr id="3" name="Content Placeholder 2">
             <a:extLst>
               <a:ext uri="{FF2B5EF4-FFF2-40B4-BE49-F238E27FC236}">
-                <a16:creationId xmlns="" xmlns:a16="http://schemas.microsoft.com/office/drawing/2014/main" id="{DC16C8B1-6F35-4708-A480-D156E72C2059}"/>
+                <a16:creationId xmlns:a16="http://schemas.microsoft.com/office/drawing/2014/main" id="{DC16C8B1-6F35-4708-A480-D156E72C2059}"/>
               </a:ext>
             </a:extLst>
           </p:cNvPr>
@@ -6112,7 +6110,7 @@
           <p:cNvPr id="2050" name="Picture 2" descr="Free Pics Of Cartoon Racing Cars, Download Free Clip Art, Free ...">
             <a:extLst>
               <a:ext uri="{FF2B5EF4-FFF2-40B4-BE49-F238E27FC236}">
-                <a16:creationId xmlns="" xmlns:a16="http://schemas.microsoft.com/office/drawing/2014/main" id="{F35F1C1F-23C7-4284-A91C-0BE27E7B585F}"/>
+                <a16:creationId xmlns:a16="http://schemas.microsoft.com/office/drawing/2014/main" id="{F35F1C1F-23C7-4284-A91C-0BE27E7B585F}"/>
               </a:ext>
             </a:extLst>
           </p:cNvPr>
@@ -6159,7 +6157,7 @@
           <p:cNvPr id="5" name="TextBox 4">
             <a:extLst>
               <a:ext uri="{FF2B5EF4-FFF2-40B4-BE49-F238E27FC236}">
-                <a16:creationId xmlns="" xmlns:a16="http://schemas.microsoft.com/office/drawing/2014/main" id="{BF659AE1-2F91-45D2-9056-A631381AB783}"/>
+                <a16:creationId xmlns:a16="http://schemas.microsoft.com/office/drawing/2014/main" id="{BF659AE1-2F91-45D2-9056-A631381AB783}"/>
               </a:ext>
             </a:extLst>
           </p:cNvPr>
@@ -6197,7 +6195,7 @@
           <p:cNvPr id="4" name="TextBox 3">
             <a:extLst>
               <a:ext uri="{FF2B5EF4-FFF2-40B4-BE49-F238E27FC236}">
-                <a16:creationId xmlns="" xmlns:a16="http://schemas.microsoft.com/office/drawing/2014/main" id="{EDFF2F7A-14A5-4F4D-95CD-39E2615F2DB8}"/>
+                <a16:creationId xmlns:a16="http://schemas.microsoft.com/office/drawing/2014/main" id="{EDFF2F7A-14A5-4F4D-95CD-39E2615F2DB8}"/>
               </a:ext>
             </a:extLst>
           </p:cNvPr>
@@ -6328,7 +6326,7 @@
           <p:cNvPr id="8" name="TextBox 7">
             <a:extLst>
               <a:ext uri="{FF2B5EF4-FFF2-40B4-BE49-F238E27FC236}">
-                <a16:creationId xmlns="" xmlns:a16="http://schemas.microsoft.com/office/drawing/2014/main" id="{1BDC7152-FE73-4E74-B53B-4CFE452F845A}"/>
+                <a16:creationId xmlns:a16="http://schemas.microsoft.com/office/drawing/2014/main" id="{1BDC7152-FE73-4E74-B53B-4CFE452F845A}"/>
               </a:ext>
             </a:extLst>
           </p:cNvPr>
@@ -6479,7 +6477,7 @@
           <p:cNvPr id="2" name="Title 1">
             <a:extLst>
               <a:ext uri="{FF2B5EF4-FFF2-40B4-BE49-F238E27FC236}">
-                <a16:creationId xmlns="" xmlns:a16="http://schemas.microsoft.com/office/drawing/2014/main" id="{592CAA44-620F-424E-B63A-73F4980FED4A}"/>
+                <a16:creationId xmlns:a16="http://schemas.microsoft.com/office/drawing/2014/main" id="{592CAA44-620F-424E-B63A-73F4980FED4A}"/>
               </a:ext>
             </a:extLst>
           </p:cNvPr>
@@ -6507,7 +6505,7 @@
           <p:cNvPr id="3" name="Content Placeholder 2">
             <a:extLst>
               <a:ext uri="{FF2B5EF4-FFF2-40B4-BE49-F238E27FC236}">
-                <a16:creationId xmlns="" xmlns:a16="http://schemas.microsoft.com/office/drawing/2014/main" id="{DC16C8B1-6F35-4708-A480-D156E72C2059}"/>
+                <a16:creationId xmlns:a16="http://schemas.microsoft.com/office/drawing/2014/main" id="{DC16C8B1-6F35-4708-A480-D156E72C2059}"/>
               </a:ext>
             </a:extLst>
           </p:cNvPr>
@@ -7040,7 +7038,7 @@
           <p:cNvPr id="2050" name="Picture 2" descr="Free Pics Of Cartoon Racing Cars, Download Free Clip Art, Free ...">
             <a:extLst>
               <a:ext uri="{FF2B5EF4-FFF2-40B4-BE49-F238E27FC236}">
-                <a16:creationId xmlns="" xmlns:a16="http://schemas.microsoft.com/office/drawing/2014/main" id="{F35F1C1F-23C7-4284-A91C-0BE27E7B585F}"/>
+                <a16:creationId xmlns:a16="http://schemas.microsoft.com/office/drawing/2014/main" id="{F35F1C1F-23C7-4284-A91C-0BE27E7B585F}"/>
               </a:ext>
             </a:extLst>
           </p:cNvPr>
@@ -7087,7 +7085,7 @@
           <p:cNvPr id="8" name="TextBox 7">
             <a:extLst>
               <a:ext uri="{FF2B5EF4-FFF2-40B4-BE49-F238E27FC236}">
-                <a16:creationId xmlns="" xmlns:a16="http://schemas.microsoft.com/office/drawing/2014/main" id="{1BDC7152-FE73-4E74-B53B-4CFE452F845A}"/>
+                <a16:creationId xmlns:a16="http://schemas.microsoft.com/office/drawing/2014/main" id="{1BDC7152-FE73-4E74-B53B-4CFE452F845A}"/>
               </a:ext>
             </a:extLst>
           </p:cNvPr>
@@ -7130,7 +7128,7 @@
           <p:cNvPr id="11" name="TextBox 10">
             <a:extLst>
               <a:ext uri="{FF2B5EF4-FFF2-40B4-BE49-F238E27FC236}">
-                <a16:creationId xmlns="" xmlns:a16="http://schemas.microsoft.com/office/drawing/2014/main" id="{6E3ECCBA-B136-497A-B7BA-488E068633A6}"/>
+                <a16:creationId xmlns:a16="http://schemas.microsoft.com/office/drawing/2014/main" id="{6E3ECCBA-B136-497A-B7BA-488E068633A6}"/>
               </a:ext>
             </a:extLst>
           </p:cNvPr>
@@ -7168,7 +7166,7 @@
           <p:cNvPr id="12" name="TextBox 11">
             <a:extLst>
               <a:ext uri="{FF2B5EF4-FFF2-40B4-BE49-F238E27FC236}">
-                <a16:creationId xmlns="" xmlns:a16="http://schemas.microsoft.com/office/drawing/2014/main" id="{CBDC9A83-BEC9-40A1-BD9F-5B816901310B}"/>
+                <a16:creationId xmlns:a16="http://schemas.microsoft.com/office/drawing/2014/main" id="{CBDC9A83-BEC9-40A1-BD9F-5B816901310B}"/>
               </a:ext>
             </a:extLst>
           </p:cNvPr>
@@ -7299,7 +7297,7 @@
           <p:cNvPr id="6" name="TextBox 5">
             <a:extLst>
               <a:ext uri="{FF2B5EF4-FFF2-40B4-BE49-F238E27FC236}">
-                <a16:creationId xmlns="" xmlns:a16="http://schemas.microsoft.com/office/drawing/2014/main" id="{07EBE70C-D5B6-43DE-B0F6-9800C5538EAA}"/>
+                <a16:creationId xmlns:a16="http://schemas.microsoft.com/office/drawing/2014/main" id="{07EBE70C-D5B6-43DE-B0F6-9800C5538EAA}"/>
               </a:ext>
             </a:extLst>
           </p:cNvPr>
@@ -7506,7 +7504,7 @@
           <p:cNvPr id="2" name="Title 1">
             <a:extLst>
               <a:ext uri="{FF2B5EF4-FFF2-40B4-BE49-F238E27FC236}">
-                <a16:creationId xmlns="" xmlns:a16="http://schemas.microsoft.com/office/drawing/2014/main" id="{592CAA44-620F-424E-B63A-73F4980FED4A}"/>
+                <a16:creationId xmlns:a16="http://schemas.microsoft.com/office/drawing/2014/main" id="{592CAA44-620F-424E-B63A-73F4980FED4A}"/>
               </a:ext>
             </a:extLst>
           </p:cNvPr>
@@ -7534,7 +7532,7 @@
           <p:cNvPr id="3" name="Content Placeholder 2">
             <a:extLst>
               <a:ext uri="{FF2B5EF4-FFF2-40B4-BE49-F238E27FC236}">
-                <a16:creationId xmlns="" xmlns:a16="http://schemas.microsoft.com/office/drawing/2014/main" id="{DC16C8B1-6F35-4708-A480-D156E72C2059}"/>
+                <a16:creationId xmlns:a16="http://schemas.microsoft.com/office/drawing/2014/main" id="{DC16C8B1-6F35-4708-A480-D156E72C2059}"/>
               </a:ext>
             </a:extLst>
           </p:cNvPr>
@@ -8186,7 +8184,7 @@
           <p:cNvPr id="2050" name="Picture 2" descr="Free Pics Of Cartoon Racing Cars, Download Free Clip Art, Free ...">
             <a:extLst>
               <a:ext uri="{FF2B5EF4-FFF2-40B4-BE49-F238E27FC236}">
-                <a16:creationId xmlns="" xmlns:a16="http://schemas.microsoft.com/office/drawing/2014/main" id="{F35F1C1F-23C7-4284-A91C-0BE27E7B585F}"/>
+                <a16:creationId xmlns:a16="http://schemas.microsoft.com/office/drawing/2014/main" id="{F35F1C1F-23C7-4284-A91C-0BE27E7B585F}"/>
               </a:ext>
             </a:extLst>
           </p:cNvPr>
@@ -8233,7 +8231,7 @@
           <p:cNvPr id="8" name="TextBox 7">
             <a:extLst>
               <a:ext uri="{FF2B5EF4-FFF2-40B4-BE49-F238E27FC236}">
-                <a16:creationId xmlns="" xmlns:a16="http://schemas.microsoft.com/office/drawing/2014/main" id="{1BDC7152-FE73-4E74-B53B-4CFE452F845A}"/>
+                <a16:creationId xmlns:a16="http://schemas.microsoft.com/office/drawing/2014/main" id="{1BDC7152-FE73-4E74-B53B-4CFE452F845A}"/>
               </a:ext>
             </a:extLst>
           </p:cNvPr>
@@ -8276,7 +8274,7 @@
           <p:cNvPr id="12" name="TextBox 11">
             <a:extLst>
               <a:ext uri="{FF2B5EF4-FFF2-40B4-BE49-F238E27FC236}">
-                <a16:creationId xmlns="" xmlns:a16="http://schemas.microsoft.com/office/drawing/2014/main" id="{1E374C69-9F93-419E-8E45-1D1F95BA5D6C}"/>
+                <a16:creationId xmlns:a16="http://schemas.microsoft.com/office/drawing/2014/main" id="{1E374C69-9F93-419E-8E45-1D1F95BA5D6C}"/>
               </a:ext>
             </a:extLst>
           </p:cNvPr>
@@ -8430,7 +8428,7 @@
           <p:cNvPr id="4" name="TextBox 3">
             <a:extLst>
               <a:ext uri="{FF2B5EF4-FFF2-40B4-BE49-F238E27FC236}">
-                <a16:creationId xmlns="" xmlns:a16="http://schemas.microsoft.com/office/drawing/2014/main" id="{B64FBF32-BF22-4B55-B363-162950505515}"/>
+                <a16:creationId xmlns:a16="http://schemas.microsoft.com/office/drawing/2014/main" id="{B64FBF32-BF22-4B55-B363-162950505515}"/>
               </a:ext>
             </a:extLst>
           </p:cNvPr>
@@ -8468,7 +8466,7 @@
           <p:cNvPr id="5" name="TextBox 4">
             <a:extLst>
               <a:ext uri="{FF2B5EF4-FFF2-40B4-BE49-F238E27FC236}">
-                <a16:creationId xmlns="" xmlns:a16="http://schemas.microsoft.com/office/drawing/2014/main" id="{0BA9569A-3E7B-43DE-B5C6-26141F1D69C1}"/>
+                <a16:creationId xmlns:a16="http://schemas.microsoft.com/office/drawing/2014/main" id="{0BA9569A-3E7B-43DE-B5C6-26141F1D69C1}"/>
               </a:ext>
             </a:extLst>
           </p:cNvPr>
@@ -8503,7 +8501,7 @@
           <p:cNvPr id="15" name="TextBox 14">
             <a:extLst>
               <a:ext uri="{FF2B5EF4-FFF2-40B4-BE49-F238E27FC236}">
-                <a16:creationId xmlns="" xmlns:a16="http://schemas.microsoft.com/office/drawing/2014/main" id="{ED155C06-B0F6-4DD1-AD7B-A8D982AB0325}"/>
+                <a16:creationId xmlns:a16="http://schemas.microsoft.com/office/drawing/2014/main" id="{ED155C06-B0F6-4DD1-AD7B-A8D982AB0325}"/>
               </a:ext>
             </a:extLst>
           </p:cNvPr>
@@ -8729,7 +8727,7 @@
           <p:cNvPr id="5" name="Content Placeholder 2">
             <a:extLst>
               <a:ext uri="{FF2B5EF4-FFF2-40B4-BE49-F238E27FC236}">
-                <a16:creationId xmlns="" xmlns:a16="http://schemas.microsoft.com/office/drawing/2014/main" id="{BCC7E1DA-E73F-43E9-9CDD-B9DFF50DEEE5}"/>
+                <a16:creationId xmlns:a16="http://schemas.microsoft.com/office/drawing/2014/main" id="{BCC7E1DA-E73F-43E9-9CDD-B9DFF50DEEE5}"/>
               </a:ext>
             </a:extLst>
           </p:cNvPr>
@@ -8951,7 +8949,7 @@
           <p:cNvPr id="2" name="Title 1">
             <a:extLst>
               <a:ext uri="{FF2B5EF4-FFF2-40B4-BE49-F238E27FC236}">
-                <a16:creationId xmlns="" xmlns:a16="http://schemas.microsoft.com/office/drawing/2014/main" id="{70904815-F1A0-4F4F-A5B8-C2DE4818FF57}"/>
+                <a16:creationId xmlns:a16="http://schemas.microsoft.com/office/drawing/2014/main" id="{70904815-F1A0-4F4F-A5B8-C2DE4818FF57}"/>
               </a:ext>
             </a:extLst>
           </p:cNvPr>
@@ -8979,7 +8977,7 @@
           <p:cNvPr id="3" name="Content Placeholder 2">
             <a:extLst>
               <a:ext uri="{FF2B5EF4-FFF2-40B4-BE49-F238E27FC236}">
-                <a16:creationId xmlns="" xmlns:a16="http://schemas.microsoft.com/office/drawing/2014/main" id="{3D4C9766-C2C4-4751-83D9-84500638ED88}"/>
+                <a16:creationId xmlns:a16="http://schemas.microsoft.com/office/drawing/2014/main" id="{3D4C9766-C2C4-4751-83D9-84500638ED88}"/>
               </a:ext>
             </a:extLst>
           </p:cNvPr>
@@ -9081,7 +9079,7 @@
           <p:cNvPr id="7" name="TextBox 6">
             <a:extLst>
               <a:ext uri="{FF2B5EF4-FFF2-40B4-BE49-F238E27FC236}">
-                <a16:creationId xmlns="" xmlns:a16="http://schemas.microsoft.com/office/drawing/2014/main" id="{45D3E1A1-3CD4-467B-9ACA-EDBC121A7A10}"/>
+                <a16:creationId xmlns:a16="http://schemas.microsoft.com/office/drawing/2014/main" id="{45D3E1A1-3CD4-467B-9ACA-EDBC121A7A10}"/>
               </a:ext>
             </a:extLst>
           </p:cNvPr>
@@ -9232,7 +9230,7 @@
           <p:cNvPr id="2" name="Title 1">
             <a:extLst>
               <a:ext uri="{FF2B5EF4-FFF2-40B4-BE49-F238E27FC236}">
-                <a16:creationId xmlns="" xmlns:a16="http://schemas.microsoft.com/office/drawing/2014/main" id="{592CAA44-620F-424E-B63A-73F4980FED4A}"/>
+                <a16:creationId xmlns:a16="http://schemas.microsoft.com/office/drawing/2014/main" id="{592CAA44-620F-424E-B63A-73F4980FED4A}"/>
               </a:ext>
             </a:extLst>
           </p:cNvPr>
@@ -9260,7 +9258,7 @@
           <p:cNvPr id="3" name="Content Placeholder 2">
             <a:extLst>
               <a:ext uri="{FF2B5EF4-FFF2-40B4-BE49-F238E27FC236}">
-                <a16:creationId xmlns="" xmlns:a16="http://schemas.microsoft.com/office/drawing/2014/main" id="{DC16C8B1-6F35-4708-A480-D156E72C2059}"/>
+                <a16:creationId xmlns:a16="http://schemas.microsoft.com/office/drawing/2014/main" id="{DC16C8B1-6F35-4708-A480-D156E72C2059}"/>
               </a:ext>
             </a:extLst>
           </p:cNvPr>
@@ -9965,7 +9963,7 @@
           <p:cNvPr id="2050" name="Picture 2" descr="Free Pics Of Cartoon Racing Cars, Download Free Clip Art, Free ...">
             <a:extLst>
               <a:ext uri="{FF2B5EF4-FFF2-40B4-BE49-F238E27FC236}">
-                <a16:creationId xmlns="" xmlns:a16="http://schemas.microsoft.com/office/drawing/2014/main" id="{F35F1C1F-23C7-4284-A91C-0BE27E7B585F}"/>
+                <a16:creationId xmlns:a16="http://schemas.microsoft.com/office/drawing/2014/main" id="{F35F1C1F-23C7-4284-A91C-0BE27E7B585F}"/>
               </a:ext>
             </a:extLst>
           </p:cNvPr>
@@ -10012,7 +10010,7 @@
           <p:cNvPr id="8" name="TextBox 7">
             <a:extLst>
               <a:ext uri="{FF2B5EF4-FFF2-40B4-BE49-F238E27FC236}">
-                <a16:creationId xmlns="" xmlns:a16="http://schemas.microsoft.com/office/drawing/2014/main" id="{1BDC7152-FE73-4E74-B53B-4CFE452F845A}"/>
+                <a16:creationId xmlns:a16="http://schemas.microsoft.com/office/drawing/2014/main" id="{1BDC7152-FE73-4E74-B53B-4CFE452F845A}"/>
               </a:ext>
             </a:extLst>
           </p:cNvPr>
@@ -10055,7 +10053,7 @@
           <p:cNvPr id="12" name="TextBox 11">
             <a:extLst>
               <a:ext uri="{FF2B5EF4-FFF2-40B4-BE49-F238E27FC236}">
-                <a16:creationId xmlns="" xmlns:a16="http://schemas.microsoft.com/office/drawing/2014/main" id="{1E374C69-9F93-419E-8E45-1D1F95BA5D6C}"/>
+                <a16:creationId xmlns:a16="http://schemas.microsoft.com/office/drawing/2014/main" id="{1E374C69-9F93-419E-8E45-1D1F95BA5D6C}"/>
               </a:ext>
             </a:extLst>
           </p:cNvPr>
@@ -10221,7 +10219,7 @@
           <p:cNvPr id="4" name="TextBox 3">
             <a:extLst>
               <a:ext uri="{FF2B5EF4-FFF2-40B4-BE49-F238E27FC236}">
-                <a16:creationId xmlns="" xmlns:a16="http://schemas.microsoft.com/office/drawing/2014/main" id="{B64FBF32-BF22-4B55-B363-162950505515}"/>
+                <a16:creationId xmlns:a16="http://schemas.microsoft.com/office/drawing/2014/main" id="{B64FBF32-BF22-4B55-B363-162950505515}"/>
               </a:ext>
             </a:extLst>
           </p:cNvPr>
@@ -10367,7 +10365,7 @@
           <p:cNvPr id="2" name="Title 1">
             <a:extLst>
               <a:ext uri="{FF2B5EF4-FFF2-40B4-BE49-F238E27FC236}">
-                <a16:creationId xmlns="" xmlns:a16="http://schemas.microsoft.com/office/drawing/2014/main" id="{592CAA44-620F-424E-B63A-73F4980FED4A}"/>
+                <a16:creationId xmlns:a16="http://schemas.microsoft.com/office/drawing/2014/main" id="{592CAA44-620F-424E-B63A-73F4980FED4A}"/>
               </a:ext>
             </a:extLst>
           </p:cNvPr>
@@ -10395,7 +10393,7 @@
           <p:cNvPr id="3" name="Content Placeholder 2">
             <a:extLst>
               <a:ext uri="{FF2B5EF4-FFF2-40B4-BE49-F238E27FC236}">
-                <a16:creationId xmlns="" xmlns:a16="http://schemas.microsoft.com/office/drawing/2014/main" id="{DC16C8B1-6F35-4708-A480-D156E72C2059}"/>
+                <a16:creationId xmlns:a16="http://schemas.microsoft.com/office/drawing/2014/main" id="{DC16C8B1-6F35-4708-A480-D156E72C2059}"/>
               </a:ext>
             </a:extLst>
           </p:cNvPr>
@@ -11130,7 +11128,7 @@
           <p:cNvPr id="2050" name="Picture 2" descr="Free Pics Of Cartoon Racing Cars, Download Free Clip Art, Free ...">
             <a:extLst>
               <a:ext uri="{FF2B5EF4-FFF2-40B4-BE49-F238E27FC236}">
-                <a16:creationId xmlns="" xmlns:a16="http://schemas.microsoft.com/office/drawing/2014/main" id="{F35F1C1F-23C7-4284-A91C-0BE27E7B585F}"/>
+                <a16:creationId xmlns:a16="http://schemas.microsoft.com/office/drawing/2014/main" id="{F35F1C1F-23C7-4284-A91C-0BE27E7B585F}"/>
               </a:ext>
             </a:extLst>
           </p:cNvPr>
@@ -11177,7 +11175,7 @@
           <p:cNvPr id="8" name="TextBox 7">
             <a:extLst>
               <a:ext uri="{FF2B5EF4-FFF2-40B4-BE49-F238E27FC236}">
-                <a16:creationId xmlns="" xmlns:a16="http://schemas.microsoft.com/office/drawing/2014/main" id="{1BDC7152-FE73-4E74-B53B-4CFE452F845A}"/>
+                <a16:creationId xmlns:a16="http://schemas.microsoft.com/office/drawing/2014/main" id="{1BDC7152-FE73-4E74-B53B-4CFE452F845A}"/>
               </a:ext>
             </a:extLst>
           </p:cNvPr>
@@ -11220,7 +11218,7 @@
           <p:cNvPr id="7" name="TextBox 6">
             <a:extLst>
               <a:ext uri="{FF2B5EF4-FFF2-40B4-BE49-F238E27FC236}">
-                <a16:creationId xmlns="" xmlns:a16="http://schemas.microsoft.com/office/drawing/2014/main" id="{DDBC14CF-2F49-4230-9A87-F1E1C767A0BF}"/>
+                <a16:creationId xmlns:a16="http://schemas.microsoft.com/office/drawing/2014/main" id="{DDBC14CF-2F49-4230-9A87-F1E1C767A0BF}"/>
               </a:ext>
             </a:extLst>
           </p:cNvPr>
@@ -11255,7 +11253,7 @@
           <p:cNvPr id="10" name="TextBox 9">
             <a:extLst>
               <a:ext uri="{FF2B5EF4-FFF2-40B4-BE49-F238E27FC236}">
-                <a16:creationId xmlns="" xmlns:a16="http://schemas.microsoft.com/office/drawing/2014/main" id="{D9691FDC-BCD1-4CA2-804A-31942D4042C9}"/>
+                <a16:creationId xmlns:a16="http://schemas.microsoft.com/office/drawing/2014/main" id="{D9691FDC-BCD1-4CA2-804A-31942D4042C9}"/>
               </a:ext>
             </a:extLst>
           </p:cNvPr>
@@ -11290,7 +11288,7 @@
           <p:cNvPr id="11" name="TextBox 10">
             <a:extLst>
               <a:ext uri="{FF2B5EF4-FFF2-40B4-BE49-F238E27FC236}">
-                <a16:creationId xmlns="" xmlns:a16="http://schemas.microsoft.com/office/drawing/2014/main" id="{0B9F28CB-A435-4995-94BD-C757EF19FA6D}"/>
+                <a16:creationId xmlns:a16="http://schemas.microsoft.com/office/drawing/2014/main" id="{0B9F28CB-A435-4995-94BD-C757EF19FA6D}"/>
               </a:ext>
             </a:extLst>
           </p:cNvPr>
@@ -11329,7 +11327,7 @@
           <p:cNvPr id="16" name="Straight Arrow Connector 15">
             <a:extLst>
               <a:ext uri="{FF2B5EF4-FFF2-40B4-BE49-F238E27FC236}">
-                <a16:creationId xmlns="" xmlns:a16="http://schemas.microsoft.com/office/drawing/2014/main" id="{78B0DB36-647F-42CC-A223-82910B6D71D2}"/>
+                <a16:creationId xmlns:a16="http://schemas.microsoft.com/office/drawing/2014/main" id="{78B0DB36-647F-42CC-A223-82910B6D71D2}"/>
               </a:ext>
             </a:extLst>
           </p:cNvPr>
@@ -11371,7 +11369,7 @@
           <p:cNvPr id="17" name="Straight Arrow Connector 16">
             <a:extLst>
               <a:ext uri="{FF2B5EF4-FFF2-40B4-BE49-F238E27FC236}">
-                <a16:creationId xmlns="" xmlns:a16="http://schemas.microsoft.com/office/drawing/2014/main" id="{5B7D6275-693C-4A0A-8EAF-B93D224E15D3}"/>
+                <a16:creationId xmlns:a16="http://schemas.microsoft.com/office/drawing/2014/main" id="{5B7D6275-693C-4A0A-8EAF-B93D224E15D3}"/>
               </a:ext>
             </a:extLst>
           </p:cNvPr>
@@ -11413,7 +11411,7 @@
           <p:cNvPr id="2051" name="Straight Arrow Connector 2050">
             <a:extLst>
               <a:ext uri="{FF2B5EF4-FFF2-40B4-BE49-F238E27FC236}">
-                <a16:creationId xmlns="" xmlns:a16="http://schemas.microsoft.com/office/drawing/2014/main" id="{F1CD4E36-A319-4EC5-89D1-71952883CECA}"/>
+                <a16:creationId xmlns:a16="http://schemas.microsoft.com/office/drawing/2014/main" id="{F1CD4E36-A319-4EC5-89D1-71952883CECA}"/>
               </a:ext>
             </a:extLst>
           </p:cNvPr>
@@ -11736,7 +11734,7 @@
           <p:cNvPr id="2" name="Title 1">
             <a:extLst>
               <a:ext uri="{FF2B5EF4-FFF2-40B4-BE49-F238E27FC236}">
-                <a16:creationId xmlns="" xmlns:a16="http://schemas.microsoft.com/office/drawing/2014/main" id="{592CAA44-620F-424E-B63A-73F4980FED4A}"/>
+                <a16:creationId xmlns:a16="http://schemas.microsoft.com/office/drawing/2014/main" id="{592CAA44-620F-424E-B63A-73F4980FED4A}"/>
               </a:ext>
             </a:extLst>
           </p:cNvPr>
@@ -11764,7 +11762,7 @@
           <p:cNvPr id="3" name="Content Placeholder 2">
             <a:extLst>
               <a:ext uri="{FF2B5EF4-FFF2-40B4-BE49-F238E27FC236}">
-                <a16:creationId xmlns="" xmlns:a16="http://schemas.microsoft.com/office/drawing/2014/main" id="{DC16C8B1-6F35-4708-A480-D156E72C2059}"/>
+                <a16:creationId xmlns:a16="http://schemas.microsoft.com/office/drawing/2014/main" id="{DC16C8B1-6F35-4708-A480-D156E72C2059}"/>
               </a:ext>
             </a:extLst>
           </p:cNvPr>
@@ -12499,7 +12497,7 @@
           <p:cNvPr id="2050" name="Picture 2" descr="Free Pics Of Cartoon Racing Cars, Download Free Clip Art, Free ...">
             <a:extLst>
               <a:ext uri="{FF2B5EF4-FFF2-40B4-BE49-F238E27FC236}">
-                <a16:creationId xmlns="" xmlns:a16="http://schemas.microsoft.com/office/drawing/2014/main" id="{F35F1C1F-23C7-4284-A91C-0BE27E7B585F}"/>
+                <a16:creationId xmlns:a16="http://schemas.microsoft.com/office/drawing/2014/main" id="{F35F1C1F-23C7-4284-A91C-0BE27E7B585F}"/>
               </a:ext>
             </a:extLst>
           </p:cNvPr>
@@ -12546,7 +12544,7 @@
           <p:cNvPr id="8" name="TextBox 7">
             <a:extLst>
               <a:ext uri="{FF2B5EF4-FFF2-40B4-BE49-F238E27FC236}">
-                <a16:creationId xmlns="" xmlns:a16="http://schemas.microsoft.com/office/drawing/2014/main" id="{1BDC7152-FE73-4E74-B53B-4CFE452F845A}"/>
+                <a16:creationId xmlns:a16="http://schemas.microsoft.com/office/drawing/2014/main" id="{1BDC7152-FE73-4E74-B53B-4CFE452F845A}"/>
               </a:ext>
             </a:extLst>
           </p:cNvPr>
@@ -12589,7 +12587,7 @@
           <p:cNvPr id="12" name="TextBox 11">
             <a:extLst>
               <a:ext uri="{FF2B5EF4-FFF2-40B4-BE49-F238E27FC236}">
-                <a16:creationId xmlns="" xmlns:a16="http://schemas.microsoft.com/office/drawing/2014/main" id="{1E374C69-9F93-419E-8E45-1D1F95BA5D6C}"/>
+                <a16:creationId xmlns:a16="http://schemas.microsoft.com/office/drawing/2014/main" id="{1E374C69-9F93-419E-8E45-1D1F95BA5D6C}"/>
               </a:ext>
             </a:extLst>
           </p:cNvPr>
@@ -12755,7 +12753,7 @@
           <p:cNvPr id="4" name="TextBox 3">
             <a:extLst>
               <a:ext uri="{FF2B5EF4-FFF2-40B4-BE49-F238E27FC236}">
-                <a16:creationId xmlns="" xmlns:a16="http://schemas.microsoft.com/office/drawing/2014/main" id="{B64FBF32-BF22-4B55-B363-162950505515}"/>
+                <a16:creationId xmlns:a16="http://schemas.microsoft.com/office/drawing/2014/main" id="{B64FBF32-BF22-4B55-B363-162950505515}"/>
               </a:ext>
             </a:extLst>
           </p:cNvPr>
@@ -12901,7 +12899,7 @@
           <p:cNvPr id="2" name="Title 1">
             <a:extLst>
               <a:ext uri="{FF2B5EF4-FFF2-40B4-BE49-F238E27FC236}">
-                <a16:creationId xmlns="" xmlns:a16="http://schemas.microsoft.com/office/drawing/2014/main" id="{70904815-F1A0-4F4F-A5B8-C2DE4818FF57}"/>
+                <a16:creationId xmlns:a16="http://schemas.microsoft.com/office/drawing/2014/main" id="{70904815-F1A0-4F4F-A5B8-C2DE4818FF57}"/>
               </a:ext>
             </a:extLst>
           </p:cNvPr>
@@ -12929,7 +12927,7 @@
           <p:cNvPr id="7" name="TextBox 6">
             <a:extLst>
               <a:ext uri="{FF2B5EF4-FFF2-40B4-BE49-F238E27FC236}">
-                <a16:creationId xmlns="" xmlns:a16="http://schemas.microsoft.com/office/drawing/2014/main" id="{45D3E1A1-3CD4-467B-9ACA-EDBC121A7A10}"/>
+                <a16:creationId xmlns:a16="http://schemas.microsoft.com/office/drawing/2014/main" id="{45D3E1A1-3CD4-467B-9ACA-EDBC121A7A10}"/>
               </a:ext>
             </a:extLst>
           </p:cNvPr>
@@ -12972,7 +12970,7 @@
           <p:cNvPr id="6" name="Content Placeholder 2">
             <a:extLst>
               <a:ext uri="{FF2B5EF4-FFF2-40B4-BE49-F238E27FC236}">
-                <a16:creationId xmlns="" xmlns:a16="http://schemas.microsoft.com/office/drawing/2014/main" id="{9329644F-6E88-4B41-9FBD-57A25A5C1E41}"/>
+                <a16:creationId xmlns:a16="http://schemas.microsoft.com/office/drawing/2014/main" id="{9329644F-6E88-4B41-9FBD-57A25A5C1E41}"/>
               </a:ext>
             </a:extLst>
           </p:cNvPr>
@@ -13244,7 +13242,7 @@
           <p:cNvPr id="3" name="Content Placeholder 2">
             <a:extLst>
               <a:ext uri="{FF2B5EF4-FFF2-40B4-BE49-F238E27FC236}">
-                <a16:creationId xmlns="" xmlns:a16="http://schemas.microsoft.com/office/drawing/2014/main" id="{3D4C9766-C2C4-4751-83D9-84500638ED88}"/>
+                <a16:creationId xmlns:a16="http://schemas.microsoft.com/office/drawing/2014/main" id="{3D4C9766-C2C4-4751-83D9-84500638ED88}"/>
               </a:ext>
             </a:extLst>
           </p:cNvPr>
@@ -13522,23 +13520,7 @@
                 <a:ea typeface="Times New Roman" charset="0"/>
                 <a:cs typeface="Times New Roman" charset="0"/>
               </a:rPr>
-              <a:t>CC </a:t>
-            </a:r>
-            <a:r>
-              <a:rPr lang="en-US" sz="2800" dirty="0">
-                <a:latin typeface="Times New Roman" charset="0"/>
-                <a:ea typeface="Times New Roman" charset="0"/>
-                <a:cs typeface="Times New Roman" charset="0"/>
-              </a:rPr>
-              <a:t>BY-SA </a:t>
-            </a:r>
-            <a:r>
-              <a:rPr lang="en-US" sz="2800" dirty="0">
-                <a:latin typeface="Times New Roman" charset="0"/>
-                <a:ea typeface="Times New Roman" charset="0"/>
-                <a:cs typeface="Times New Roman" charset="0"/>
-              </a:rPr>
-              <a:t>4.0. To view a copy of this license, visit </a:t>
+              <a:t>CC BY-SA 4.0. To view a copy of this license, visit </a:t>
             </a:r>
             <a:r>
               <a:rPr lang="en-US" sz="2800" dirty="0">
@@ -13547,24 +13529,7 @@
                 <a:cs typeface="Times New Roman" charset="0"/>
                 <a:hlinkClick r:id="rId2"/>
               </a:rPr>
-              <a:t>https://</a:t>
-            </a:r>
-            <a:r>
-              <a:rPr lang="en-US" sz="2800" dirty="0">
-                <a:latin typeface="Times New Roman" charset="0"/>
-                <a:ea typeface="Times New Roman" charset="0"/>
-                <a:cs typeface="Times New Roman" charset="0"/>
-                <a:hlinkClick r:id="rId2"/>
-              </a:rPr>
-              <a:t>creativecommons.org/licenses/by-sa/4.0</a:t>
-            </a:r>
-            <a:r>
-              <a:rPr lang="en-US" sz="2800" dirty="0">
-                <a:latin typeface="Times New Roman" charset="0"/>
-                <a:ea typeface="Times New Roman" charset="0"/>
-                <a:cs typeface="Times New Roman" charset="0"/>
-              </a:rPr>
-              <a:t/>
+              <a:t>https://creativecommons.org/licenses/by-sa/4.0</a:t>
             </a:r>
             <a:br>
               <a:rPr lang="en-US" sz="2800" dirty="0">
@@ -13573,14 +13538,6 @@
                 <a:cs typeface="Times New Roman" charset="0"/>
               </a:rPr>
             </a:br>
-            <a:r>
-              <a:rPr lang="en-US" sz="2800" dirty="0">
-                <a:latin typeface="Times New Roman" charset="0"/>
-                <a:ea typeface="Times New Roman" charset="0"/>
-                <a:cs typeface="Times New Roman" charset="0"/>
-              </a:rPr>
-              <a:t/>
-            </a:r>
             <a:br>
               <a:rPr lang="en-US" sz="2800" dirty="0">
                 <a:latin typeface="Times New Roman" charset="0"/>
@@ -13605,14 +13562,6 @@
               </a:rPr>
               <a:t>http://shodor.org/petascale/materials/semester-curriculum</a:t>
             </a:r>
-            <a:r>
-              <a:rPr lang="en-US" sz="2800" dirty="0">
-                <a:latin typeface="Times New Roman" charset="0"/>
-                <a:ea typeface="Times New Roman" charset="0"/>
-                <a:cs typeface="Times New Roman" charset="0"/>
-              </a:rPr>
-              <a:t/>
-            </a:r>
             <a:br>
               <a:rPr lang="en-US" sz="2800" dirty="0">
                 <a:latin typeface="Times New Roman" charset="0"/>
@@ -13620,14 +13569,6 @@
                 <a:cs typeface="Times New Roman" charset="0"/>
               </a:rPr>
             </a:br>
-            <a:r>
-              <a:rPr lang="en-US" sz="2800" dirty="0">
-                <a:latin typeface="Times New Roman" charset="0"/>
-                <a:ea typeface="Times New Roman" charset="0"/>
-                <a:cs typeface="Times New Roman" charset="0"/>
-              </a:rPr>
-              <a:t/>
-            </a:r>
             <a:br>
               <a:rPr lang="en-US" sz="2800" dirty="0">
                 <a:latin typeface="Times New Roman" charset="0"/>
@@ -13652,14 +13593,6 @@
               </a:rPr>
               <a:t>https://github.com/shodor-education/petascale-semester-curriculum</a:t>
             </a:r>
-            <a:r>
-              <a:rPr lang="en-US" sz="2800" dirty="0">
-                <a:latin typeface="Times New Roman" charset="0"/>
-                <a:ea typeface="Times New Roman" charset="0"/>
-                <a:cs typeface="Times New Roman" charset="0"/>
-              </a:rPr>
-              <a:t/>
-            </a:r>
             <a:br>
               <a:rPr lang="en-US" sz="2800" dirty="0">
                 <a:latin typeface="Times New Roman" charset="0"/>
@@ -13667,14 +13600,6 @@
                 <a:cs typeface="Times New Roman" charset="0"/>
               </a:rPr>
             </a:br>
-            <a:r>
-              <a:rPr lang="en-US" sz="2800" dirty="0">
-                <a:latin typeface="Times New Roman" charset="0"/>
-                <a:ea typeface="Times New Roman" charset="0"/>
-                <a:cs typeface="Times New Roman" charset="0"/>
-              </a:rPr>
-              <a:t/>
-            </a:r>
             <a:br>
               <a:rPr lang="en-US" sz="2800" dirty="0">
                 <a:latin typeface="Times New Roman" charset="0"/>
@@ -13742,7 +13667,7 @@
           <p:cNvPr id="2" name="Title 1">
             <a:extLst>
               <a:ext uri="{FF2B5EF4-FFF2-40B4-BE49-F238E27FC236}">
-                <a16:creationId xmlns="" xmlns:a16="http://schemas.microsoft.com/office/drawing/2014/main" id="{93B28380-1F17-439D-AF38-4B364D7FF482}"/>
+                <a16:creationId xmlns:a16="http://schemas.microsoft.com/office/drawing/2014/main" id="{93B28380-1F17-439D-AF38-4B364D7FF482}"/>
               </a:ext>
             </a:extLst>
           </p:cNvPr>
@@ -13770,7 +13695,7 @@
           <p:cNvPr id="3" name="Content Placeholder 2">
             <a:extLst>
               <a:ext uri="{FF2B5EF4-FFF2-40B4-BE49-F238E27FC236}">
-                <a16:creationId xmlns="" xmlns:a16="http://schemas.microsoft.com/office/drawing/2014/main" id="{8B15E247-A381-4B87-B5E3-58228EC599A4}"/>
+                <a16:creationId xmlns:a16="http://schemas.microsoft.com/office/drawing/2014/main" id="{8B15E247-A381-4B87-B5E3-58228EC599A4}"/>
               </a:ext>
             </a:extLst>
           </p:cNvPr>
@@ -14034,7 +13959,7 @@
           <p:cNvPr id="2" name="Title 1">
             <a:extLst>
               <a:ext uri="{FF2B5EF4-FFF2-40B4-BE49-F238E27FC236}">
-                <a16:creationId xmlns="" xmlns:a16="http://schemas.microsoft.com/office/drawing/2014/main" id="{BA333CC6-00FB-4C6E-8ABE-7476617E5D17}"/>
+                <a16:creationId xmlns:a16="http://schemas.microsoft.com/office/drawing/2014/main" id="{BA333CC6-00FB-4C6E-8ABE-7476617E5D17}"/>
               </a:ext>
             </a:extLst>
           </p:cNvPr>
@@ -14062,7 +13987,7 @@
           <p:cNvPr id="3" name="Content Placeholder 2">
             <a:extLst>
               <a:ext uri="{FF2B5EF4-FFF2-40B4-BE49-F238E27FC236}">
-                <a16:creationId xmlns="" xmlns:a16="http://schemas.microsoft.com/office/drawing/2014/main" id="{2C64C208-604D-44AD-9A1F-1798FD824BDB}"/>
+                <a16:creationId xmlns:a16="http://schemas.microsoft.com/office/drawing/2014/main" id="{2C64C208-604D-44AD-9A1F-1798FD824BDB}"/>
               </a:ext>
             </a:extLst>
           </p:cNvPr>
@@ -14122,7 +14047,7 @@
           <p:cNvPr id="5" name="Picture 4">
             <a:extLst>
               <a:ext uri="{FF2B5EF4-FFF2-40B4-BE49-F238E27FC236}">
-                <a16:creationId xmlns="" xmlns:a16="http://schemas.microsoft.com/office/drawing/2014/main" id="{124673EA-998A-4B43-A246-E1F20D3E6F1D}"/>
+                <a16:creationId xmlns:a16="http://schemas.microsoft.com/office/drawing/2014/main" id="{124673EA-998A-4B43-A246-E1F20D3E6F1D}"/>
               </a:ext>
             </a:extLst>
           </p:cNvPr>
@@ -14152,7 +14077,7 @@
           <p:cNvPr id="7" name="TextBox 6">
             <a:extLst>
               <a:ext uri="{FF2B5EF4-FFF2-40B4-BE49-F238E27FC236}">
-                <a16:creationId xmlns="" xmlns:a16="http://schemas.microsoft.com/office/drawing/2014/main" id="{244AF764-1785-43B4-8831-862BF106562B}"/>
+                <a16:creationId xmlns:a16="http://schemas.microsoft.com/office/drawing/2014/main" id="{244AF764-1785-43B4-8831-862BF106562B}"/>
               </a:ext>
             </a:extLst>
           </p:cNvPr>
@@ -14228,7 +14153,7 @@
           <p:cNvPr id="9" name="TextBox 8">
             <a:extLst>
               <a:ext uri="{FF2B5EF4-FFF2-40B4-BE49-F238E27FC236}">
-                <a16:creationId xmlns="" xmlns:a16="http://schemas.microsoft.com/office/drawing/2014/main" id="{3823660B-6369-4260-9CDF-F92DD8574EC6}"/>
+                <a16:creationId xmlns:a16="http://schemas.microsoft.com/office/drawing/2014/main" id="{3823660B-6369-4260-9CDF-F92DD8574EC6}"/>
               </a:ext>
             </a:extLst>
           </p:cNvPr>
@@ -14266,7 +14191,7 @@
           <p:cNvPr id="11" name="TextBox 10">
             <a:extLst>
               <a:ext uri="{FF2B5EF4-FFF2-40B4-BE49-F238E27FC236}">
-                <a16:creationId xmlns="" xmlns:a16="http://schemas.microsoft.com/office/drawing/2014/main" id="{1C15675B-E7CC-420B-9A3B-A729634048E2}"/>
+                <a16:creationId xmlns:a16="http://schemas.microsoft.com/office/drawing/2014/main" id="{1C15675B-E7CC-420B-9A3B-A729634048E2}"/>
               </a:ext>
             </a:extLst>
           </p:cNvPr>
@@ -14502,7 +14427,7 @@
           <p:cNvPr id="16" name="Group 15">
             <a:extLst>
               <a:ext uri="{FF2B5EF4-FFF2-40B4-BE49-F238E27FC236}">
-                <a16:creationId xmlns="" xmlns:a16="http://schemas.microsoft.com/office/drawing/2014/main" id="{EFAF59DE-0BE8-4237-B5C4-58E0B21906E8}"/>
+                <a16:creationId xmlns:a16="http://schemas.microsoft.com/office/drawing/2014/main" id="{EFAF59DE-0BE8-4237-B5C4-58E0B21906E8}"/>
               </a:ext>
             </a:extLst>
           </p:cNvPr>
@@ -14524,7 +14449,7 @@
                 <p:cNvPr id="13" name="TextBox 12">
                   <a:extLst>
                     <a:ext uri="{FF2B5EF4-FFF2-40B4-BE49-F238E27FC236}">
-                      <a16:creationId xmlns="" xmlns:a16="http://schemas.microsoft.com/office/drawing/2014/main" id="{F91E7FE0-E2C4-489A-8965-44D8C7D33FE7}"/>
+                      <a16:creationId xmlns:a16="http://schemas.microsoft.com/office/drawing/2014/main" id="{F91E7FE0-E2C4-489A-8965-44D8C7D33FE7}"/>
                     </a:ext>
                   </a:extLst>
                 </p:cNvPr>
@@ -14569,7 +14494,7 @@
                           <m:dPr>
                             <m:ctrlPr>
                               <a:rPr lang="en-US" b="0" i="1" smtClean="0">
-                                <a:latin typeface="Cambria Math" charset="0"/>
+                                <a:latin typeface="Cambria Math" panose="02040503050406030204" pitchFamily="18" charset="0"/>
                               </a:rPr>
                             </m:ctrlPr>
                           </m:dPr>
@@ -14600,7 +14525,7 @@
                             <m:endChr m:val="]"/>
                             <m:ctrlPr>
                               <a:rPr lang="en-US" b="0" i="1" smtClean="0">
-                                <a:latin typeface="Cambria Math" charset="0"/>
+                                <a:latin typeface="Cambria Math" panose="02040503050406030204" pitchFamily="18" charset="0"/>
                               </a:rPr>
                             </m:ctrlPr>
                           </m:dPr>
@@ -14720,7 +14645,7 @@
                 <p:cNvPr id="15" name="TextBox 14">
                   <a:extLst>
                     <a:ext uri="{FF2B5EF4-FFF2-40B4-BE49-F238E27FC236}">
-                      <a16:creationId xmlns="" xmlns:a16="http://schemas.microsoft.com/office/drawing/2014/main" id="{ED24963B-05BF-4B51-A316-1E3544C8B528}"/>
+                      <a16:creationId xmlns:a16="http://schemas.microsoft.com/office/drawing/2014/main" id="{ED24963B-05BF-4B51-A316-1E3544C8B528}"/>
                     </a:ext>
                   </a:extLst>
                 </p:cNvPr>
@@ -14754,7 +14679,7 @@
                         <m:sSupPr>
                           <m:ctrlPr>
                             <a:rPr lang="en-US" b="1" i="1" smtClean="0">
-                              <a:latin typeface="Cambria Math" charset="0"/>
+                              <a:latin typeface="Cambria Math" panose="02040503050406030204" pitchFamily="18" charset="0"/>
                             </a:rPr>
                           </m:ctrlPr>
                         </m:sSupPr>
@@ -14866,7 +14791,7 @@
           <p:cNvPr id="2" name="Title 1">
             <a:extLst>
               <a:ext uri="{FF2B5EF4-FFF2-40B4-BE49-F238E27FC236}">
-                <a16:creationId xmlns="" xmlns:a16="http://schemas.microsoft.com/office/drawing/2014/main" id="{5875D87E-3CB5-4623-B7C1-6E2AA7AB073D}"/>
+                <a16:creationId xmlns:a16="http://schemas.microsoft.com/office/drawing/2014/main" id="{5875D87E-3CB5-4623-B7C1-6E2AA7AB073D}"/>
               </a:ext>
             </a:extLst>
           </p:cNvPr>
@@ -14894,7 +14819,7 @@
           <p:cNvPr id="3" name="Content Placeholder 2">
             <a:extLst>
               <a:ext uri="{FF2B5EF4-FFF2-40B4-BE49-F238E27FC236}">
-                <a16:creationId xmlns="" xmlns:a16="http://schemas.microsoft.com/office/drawing/2014/main" id="{62EF5840-D24D-4648-8DCE-253793B85F67}"/>
+                <a16:creationId xmlns:a16="http://schemas.microsoft.com/office/drawing/2014/main" id="{62EF5840-D24D-4648-8DCE-253793B85F67}"/>
               </a:ext>
             </a:extLst>
           </p:cNvPr>
@@ -15793,7 +15718,7 @@
           <p:cNvPr id="2" name="Title 1">
             <a:extLst>
               <a:ext uri="{FF2B5EF4-FFF2-40B4-BE49-F238E27FC236}">
-                <a16:creationId xmlns="" xmlns:a16="http://schemas.microsoft.com/office/drawing/2014/main" id="{22BE2165-4AAD-4C68-9EFF-572560183C3B}"/>
+                <a16:creationId xmlns:a16="http://schemas.microsoft.com/office/drawing/2014/main" id="{22BE2165-4AAD-4C68-9EFF-572560183C3B}"/>
               </a:ext>
             </a:extLst>
           </p:cNvPr>
@@ -15821,7 +15746,7 @@
           <p:cNvPr id="3" name="Content Placeholder 2">
             <a:extLst>
               <a:ext uri="{FF2B5EF4-FFF2-40B4-BE49-F238E27FC236}">
-                <a16:creationId xmlns="" xmlns:a16="http://schemas.microsoft.com/office/drawing/2014/main" id="{C9A6E81F-5A0B-4893-9836-DEFD0BF77FCD}"/>
+                <a16:creationId xmlns:a16="http://schemas.microsoft.com/office/drawing/2014/main" id="{C9A6E81F-5A0B-4893-9836-DEFD0BF77FCD}"/>
               </a:ext>
             </a:extLst>
           </p:cNvPr>
@@ -16793,7 +16718,7 @@
           <p:cNvPr id="2" name="Title 1">
             <a:extLst>
               <a:ext uri="{FF2B5EF4-FFF2-40B4-BE49-F238E27FC236}">
-                <a16:creationId xmlns="" xmlns:a16="http://schemas.microsoft.com/office/drawing/2014/main" id="{B1FEBA2E-3D38-4F8F-83CA-CC8EC4CF3FF2}"/>
+                <a16:creationId xmlns:a16="http://schemas.microsoft.com/office/drawing/2014/main" id="{B1FEBA2E-3D38-4F8F-83CA-CC8EC4CF3FF2}"/>
               </a:ext>
             </a:extLst>
           </p:cNvPr>
@@ -16823,7 +16748,7 @@
               <p:cNvPr id="60" name="TextBox 59">
                 <a:extLst>
                   <a:ext uri="{FF2B5EF4-FFF2-40B4-BE49-F238E27FC236}">
-                    <a16:creationId xmlns="" xmlns:a16="http://schemas.microsoft.com/office/drawing/2014/main" id="{9B649F61-024B-4871-A501-DAB5F379083E}"/>
+                    <a16:creationId xmlns:a16="http://schemas.microsoft.com/office/drawing/2014/main" id="{9B649F61-024B-4871-A501-DAB5F379083E}"/>
                   </a:ext>
                 </a:extLst>
               </p:cNvPr>
@@ -16857,7 +16782,7 @@
                         <m:fPr>
                           <m:ctrlPr>
                             <a:rPr lang="en-US" b="0" i="1" smtClean="0">
-                              <a:latin typeface="Cambria Math" charset="0"/>
+                              <a:latin typeface="Cambria Math" panose="02040503050406030204" pitchFamily="18" charset="0"/>
                             </a:rPr>
                           </m:ctrlPr>
                         </m:fPr>
@@ -16866,7 +16791,7 @@
                             <m:funcPr>
                               <m:ctrlPr>
                                 <a:rPr lang="en-US" b="0" i="1" smtClean="0">
-                                  <a:latin typeface="Cambria Math" charset="0"/>
+                                  <a:latin typeface="Cambria Math" panose="02040503050406030204" pitchFamily="18" charset="0"/>
                                 </a:rPr>
                               </m:ctrlPr>
                             </m:funcPr>
@@ -16875,7 +16800,7 @@
                                 <m:limLowPr>
                                   <m:ctrlPr>
                                     <a:rPr lang="en-US" b="0" i="1" smtClean="0">
-                                      <a:latin typeface="Cambria Math" charset="0"/>
+                                      <a:latin typeface="Cambria Math" panose="02040503050406030204" pitchFamily="18" charset="0"/>
                                     </a:rPr>
                                   </m:ctrlPr>
                                 </m:limLowPr>
@@ -16913,7 +16838,7 @@
                                   <m:supHide m:val="on"/>
                                   <m:ctrlPr>
                                     <a:rPr lang="en-US" b="0" i="1" smtClean="0">
-                                      <a:latin typeface="Cambria Math" charset="0"/>
+                                      <a:latin typeface="Cambria Math" panose="02040503050406030204" pitchFamily="18" charset="0"/>
                                     </a:rPr>
                                   </m:ctrlPr>
                                 </m:naryPr>
@@ -16967,7 +16892,7 @@
                             <m:sSupPr>
                               <m:ctrlPr>
                                 <a:rPr lang="en-US" b="0" i="1" smtClean="0">
-                                  <a:latin typeface="Cambria Math" charset="0"/>
+                                  <a:latin typeface="Cambria Math" panose="02040503050406030204" pitchFamily="18" charset="0"/>
                                 </a:rPr>
                               </m:ctrlPr>
                             </m:sSupPr>
@@ -17046,7 +16971,7 @@
                         <m:sSupPr>
                           <m:ctrlPr>
                             <a:rPr lang="en-US" b="0" i="1" smtClean="0">
-                              <a:latin typeface="Cambria Math" charset="0"/>
+                              <a:latin typeface="Cambria Math" panose="02040503050406030204" pitchFamily="18" charset="0"/>
                             </a:rPr>
                           </m:ctrlPr>
                         </m:sSupPr>
@@ -17055,7 +16980,7 @@
                             <m:dPr>
                               <m:ctrlPr>
                                 <a:rPr lang="en-US" b="0" i="1" smtClean="0">
-                                  <a:latin typeface="Cambria Math" charset="0"/>
+                                  <a:latin typeface="Cambria Math" panose="02040503050406030204" pitchFamily="18" charset="0"/>
                                 </a:rPr>
                               </m:ctrlPr>
                             </m:dPr>
@@ -17064,7 +16989,7 @@
                                 <m:sSupPr>
                                   <m:ctrlPr>
                                     <a:rPr lang="en-US" b="0" i="1" smtClean="0">
-                                      <a:latin typeface="Cambria Math" charset="0"/>
+                                      <a:latin typeface="Cambria Math" panose="02040503050406030204" pitchFamily="18" charset="0"/>
                                     </a:rPr>
                                   </m:ctrlPr>
                                 </m:sSupPr>
@@ -17101,7 +17026,7 @@
                                 <m:sSupPr>
                                   <m:ctrlPr>
                                     <a:rPr lang="en-US" b="0" i="1" smtClean="0">
-                                      <a:latin typeface="Cambria Math" charset="0"/>
+                                      <a:latin typeface="Cambria Math" panose="02040503050406030204" pitchFamily="18" charset="0"/>
                                     </a:rPr>
                                   </m:ctrlPr>
                                 </m:sSupPr>
@@ -17112,7 +17037,7 @@
                                       <m:endChr m:val="]"/>
                                       <m:ctrlPr>
                                         <a:rPr lang="en-US" b="0" i="1" smtClean="0">
-                                          <a:latin typeface="Cambria Math" charset="0"/>
+                                          <a:latin typeface="Cambria Math" panose="02040503050406030204" pitchFamily="18" charset="0"/>
                                         </a:rPr>
                                       </m:ctrlPr>
                                     </m:dPr>
@@ -17205,7 +17130,7 @@
           <p:cNvPr id="132" name="Group 131">
             <a:extLst>
               <a:ext uri="{FF2B5EF4-FFF2-40B4-BE49-F238E27FC236}">
-                <a16:creationId xmlns="" xmlns:a16="http://schemas.microsoft.com/office/drawing/2014/main" id="{21342704-971B-4C73-A0BC-30236C833EEB}"/>
+                <a16:creationId xmlns:a16="http://schemas.microsoft.com/office/drawing/2014/main" id="{21342704-971B-4C73-A0BC-30236C833EEB}"/>
               </a:ext>
             </a:extLst>
           </p:cNvPr>
@@ -17227,7 +17152,7 @@
             <p:cNvPr id="133" name="Group 132">
               <a:extLst>
                 <a:ext uri="{FF2B5EF4-FFF2-40B4-BE49-F238E27FC236}">
-                  <a16:creationId xmlns="" xmlns:a16="http://schemas.microsoft.com/office/drawing/2014/main" id="{4EA0E803-2FB0-4DA0-809F-3DA8DAB79A43}"/>
+                  <a16:creationId xmlns:a16="http://schemas.microsoft.com/office/drawing/2014/main" id="{4EA0E803-2FB0-4DA0-809F-3DA8DAB79A43}"/>
                 </a:ext>
               </a:extLst>
             </p:cNvPr>
@@ -17249,7 +17174,7 @@
               <p:cNvPr id="139" name="Straight Arrow Connector 138">
                 <a:extLst>
                   <a:ext uri="{FF2B5EF4-FFF2-40B4-BE49-F238E27FC236}">
-                    <a16:creationId xmlns="" xmlns:a16="http://schemas.microsoft.com/office/drawing/2014/main" id="{5397082D-4EDA-44D9-BF55-A8543EEF6E6B}"/>
+                    <a16:creationId xmlns:a16="http://schemas.microsoft.com/office/drawing/2014/main" id="{5397082D-4EDA-44D9-BF55-A8543EEF6E6B}"/>
                   </a:ext>
                 </a:extLst>
               </p:cNvPr>
@@ -17294,7 +17219,7 @@
               <p:cNvPr id="136" name="Group 135">
                 <a:extLst>
                   <a:ext uri="{FF2B5EF4-FFF2-40B4-BE49-F238E27FC236}">
-                    <a16:creationId xmlns="" xmlns:a16="http://schemas.microsoft.com/office/drawing/2014/main" id="{CBD7485C-D61F-4E4B-A5D4-A3AC73BBBD9E}"/>
+                    <a16:creationId xmlns:a16="http://schemas.microsoft.com/office/drawing/2014/main" id="{CBD7485C-D61F-4E4B-A5D4-A3AC73BBBD9E}"/>
                   </a:ext>
                 </a:extLst>
               </p:cNvPr>
@@ -17316,7 +17241,7 @@
                 <p:cNvPr id="146" name="Partial Circle 145">
                   <a:extLst>
                     <a:ext uri="{FF2B5EF4-FFF2-40B4-BE49-F238E27FC236}">
-                      <a16:creationId xmlns="" xmlns:a16="http://schemas.microsoft.com/office/drawing/2014/main" id="{49F24904-AD78-4074-9847-C54CCBA7B3A7}"/>
+                      <a16:creationId xmlns:a16="http://schemas.microsoft.com/office/drawing/2014/main" id="{49F24904-AD78-4074-9847-C54CCBA7B3A7}"/>
                     </a:ext>
                   </a:extLst>
                 </p:cNvPr>
@@ -17375,7 +17300,7 @@
                 <p:cNvPr id="147" name="Rectangle 146">
                   <a:extLst>
                     <a:ext uri="{FF2B5EF4-FFF2-40B4-BE49-F238E27FC236}">
-                      <a16:creationId xmlns="" xmlns:a16="http://schemas.microsoft.com/office/drawing/2014/main" id="{2A039066-4D53-4C01-AF48-1001A2A778AA}"/>
+                      <a16:creationId xmlns:a16="http://schemas.microsoft.com/office/drawing/2014/main" id="{2A039066-4D53-4C01-AF48-1001A2A778AA}"/>
                     </a:ext>
                   </a:extLst>
                 </p:cNvPr>
@@ -17427,7 +17352,7 @@
                 <p:cNvPr id="148" name="Rectangle 147">
                   <a:extLst>
                     <a:ext uri="{FF2B5EF4-FFF2-40B4-BE49-F238E27FC236}">
-                      <a16:creationId xmlns="" xmlns:a16="http://schemas.microsoft.com/office/drawing/2014/main" id="{410530A6-AFC7-4E5D-9F21-531F8968D00F}"/>
+                      <a16:creationId xmlns:a16="http://schemas.microsoft.com/office/drawing/2014/main" id="{410530A6-AFC7-4E5D-9F21-531F8968D00F}"/>
                     </a:ext>
                   </a:extLst>
                 </p:cNvPr>
@@ -17479,7 +17404,7 @@
                 <p:cNvPr id="149" name="Rectangle 148">
                   <a:extLst>
                     <a:ext uri="{FF2B5EF4-FFF2-40B4-BE49-F238E27FC236}">
-                      <a16:creationId xmlns="" xmlns:a16="http://schemas.microsoft.com/office/drawing/2014/main" id="{9DCA666D-8F7F-442A-A808-846508B1F1BD}"/>
+                      <a16:creationId xmlns:a16="http://schemas.microsoft.com/office/drawing/2014/main" id="{9DCA666D-8F7F-442A-A808-846508B1F1BD}"/>
                     </a:ext>
                   </a:extLst>
                 </p:cNvPr>
@@ -17531,7 +17456,7 @@
                 <p:cNvPr id="150" name="Rectangle 149">
                   <a:extLst>
                     <a:ext uri="{FF2B5EF4-FFF2-40B4-BE49-F238E27FC236}">
-                      <a16:creationId xmlns="" xmlns:a16="http://schemas.microsoft.com/office/drawing/2014/main" id="{C7964545-7BB7-4484-A48E-BA8D0AE30043}"/>
+                      <a16:creationId xmlns:a16="http://schemas.microsoft.com/office/drawing/2014/main" id="{C7964545-7BB7-4484-A48E-BA8D0AE30043}"/>
                     </a:ext>
                   </a:extLst>
                 </p:cNvPr>
@@ -17583,7 +17508,7 @@
                 <p:cNvPr id="151" name="Rectangle 150">
                   <a:extLst>
                     <a:ext uri="{FF2B5EF4-FFF2-40B4-BE49-F238E27FC236}">
-                      <a16:creationId xmlns="" xmlns:a16="http://schemas.microsoft.com/office/drawing/2014/main" id="{68D692AF-7047-4178-B135-60296F033A06}"/>
+                      <a16:creationId xmlns:a16="http://schemas.microsoft.com/office/drawing/2014/main" id="{68D692AF-7047-4178-B135-60296F033A06}"/>
                     </a:ext>
                   </a:extLst>
                 </p:cNvPr>
@@ -17635,7 +17560,7 @@
                 <p:cNvPr id="152" name="Rectangle 151">
                   <a:extLst>
                     <a:ext uri="{FF2B5EF4-FFF2-40B4-BE49-F238E27FC236}">
-                      <a16:creationId xmlns="" xmlns:a16="http://schemas.microsoft.com/office/drawing/2014/main" id="{62CBF62C-D348-4516-85E7-C1B9515F3B62}"/>
+                      <a16:creationId xmlns:a16="http://schemas.microsoft.com/office/drawing/2014/main" id="{62CBF62C-D348-4516-85E7-C1B9515F3B62}"/>
                     </a:ext>
                   </a:extLst>
                 </p:cNvPr>
@@ -17687,7 +17612,7 @@
                 <p:cNvPr id="153" name="Rectangle 152">
                   <a:extLst>
                     <a:ext uri="{FF2B5EF4-FFF2-40B4-BE49-F238E27FC236}">
-                      <a16:creationId xmlns="" xmlns:a16="http://schemas.microsoft.com/office/drawing/2014/main" id="{82A49D32-F82F-4910-BD59-53E0E27641DD}"/>
+                      <a16:creationId xmlns:a16="http://schemas.microsoft.com/office/drawing/2014/main" id="{82A49D32-F82F-4910-BD59-53E0E27641DD}"/>
                     </a:ext>
                   </a:extLst>
                 </p:cNvPr>
@@ -17739,7 +17664,7 @@
                 <p:cNvPr id="154" name="Rectangle 153">
                   <a:extLst>
                     <a:ext uri="{FF2B5EF4-FFF2-40B4-BE49-F238E27FC236}">
-                      <a16:creationId xmlns="" xmlns:a16="http://schemas.microsoft.com/office/drawing/2014/main" id="{5B3837CD-9070-4843-A6E2-0617D11981C6}"/>
+                      <a16:creationId xmlns:a16="http://schemas.microsoft.com/office/drawing/2014/main" id="{5B3837CD-9070-4843-A6E2-0617D11981C6}"/>
                     </a:ext>
                   </a:extLst>
                 </p:cNvPr>
@@ -17791,7 +17716,7 @@
                 <p:cNvPr id="155" name="Rectangle 154">
                   <a:extLst>
                     <a:ext uri="{FF2B5EF4-FFF2-40B4-BE49-F238E27FC236}">
-                      <a16:creationId xmlns="" xmlns:a16="http://schemas.microsoft.com/office/drawing/2014/main" id="{25E70BE8-0B33-4735-9B76-CFA7A24084DB}"/>
+                      <a16:creationId xmlns:a16="http://schemas.microsoft.com/office/drawing/2014/main" id="{25E70BE8-0B33-4735-9B76-CFA7A24084DB}"/>
                     </a:ext>
                   </a:extLst>
                 </p:cNvPr>
@@ -17843,7 +17768,7 @@
                 <p:cNvPr id="156" name="Rectangle 155">
                   <a:extLst>
                     <a:ext uri="{FF2B5EF4-FFF2-40B4-BE49-F238E27FC236}">
-                      <a16:creationId xmlns="" xmlns:a16="http://schemas.microsoft.com/office/drawing/2014/main" id="{8A895C3F-BF1C-45EF-B133-37E10C6E8D37}"/>
+                      <a16:creationId xmlns:a16="http://schemas.microsoft.com/office/drawing/2014/main" id="{8A895C3F-BF1C-45EF-B133-37E10C6E8D37}"/>
                     </a:ext>
                   </a:extLst>
                 </p:cNvPr>
@@ -17895,7 +17820,7 @@
                 <p:cNvPr id="157" name="Rectangle 156">
                   <a:extLst>
                     <a:ext uri="{FF2B5EF4-FFF2-40B4-BE49-F238E27FC236}">
-                      <a16:creationId xmlns="" xmlns:a16="http://schemas.microsoft.com/office/drawing/2014/main" id="{77F81C30-5F37-4131-B678-284AB3A79184}"/>
+                      <a16:creationId xmlns:a16="http://schemas.microsoft.com/office/drawing/2014/main" id="{77F81C30-5F37-4131-B678-284AB3A79184}"/>
                     </a:ext>
                   </a:extLst>
                 </p:cNvPr>
@@ -17947,7 +17872,7 @@
                 <p:cNvPr id="158" name="Rectangle 157">
                   <a:extLst>
                     <a:ext uri="{FF2B5EF4-FFF2-40B4-BE49-F238E27FC236}">
-                      <a16:creationId xmlns="" xmlns:a16="http://schemas.microsoft.com/office/drawing/2014/main" id="{E8025CBF-C562-4D4C-BB65-0036737E9B4A}"/>
+                      <a16:creationId xmlns:a16="http://schemas.microsoft.com/office/drawing/2014/main" id="{E8025CBF-C562-4D4C-BB65-0036737E9B4A}"/>
                     </a:ext>
                   </a:extLst>
                 </p:cNvPr>
@@ -17999,7 +17924,7 @@
                 <p:cNvPr id="159" name="Rectangle 158">
                   <a:extLst>
                     <a:ext uri="{FF2B5EF4-FFF2-40B4-BE49-F238E27FC236}">
-                      <a16:creationId xmlns="" xmlns:a16="http://schemas.microsoft.com/office/drawing/2014/main" id="{2387B4B1-2D29-45B0-A314-FA66E8ED088C}"/>
+                      <a16:creationId xmlns:a16="http://schemas.microsoft.com/office/drawing/2014/main" id="{2387B4B1-2D29-45B0-A314-FA66E8ED088C}"/>
                     </a:ext>
                   </a:extLst>
                 </p:cNvPr>
@@ -18051,7 +17976,7 @@
                 <p:cNvPr id="160" name="TextBox 159">
                   <a:extLst>
                     <a:ext uri="{FF2B5EF4-FFF2-40B4-BE49-F238E27FC236}">
-                      <a16:creationId xmlns="" xmlns:a16="http://schemas.microsoft.com/office/drawing/2014/main" id="{744160F2-D2E9-4AC3-AE72-ADE180FA3C93}"/>
+                      <a16:creationId xmlns:a16="http://schemas.microsoft.com/office/drawing/2014/main" id="{744160F2-D2E9-4AC3-AE72-ADE180FA3C93}"/>
                     </a:ext>
                   </a:extLst>
                 </p:cNvPr>
@@ -18087,7 +18012,7 @@
               <p:cNvPr id="137" name="Straight Arrow Connector 136">
                 <a:extLst>
                   <a:ext uri="{FF2B5EF4-FFF2-40B4-BE49-F238E27FC236}">
-                    <a16:creationId xmlns="" xmlns:a16="http://schemas.microsoft.com/office/drawing/2014/main" id="{3D3CAC38-A3C0-459D-8A93-54A7DEF5F1F0}"/>
+                    <a16:creationId xmlns:a16="http://schemas.microsoft.com/office/drawing/2014/main" id="{3D3CAC38-A3C0-459D-8A93-54A7DEF5F1F0}"/>
                   </a:ext>
                 </a:extLst>
               </p:cNvPr>
@@ -18133,7 +18058,7 @@
                   <p:cNvPr id="138" name="TextBox 137">
                     <a:extLst>
                       <a:ext uri="{FF2B5EF4-FFF2-40B4-BE49-F238E27FC236}">
-                        <a16:creationId xmlns="" xmlns:a16="http://schemas.microsoft.com/office/drawing/2014/main" id="{C8868152-91DF-4A16-9431-81C1A6F0CD9B}"/>
+                        <a16:creationId xmlns:a16="http://schemas.microsoft.com/office/drawing/2014/main" id="{C8868152-91DF-4A16-9431-81C1A6F0CD9B}"/>
                       </a:ext>
                     </a:extLst>
                   </p:cNvPr>
@@ -18227,7 +18152,7 @@
               <p:cNvPr id="140" name="Straight Connector 139">
                 <a:extLst>
                   <a:ext uri="{FF2B5EF4-FFF2-40B4-BE49-F238E27FC236}">
-                    <a16:creationId xmlns="" xmlns:a16="http://schemas.microsoft.com/office/drawing/2014/main" id="{DB2350A5-E91A-470F-870D-54FBF28548BB}"/>
+                    <a16:creationId xmlns:a16="http://schemas.microsoft.com/office/drawing/2014/main" id="{DB2350A5-E91A-470F-870D-54FBF28548BB}"/>
                   </a:ext>
                 </a:extLst>
               </p:cNvPr>
@@ -18271,7 +18196,7 @@
               <p:cNvPr id="141" name="Straight Connector 140">
                 <a:extLst>
                   <a:ext uri="{FF2B5EF4-FFF2-40B4-BE49-F238E27FC236}">
-                    <a16:creationId xmlns="" xmlns:a16="http://schemas.microsoft.com/office/drawing/2014/main" id="{4DE5995D-AB70-4451-B5F4-EB97FAA11A6A}"/>
+                    <a16:creationId xmlns:a16="http://schemas.microsoft.com/office/drawing/2014/main" id="{4DE5995D-AB70-4451-B5F4-EB97FAA11A6A}"/>
                   </a:ext>
                 </a:extLst>
               </p:cNvPr>
@@ -18315,7 +18240,7 @@
               <p:cNvPr id="142" name="Straight Arrow Connector 141">
                 <a:extLst>
                   <a:ext uri="{FF2B5EF4-FFF2-40B4-BE49-F238E27FC236}">
-                    <a16:creationId xmlns="" xmlns:a16="http://schemas.microsoft.com/office/drawing/2014/main" id="{CDFDEED5-5718-4A27-A9FD-98A2895FDD5F}"/>
+                    <a16:creationId xmlns:a16="http://schemas.microsoft.com/office/drawing/2014/main" id="{CDFDEED5-5718-4A27-A9FD-98A2895FDD5F}"/>
                   </a:ext>
                 </a:extLst>
               </p:cNvPr>
@@ -18362,7 +18287,7 @@
                   <p:cNvPr id="143" name="TextBox 142">
                     <a:extLst>
                       <a:ext uri="{FF2B5EF4-FFF2-40B4-BE49-F238E27FC236}">
-                        <a16:creationId xmlns="" xmlns:a16="http://schemas.microsoft.com/office/drawing/2014/main" id="{0182D87F-9FEC-4BD9-9A97-38A6A2DCAEA8}"/>
+                        <a16:creationId xmlns:a16="http://schemas.microsoft.com/office/drawing/2014/main" id="{0182D87F-9FEC-4BD9-9A97-38A6A2DCAEA8}"/>
                       </a:ext>
                     </a:extLst>
                   </p:cNvPr>
@@ -18458,7 +18383,7 @@
                   <p:cNvPr id="144" name="TextBox 143">
                     <a:extLst>
                       <a:ext uri="{FF2B5EF4-FFF2-40B4-BE49-F238E27FC236}">
-                        <a16:creationId xmlns="" xmlns:a16="http://schemas.microsoft.com/office/drawing/2014/main" id="{2D9A96D4-3F54-499E-853E-37A135DE5315}"/>
+                        <a16:creationId xmlns:a16="http://schemas.microsoft.com/office/drawing/2014/main" id="{2D9A96D4-3F54-499E-853E-37A135DE5315}"/>
                       </a:ext>
                     </a:extLst>
                   </p:cNvPr>
@@ -18554,7 +18479,7 @@
                   <p:cNvPr id="145" name="TextBox 144">
                     <a:extLst>
                       <a:ext uri="{FF2B5EF4-FFF2-40B4-BE49-F238E27FC236}">
-                        <a16:creationId xmlns="" xmlns:a16="http://schemas.microsoft.com/office/drawing/2014/main" id="{D106E80B-7841-4BD5-B20C-BEDB0E51C61F}"/>
+                        <a16:creationId xmlns:a16="http://schemas.microsoft.com/office/drawing/2014/main" id="{D106E80B-7841-4BD5-B20C-BEDB0E51C61F}"/>
                       </a:ext>
                     </a:extLst>
                   </p:cNvPr>
@@ -18649,7 +18574,7 @@
             <p:cNvPr id="134" name="Straight Connector 133">
               <a:extLst>
                 <a:ext uri="{FF2B5EF4-FFF2-40B4-BE49-F238E27FC236}">
-                  <a16:creationId xmlns="" xmlns:a16="http://schemas.microsoft.com/office/drawing/2014/main" id="{4A09BAE5-060A-48F3-9DD8-A6880C2DC9EE}"/>
+                  <a16:creationId xmlns:a16="http://schemas.microsoft.com/office/drawing/2014/main" id="{4A09BAE5-060A-48F3-9DD8-A6880C2DC9EE}"/>
                 </a:ext>
               </a:extLst>
             </p:cNvPr>
@@ -18693,7 +18618,7 @@
             <p:cNvPr id="135" name="Straight Connector 134">
               <a:extLst>
                 <a:ext uri="{FF2B5EF4-FFF2-40B4-BE49-F238E27FC236}">
-                  <a16:creationId xmlns="" xmlns:a16="http://schemas.microsoft.com/office/drawing/2014/main" id="{DEE8E417-5D64-4E71-87C3-B24FA76847AF}"/>
+                  <a16:creationId xmlns:a16="http://schemas.microsoft.com/office/drawing/2014/main" id="{DEE8E417-5D64-4E71-87C3-B24FA76847AF}"/>
                 </a:ext>
               </a:extLst>
             </p:cNvPr>
@@ -18738,7 +18663,7 @@
           <p:cNvPr id="3" name="TextBox 2">
             <a:extLst>
               <a:ext uri="{FF2B5EF4-FFF2-40B4-BE49-F238E27FC236}">
-                <a16:creationId xmlns="" xmlns:a16="http://schemas.microsoft.com/office/drawing/2014/main" id="{D3E029B0-1BA1-4109-8315-DE68BBEB44BD}"/>
+                <a16:creationId xmlns:a16="http://schemas.microsoft.com/office/drawing/2014/main" id="{D3E029B0-1BA1-4109-8315-DE68BBEB44BD}"/>
               </a:ext>
             </a:extLst>
           </p:cNvPr>
@@ -18872,7 +18797,7 @@
           <p:cNvPr id="2" name="Title 1">
             <a:extLst>
               <a:ext uri="{FF2B5EF4-FFF2-40B4-BE49-F238E27FC236}">
-                <a16:creationId xmlns="" xmlns:a16="http://schemas.microsoft.com/office/drawing/2014/main" id="{15D9C5E1-EB0A-496D-9C1C-E098D5A754DE}"/>
+                <a16:creationId xmlns:a16="http://schemas.microsoft.com/office/drawing/2014/main" id="{15D9C5E1-EB0A-496D-9C1C-E098D5A754DE}"/>
               </a:ext>
             </a:extLst>
           </p:cNvPr>
@@ -18900,7 +18825,7 @@
           <p:cNvPr id="3" name="Content Placeholder 2">
             <a:extLst>
               <a:ext uri="{FF2B5EF4-FFF2-40B4-BE49-F238E27FC236}">
-                <a16:creationId xmlns="" xmlns:a16="http://schemas.microsoft.com/office/drawing/2014/main" id="{ED6062B3-9AAB-47FD-B6C8-E8B5698B1E7D}"/>
+                <a16:creationId xmlns:a16="http://schemas.microsoft.com/office/drawing/2014/main" id="{ED6062B3-9AAB-47FD-B6C8-E8B5698B1E7D}"/>
               </a:ext>
             </a:extLst>
           </p:cNvPr>
@@ -19202,7 +19127,7 @@
           <p:cNvPr id="2" name="Title 1">
             <a:extLst>
               <a:ext uri="{FF2B5EF4-FFF2-40B4-BE49-F238E27FC236}">
-                <a16:creationId xmlns="" xmlns:a16="http://schemas.microsoft.com/office/drawing/2014/main" id="{D22786FC-9AA5-45F6-970C-E4F06DD30E85}"/>
+                <a16:creationId xmlns:a16="http://schemas.microsoft.com/office/drawing/2014/main" id="{D22786FC-9AA5-45F6-970C-E4F06DD30E85}"/>
               </a:ext>
             </a:extLst>
           </p:cNvPr>
@@ -19232,7 +19157,7 @@
               <p:cNvPr id="3" name="Content Placeholder 2">
                 <a:extLst>
                   <a:ext uri="{FF2B5EF4-FFF2-40B4-BE49-F238E27FC236}">
-                    <a16:creationId xmlns="" xmlns:a16="http://schemas.microsoft.com/office/drawing/2014/main" id="{BD951C70-4CCB-4130-BDC9-6596C6A2D1B1}"/>
+                    <a16:creationId xmlns:a16="http://schemas.microsoft.com/office/drawing/2014/main" id="{BD951C70-4CCB-4130-BDC9-6596C6A2D1B1}"/>
                   </a:ext>
                 </a:extLst>
               </p:cNvPr>
@@ -19475,7 +19400,7 @@
           <p:cNvPr id="123" name="Group 122">
             <a:extLst>
               <a:ext uri="{FF2B5EF4-FFF2-40B4-BE49-F238E27FC236}">
-                <a16:creationId xmlns="" xmlns:a16="http://schemas.microsoft.com/office/drawing/2014/main" id="{79008BFF-E31E-4D10-8DA7-CF3CA248EF89}"/>
+                <a16:creationId xmlns:a16="http://schemas.microsoft.com/office/drawing/2014/main" id="{79008BFF-E31E-4D10-8DA7-CF3CA248EF89}"/>
               </a:ext>
             </a:extLst>
           </p:cNvPr>
@@ -19497,7 +19422,7 @@
             <p:cNvPr id="124" name="Group 123">
               <a:extLst>
                 <a:ext uri="{FF2B5EF4-FFF2-40B4-BE49-F238E27FC236}">
-                  <a16:creationId xmlns="" xmlns:a16="http://schemas.microsoft.com/office/drawing/2014/main" id="{10B3B45B-9400-4F9C-A52C-6A780A52028E}"/>
+                  <a16:creationId xmlns:a16="http://schemas.microsoft.com/office/drawing/2014/main" id="{10B3B45B-9400-4F9C-A52C-6A780A52028E}"/>
                 </a:ext>
               </a:extLst>
             </p:cNvPr>
@@ -19519,7 +19444,7 @@
               <p:cNvPr id="127" name="Straight Arrow Connector 126">
                 <a:extLst>
                   <a:ext uri="{FF2B5EF4-FFF2-40B4-BE49-F238E27FC236}">
-                    <a16:creationId xmlns="" xmlns:a16="http://schemas.microsoft.com/office/drawing/2014/main" id="{CF02B5C5-F5A2-431B-A75C-6B4749434D85}"/>
+                    <a16:creationId xmlns:a16="http://schemas.microsoft.com/office/drawing/2014/main" id="{CF02B5C5-F5A2-431B-A75C-6B4749434D85}"/>
                   </a:ext>
                 </a:extLst>
               </p:cNvPr>
@@ -19564,7 +19489,7 @@
               <p:cNvPr id="128" name="Group 127">
                 <a:extLst>
                   <a:ext uri="{FF2B5EF4-FFF2-40B4-BE49-F238E27FC236}">
-                    <a16:creationId xmlns="" xmlns:a16="http://schemas.microsoft.com/office/drawing/2014/main" id="{C56EAE16-522F-4D27-8B12-83F4EBEC8019}"/>
+                    <a16:creationId xmlns:a16="http://schemas.microsoft.com/office/drawing/2014/main" id="{C56EAE16-522F-4D27-8B12-83F4EBEC8019}"/>
                   </a:ext>
                 </a:extLst>
               </p:cNvPr>
@@ -19586,7 +19511,7 @@
                 <p:cNvPr id="137" name="Partial Circle 136">
                   <a:extLst>
                     <a:ext uri="{FF2B5EF4-FFF2-40B4-BE49-F238E27FC236}">
-                      <a16:creationId xmlns="" xmlns:a16="http://schemas.microsoft.com/office/drawing/2014/main" id="{3ACE63D4-06A6-4B01-BB0F-872620D544C3}"/>
+                      <a16:creationId xmlns:a16="http://schemas.microsoft.com/office/drawing/2014/main" id="{3ACE63D4-06A6-4B01-BB0F-872620D544C3}"/>
                     </a:ext>
                   </a:extLst>
                 </p:cNvPr>
@@ -19645,7 +19570,7 @@
                 <p:cNvPr id="138" name="Rectangle 137">
                   <a:extLst>
                     <a:ext uri="{FF2B5EF4-FFF2-40B4-BE49-F238E27FC236}">
-                      <a16:creationId xmlns="" xmlns:a16="http://schemas.microsoft.com/office/drawing/2014/main" id="{A2773AE0-7C71-4051-B922-7FE5AD166504}"/>
+                      <a16:creationId xmlns:a16="http://schemas.microsoft.com/office/drawing/2014/main" id="{A2773AE0-7C71-4051-B922-7FE5AD166504}"/>
                     </a:ext>
                   </a:extLst>
                 </p:cNvPr>
@@ -19697,7 +19622,7 @@
                 <p:cNvPr id="139" name="Rectangle 138">
                   <a:extLst>
                     <a:ext uri="{FF2B5EF4-FFF2-40B4-BE49-F238E27FC236}">
-                      <a16:creationId xmlns="" xmlns:a16="http://schemas.microsoft.com/office/drawing/2014/main" id="{79895834-EC3A-4045-A073-0D12CC42BDED}"/>
+                      <a16:creationId xmlns:a16="http://schemas.microsoft.com/office/drawing/2014/main" id="{79895834-EC3A-4045-A073-0D12CC42BDED}"/>
                     </a:ext>
                   </a:extLst>
                 </p:cNvPr>
@@ -19749,7 +19674,7 @@
                 <p:cNvPr id="140" name="Rectangle 139">
                   <a:extLst>
                     <a:ext uri="{FF2B5EF4-FFF2-40B4-BE49-F238E27FC236}">
-                      <a16:creationId xmlns="" xmlns:a16="http://schemas.microsoft.com/office/drawing/2014/main" id="{B3F54DB8-0409-4D6E-AA69-E1FB517C9143}"/>
+                      <a16:creationId xmlns:a16="http://schemas.microsoft.com/office/drawing/2014/main" id="{B3F54DB8-0409-4D6E-AA69-E1FB517C9143}"/>
                     </a:ext>
                   </a:extLst>
                 </p:cNvPr>
@@ -19801,7 +19726,7 @@
                 <p:cNvPr id="141" name="Rectangle 140">
                   <a:extLst>
                     <a:ext uri="{FF2B5EF4-FFF2-40B4-BE49-F238E27FC236}">
-                      <a16:creationId xmlns="" xmlns:a16="http://schemas.microsoft.com/office/drawing/2014/main" id="{6B326416-EC48-4DB8-B52D-005991F04D35}"/>
+                      <a16:creationId xmlns:a16="http://schemas.microsoft.com/office/drawing/2014/main" id="{6B326416-EC48-4DB8-B52D-005991F04D35}"/>
                     </a:ext>
                   </a:extLst>
                 </p:cNvPr>
@@ -19853,7 +19778,7 @@
                 <p:cNvPr id="142" name="Rectangle 141">
                   <a:extLst>
                     <a:ext uri="{FF2B5EF4-FFF2-40B4-BE49-F238E27FC236}">
-                      <a16:creationId xmlns="" xmlns:a16="http://schemas.microsoft.com/office/drawing/2014/main" id="{6DC7147D-7FDD-4F90-BEE7-1E1FE167BC45}"/>
+                      <a16:creationId xmlns:a16="http://schemas.microsoft.com/office/drawing/2014/main" id="{6DC7147D-7FDD-4F90-BEE7-1E1FE167BC45}"/>
                     </a:ext>
                   </a:extLst>
                 </p:cNvPr>
@@ -19905,7 +19830,7 @@
                 <p:cNvPr id="143" name="Rectangle 142">
                   <a:extLst>
                     <a:ext uri="{FF2B5EF4-FFF2-40B4-BE49-F238E27FC236}">
-                      <a16:creationId xmlns="" xmlns:a16="http://schemas.microsoft.com/office/drawing/2014/main" id="{58C749EB-E380-4771-803D-1B46B3C9FB29}"/>
+                      <a16:creationId xmlns:a16="http://schemas.microsoft.com/office/drawing/2014/main" id="{58C749EB-E380-4771-803D-1B46B3C9FB29}"/>
                     </a:ext>
                   </a:extLst>
                 </p:cNvPr>
@@ -19957,7 +19882,7 @@
                 <p:cNvPr id="144" name="Rectangle 143">
                   <a:extLst>
                     <a:ext uri="{FF2B5EF4-FFF2-40B4-BE49-F238E27FC236}">
-                      <a16:creationId xmlns="" xmlns:a16="http://schemas.microsoft.com/office/drawing/2014/main" id="{F6D9E936-19E1-4593-9292-07F1174A795A}"/>
+                      <a16:creationId xmlns:a16="http://schemas.microsoft.com/office/drawing/2014/main" id="{F6D9E936-19E1-4593-9292-07F1174A795A}"/>
                     </a:ext>
                   </a:extLst>
                 </p:cNvPr>
@@ -20009,7 +19934,7 @@
                 <p:cNvPr id="145" name="Rectangle 144">
                   <a:extLst>
                     <a:ext uri="{FF2B5EF4-FFF2-40B4-BE49-F238E27FC236}">
-                      <a16:creationId xmlns="" xmlns:a16="http://schemas.microsoft.com/office/drawing/2014/main" id="{2B2128A6-0E9C-4125-B146-C787D12423EE}"/>
+                      <a16:creationId xmlns:a16="http://schemas.microsoft.com/office/drawing/2014/main" id="{2B2128A6-0E9C-4125-B146-C787D12423EE}"/>
                     </a:ext>
                   </a:extLst>
                 </p:cNvPr>
@@ -20061,7 +19986,7 @@
                 <p:cNvPr id="146" name="Rectangle 145">
                   <a:extLst>
                     <a:ext uri="{FF2B5EF4-FFF2-40B4-BE49-F238E27FC236}">
-                      <a16:creationId xmlns="" xmlns:a16="http://schemas.microsoft.com/office/drawing/2014/main" id="{6C626036-7D1E-4C6F-9E90-6E4967BE0921}"/>
+                      <a16:creationId xmlns:a16="http://schemas.microsoft.com/office/drawing/2014/main" id="{6C626036-7D1E-4C6F-9E90-6E4967BE0921}"/>
                     </a:ext>
                   </a:extLst>
                 </p:cNvPr>
@@ -20113,7 +20038,7 @@
                 <p:cNvPr id="147" name="Rectangle 146">
                   <a:extLst>
                     <a:ext uri="{FF2B5EF4-FFF2-40B4-BE49-F238E27FC236}">
-                      <a16:creationId xmlns="" xmlns:a16="http://schemas.microsoft.com/office/drawing/2014/main" id="{53BD216C-62BB-4589-A47A-042DACBA113D}"/>
+                      <a16:creationId xmlns:a16="http://schemas.microsoft.com/office/drawing/2014/main" id="{53BD216C-62BB-4589-A47A-042DACBA113D}"/>
                     </a:ext>
                   </a:extLst>
                 </p:cNvPr>
@@ -20165,7 +20090,7 @@
                 <p:cNvPr id="148" name="Rectangle 147">
                   <a:extLst>
                     <a:ext uri="{FF2B5EF4-FFF2-40B4-BE49-F238E27FC236}">
-                      <a16:creationId xmlns="" xmlns:a16="http://schemas.microsoft.com/office/drawing/2014/main" id="{257A27BD-9B91-43C3-BD21-AF4C094B27A1}"/>
+                      <a16:creationId xmlns:a16="http://schemas.microsoft.com/office/drawing/2014/main" id="{257A27BD-9B91-43C3-BD21-AF4C094B27A1}"/>
                     </a:ext>
                   </a:extLst>
                 </p:cNvPr>
@@ -20217,7 +20142,7 @@
                 <p:cNvPr id="149" name="Rectangle 148">
                   <a:extLst>
                     <a:ext uri="{FF2B5EF4-FFF2-40B4-BE49-F238E27FC236}">
-                      <a16:creationId xmlns="" xmlns:a16="http://schemas.microsoft.com/office/drawing/2014/main" id="{C0A2964C-49E7-427A-91BA-72D2A5AA2765}"/>
+                      <a16:creationId xmlns:a16="http://schemas.microsoft.com/office/drawing/2014/main" id="{C0A2964C-49E7-427A-91BA-72D2A5AA2765}"/>
                     </a:ext>
                   </a:extLst>
                 </p:cNvPr>
@@ -20269,7 +20194,7 @@
                 <p:cNvPr id="150" name="Rectangle 149">
                   <a:extLst>
                     <a:ext uri="{FF2B5EF4-FFF2-40B4-BE49-F238E27FC236}">
-                      <a16:creationId xmlns="" xmlns:a16="http://schemas.microsoft.com/office/drawing/2014/main" id="{4B582360-4996-42BA-ACB2-81FC441B7AF3}"/>
+                      <a16:creationId xmlns:a16="http://schemas.microsoft.com/office/drawing/2014/main" id="{4B582360-4996-42BA-ACB2-81FC441B7AF3}"/>
                     </a:ext>
                   </a:extLst>
                 </p:cNvPr>
@@ -20321,7 +20246,7 @@
                 <p:cNvPr id="151" name="TextBox 150">
                   <a:extLst>
                     <a:ext uri="{FF2B5EF4-FFF2-40B4-BE49-F238E27FC236}">
-                      <a16:creationId xmlns="" xmlns:a16="http://schemas.microsoft.com/office/drawing/2014/main" id="{3EE25D54-2966-47E9-A323-C91EB6191F26}"/>
+                      <a16:creationId xmlns:a16="http://schemas.microsoft.com/office/drawing/2014/main" id="{3EE25D54-2966-47E9-A323-C91EB6191F26}"/>
                     </a:ext>
                   </a:extLst>
                 </p:cNvPr>
@@ -20357,7 +20282,7 @@
               <p:cNvPr id="129" name="Straight Arrow Connector 128">
                 <a:extLst>
                   <a:ext uri="{FF2B5EF4-FFF2-40B4-BE49-F238E27FC236}">
-                    <a16:creationId xmlns="" xmlns:a16="http://schemas.microsoft.com/office/drawing/2014/main" id="{D6190FC8-6790-4B4D-805D-68D6A766235C}"/>
+                    <a16:creationId xmlns:a16="http://schemas.microsoft.com/office/drawing/2014/main" id="{D6190FC8-6790-4B4D-805D-68D6A766235C}"/>
                   </a:ext>
                 </a:extLst>
               </p:cNvPr>
@@ -20403,7 +20328,7 @@
                   <p:cNvPr id="130" name="TextBox 129">
                     <a:extLst>
                       <a:ext uri="{FF2B5EF4-FFF2-40B4-BE49-F238E27FC236}">
-                        <a16:creationId xmlns="" xmlns:a16="http://schemas.microsoft.com/office/drawing/2014/main" id="{E3A24EDF-4158-4D22-8B6D-D05CCEEF19E3}"/>
+                        <a16:creationId xmlns:a16="http://schemas.microsoft.com/office/drawing/2014/main" id="{E3A24EDF-4158-4D22-8B6D-D05CCEEF19E3}"/>
                       </a:ext>
                     </a:extLst>
                   </p:cNvPr>
@@ -20497,7 +20422,7 @@
               <p:cNvPr id="131" name="Straight Connector 130">
                 <a:extLst>
                   <a:ext uri="{FF2B5EF4-FFF2-40B4-BE49-F238E27FC236}">
-                    <a16:creationId xmlns="" xmlns:a16="http://schemas.microsoft.com/office/drawing/2014/main" id="{4452524C-C1CD-4E69-8AF3-78066DEC4222}"/>
+                    <a16:creationId xmlns:a16="http://schemas.microsoft.com/office/drawing/2014/main" id="{4452524C-C1CD-4E69-8AF3-78066DEC4222}"/>
                   </a:ext>
                 </a:extLst>
               </p:cNvPr>
@@ -20541,7 +20466,7 @@
               <p:cNvPr id="132" name="Straight Connector 131">
                 <a:extLst>
                   <a:ext uri="{FF2B5EF4-FFF2-40B4-BE49-F238E27FC236}">
-                    <a16:creationId xmlns="" xmlns:a16="http://schemas.microsoft.com/office/drawing/2014/main" id="{246EB1EF-1080-44B7-AE0D-C7335723CF39}"/>
+                    <a16:creationId xmlns:a16="http://schemas.microsoft.com/office/drawing/2014/main" id="{246EB1EF-1080-44B7-AE0D-C7335723CF39}"/>
                   </a:ext>
                 </a:extLst>
               </p:cNvPr>
@@ -20585,7 +20510,7 @@
               <p:cNvPr id="133" name="Straight Arrow Connector 132">
                 <a:extLst>
                   <a:ext uri="{FF2B5EF4-FFF2-40B4-BE49-F238E27FC236}">
-                    <a16:creationId xmlns="" xmlns:a16="http://schemas.microsoft.com/office/drawing/2014/main" id="{B746C042-29C2-483C-8997-598A5EDD73BE}"/>
+                    <a16:creationId xmlns:a16="http://schemas.microsoft.com/office/drawing/2014/main" id="{B746C042-29C2-483C-8997-598A5EDD73BE}"/>
                   </a:ext>
                 </a:extLst>
               </p:cNvPr>
@@ -20632,7 +20557,7 @@
                   <p:cNvPr id="134" name="TextBox 133">
                     <a:extLst>
                       <a:ext uri="{FF2B5EF4-FFF2-40B4-BE49-F238E27FC236}">
-                        <a16:creationId xmlns="" xmlns:a16="http://schemas.microsoft.com/office/drawing/2014/main" id="{545D3309-C506-41D6-A263-571B373935B2}"/>
+                        <a16:creationId xmlns:a16="http://schemas.microsoft.com/office/drawing/2014/main" id="{545D3309-C506-41D6-A263-571B373935B2}"/>
                       </a:ext>
                     </a:extLst>
                   </p:cNvPr>
@@ -20728,7 +20653,7 @@
                   <p:cNvPr id="135" name="TextBox 134">
                     <a:extLst>
                       <a:ext uri="{FF2B5EF4-FFF2-40B4-BE49-F238E27FC236}">
-                        <a16:creationId xmlns="" xmlns:a16="http://schemas.microsoft.com/office/drawing/2014/main" id="{2780A7F5-55D4-4B5D-A893-F0438EA3FDBC}"/>
+                        <a16:creationId xmlns:a16="http://schemas.microsoft.com/office/drawing/2014/main" id="{2780A7F5-55D4-4B5D-A893-F0438EA3FDBC}"/>
                       </a:ext>
                     </a:extLst>
                   </p:cNvPr>
@@ -20824,7 +20749,7 @@
                   <p:cNvPr id="136" name="TextBox 135">
                     <a:extLst>
                       <a:ext uri="{FF2B5EF4-FFF2-40B4-BE49-F238E27FC236}">
-                        <a16:creationId xmlns="" xmlns:a16="http://schemas.microsoft.com/office/drawing/2014/main" id="{AC494038-939E-400E-9C81-AF89CB1F711A}"/>
+                        <a16:creationId xmlns:a16="http://schemas.microsoft.com/office/drawing/2014/main" id="{AC494038-939E-400E-9C81-AF89CB1F711A}"/>
                       </a:ext>
                     </a:extLst>
                   </p:cNvPr>
@@ -20919,7 +20844,7 @@
             <p:cNvPr id="125" name="Straight Connector 124">
               <a:extLst>
                 <a:ext uri="{FF2B5EF4-FFF2-40B4-BE49-F238E27FC236}">
-                  <a16:creationId xmlns="" xmlns:a16="http://schemas.microsoft.com/office/drawing/2014/main" id="{2561F1F9-A97F-47EF-90B4-6E0301F55185}"/>
+                  <a16:creationId xmlns:a16="http://schemas.microsoft.com/office/drawing/2014/main" id="{2561F1F9-A97F-47EF-90B4-6E0301F55185}"/>
                 </a:ext>
               </a:extLst>
             </p:cNvPr>
@@ -20963,7 +20888,7 @@
             <p:cNvPr id="126" name="Straight Connector 125">
               <a:extLst>
                 <a:ext uri="{FF2B5EF4-FFF2-40B4-BE49-F238E27FC236}">
-                  <a16:creationId xmlns="" xmlns:a16="http://schemas.microsoft.com/office/drawing/2014/main" id="{FEC56812-4B54-4B48-B731-ABC4BAB67405}"/>
+                  <a16:creationId xmlns:a16="http://schemas.microsoft.com/office/drawing/2014/main" id="{FEC56812-4B54-4B48-B731-ABC4BAB67405}"/>
                 </a:ext>
               </a:extLst>
             </p:cNvPr>
@@ -21008,7 +20933,7 @@
           <p:cNvPr id="152" name="Picture 151">
             <a:extLst>
               <a:ext uri="{FF2B5EF4-FFF2-40B4-BE49-F238E27FC236}">
-                <a16:creationId xmlns="" xmlns:a16="http://schemas.microsoft.com/office/drawing/2014/main" id="{5D7B643D-EA4D-4FE3-8970-CCFC7473BAC8}"/>
+                <a16:creationId xmlns:a16="http://schemas.microsoft.com/office/drawing/2014/main" id="{5D7B643D-EA4D-4FE3-8970-CCFC7473BAC8}"/>
               </a:ext>
             </a:extLst>
           </p:cNvPr>
@@ -21038,7 +20963,7 @@
           <p:cNvPr id="154" name="Picture 153">
             <a:extLst>
               <a:ext uri="{FF2B5EF4-FFF2-40B4-BE49-F238E27FC236}">
-                <a16:creationId xmlns="" xmlns:a16="http://schemas.microsoft.com/office/drawing/2014/main" id="{9C9C439A-AED2-45DB-BD79-C400F3F525ED}"/>
+                <a16:creationId xmlns:a16="http://schemas.microsoft.com/office/drawing/2014/main" id="{9C9C439A-AED2-45DB-BD79-C400F3F525ED}"/>
               </a:ext>
             </a:extLst>
           </p:cNvPr>
@@ -21057,6 +20982,36 @@
           <a:xfrm>
             <a:off x="8947020" y="618157"/>
             <a:ext cx="3107128" cy="2683058"/>
+          </a:xfrm>
+          <a:prstGeom prst="rect">
+            <a:avLst/>
+          </a:prstGeom>
+        </p:spPr>
+      </p:pic>
+      <p:pic>
+        <p:nvPicPr>
+          <p:cNvPr id="4" name="Picture 3">
+            <a:extLst>
+              <a:ext uri="{FF2B5EF4-FFF2-40B4-BE49-F238E27FC236}">
+                <a16:creationId xmlns:a16="http://schemas.microsoft.com/office/drawing/2014/main" id="{8B0127F7-7152-48B4-905D-AFCE1C0E2DAE}"/>
+              </a:ext>
+            </a:extLst>
+          </p:cNvPr>
+          <p:cNvPicPr>
+            <a:picLocks noChangeAspect="1"/>
+          </p:cNvPicPr>
+          <p:nvPr/>
+        </p:nvPicPr>
+        <p:blipFill>
+          <a:blip r:embed="rId9"/>
+          <a:stretch>
+            <a:fillRect/>
+          </a:stretch>
+        </p:blipFill>
+        <p:spPr>
+          <a:xfrm>
+            <a:off x="8960479" y="640290"/>
+            <a:ext cx="3097014" cy="2474846"/>
           </a:xfrm>
           <a:prstGeom prst="rect">
             <a:avLst/>
@@ -21098,7 +21053,7 @@
           <p:cNvPr id="2" name="Title 1">
             <a:extLst>
               <a:ext uri="{FF2B5EF4-FFF2-40B4-BE49-F238E27FC236}">
-                <a16:creationId xmlns="" xmlns:a16="http://schemas.microsoft.com/office/drawing/2014/main" id="{8118DB13-B5C2-46E8-9E14-5EA119DAA40B}"/>
+                <a16:creationId xmlns:a16="http://schemas.microsoft.com/office/drawing/2014/main" id="{8118DB13-B5C2-46E8-9E14-5EA119DAA40B}"/>
               </a:ext>
             </a:extLst>
           </p:cNvPr>
@@ -21126,7 +21081,7 @@
           <p:cNvPr id="32" name="TextBox 31">
             <a:extLst>
               <a:ext uri="{FF2B5EF4-FFF2-40B4-BE49-F238E27FC236}">
-                <a16:creationId xmlns="" xmlns:a16="http://schemas.microsoft.com/office/drawing/2014/main" id="{31B8073B-B5C4-47D1-B578-3D7F57D9CA95}"/>
+                <a16:creationId xmlns:a16="http://schemas.microsoft.com/office/drawing/2014/main" id="{31B8073B-B5C4-47D1-B578-3D7F57D9CA95}"/>
               </a:ext>
             </a:extLst>
           </p:cNvPr>
@@ -21169,7 +21124,7 @@
           <p:cNvPr id="70" name="TextBox 69">
             <a:extLst>
               <a:ext uri="{FF2B5EF4-FFF2-40B4-BE49-F238E27FC236}">
-                <a16:creationId xmlns="" xmlns:a16="http://schemas.microsoft.com/office/drawing/2014/main" id="{DAD027C8-0DBF-4ADF-B3DA-CDB577C97985}"/>
+                <a16:creationId xmlns:a16="http://schemas.microsoft.com/office/drawing/2014/main" id="{DAD027C8-0DBF-4ADF-B3DA-CDB577C97985}"/>
               </a:ext>
             </a:extLst>
           </p:cNvPr>
@@ -21319,7 +21274,7 @@
           <p:cNvPr id="74" name="Group 73">
             <a:extLst>
               <a:ext uri="{FF2B5EF4-FFF2-40B4-BE49-F238E27FC236}">
-                <a16:creationId xmlns="" xmlns:a16="http://schemas.microsoft.com/office/drawing/2014/main" id="{B0248E27-C652-4FA2-BA9B-3EEF784DEC30}"/>
+                <a16:creationId xmlns:a16="http://schemas.microsoft.com/office/drawing/2014/main" id="{B0248E27-C652-4FA2-BA9B-3EEF784DEC30}"/>
               </a:ext>
             </a:extLst>
           </p:cNvPr>
@@ -21339,7 +21294,7 @@
             <p:cNvPr id="73" name="Group 72">
               <a:extLst>
                 <a:ext uri="{FF2B5EF4-FFF2-40B4-BE49-F238E27FC236}">
-                  <a16:creationId xmlns="" xmlns:a16="http://schemas.microsoft.com/office/drawing/2014/main" id="{734C8A18-35C7-4E6D-B4D4-30AB881E4FCE}"/>
+                  <a16:creationId xmlns:a16="http://schemas.microsoft.com/office/drawing/2014/main" id="{734C8A18-35C7-4E6D-B4D4-30AB881E4FCE}"/>
                 </a:ext>
               </a:extLst>
             </p:cNvPr>
@@ -21359,7 +21314,7 @@
               <p:cNvPr id="47" name="Group 46">
                 <a:extLst>
                   <a:ext uri="{FF2B5EF4-FFF2-40B4-BE49-F238E27FC236}">
-                    <a16:creationId xmlns="" xmlns:a16="http://schemas.microsoft.com/office/drawing/2014/main" id="{803B207F-9227-4C7D-B6CA-2592196A9D47}"/>
+                    <a16:creationId xmlns:a16="http://schemas.microsoft.com/office/drawing/2014/main" id="{803B207F-9227-4C7D-B6CA-2592196A9D47}"/>
                   </a:ext>
                 </a:extLst>
               </p:cNvPr>
@@ -21379,7 +21334,7 @@
                 <p:cNvPr id="4" name="Oval 3">
                   <a:extLst>
                     <a:ext uri="{FF2B5EF4-FFF2-40B4-BE49-F238E27FC236}">
-                      <a16:creationId xmlns="" xmlns:a16="http://schemas.microsoft.com/office/drawing/2014/main" id="{D3E7D312-B432-4692-ACCB-133AC4962466}"/>
+                      <a16:creationId xmlns:a16="http://schemas.microsoft.com/office/drawing/2014/main" id="{D3E7D312-B432-4692-ACCB-133AC4962466}"/>
                     </a:ext>
                   </a:extLst>
                 </p:cNvPr>
@@ -21445,7 +21400,7 @@
                 <p:cNvPr id="5" name="Oval 4">
                   <a:extLst>
                     <a:ext uri="{FF2B5EF4-FFF2-40B4-BE49-F238E27FC236}">
-                      <a16:creationId xmlns="" xmlns:a16="http://schemas.microsoft.com/office/drawing/2014/main" id="{95E68356-0692-4AB2-A78E-DBA0CFA1798B}"/>
+                      <a16:creationId xmlns:a16="http://schemas.microsoft.com/office/drawing/2014/main" id="{95E68356-0692-4AB2-A78E-DBA0CFA1798B}"/>
                     </a:ext>
                   </a:extLst>
                 </p:cNvPr>
@@ -21511,7 +21466,7 @@
                 <p:cNvPr id="6" name="Oval 5">
                   <a:extLst>
                     <a:ext uri="{FF2B5EF4-FFF2-40B4-BE49-F238E27FC236}">
-                      <a16:creationId xmlns="" xmlns:a16="http://schemas.microsoft.com/office/drawing/2014/main" id="{759302E7-B665-428F-B9BE-C1BFEE54D443}"/>
+                      <a16:creationId xmlns:a16="http://schemas.microsoft.com/office/drawing/2014/main" id="{759302E7-B665-428F-B9BE-C1BFEE54D443}"/>
                     </a:ext>
                   </a:extLst>
                 </p:cNvPr>
@@ -21577,7 +21532,7 @@
                 <p:cNvPr id="7" name="Oval 6">
                   <a:extLst>
                     <a:ext uri="{FF2B5EF4-FFF2-40B4-BE49-F238E27FC236}">
-                      <a16:creationId xmlns="" xmlns:a16="http://schemas.microsoft.com/office/drawing/2014/main" id="{4BD0AE82-2937-409B-91C8-048C1253D5E6}"/>
+                      <a16:creationId xmlns:a16="http://schemas.microsoft.com/office/drawing/2014/main" id="{4BD0AE82-2937-409B-91C8-048C1253D5E6}"/>
                     </a:ext>
                   </a:extLst>
                 </p:cNvPr>
@@ -21643,7 +21598,7 @@
                 <p:cNvPr id="8" name="Oval 7">
                   <a:extLst>
                     <a:ext uri="{FF2B5EF4-FFF2-40B4-BE49-F238E27FC236}">
-                      <a16:creationId xmlns="" xmlns:a16="http://schemas.microsoft.com/office/drawing/2014/main" id="{65E572A7-A8BE-4FE9-AC49-0927195BF166}"/>
+                      <a16:creationId xmlns:a16="http://schemas.microsoft.com/office/drawing/2014/main" id="{65E572A7-A8BE-4FE9-AC49-0927195BF166}"/>
                     </a:ext>
                   </a:extLst>
                 </p:cNvPr>
@@ -21709,7 +21664,7 @@
                 <p:cNvPr id="9" name="Group 8">
                   <a:extLst>
                     <a:ext uri="{FF2B5EF4-FFF2-40B4-BE49-F238E27FC236}">
-                      <a16:creationId xmlns="" xmlns:a16="http://schemas.microsoft.com/office/drawing/2014/main" id="{C8C114CA-F1CD-4EF2-A7AF-8C8E3EAED852}"/>
+                      <a16:creationId xmlns:a16="http://schemas.microsoft.com/office/drawing/2014/main" id="{C8C114CA-F1CD-4EF2-A7AF-8C8E3EAED852}"/>
                     </a:ext>
                   </a:extLst>
                 </p:cNvPr>
@@ -21729,7 +21684,7 @@
                   <p:cNvPr id="10" name="Thought Bubble: Cloud 9">
                     <a:extLst>
                       <a:ext uri="{FF2B5EF4-FFF2-40B4-BE49-F238E27FC236}">
-                        <a16:creationId xmlns="" xmlns:a16="http://schemas.microsoft.com/office/drawing/2014/main" id="{C86190B0-352B-418E-8F75-E131579278F9}"/>
+                        <a16:creationId xmlns:a16="http://schemas.microsoft.com/office/drawing/2014/main" id="{C86190B0-352B-418E-8F75-E131579278F9}"/>
                       </a:ext>
                     </a:extLst>
                   </p:cNvPr>
@@ -21791,7 +21746,7 @@
                   <p:cNvPr id="11" name="Rectangle 10">
                     <a:extLst>
                       <a:ext uri="{FF2B5EF4-FFF2-40B4-BE49-F238E27FC236}">
-                        <a16:creationId xmlns="" xmlns:a16="http://schemas.microsoft.com/office/drawing/2014/main" id="{32DEDBE5-284D-43AE-9E05-0DE7BB5C6939}"/>
+                        <a16:creationId xmlns:a16="http://schemas.microsoft.com/office/drawing/2014/main" id="{32DEDBE5-284D-43AE-9E05-0DE7BB5C6939}"/>
                       </a:ext>
                     </a:extLst>
                   </p:cNvPr>
@@ -21846,7 +21801,7 @@
                 <p:cNvPr id="12" name="Oval 11">
                   <a:extLst>
                     <a:ext uri="{FF2B5EF4-FFF2-40B4-BE49-F238E27FC236}">
-                      <a16:creationId xmlns="" xmlns:a16="http://schemas.microsoft.com/office/drawing/2014/main" id="{AA44B671-A656-4018-A85D-813B637437B7}"/>
+                      <a16:creationId xmlns:a16="http://schemas.microsoft.com/office/drawing/2014/main" id="{AA44B671-A656-4018-A85D-813B637437B7}"/>
                     </a:ext>
                   </a:extLst>
                 </p:cNvPr>
@@ -21892,7 +21847,7 @@
                 <p:cNvPr id="14" name="Oval 13">
                   <a:extLst>
                     <a:ext uri="{FF2B5EF4-FFF2-40B4-BE49-F238E27FC236}">
-                      <a16:creationId xmlns="" xmlns:a16="http://schemas.microsoft.com/office/drawing/2014/main" id="{E97AA307-8738-41A0-A762-E736829F60AB}"/>
+                      <a16:creationId xmlns:a16="http://schemas.microsoft.com/office/drawing/2014/main" id="{E97AA307-8738-41A0-A762-E736829F60AB}"/>
                     </a:ext>
                   </a:extLst>
                 </p:cNvPr>
@@ -21938,7 +21893,7 @@
                 <p:cNvPr id="16" name="Oval 15">
                   <a:extLst>
                     <a:ext uri="{FF2B5EF4-FFF2-40B4-BE49-F238E27FC236}">
-                      <a16:creationId xmlns="" xmlns:a16="http://schemas.microsoft.com/office/drawing/2014/main" id="{F5C404E6-EC1B-493D-A9A0-755AE1E82367}"/>
+                      <a16:creationId xmlns:a16="http://schemas.microsoft.com/office/drawing/2014/main" id="{F5C404E6-EC1B-493D-A9A0-755AE1E82367}"/>
                     </a:ext>
                   </a:extLst>
                 </p:cNvPr>
@@ -21984,7 +21939,7 @@
                 <p:cNvPr id="18" name="Oval 17">
                   <a:extLst>
                     <a:ext uri="{FF2B5EF4-FFF2-40B4-BE49-F238E27FC236}">
-                      <a16:creationId xmlns="" xmlns:a16="http://schemas.microsoft.com/office/drawing/2014/main" id="{F3336DF1-236D-41AF-B9A6-78488F11FDCC}"/>
+                      <a16:creationId xmlns:a16="http://schemas.microsoft.com/office/drawing/2014/main" id="{F3336DF1-236D-41AF-B9A6-78488F11FDCC}"/>
                     </a:ext>
                   </a:extLst>
                 </p:cNvPr>
@@ -22030,7 +21985,7 @@
                 <p:cNvPr id="20" name="Oval 19">
                   <a:extLst>
                     <a:ext uri="{FF2B5EF4-FFF2-40B4-BE49-F238E27FC236}">
-                      <a16:creationId xmlns="" xmlns:a16="http://schemas.microsoft.com/office/drawing/2014/main" id="{258879CB-6852-4C97-95DB-0B1485955E99}"/>
+                      <a16:creationId xmlns:a16="http://schemas.microsoft.com/office/drawing/2014/main" id="{258879CB-6852-4C97-95DB-0B1485955E99}"/>
                     </a:ext>
                   </a:extLst>
                 </p:cNvPr>
@@ -22076,7 +22031,7 @@
                 <p:cNvPr id="22" name="Oval 21">
                   <a:extLst>
                     <a:ext uri="{FF2B5EF4-FFF2-40B4-BE49-F238E27FC236}">
-                      <a16:creationId xmlns="" xmlns:a16="http://schemas.microsoft.com/office/drawing/2014/main" id="{4068F9CC-E36B-418A-B024-4C8AC161F8E8}"/>
+                      <a16:creationId xmlns:a16="http://schemas.microsoft.com/office/drawing/2014/main" id="{4068F9CC-E36B-418A-B024-4C8AC161F8E8}"/>
                     </a:ext>
                   </a:extLst>
                 </p:cNvPr>
@@ -22122,7 +22077,7 @@
                 <p:cNvPr id="24" name="Oval 23">
                   <a:extLst>
                     <a:ext uri="{FF2B5EF4-FFF2-40B4-BE49-F238E27FC236}">
-                      <a16:creationId xmlns="" xmlns:a16="http://schemas.microsoft.com/office/drawing/2014/main" id="{22A530D3-AB08-4E88-808C-8ED42DB76C06}"/>
+                      <a16:creationId xmlns:a16="http://schemas.microsoft.com/office/drawing/2014/main" id="{22A530D3-AB08-4E88-808C-8ED42DB76C06}"/>
                     </a:ext>
                   </a:extLst>
                 </p:cNvPr>
@@ -22168,7 +22123,7 @@
                 <p:cNvPr id="26" name="Oval 25">
                   <a:extLst>
                     <a:ext uri="{FF2B5EF4-FFF2-40B4-BE49-F238E27FC236}">
-                      <a16:creationId xmlns="" xmlns:a16="http://schemas.microsoft.com/office/drawing/2014/main" id="{688168A2-486A-4695-9228-816D80B75555}"/>
+                      <a16:creationId xmlns:a16="http://schemas.microsoft.com/office/drawing/2014/main" id="{688168A2-486A-4695-9228-816D80B75555}"/>
                     </a:ext>
                   </a:extLst>
                 </p:cNvPr>
@@ -22214,7 +22169,7 @@
                 <p:cNvPr id="28" name="Oval 27">
                   <a:extLst>
                     <a:ext uri="{FF2B5EF4-FFF2-40B4-BE49-F238E27FC236}">
-                      <a16:creationId xmlns="" xmlns:a16="http://schemas.microsoft.com/office/drawing/2014/main" id="{EFB68FAA-0026-44B9-AB82-88AC7871B020}"/>
+                      <a16:creationId xmlns:a16="http://schemas.microsoft.com/office/drawing/2014/main" id="{EFB68FAA-0026-44B9-AB82-88AC7871B020}"/>
                     </a:ext>
                   </a:extLst>
                 </p:cNvPr>
@@ -22260,7 +22215,7 @@
                 <p:cNvPr id="30" name="Oval 29">
                   <a:extLst>
                     <a:ext uri="{FF2B5EF4-FFF2-40B4-BE49-F238E27FC236}">
-                      <a16:creationId xmlns="" xmlns:a16="http://schemas.microsoft.com/office/drawing/2014/main" id="{7CDD712D-10B2-4C49-9666-369A73CE4E7C}"/>
+                      <a16:creationId xmlns:a16="http://schemas.microsoft.com/office/drawing/2014/main" id="{7CDD712D-10B2-4C49-9666-369A73CE4E7C}"/>
                     </a:ext>
                   </a:extLst>
                 </p:cNvPr>
@@ -22306,7 +22261,7 @@
                 <p:cNvPr id="33" name="Arrow: Right 32">
                   <a:extLst>
                     <a:ext uri="{FF2B5EF4-FFF2-40B4-BE49-F238E27FC236}">
-                      <a16:creationId xmlns="" xmlns:a16="http://schemas.microsoft.com/office/drawing/2014/main" id="{4A50923E-7BCF-4540-9DB0-2450BDA5C65D}"/>
+                      <a16:creationId xmlns:a16="http://schemas.microsoft.com/office/drawing/2014/main" id="{4A50923E-7BCF-4540-9DB0-2450BDA5C65D}"/>
                     </a:ext>
                   </a:extLst>
                 </p:cNvPr>
@@ -22363,7 +22318,7 @@
                 <p:cNvPr id="36" name="Arrow: Left-Right 35">
                   <a:extLst>
                     <a:ext uri="{FF2B5EF4-FFF2-40B4-BE49-F238E27FC236}">
-                      <a16:creationId xmlns="" xmlns:a16="http://schemas.microsoft.com/office/drawing/2014/main" id="{E1E63A5A-C227-4B35-B36C-A23366DD684A}"/>
+                      <a16:creationId xmlns:a16="http://schemas.microsoft.com/office/drawing/2014/main" id="{E1E63A5A-C227-4B35-B36C-A23366DD684A}"/>
                     </a:ext>
                   </a:extLst>
                 </p:cNvPr>
@@ -22420,7 +22375,7 @@
                 <p:cNvPr id="40" name="Arrow: Left-Right 39">
                   <a:extLst>
                     <a:ext uri="{FF2B5EF4-FFF2-40B4-BE49-F238E27FC236}">
-                      <a16:creationId xmlns="" xmlns:a16="http://schemas.microsoft.com/office/drawing/2014/main" id="{AB821C92-1877-4CA4-9535-6E41527E5CC6}"/>
+                      <a16:creationId xmlns:a16="http://schemas.microsoft.com/office/drawing/2014/main" id="{AB821C92-1877-4CA4-9535-6E41527E5CC6}"/>
                     </a:ext>
                   </a:extLst>
                 </p:cNvPr>
@@ -22477,7 +22432,7 @@
                 <p:cNvPr id="42" name="Arrow: Left-Right 41">
                   <a:extLst>
                     <a:ext uri="{FF2B5EF4-FFF2-40B4-BE49-F238E27FC236}">
-                      <a16:creationId xmlns="" xmlns:a16="http://schemas.microsoft.com/office/drawing/2014/main" id="{D484D3FB-7258-4D80-ABE9-94F83AFC30E1}"/>
+                      <a16:creationId xmlns:a16="http://schemas.microsoft.com/office/drawing/2014/main" id="{D484D3FB-7258-4D80-ABE9-94F83AFC30E1}"/>
                     </a:ext>
                   </a:extLst>
                 </p:cNvPr>
@@ -22534,7 +22489,7 @@
                 <p:cNvPr id="44" name="Arrow: Left-Right 43">
                   <a:extLst>
                     <a:ext uri="{FF2B5EF4-FFF2-40B4-BE49-F238E27FC236}">
-                      <a16:creationId xmlns="" xmlns:a16="http://schemas.microsoft.com/office/drawing/2014/main" id="{07A05D89-80A8-47C1-B52B-0B987B0E0F28}"/>
+                      <a16:creationId xmlns:a16="http://schemas.microsoft.com/office/drawing/2014/main" id="{07A05D89-80A8-47C1-B52B-0B987B0E0F28}"/>
                     </a:ext>
                   </a:extLst>
                 </p:cNvPr>
@@ -22591,7 +22546,7 @@
                 <p:cNvPr id="46" name="TextBox 45">
                   <a:extLst>
                     <a:ext uri="{FF2B5EF4-FFF2-40B4-BE49-F238E27FC236}">
-                      <a16:creationId xmlns="" xmlns:a16="http://schemas.microsoft.com/office/drawing/2014/main" id="{57A2A43D-758D-4FA8-B3D3-E40337C23868}"/>
+                      <a16:creationId xmlns:a16="http://schemas.microsoft.com/office/drawing/2014/main" id="{57A2A43D-758D-4FA8-B3D3-E40337C23868}"/>
                     </a:ext>
                   </a:extLst>
                 </p:cNvPr>
@@ -22627,7 +22582,7 @@
               <p:cNvPr id="50" name="TextBox 49">
                 <a:extLst>
                   <a:ext uri="{FF2B5EF4-FFF2-40B4-BE49-F238E27FC236}">
-                    <a16:creationId xmlns="" xmlns:a16="http://schemas.microsoft.com/office/drawing/2014/main" id="{AB899BD3-9827-4720-A88F-A50F78FDD5AD}"/>
+                    <a16:creationId xmlns:a16="http://schemas.microsoft.com/office/drawing/2014/main" id="{AB899BD3-9827-4720-A88F-A50F78FDD5AD}"/>
                   </a:ext>
                 </a:extLst>
               </p:cNvPr>
@@ -22668,7 +22623,7 @@
               <p:cNvPr id="52" name="TextBox 51">
                 <a:extLst>
                   <a:ext uri="{FF2B5EF4-FFF2-40B4-BE49-F238E27FC236}">
-                    <a16:creationId xmlns="" xmlns:a16="http://schemas.microsoft.com/office/drawing/2014/main" id="{B9AE7EDD-B5C8-4827-A10F-DE7CA0BFB5DF}"/>
+                    <a16:creationId xmlns:a16="http://schemas.microsoft.com/office/drawing/2014/main" id="{B9AE7EDD-B5C8-4827-A10F-DE7CA0BFB5DF}"/>
                   </a:ext>
                 </a:extLst>
               </p:cNvPr>
@@ -22703,7 +22658,7 @@
               <p:cNvPr id="54" name="Straight Connector 53">
                 <a:extLst>
                   <a:ext uri="{FF2B5EF4-FFF2-40B4-BE49-F238E27FC236}">
-                    <a16:creationId xmlns="" xmlns:a16="http://schemas.microsoft.com/office/drawing/2014/main" id="{25F8EA4A-8921-4FA5-A613-2345E78D567C}"/>
+                    <a16:creationId xmlns:a16="http://schemas.microsoft.com/office/drawing/2014/main" id="{25F8EA4A-8921-4FA5-A613-2345E78D567C}"/>
                   </a:ext>
                 </a:extLst>
               </p:cNvPr>
@@ -22746,7 +22701,7 @@
               <p:cNvPr id="57" name="Straight Connector 56">
                 <a:extLst>
                   <a:ext uri="{FF2B5EF4-FFF2-40B4-BE49-F238E27FC236}">
-                    <a16:creationId xmlns="" xmlns:a16="http://schemas.microsoft.com/office/drawing/2014/main" id="{88863101-6562-4949-BC02-44CF87529655}"/>
+                    <a16:creationId xmlns:a16="http://schemas.microsoft.com/office/drawing/2014/main" id="{88863101-6562-4949-BC02-44CF87529655}"/>
                   </a:ext>
                 </a:extLst>
               </p:cNvPr>
@@ -22789,7 +22744,7 @@
               <p:cNvPr id="63" name="Straight Connector 62">
                 <a:extLst>
                   <a:ext uri="{FF2B5EF4-FFF2-40B4-BE49-F238E27FC236}">
-                    <a16:creationId xmlns="" xmlns:a16="http://schemas.microsoft.com/office/drawing/2014/main" id="{F292D9F9-D093-415A-AA5B-13C3D08F2A0A}"/>
+                    <a16:creationId xmlns:a16="http://schemas.microsoft.com/office/drawing/2014/main" id="{F292D9F9-D093-415A-AA5B-13C3D08F2A0A}"/>
                   </a:ext>
                 </a:extLst>
               </p:cNvPr>
@@ -22832,7 +22787,7 @@
               <p:cNvPr id="67" name="TextBox 66">
                 <a:extLst>
                   <a:ext uri="{FF2B5EF4-FFF2-40B4-BE49-F238E27FC236}">
-                    <a16:creationId xmlns="" xmlns:a16="http://schemas.microsoft.com/office/drawing/2014/main" id="{4A65F50F-C61E-46B1-AD64-C72D6C3068D9}"/>
+                    <a16:creationId xmlns:a16="http://schemas.microsoft.com/office/drawing/2014/main" id="{4A65F50F-C61E-46B1-AD64-C72D6C3068D9}"/>
                   </a:ext>
                 </a:extLst>
               </p:cNvPr>
@@ -22868,7 +22823,7 @@
             <p:cNvPr id="72" name="TextBox 71">
               <a:extLst>
                 <a:ext uri="{FF2B5EF4-FFF2-40B4-BE49-F238E27FC236}">
-                  <a16:creationId xmlns="" xmlns:a16="http://schemas.microsoft.com/office/drawing/2014/main" id="{8A7B4442-4664-4822-981A-C3EF36B0A164}"/>
+                  <a16:creationId xmlns:a16="http://schemas.microsoft.com/office/drawing/2014/main" id="{8A7B4442-4664-4822-981A-C3EF36B0A164}"/>
                 </a:ext>
               </a:extLst>
             </p:cNvPr>
@@ -22934,7 +22889,7 @@
           <p:cNvPr id="2" name="Title 1">
             <a:extLst>
               <a:ext uri="{FF2B5EF4-FFF2-40B4-BE49-F238E27FC236}">
-                <a16:creationId xmlns="" xmlns:a16="http://schemas.microsoft.com/office/drawing/2014/main" id="{D3A7EA56-32C9-43EF-9DB6-F553FD6690DC}"/>
+                <a16:creationId xmlns:a16="http://schemas.microsoft.com/office/drawing/2014/main" id="{D3A7EA56-32C9-43EF-9DB6-F553FD6690DC}"/>
               </a:ext>
             </a:extLst>
           </p:cNvPr>
@@ -22962,7 +22917,7 @@
           <p:cNvPr id="5" name="Picture 4">
             <a:extLst>
               <a:ext uri="{FF2B5EF4-FFF2-40B4-BE49-F238E27FC236}">
-                <a16:creationId xmlns="" xmlns:a16="http://schemas.microsoft.com/office/drawing/2014/main" id="{E6977823-47CA-4045-AED7-49481F31C128}"/>
+                <a16:creationId xmlns:a16="http://schemas.microsoft.com/office/drawing/2014/main" id="{E6977823-47CA-4045-AED7-49481F31C128}"/>
               </a:ext>
             </a:extLst>
           </p:cNvPr>
@@ -22992,7 +22947,7 @@
           <p:cNvPr id="9" name="TextBox 8">
             <a:extLst>
               <a:ext uri="{FF2B5EF4-FFF2-40B4-BE49-F238E27FC236}">
-                <a16:creationId xmlns="" xmlns:a16="http://schemas.microsoft.com/office/drawing/2014/main" id="{A7E3692B-A3CC-4E2D-87CC-597D6D25B12A}"/>
+                <a16:creationId xmlns:a16="http://schemas.microsoft.com/office/drawing/2014/main" id="{A7E3692B-A3CC-4E2D-87CC-597D6D25B12A}"/>
               </a:ext>
             </a:extLst>
           </p:cNvPr>
@@ -23048,7 +23003,7 @@
           <p:cNvPr id="8" name="TextBox 7">
             <a:extLst>
               <a:ext uri="{FF2B5EF4-FFF2-40B4-BE49-F238E27FC236}">
-                <a16:creationId xmlns="" xmlns:a16="http://schemas.microsoft.com/office/drawing/2014/main" id="{B11EB525-0EC1-4CB6-87F3-C4309BD251EF}"/>
+                <a16:creationId xmlns:a16="http://schemas.microsoft.com/office/drawing/2014/main" id="{B11EB525-0EC1-4CB6-87F3-C4309BD251EF}"/>
               </a:ext>
             </a:extLst>
           </p:cNvPr>
@@ -23110,7 +23065,7 @@
           <p:cNvPr id="11" name="TextBox 10">
             <a:extLst>
               <a:ext uri="{FF2B5EF4-FFF2-40B4-BE49-F238E27FC236}">
-                <a16:creationId xmlns="" xmlns:a16="http://schemas.microsoft.com/office/drawing/2014/main" id="{9A2157B7-E7E8-47A0-8F37-6C567EF77237}"/>
+                <a16:creationId xmlns:a16="http://schemas.microsoft.com/office/drawing/2014/main" id="{9A2157B7-E7E8-47A0-8F37-6C567EF77237}"/>
               </a:ext>
             </a:extLst>
           </p:cNvPr>
@@ -23178,7 +23133,7 @@
           <p:cNvPr id="13" name="Rectangle 12">
             <a:extLst>
               <a:ext uri="{FF2B5EF4-FFF2-40B4-BE49-F238E27FC236}">
-                <a16:creationId xmlns="" xmlns:a16="http://schemas.microsoft.com/office/drawing/2014/main" id="{9CA4E2B0-1993-4B16-8D80-9AEBF2B71CA9}"/>
+                <a16:creationId xmlns:a16="http://schemas.microsoft.com/office/drawing/2014/main" id="{9CA4E2B0-1993-4B16-8D80-9AEBF2B71CA9}"/>
               </a:ext>
             </a:extLst>
           </p:cNvPr>
@@ -23261,7 +23216,7 @@
           <p:cNvPr id="2" name="Title 1">
             <a:extLst>
               <a:ext uri="{FF2B5EF4-FFF2-40B4-BE49-F238E27FC236}">
-                <a16:creationId xmlns="" xmlns:a16="http://schemas.microsoft.com/office/drawing/2014/main" id="{0F76E18E-4E8C-4EDB-ADD6-DB66A8666968}"/>
+                <a16:creationId xmlns:a16="http://schemas.microsoft.com/office/drawing/2014/main" id="{0F76E18E-4E8C-4EDB-ADD6-DB66A8666968}"/>
               </a:ext>
             </a:extLst>
           </p:cNvPr>
@@ -23289,7 +23244,7 @@
           <p:cNvPr id="3" name="Content Placeholder 2">
             <a:extLst>
               <a:ext uri="{FF2B5EF4-FFF2-40B4-BE49-F238E27FC236}">
-                <a16:creationId xmlns="" xmlns:a16="http://schemas.microsoft.com/office/drawing/2014/main" id="{BA9B5572-9A24-4E04-826D-C1E499125FEE}"/>
+                <a16:creationId xmlns:a16="http://schemas.microsoft.com/office/drawing/2014/main" id="{BA9B5572-9A24-4E04-826D-C1E499125FEE}"/>
               </a:ext>
             </a:extLst>
           </p:cNvPr>
@@ -23409,7 +23364,7 @@
           <p:cNvPr id="2" name="Title 1">
             <a:extLst>
               <a:ext uri="{FF2B5EF4-FFF2-40B4-BE49-F238E27FC236}">
-                <a16:creationId xmlns="" xmlns:a16="http://schemas.microsoft.com/office/drawing/2014/main" id="{03CEB496-78CB-4BD5-9B77-82C68C2B80BA}"/>
+                <a16:creationId xmlns:a16="http://schemas.microsoft.com/office/drawing/2014/main" id="{03CEB496-78CB-4BD5-9B77-82C68C2B80BA}"/>
               </a:ext>
             </a:extLst>
           </p:cNvPr>
@@ -23437,7 +23392,7 @@
           <p:cNvPr id="3" name="Content Placeholder 2">
             <a:extLst>
               <a:ext uri="{FF2B5EF4-FFF2-40B4-BE49-F238E27FC236}">
-                <a16:creationId xmlns="" xmlns:a16="http://schemas.microsoft.com/office/drawing/2014/main" id="{BF23DAF3-3FFD-4836-ABC8-286E2B87A313}"/>
+                <a16:creationId xmlns:a16="http://schemas.microsoft.com/office/drawing/2014/main" id="{BF23DAF3-3FFD-4836-ABC8-286E2B87A313}"/>
               </a:ext>
             </a:extLst>
           </p:cNvPr>
@@ -23565,7 +23520,7 @@
           <p:cNvPr id="5" name="TextBox 4">
             <a:extLst>
               <a:ext uri="{FF2B5EF4-FFF2-40B4-BE49-F238E27FC236}">
-                <a16:creationId xmlns="" xmlns:a16="http://schemas.microsoft.com/office/drawing/2014/main" id="{8A1F2693-211D-4499-BD27-534857167DA4}"/>
+                <a16:creationId xmlns:a16="http://schemas.microsoft.com/office/drawing/2014/main" id="{8A1F2693-211D-4499-BD27-534857167DA4}"/>
               </a:ext>
             </a:extLst>
           </p:cNvPr>
@@ -23633,7 +23588,7 @@
           <p:cNvPr id="2" name="Title 1">
             <a:extLst>
               <a:ext uri="{FF2B5EF4-FFF2-40B4-BE49-F238E27FC236}">
-                <a16:creationId xmlns="" xmlns:a16="http://schemas.microsoft.com/office/drawing/2014/main" id="{7181D34F-44FC-48DD-A910-7C21DA3ED0C6}"/>
+                <a16:creationId xmlns:a16="http://schemas.microsoft.com/office/drawing/2014/main" id="{7181D34F-44FC-48DD-A910-7C21DA3ED0C6}"/>
               </a:ext>
             </a:extLst>
           </p:cNvPr>
@@ -23661,7 +23616,7 @@
           <p:cNvPr id="3" name="Content Placeholder 2">
             <a:extLst>
               <a:ext uri="{FF2B5EF4-FFF2-40B4-BE49-F238E27FC236}">
-                <a16:creationId xmlns="" xmlns:a16="http://schemas.microsoft.com/office/drawing/2014/main" id="{586076D6-3B9C-4D27-A11B-14984490997D}"/>
+                <a16:creationId xmlns:a16="http://schemas.microsoft.com/office/drawing/2014/main" id="{586076D6-3B9C-4D27-A11B-14984490997D}"/>
               </a:ext>
             </a:extLst>
           </p:cNvPr>
@@ -23760,7 +23715,7 @@
           <p:cNvPr id="7" name="TextBox 6">
             <a:extLst>
               <a:ext uri="{FF2B5EF4-FFF2-40B4-BE49-F238E27FC236}">
-                <a16:creationId xmlns="" xmlns:a16="http://schemas.microsoft.com/office/drawing/2014/main" id="{ED59FCA5-F888-410C-8125-244F05ABF6C3}"/>
+                <a16:creationId xmlns:a16="http://schemas.microsoft.com/office/drawing/2014/main" id="{ED59FCA5-F888-410C-8125-244F05ABF6C3}"/>
               </a:ext>
             </a:extLst>
           </p:cNvPr>
@@ -23904,7 +23859,7 @@
           <p:cNvPr id="2" name="Title 1">
             <a:extLst>
               <a:ext uri="{FF2B5EF4-FFF2-40B4-BE49-F238E27FC236}">
-                <a16:creationId xmlns="" xmlns:a16="http://schemas.microsoft.com/office/drawing/2014/main" id="{A92BD87F-D52D-4C96-B43A-0E0B3BFEA521}"/>
+                <a16:creationId xmlns:a16="http://schemas.microsoft.com/office/drawing/2014/main" id="{A92BD87F-D52D-4C96-B43A-0E0B3BFEA521}"/>
               </a:ext>
             </a:extLst>
           </p:cNvPr>
@@ -23932,7 +23887,7 @@
           <p:cNvPr id="3" name="Content Placeholder 2">
             <a:extLst>
               <a:ext uri="{FF2B5EF4-FFF2-40B4-BE49-F238E27FC236}">
-                <a16:creationId xmlns="" xmlns:a16="http://schemas.microsoft.com/office/drawing/2014/main" id="{C628EA94-82E0-4930-9F27-D7A7FBAFA050}"/>
+                <a16:creationId xmlns:a16="http://schemas.microsoft.com/office/drawing/2014/main" id="{C628EA94-82E0-4930-9F27-D7A7FBAFA050}"/>
               </a:ext>
             </a:extLst>
           </p:cNvPr>
@@ -23985,7 +23940,7 @@
           <p:cNvPr id="5" name="TextBox 4">
             <a:extLst>
               <a:ext uri="{FF2B5EF4-FFF2-40B4-BE49-F238E27FC236}">
-                <a16:creationId xmlns="" xmlns:a16="http://schemas.microsoft.com/office/drawing/2014/main" id="{055ADDF3-FA0C-4B31-8C25-788B16515B14}"/>
+                <a16:creationId xmlns:a16="http://schemas.microsoft.com/office/drawing/2014/main" id="{055ADDF3-FA0C-4B31-8C25-788B16515B14}"/>
               </a:ext>
             </a:extLst>
           </p:cNvPr>
@@ -24099,7 +24054,7 @@
           <p:cNvPr id="7" name="TextBox 6">
             <a:extLst>
               <a:ext uri="{FF2B5EF4-FFF2-40B4-BE49-F238E27FC236}">
-                <a16:creationId xmlns="" xmlns:a16="http://schemas.microsoft.com/office/drawing/2014/main" id="{C4944946-6B63-47A9-BC0C-03BA26242CE1}"/>
+                <a16:creationId xmlns:a16="http://schemas.microsoft.com/office/drawing/2014/main" id="{C4944946-6B63-47A9-BC0C-03BA26242CE1}"/>
               </a:ext>
             </a:extLst>
           </p:cNvPr>
@@ -24317,7 +24272,7 @@
           <p:cNvPr id="9" name="TextBox 8">
             <a:extLst>
               <a:ext uri="{FF2B5EF4-FFF2-40B4-BE49-F238E27FC236}">
-                <a16:creationId xmlns="" xmlns:a16="http://schemas.microsoft.com/office/drawing/2014/main" id="{8910F1C5-F5B4-44C7-BBDA-C58F4292D3CB}"/>
+                <a16:creationId xmlns:a16="http://schemas.microsoft.com/office/drawing/2014/main" id="{8910F1C5-F5B4-44C7-BBDA-C58F4292D3CB}"/>
               </a:ext>
             </a:extLst>
           </p:cNvPr>
@@ -24355,7 +24310,7 @@
           <p:cNvPr id="10" name="TextBox 9">
             <a:extLst>
               <a:ext uri="{FF2B5EF4-FFF2-40B4-BE49-F238E27FC236}">
-                <a16:creationId xmlns="" xmlns:a16="http://schemas.microsoft.com/office/drawing/2014/main" id="{9D807C29-645E-433F-8289-2C5E5E9DFE26}"/>
+                <a16:creationId xmlns:a16="http://schemas.microsoft.com/office/drawing/2014/main" id="{9D807C29-645E-433F-8289-2C5E5E9DFE26}"/>
               </a:ext>
             </a:extLst>
           </p:cNvPr>
@@ -24395,7 +24350,7 @@
           <p:cNvPr id="12" name="TextBox 11">
             <a:extLst>
               <a:ext uri="{FF2B5EF4-FFF2-40B4-BE49-F238E27FC236}">
-                <a16:creationId xmlns="" xmlns:a16="http://schemas.microsoft.com/office/drawing/2014/main" id="{65C9A42A-9879-46A0-90D5-731F9FB6971E}"/>
+                <a16:creationId xmlns:a16="http://schemas.microsoft.com/office/drawing/2014/main" id="{65C9A42A-9879-46A0-90D5-731F9FB6971E}"/>
               </a:ext>
             </a:extLst>
           </p:cNvPr>
@@ -24445,7 +24400,7 @@
           <p:cNvPr id="14" name="TextBox 13">
             <a:extLst>
               <a:ext uri="{FF2B5EF4-FFF2-40B4-BE49-F238E27FC236}">
-                <a16:creationId xmlns="" xmlns:a16="http://schemas.microsoft.com/office/drawing/2014/main" id="{8E1EE531-94B8-4A7D-B439-9BAC086298BB}"/>
+                <a16:creationId xmlns:a16="http://schemas.microsoft.com/office/drawing/2014/main" id="{8E1EE531-94B8-4A7D-B439-9BAC086298BB}"/>
               </a:ext>
             </a:extLst>
           </p:cNvPr>
@@ -24485,7 +24440,7 @@
           <p:cNvPr id="16" name="TextBox 15">
             <a:extLst>
               <a:ext uri="{FF2B5EF4-FFF2-40B4-BE49-F238E27FC236}">
-                <a16:creationId xmlns="" xmlns:a16="http://schemas.microsoft.com/office/drawing/2014/main" id="{CC4B2F9B-95B1-437D-A229-B6385735C3DA}"/>
+                <a16:creationId xmlns:a16="http://schemas.microsoft.com/office/drawing/2014/main" id="{CC4B2F9B-95B1-437D-A229-B6385735C3DA}"/>
               </a:ext>
             </a:extLst>
           </p:cNvPr>
@@ -24525,7 +24480,7 @@
           <p:cNvPr id="18" name="Straight Arrow Connector 17">
             <a:extLst>
               <a:ext uri="{FF2B5EF4-FFF2-40B4-BE49-F238E27FC236}">
-                <a16:creationId xmlns="" xmlns:a16="http://schemas.microsoft.com/office/drawing/2014/main" id="{DDF8212A-11F3-4191-84E7-47F384527255}"/>
+                <a16:creationId xmlns:a16="http://schemas.microsoft.com/office/drawing/2014/main" id="{DDF8212A-11F3-4191-84E7-47F384527255}"/>
               </a:ext>
             </a:extLst>
           </p:cNvPr>
@@ -24566,7 +24521,7 @@
           <p:cNvPr id="21" name="Straight Arrow Connector 20">
             <a:extLst>
               <a:ext uri="{FF2B5EF4-FFF2-40B4-BE49-F238E27FC236}">
-                <a16:creationId xmlns="" xmlns:a16="http://schemas.microsoft.com/office/drawing/2014/main" id="{E837500F-62C8-48D3-8DF6-A0AA841AC9D9}"/>
+                <a16:creationId xmlns:a16="http://schemas.microsoft.com/office/drawing/2014/main" id="{E837500F-62C8-48D3-8DF6-A0AA841AC9D9}"/>
               </a:ext>
             </a:extLst>
           </p:cNvPr>
@@ -24607,7 +24562,7 @@
           <p:cNvPr id="24" name="Straight Arrow Connector 23">
             <a:extLst>
               <a:ext uri="{FF2B5EF4-FFF2-40B4-BE49-F238E27FC236}">
-                <a16:creationId xmlns="" xmlns:a16="http://schemas.microsoft.com/office/drawing/2014/main" id="{F3481570-CF28-48FA-A37B-FF7301B51A03}"/>
+                <a16:creationId xmlns:a16="http://schemas.microsoft.com/office/drawing/2014/main" id="{F3481570-CF28-48FA-A37B-FF7301B51A03}"/>
               </a:ext>
             </a:extLst>
           </p:cNvPr>
@@ -24649,7 +24604,7 @@
           <p:cNvPr id="27" name="Straight Arrow Connector 26">
             <a:extLst>
               <a:ext uri="{FF2B5EF4-FFF2-40B4-BE49-F238E27FC236}">
-                <a16:creationId xmlns="" xmlns:a16="http://schemas.microsoft.com/office/drawing/2014/main" id="{166B959A-3A7B-4599-A457-7A7BC6E8CC59}"/>
+                <a16:creationId xmlns:a16="http://schemas.microsoft.com/office/drawing/2014/main" id="{166B959A-3A7B-4599-A457-7A7BC6E8CC59}"/>
               </a:ext>
             </a:extLst>
           </p:cNvPr>
@@ -24690,7 +24645,7 @@
           <p:cNvPr id="29" name="Right Brace 28">
             <a:extLst>
               <a:ext uri="{FF2B5EF4-FFF2-40B4-BE49-F238E27FC236}">
-                <a16:creationId xmlns="" xmlns:a16="http://schemas.microsoft.com/office/drawing/2014/main" id="{B52FB727-2B3C-40D2-B877-0DB28589F1AE}"/>
+                <a16:creationId xmlns:a16="http://schemas.microsoft.com/office/drawing/2014/main" id="{B52FB727-2B3C-40D2-B877-0DB28589F1AE}"/>
               </a:ext>
             </a:extLst>
           </p:cNvPr>
